--- a/Courses/Software-Sciences/Module-2-DS-and-Algo/03.1-Stack-and-Queue-Basics/03.1-Stack-and-Queue-Basics.pptx
+++ b/Courses/Software-Sciences/Module-2-DS-and-Algo/03.1-Stack-and-Queue-Basics/03.1-Stack-and-Queue-Basics.pptx
@@ -154,7 +154,7 @@
             <p14:sldId id="257"/>
           </p14:sldIdLst>
         </p14:section>
-        <p14:section name="Линейни структури от данни" id="{B4313D5A-4860-41C6-9ED1-ED09D2CBF358}">
+        <p14:section name="Структури от данни" id="{B4313D5A-4860-41C6-9ED1-ED09D2CBF358}">
           <p14:sldIdLst>
             <p14:sldId id="730"/>
             <p14:sldId id="728"/>
@@ -163,7 +163,7 @@
             <p14:sldId id="729"/>
           </p14:sldIdLst>
         </p14:section>
-        <p14:section name="Стекове" id="{4C0A2BF5-49EF-49B2-A251-E79272C1AAE0}">
+        <p14:section name="Стек" id="{4C0A2BF5-49EF-49B2-A251-E79272C1AAE0}">
           <p14:sldIdLst>
             <p14:sldId id="259"/>
             <p14:sldId id="260"/>
@@ -331,7 +331,7 @@
           <a:p>
             <a:fld id="{4E087215-0C8F-4762-A664-737A353EC9A4}" type="datetimeFigureOut">
               <a:rPr lang="bg-BG" smtClean="0"/>
-              <a:t>6.7.2023 г.</a:t>
+              <a:t>18.08.23 г.</a:t>
             </a:fld>
             <a:endParaRPr lang="bg-BG" dirty="0"/>
           </a:p>
@@ -522,7 +522,7 @@
           <a:p>
             <a:fld id="{72D84649-876A-46C9-8472-14CB09C070D8}" type="datetimeFigureOut">
               <a:rPr lang="en-US" smtClean="0"/>
-              <a:t>7/6/2023</a:t>
+              <a:t>8/18/23</a:t>
             </a:fld>
             <a:endParaRPr lang="en-US" dirty="0"/>
           </a:p>
@@ -1229,540 +1229,6 @@
           <a:bodyPr/>
           <a:lstStyle/>
           <a:p>
-            <a:pPr>
-              <a:lnSpc>
-                <a:spcPct val="100000"/>
-              </a:lnSpc>
-            </a:pPr>
-            <a:r>
-              <a:rPr lang="en-US" sz="1200" b="1" dirty="0"/>
-              <a:t>Data structures </a:t>
-            </a:r>
-            <a:r>
-              <a:rPr lang="en-US" sz="1200" dirty="0"/>
-              <a:t>are representations of data in the computer memory, which allow efficient access and modification.</a:t>
-            </a:r>
-          </a:p>
-          <a:p>
-            <a:pPr marL="171450" indent="-171450">
-              <a:lnSpc>
-                <a:spcPct val="100000"/>
-              </a:lnSpc>
-              <a:buFont typeface="Arial" panose="020B0604020202020204" pitchFamily="34" charset="0"/>
-              <a:buChar char="•"/>
-            </a:pPr>
-            <a:r>
-              <a:rPr lang="en-US" sz="1200" dirty="0"/>
-              <a:t>This is a pretty </a:t>
-            </a:r>
-            <a:r>
-              <a:rPr lang="en-US" sz="1200" b="1" dirty="0"/>
-              <a:t>big topic</a:t>
-            </a:r>
-            <a:r>
-              <a:rPr lang="en-US" sz="1200" dirty="0"/>
-              <a:t>.</a:t>
-            </a:r>
-          </a:p>
-          <a:p>
-            <a:pPr marL="171450" indent="-171450">
-              <a:lnSpc>
-                <a:spcPct val="100000"/>
-              </a:lnSpc>
-              <a:buFont typeface="Arial" panose="020B0604020202020204" pitchFamily="34" charset="0"/>
-              <a:buChar char="•"/>
-            </a:pPr>
-            <a:r>
-              <a:rPr lang="en-US" sz="1200" b="1" dirty="0"/>
-              <a:t>Hundreds of books </a:t>
-            </a:r>
-            <a:r>
-              <a:rPr lang="en-US" sz="1200" dirty="0"/>
-              <a:t>are written about data structures.</a:t>
-            </a:r>
-          </a:p>
-          <a:p>
-            <a:pPr marL="171450" indent="-171450">
-              <a:lnSpc>
-                <a:spcPct val="100000"/>
-              </a:lnSpc>
-              <a:buFont typeface="Arial" panose="020B0604020202020204" pitchFamily="34" charset="0"/>
-              <a:buChar char="•"/>
-            </a:pPr>
-            <a:r>
-              <a:rPr lang="en-US" sz="1200" dirty="0"/>
-              <a:t>Data structures can be </a:t>
-            </a:r>
-            <a:r>
-              <a:rPr lang="en-US" sz="1200" b="1" dirty="0"/>
-              <a:t>linear structures</a:t>
-            </a:r>
-            <a:r>
-              <a:rPr lang="en-US" sz="1200" dirty="0"/>
-              <a:t> (such as arrays and lists), </a:t>
-            </a:r>
-            <a:r>
-              <a:rPr lang="en-US" sz="1200" b="1" dirty="0"/>
-              <a:t>tree-like structures </a:t>
-            </a:r>
-            <a:r>
-              <a:rPr lang="en-US" sz="1200" dirty="0"/>
-              <a:t>(such</a:t>
-            </a:r>
-            <a:r>
-              <a:rPr lang="bg-BG" sz="1200" dirty="0"/>
-              <a:t> </a:t>
-            </a:r>
-            <a:r>
-              <a:rPr lang="en-US" sz="1200" dirty="0"/>
-              <a:t>as balanced trees), </a:t>
-            </a:r>
-            <a:r>
-              <a:rPr lang="en-US" sz="1200" b="1" dirty="0"/>
-              <a:t>graph-like structures </a:t>
-            </a:r>
-            <a:r>
-              <a:rPr lang="en-US" sz="1200" dirty="0"/>
-              <a:t>(such as graphs), </a:t>
-            </a:r>
-            <a:r>
-              <a:rPr lang="en-US" sz="1200" b="1" dirty="0"/>
-              <a:t>hash-based structures </a:t>
-            </a:r>
-            <a:r>
-              <a:rPr lang="en-US" sz="1200" dirty="0"/>
-              <a:t>(such as hash-tables) and others.</a:t>
-            </a:r>
-          </a:p>
-          <a:p>
-            <a:pPr>
-              <a:lnSpc>
-                <a:spcPct val="100000"/>
-              </a:lnSpc>
-            </a:pPr>
-            <a:endParaRPr lang="en-US" sz="1200" dirty="0"/>
-          </a:p>
-          <a:p>
-            <a:pPr>
-              <a:lnSpc>
-                <a:spcPct val="100000"/>
-              </a:lnSpc>
-            </a:pPr>
-            <a:r>
-              <a:rPr lang="en-US" sz="1200" b="1" dirty="0"/>
-              <a:t>Linear data types</a:t>
-            </a:r>
-            <a:r>
-              <a:rPr lang="en-US" sz="1200" dirty="0"/>
-              <a:t> are the most commonly used data structures in programming.</a:t>
-            </a:r>
-          </a:p>
-          <a:p>
-            <a:pPr marL="171450" indent="-171450">
-              <a:lnSpc>
-                <a:spcPct val="100000"/>
-              </a:lnSpc>
-              <a:buFont typeface="Arial" panose="020B0604020202020204" pitchFamily="34" charset="0"/>
-              <a:buChar char="•"/>
-            </a:pPr>
-            <a:r>
-              <a:rPr lang="en-US" sz="1200" dirty="0"/>
-              <a:t>They represent </a:t>
-            </a:r>
-            <a:r>
-              <a:rPr lang="en-US" sz="1200" b="1" dirty="0"/>
-              <a:t>sequences of elements</a:t>
-            </a:r>
-            <a:r>
-              <a:rPr lang="en-US" sz="1200" dirty="0"/>
-              <a:t>, which can be ordered or not, indexed or not, linked to the next element or not, etc</a:t>
-            </a:r>
-            <a:r>
-              <a:rPr lang="bg-BG" sz="1200" dirty="0"/>
-              <a:t>.</a:t>
-            </a:r>
-          </a:p>
-          <a:p>
-            <a:pPr marL="171450" indent="-171450">
-              <a:lnSpc>
-                <a:spcPct val="100000"/>
-              </a:lnSpc>
-              <a:buFont typeface="Arial" panose="020B0604020202020204" pitchFamily="34" charset="0"/>
-              <a:buChar char="•"/>
-            </a:pPr>
-            <a:r>
-              <a:rPr lang="en-US" sz="1200" dirty="0"/>
-              <a:t>Examples of linear data structures are </a:t>
-            </a:r>
-            <a:r>
-              <a:rPr lang="en-US" sz="1200" b="1" dirty="0"/>
-              <a:t>arrays</a:t>
-            </a:r>
-            <a:r>
-              <a:rPr lang="en-US" sz="1200" dirty="0"/>
-              <a:t>, </a:t>
-            </a:r>
-            <a:r>
-              <a:rPr lang="en-US" sz="1200" b="1" dirty="0"/>
-              <a:t>lists</a:t>
-            </a:r>
-            <a:r>
-              <a:rPr lang="en-US" sz="1200" dirty="0"/>
-              <a:t>, </a:t>
-            </a:r>
-            <a:r>
-              <a:rPr lang="en-US" sz="1200" b="1" dirty="0"/>
-              <a:t>stacks</a:t>
-            </a:r>
-            <a:r>
-              <a:rPr lang="bg-BG" sz="1200" dirty="0"/>
-              <a:t> </a:t>
-            </a:r>
-            <a:r>
-              <a:rPr lang="en-US" sz="1200" dirty="0"/>
-              <a:t>and</a:t>
-            </a:r>
-            <a:r>
-              <a:rPr lang="bg-BG" sz="1200" dirty="0"/>
-              <a:t> </a:t>
-            </a:r>
-            <a:r>
-              <a:rPr lang="en-US" sz="1200" b="1" dirty="0"/>
-              <a:t>queues</a:t>
-            </a:r>
-            <a:r>
-              <a:rPr lang="en-US" sz="1200" dirty="0"/>
-              <a:t>.</a:t>
-            </a:r>
-          </a:p>
-          <a:p>
-            <a:endParaRPr lang="en-US" dirty="0"/>
-          </a:p>
-          <a:p>
-            <a:r>
-              <a:rPr lang="en-US" dirty="0"/>
-              <a:t>This is how </a:t>
-            </a:r>
-            <a:r>
-              <a:rPr lang="en-US" b="1" dirty="0"/>
-              <a:t>arrays</a:t>
-            </a:r>
-            <a:r>
-              <a:rPr lang="en-US" dirty="0"/>
-              <a:t> and </a:t>
-            </a:r>
-            <a:r>
-              <a:rPr lang="en-US" b="1" dirty="0"/>
-              <a:t>array-based lists </a:t>
-            </a:r>
-            <a:r>
-              <a:rPr lang="en-US" dirty="0"/>
-              <a:t>look like in most programming languages and platforms:</a:t>
-            </a:r>
-          </a:p>
-          <a:p>
-            <a:pPr marL="171450" indent="-171450">
-              <a:buFont typeface="Arial" panose="020B0604020202020204" pitchFamily="34" charset="0"/>
-              <a:buChar char="•"/>
-            </a:pPr>
-            <a:r>
-              <a:rPr lang="en-US" dirty="0"/>
-              <a:t>They are </a:t>
-            </a:r>
-            <a:r>
-              <a:rPr lang="en-US" b="1" dirty="0"/>
-              <a:t>sequences of elements</a:t>
-            </a:r>
-            <a:r>
-              <a:rPr lang="en-US" dirty="0"/>
-              <a:t>, which are directly accessible by their </a:t>
-            </a:r>
-            <a:r>
-              <a:rPr lang="en-US" b="1" dirty="0"/>
-              <a:t>position</a:t>
-            </a:r>
-            <a:r>
-              <a:rPr lang="en-US" dirty="0"/>
-              <a:t> (which is called "</a:t>
-            </a:r>
-            <a:r>
-              <a:rPr lang="en-US" b="1" dirty="0"/>
-              <a:t>index</a:t>
-            </a:r>
-            <a:r>
-              <a:rPr lang="en-US" dirty="0"/>
-              <a:t>").</a:t>
-            </a:r>
-          </a:p>
-          <a:p>
-            <a:pPr marL="0" indent="0">
-              <a:buFont typeface="Arial" panose="020B0604020202020204" pitchFamily="34" charset="0"/>
-              <a:buNone/>
-            </a:pPr>
-            <a:endParaRPr lang="en-US" dirty="0"/>
-          </a:p>
-          <a:p>
-            <a:pPr marL="0" indent="0">
-              <a:buFont typeface="Arial" panose="020B0604020202020204" pitchFamily="34" charset="0"/>
-              <a:buNone/>
-            </a:pPr>
-            <a:r>
-              <a:rPr lang="en-US" dirty="0"/>
-              <a:t>This is an example of </a:t>
-            </a:r>
-            <a:r>
-              <a:rPr lang="en-US" b="1" dirty="0"/>
-              <a:t>linked-list</a:t>
-            </a:r>
-            <a:r>
-              <a:rPr lang="en-US" dirty="0"/>
-              <a:t>.</a:t>
-            </a:r>
-          </a:p>
-          <a:p>
-            <a:pPr marL="171450" indent="-171450">
-              <a:buFont typeface="Arial" panose="020B0604020202020204" pitchFamily="34" charset="0"/>
-              <a:buChar char="•"/>
-            </a:pPr>
-            <a:r>
-              <a:rPr lang="en-US" dirty="0"/>
-              <a:t>It consists of </a:t>
-            </a:r>
-            <a:r>
-              <a:rPr lang="en-US" b="1" dirty="0"/>
-              <a:t>elements</a:t>
-            </a:r>
-            <a:r>
-              <a:rPr lang="en-US" dirty="0"/>
-              <a:t>, where each element knows its </a:t>
-            </a:r>
-            <a:r>
-              <a:rPr lang="en-US" b="1" dirty="0"/>
-              <a:t>next element</a:t>
-            </a:r>
-            <a:r>
-              <a:rPr lang="en-US" dirty="0"/>
-              <a:t>.</a:t>
-            </a:r>
-          </a:p>
-          <a:p>
-            <a:pPr marL="171450" indent="-171450">
-              <a:buFont typeface="Arial" panose="020B0604020202020204" pitchFamily="34" charset="0"/>
-              <a:buChar char="•"/>
-            </a:pPr>
-            <a:r>
-              <a:rPr lang="en-US" dirty="0"/>
-              <a:t>The </a:t>
-            </a:r>
-            <a:r>
-              <a:rPr lang="en-US" b="1" dirty="0"/>
-              <a:t>last element </a:t>
-            </a:r>
-            <a:r>
-              <a:rPr lang="en-US" dirty="0"/>
-              <a:t>has "</a:t>
-            </a:r>
-            <a:r>
-              <a:rPr lang="en-US" b="1" dirty="0"/>
-              <a:t>null</a:t>
-            </a:r>
-            <a:r>
-              <a:rPr lang="en-US" dirty="0"/>
-              <a:t>" (or missing value) as next element.</a:t>
-            </a:r>
-          </a:p>
-          <a:p>
-            <a:pPr marL="171450" indent="-171450">
-              <a:buFont typeface="Arial" panose="020B0604020202020204" pitchFamily="34" charset="0"/>
-              <a:buChar char="•"/>
-            </a:pPr>
-            <a:r>
-              <a:rPr lang="en-US" dirty="0"/>
-              <a:t>Unlike array-based lists, linked list </a:t>
-            </a:r>
-            <a:r>
-              <a:rPr lang="en-US" b="1" dirty="0"/>
-              <a:t>do not provide direct access by index</a:t>
-            </a:r>
-            <a:r>
-              <a:rPr lang="en-US" dirty="0"/>
-              <a:t>.</a:t>
-            </a:r>
-            <a:endParaRPr lang="bg-BG" dirty="0"/>
-          </a:p>
-          <a:p>
-            <a:pPr marL="0" indent="0">
-              <a:buFont typeface="Arial" panose="020B0604020202020204" pitchFamily="34" charset="0"/>
-              <a:buNone/>
-            </a:pPr>
-            <a:endParaRPr lang="bg-BG" dirty="0"/>
-          </a:p>
-          <a:p>
-            <a:pPr marL="0" indent="0">
-              <a:buFont typeface="Arial" panose="020B0604020202020204" pitchFamily="34" charset="0"/>
-              <a:buNone/>
-            </a:pPr>
-            <a:r>
-              <a:rPr lang="en-US" dirty="0"/>
-              <a:t>This is an example of </a:t>
-            </a:r>
-            <a:r>
-              <a:rPr lang="en-US" b="1" dirty="0"/>
-              <a:t>array-based queue</a:t>
-            </a:r>
-            <a:r>
-              <a:rPr lang="en-US" dirty="0"/>
-              <a:t>.</a:t>
-            </a:r>
-          </a:p>
-          <a:p>
-            <a:pPr marL="171450" indent="-171450">
-              <a:buFont typeface="Arial" panose="020B0604020202020204" pitchFamily="34" charset="0"/>
-              <a:buChar char="•"/>
-            </a:pPr>
-            <a:r>
-              <a:rPr lang="en-US" dirty="0"/>
-              <a:t>The "</a:t>
-            </a:r>
-            <a:r>
-              <a:rPr lang="en-US" b="1" dirty="0"/>
-              <a:t>queue</a:t>
-            </a:r>
-            <a:r>
-              <a:rPr lang="en-US" dirty="0"/>
-              <a:t>" data structure works on the principle </a:t>
-            </a:r>
-            <a:r>
-              <a:rPr lang="en-US" b="1" dirty="0"/>
-              <a:t>FIFO</a:t>
-            </a:r>
-            <a:r>
-              <a:rPr lang="en-US" dirty="0"/>
-              <a:t> (first-in first-out).</a:t>
-            </a:r>
-          </a:p>
-          <a:p>
-            <a:pPr marL="171450" indent="-171450">
-              <a:buFont typeface="Arial" panose="020B0604020202020204" pitchFamily="34" charset="0"/>
-              <a:buChar char="•"/>
-            </a:pPr>
-            <a:r>
-              <a:rPr lang="en-US" dirty="0"/>
-              <a:t>Elements are </a:t>
-            </a:r>
-            <a:r>
-              <a:rPr lang="en-US" b="1" dirty="0"/>
-              <a:t>appended</a:t>
-            </a:r>
-            <a:r>
-              <a:rPr lang="en-US" dirty="0"/>
-              <a:t> in the queue at its </a:t>
-            </a:r>
-            <a:r>
-              <a:rPr lang="en-US" b="1" dirty="0"/>
-              <a:t>left end </a:t>
-            </a:r>
-            <a:r>
-              <a:rPr lang="en-US" dirty="0"/>
-              <a:t>(at its back). This operation is called "</a:t>
-            </a:r>
-            <a:r>
-              <a:rPr lang="en-US" b="1" dirty="0"/>
-              <a:t>enqueue</a:t>
-            </a:r>
-            <a:r>
-              <a:rPr lang="en-US" dirty="0"/>
-              <a:t>".</a:t>
-            </a:r>
-          </a:p>
-          <a:p>
-            <a:pPr marL="171450" marR="0" lvl="0" indent="-171450" algn="l" defTabSz="914400" rtl="0" eaLnBrk="1" fontAlgn="auto" latinLnBrk="0" hangingPunct="1">
-              <a:lnSpc>
-                <a:spcPct val="100000"/>
-              </a:lnSpc>
-              <a:spcBef>
-                <a:spcPts val="0"/>
-              </a:spcBef>
-              <a:spcAft>
-                <a:spcPts val="0"/>
-              </a:spcAft>
-              <a:buClrTx/>
-              <a:buSzTx/>
-              <a:buFont typeface="Arial" panose="020B0604020202020204" pitchFamily="34" charset="0"/>
-              <a:buChar char="•"/>
-              <a:tabLst/>
-              <a:defRPr/>
-            </a:pPr>
-            <a:r>
-              <a:rPr lang="en-US" dirty="0"/>
-              <a:t>Elements are </a:t>
-            </a:r>
-            <a:r>
-              <a:rPr lang="en-US" b="1" dirty="0"/>
-              <a:t>taken </a:t>
-            </a:r>
-            <a:r>
-              <a:rPr lang="en-US" dirty="0"/>
-              <a:t>from the queue from its</a:t>
-            </a:r>
-            <a:r>
-              <a:rPr lang="en-US" b="1" dirty="0"/>
-              <a:t> right end </a:t>
-            </a:r>
-            <a:r>
-              <a:rPr lang="en-US" dirty="0"/>
-              <a:t>(from its front). This operation is called "</a:t>
-            </a:r>
-            <a:r>
-              <a:rPr lang="en-US" b="1" dirty="0"/>
-              <a:t>dequeue</a:t>
-            </a:r>
-            <a:r>
-              <a:rPr lang="en-US" dirty="0"/>
-              <a:t>".</a:t>
-            </a:r>
-          </a:p>
-          <a:p>
-            <a:pPr marL="0" indent="0">
-              <a:buFont typeface="Arial" panose="020B0604020202020204" pitchFamily="34" charset="0"/>
-              <a:buNone/>
-            </a:pPr>
-            <a:r>
-              <a:rPr lang="en-US" dirty="0"/>
-              <a:t>We shall </a:t>
-            </a:r>
-            <a:r>
-              <a:rPr lang="en-US" b="1" dirty="0"/>
-              <a:t>master the linear data structures </a:t>
-            </a:r>
-            <a:r>
-              <a:rPr lang="en-US" dirty="0"/>
-              <a:t>in detail in the advanced programming modules at </a:t>
-            </a:r>
-            <a:r>
-              <a:rPr lang="en-US" b="1" dirty="0"/>
-              <a:t>SoftUni</a:t>
-            </a:r>
-            <a:r>
-              <a:rPr lang="en-US" dirty="0"/>
-              <a:t>.</a:t>
-            </a:r>
-          </a:p>
-          <a:p>
-            <a:pPr marL="0" indent="0">
-              <a:buFont typeface="Arial" panose="020B0604020202020204" pitchFamily="34" charset="0"/>
-              <a:buNone/>
-            </a:pPr>
-            <a:endParaRPr lang="en-US" dirty="0"/>
-          </a:p>
-          <a:p>
-            <a:pPr marL="0" indent="0">
-              <a:buFont typeface="Arial" panose="020B0604020202020204" pitchFamily="34" charset="0"/>
-              <a:buNone/>
-            </a:pPr>
-            <a:endParaRPr lang="en-US" dirty="0"/>
-          </a:p>
-          <a:p>
             <a:pPr marL="0" indent="0">
               <a:buFont typeface="Arial" panose="020B0604020202020204" pitchFamily="34" charset="0"/>
               <a:buNone/>
@@ -1900,174 +1366,6 @@
         <p:txBody>
           <a:bodyPr/>
           <a:lstStyle/>
-          <a:p>
-            <a:r>
-              <a:rPr lang="en-US" dirty="0"/>
-              <a:t>This is a simple </a:t>
-            </a:r>
-            <a:r>
-              <a:rPr lang="en-US" b="1" dirty="0"/>
-              <a:t>example</a:t>
-            </a:r>
-            <a:r>
-              <a:rPr lang="en-US" dirty="0"/>
-              <a:t>, which illustrates the </a:t>
-            </a:r>
-            <a:r>
-              <a:rPr lang="en-US" b="1" dirty="0"/>
-              <a:t>"list" data structure</a:t>
-            </a:r>
-            <a:r>
-              <a:rPr lang="en-US" dirty="0"/>
-              <a:t>.</a:t>
-            </a:r>
-          </a:p>
-          <a:p>
-            <a:pPr marL="171450" indent="-171450">
-              <a:lnSpc>
-                <a:spcPct val="90000"/>
-              </a:lnSpc>
-              <a:buFont typeface="Arial" panose="020B0604020202020204" pitchFamily="34" charset="0"/>
-              <a:buChar char="•"/>
-            </a:pPr>
-            <a:r>
-              <a:rPr lang="en-US" b="0" dirty="0"/>
-              <a:t>We have a </a:t>
-            </a:r>
-            <a:r>
-              <a:rPr lang="en-US" b="1" dirty="0"/>
-              <a:t>list of numbers</a:t>
-            </a:r>
-            <a:r>
-              <a:rPr lang="en-US" dirty="0"/>
-              <a:t>, representing a sequence of income amounts.</a:t>
-            </a:r>
-          </a:p>
-          <a:p>
-            <a:pPr marL="0" indent="0">
-              <a:lnSpc>
-                <a:spcPct val="90000"/>
-              </a:lnSpc>
-              <a:buFont typeface="Arial" panose="020B0604020202020204" pitchFamily="34" charset="0"/>
-              <a:buNone/>
-            </a:pPr>
-            <a:endParaRPr lang="en-US" dirty="0"/>
-          </a:p>
-          <a:p>
-            <a:pPr marL="0" indent="0">
-              <a:lnSpc>
-                <a:spcPct val="90000"/>
-              </a:lnSpc>
-              <a:buFont typeface="Arial" panose="020B0604020202020204" pitchFamily="34" charset="0"/>
-              <a:buNone/>
-            </a:pPr>
-            <a:r>
-              <a:rPr lang="en-US" dirty="0"/>
-              <a:t>This is how the list looks like in the memory.</a:t>
-            </a:r>
-          </a:p>
-          <a:p>
-            <a:pPr marL="171450" indent="-171450">
-              <a:lnSpc>
-                <a:spcPct val="90000"/>
-              </a:lnSpc>
-              <a:buFont typeface="Arial" panose="020B0604020202020204" pitchFamily="34" charset="0"/>
-              <a:buChar char="•"/>
-            </a:pPr>
-            <a:r>
-              <a:rPr lang="en-US" dirty="0"/>
-              <a:t>It is an </a:t>
-            </a:r>
-            <a:r>
-              <a:rPr lang="en-US" b="1" dirty="0"/>
-              <a:t>indexed structure</a:t>
-            </a:r>
-            <a:r>
-              <a:rPr lang="en-US" dirty="0"/>
-              <a:t>: each element has a unique </a:t>
-            </a:r>
-            <a:r>
-              <a:rPr lang="en-US" b="1" dirty="0"/>
-              <a:t>index</a:t>
-            </a:r>
-            <a:r>
-              <a:rPr lang="en-US" dirty="0"/>
-              <a:t>, a number in the range from 0 to the size of the list minus one.</a:t>
-            </a:r>
-          </a:p>
-          <a:p>
-            <a:pPr marL="457200" indent="-457200">
-              <a:lnSpc>
-                <a:spcPct val="90000"/>
-              </a:lnSpc>
-              <a:buFont typeface="Wingdings" panose="05000000000000000000" pitchFamily="2" charset="2"/>
-              <a:buChar char="§"/>
-            </a:pPr>
-            <a:endParaRPr lang="en-US" dirty="0"/>
-          </a:p>
-          <a:p>
-            <a:pPr marL="0" indent="0">
-              <a:lnSpc>
-                <a:spcPct val="90000"/>
-              </a:lnSpc>
-              <a:buFont typeface="Wingdings" panose="05000000000000000000" pitchFamily="2" charset="2"/>
-              <a:buNone/>
-            </a:pPr>
-            <a:r>
-              <a:rPr lang="en-US" b="0" dirty="0"/>
-              <a:t>This is how we can </a:t>
-            </a:r>
-            <a:r>
-              <a:rPr lang="en-US" b="1" dirty="0"/>
-              <a:t>append</a:t>
-            </a:r>
-            <a:r>
-              <a:rPr lang="en-US" dirty="0"/>
-              <a:t> a new income.</a:t>
-            </a:r>
-          </a:p>
-          <a:p>
-            <a:pPr marL="0" indent="0">
-              <a:lnSpc>
-                <a:spcPct val="90000"/>
-              </a:lnSpc>
-              <a:buFont typeface="Wingdings" panose="05000000000000000000" pitchFamily="2" charset="2"/>
-              <a:buNone/>
-            </a:pPr>
-            <a:endParaRPr lang="en-US" dirty="0"/>
-          </a:p>
-          <a:p>
-            <a:pPr marL="0" indent="0">
-              <a:lnSpc>
-                <a:spcPct val="90000"/>
-              </a:lnSpc>
-              <a:spcBef>
-                <a:spcPts val="1200"/>
-              </a:spcBef>
-              <a:buFont typeface="Wingdings" panose="05000000000000000000" pitchFamily="2" charset="2"/>
-              <a:buNone/>
-            </a:pPr>
-            <a:r>
-              <a:rPr lang="en-US" b="0" dirty="0"/>
-              <a:t>This is how we can </a:t>
-            </a:r>
-            <a:r>
-              <a:rPr lang="en-US" b="1" dirty="0"/>
-              <a:t>modify</a:t>
-            </a:r>
-            <a:r>
-              <a:rPr lang="en-US" dirty="0"/>
-              <a:t> an existing income, by its </a:t>
-            </a:r>
-            <a:r>
-              <a:rPr lang="en-US" b="1" dirty="0"/>
-              <a:t>index</a:t>
-            </a:r>
-            <a:r>
-              <a:rPr lang="en-US" dirty="0"/>
-              <a:t>.</a:t>
-            </a:r>
-          </a:p>
           <a:p>
             <a:endParaRPr lang="en-US" dirty="0"/>
           </a:p>
@@ -11065,6 +10363,17 @@
               <a:t>Push() –</a:t>
             </a:r>
             <a:r>
+              <a:rPr lang="bg-BG" sz="3750" b="1" kern="1200" dirty="0">
+                <a:solidFill>
+                  <a:schemeClr val="bg2"/>
+                </a:solidFill>
+                <a:latin typeface="+mj-lt"/>
+                <a:ea typeface="+mn-ea"/>
+                <a:cs typeface="Consolas" panose="020B0609020204030204" pitchFamily="49" charset="0"/>
+              </a:rPr>
+              <a:t> </a:t>
+            </a:r>
+            <a:r>
               <a:rPr lang="en-US" sz="3750" b="1" kern="1200" dirty="0">
                 <a:solidFill>
                   <a:schemeClr val="bg2"/>
@@ -14604,7 +13913,15 @@
           <a:p>
             <a:r>
               <a:rPr lang="en-US" sz="3950" dirty="0"/>
-              <a:t>Задача: Обратен низ</a:t>
+              <a:t>Задача: </a:t>
+            </a:r>
+            <a:r>
+              <a:rPr lang="bg-BG" sz="3950" dirty="0"/>
+              <a:t>Обърнат</a:t>
+            </a:r>
+            <a:r>
+              <a:rPr lang="en-US" sz="3950" dirty="0"/>
+              <a:t> низ</a:t>
             </a:r>
             <a:endParaRPr lang="en-US" dirty="0"/>
           </a:p>
@@ -15367,11 +14684,15 @@
               <a:t>Решение: </a:t>
             </a:r>
             <a:r>
+              <a:rPr lang="bg-BG" sz="3950" dirty="0"/>
+              <a:t>Обърнат</a:t>
+            </a:r>
+            <a:r>
               <a:rPr lang="en-US" sz="3950" dirty="0">
                 <a:ea typeface="+mj-lt"/>
                 <a:cs typeface="+mj-lt"/>
               </a:rPr>
-              <a:t>Обратен низ</a:t>
+              <a:t> низ</a:t>
             </a:r>
             <a:endParaRPr lang="en-US" sz="3950" b="0" dirty="0">
               <a:ea typeface="+mj-lt"/>
@@ -15778,7 +15099,21 @@
                 <a:ea typeface="+mn-lt"/>
                 <a:cs typeface="+mn-lt"/>
               </a:rPr>
-              <a:t>Тествайте решението в Judge: </a:t>
+              <a:t>Тествайте решението</a:t>
+            </a:r>
+            <a:r>
+              <a:rPr lang="bg-BG" sz="1750" dirty="0">
+                <a:ea typeface="+mn-lt"/>
+                <a:cs typeface="+mn-lt"/>
+              </a:rPr>
+              <a:t> си</a:t>
+            </a:r>
+            <a:r>
+              <a:rPr lang="en-US" sz="1750" dirty="0">
+                <a:ea typeface="+mn-lt"/>
+                <a:cs typeface="+mn-lt"/>
+              </a:rPr>
+              <a:t> в Judge</a:t>
             </a:r>
             <a:r>
               <a:rPr lang="en-US" sz="1750" dirty="0"/>
@@ -16236,8 +15571,8 @@
         </p:nvSpPr>
         <p:spPr bwMode="auto">
           <a:xfrm>
-            <a:off x="1301890" y="1764726"/>
-            <a:ext cx="9337927" cy="3695023"/>
+            <a:off x="606000" y="1359001"/>
+            <a:ext cx="9962150" cy="4944924"/>
           </a:xfrm>
           <a:prstGeom prst="rect">
             <a:avLst/>
@@ -16280,12 +15615,16 @@
               <a:buSzPct val="70000"/>
             </a:pPr>
             <a:r>
-              <a:rPr lang="en-US" sz="2799" b="1" noProof="1">
+              <a:rPr lang="en-US" sz="3400" b="1" noProof="1">
                 <a:latin typeface="Consolas" pitchFamily="49" charset="0"/>
                 <a:cs typeface="Consolas" pitchFamily="49" charset="0"/>
               </a:rPr>
               <a:t>Stack&lt;int&gt; stack = new Stack&lt;int&gt;();</a:t>
             </a:r>
+            <a:endParaRPr lang="bg-BG" sz="3400" b="1" noProof="1">
+              <a:latin typeface="Consolas" pitchFamily="49" charset="0"/>
+              <a:cs typeface="Consolas" pitchFamily="49" charset="0"/>
+            </a:endParaRPr>
           </a:p>
           <a:p>
             <a:pPr eaLnBrk="0" hangingPunct="0">
@@ -16303,13 +15642,16 @@
               </a:buClr>
               <a:buSzPct val="70000"/>
             </a:pPr>
-            <a:endParaRPr lang="en-US" sz="2799" b="1" noProof="1">
+            <a:endParaRPr lang="en-US" sz="2500" b="1" noProof="1">
               <a:latin typeface="Consolas" pitchFamily="49" charset="0"/>
               <a:cs typeface="Consolas" pitchFamily="49" charset="0"/>
             </a:endParaRPr>
           </a:p>
           <a:p>
             <a:pPr eaLnBrk="0" hangingPunct="0">
+              <a:lnSpc>
+                <a:spcPct val="125000"/>
+              </a:lnSpc>
               <a:spcBef>
                 <a:spcPts val="300"/>
               </a:spcBef>
@@ -16325,7 +15667,7 @@
               <a:buSzPct val="70000"/>
             </a:pPr>
             <a:r>
-              <a:rPr lang="en-US" sz="2799" b="1" noProof="1">
+              <a:rPr lang="en-US" sz="3400" b="1" noProof="1">
                 <a:solidFill>
                   <a:schemeClr val="bg1"/>
                 </a:solidFill>
@@ -16335,14 +15677,14 @@
               <a:t>int</a:t>
             </a:r>
             <a:r>
-              <a:rPr lang="en-US" sz="2799" b="1" noProof="1">
+              <a:rPr lang="en-US" sz="3400" b="1" noProof="1">
                 <a:latin typeface="Consolas" pitchFamily="49" charset="0"/>
                 <a:cs typeface="Consolas" pitchFamily="49" charset="0"/>
               </a:rPr>
               <a:t> count = stack.</a:t>
             </a:r>
             <a:r>
-              <a:rPr lang="en-US" sz="2799" b="1" noProof="1">
+              <a:rPr lang="en-US" sz="3400" b="1" noProof="1">
                 <a:solidFill>
                   <a:schemeClr val="bg1"/>
                 </a:solidFill>
@@ -16352,7 +15694,7 @@
               <a:t>Count</a:t>
             </a:r>
             <a:r>
-              <a:rPr lang="en-US" sz="2799" b="1" noProof="1">
+              <a:rPr lang="en-US" sz="3400" b="1" noProof="1">
                 <a:latin typeface="Consolas" pitchFamily="49" charset="0"/>
                 <a:cs typeface="Consolas" pitchFamily="49" charset="0"/>
               </a:rPr>
@@ -16361,6 +15703,9 @@
           </a:p>
           <a:p>
             <a:pPr eaLnBrk="0" hangingPunct="0">
+              <a:lnSpc>
+                <a:spcPct val="125000"/>
+              </a:lnSpc>
               <a:spcBef>
                 <a:spcPts val="300"/>
               </a:spcBef>
@@ -16376,7 +15721,7 @@
               <a:buSzPct val="70000"/>
             </a:pPr>
             <a:r>
-              <a:rPr lang="en-US" sz="2799" b="1" noProof="1">
+              <a:rPr lang="en-US" sz="3400" b="1" noProof="1">
                 <a:solidFill>
                   <a:schemeClr val="bg1"/>
                 </a:solidFill>
@@ -16386,14 +15731,14 @@
               <a:t>bool</a:t>
             </a:r>
             <a:r>
-              <a:rPr lang="en-US" sz="2799" b="1" noProof="1">
+              <a:rPr lang="en-US" sz="3400" b="1" noProof="1">
                 <a:latin typeface="Consolas" pitchFamily="49" charset="0"/>
                 <a:cs typeface="Consolas" pitchFamily="49" charset="0"/>
               </a:rPr>
               <a:t> exists = stack.</a:t>
             </a:r>
             <a:r>
-              <a:rPr lang="en-US" sz="2799" b="1" noProof="1">
+              <a:rPr lang="en-US" sz="3400" b="1" noProof="1">
                 <a:solidFill>
                   <a:schemeClr val="bg1"/>
                 </a:solidFill>
@@ -16403,14 +15748,14 @@
               <a:t>Contains(</a:t>
             </a:r>
             <a:r>
-              <a:rPr lang="en-US" sz="2799" b="1" noProof="1">
+              <a:rPr lang="en-US" sz="3400" b="1" noProof="1">
                 <a:latin typeface="Consolas" pitchFamily="49" charset="0"/>
                 <a:cs typeface="Consolas" pitchFamily="49" charset="0"/>
               </a:rPr>
               <a:t>2</a:t>
             </a:r>
             <a:r>
-              <a:rPr lang="en-US" sz="2799" b="1" noProof="1">
+              <a:rPr lang="en-US" sz="3400" b="1" noProof="1">
                 <a:solidFill>
                   <a:schemeClr val="bg1"/>
                 </a:solidFill>
@@ -16420,7 +15765,7 @@
               <a:t>)</a:t>
             </a:r>
             <a:r>
-              <a:rPr lang="en-US" sz="2799" b="1" noProof="1">
+              <a:rPr lang="en-US" sz="3400" b="1" noProof="1">
                 <a:latin typeface="Consolas" pitchFamily="49" charset="0"/>
                 <a:cs typeface="Consolas" pitchFamily="49" charset="0"/>
               </a:rPr>
@@ -16429,6 +15774,9 @@
           </a:p>
           <a:p>
             <a:pPr eaLnBrk="0" hangingPunct="0">
+              <a:lnSpc>
+                <a:spcPct val="125000"/>
+              </a:lnSpc>
               <a:spcBef>
                 <a:spcPts val="300"/>
               </a:spcBef>
@@ -16444,7 +15792,7 @@
               <a:buSzPct val="70000"/>
             </a:pPr>
             <a:r>
-              <a:rPr lang="en-US" sz="2799" b="1" noProof="1">
+              <a:rPr lang="en-US" sz="3400" b="1" noProof="1">
                 <a:solidFill>
                   <a:schemeClr val="bg1"/>
                 </a:solidFill>
@@ -16454,14 +15802,14 @@
               <a:t>int[]</a:t>
             </a:r>
             <a:r>
-              <a:rPr lang="en-US" sz="2799" b="1" noProof="1">
+              <a:rPr lang="en-US" sz="3400" b="1" noProof="1">
                 <a:latin typeface="Consolas" pitchFamily="49" charset="0"/>
                 <a:cs typeface="Consolas" pitchFamily="49" charset="0"/>
               </a:rPr>
               <a:t> array = stack.</a:t>
             </a:r>
             <a:r>
-              <a:rPr lang="en-US" sz="2799" b="1" noProof="1">
+              <a:rPr lang="en-US" sz="3400" b="1" noProof="1">
                 <a:solidFill>
                   <a:schemeClr val="bg1"/>
                 </a:solidFill>
@@ -16471,7 +15819,7 @@
               <a:t>ToArray()</a:t>
             </a:r>
             <a:r>
-              <a:rPr lang="en-US" sz="2799" b="1" noProof="1">
+              <a:rPr lang="en-US" sz="3400" b="1" noProof="1">
                 <a:latin typeface="Consolas" pitchFamily="49" charset="0"/>
                 <a:cs typeface="Consolas" pitchFamily="49" charset="0"/>
               </a:rPr>
@@ -16480,6 +15828,9 @@
           </a:p>
           <a:p>
             <a:pPr eaLnBrk="0" hangingPunct="0">
+              <a:lnSpc>
+                <a:spcPct val="125000"/>
+              </a:lnSpc>
               <a:spcBef>
                 <a:spcPts val="300"/>
               </a:spcBef>
@@ -16495,14 +15846,14 @@
               <a:buSzPct val="70000"/>
             </a:pPr>
             <a:r>
-              <a:rPr lang="en-US" sz="2799" b="1" noProof="1">
+              <a:rPr lang="en-US" sz="3400" b="1" noProof="1">
                 <a:latin typeface="Consolas" pitchFamily="49" charset="0"/>
                 <a:cs typeface="Consolas" pitchFamily="49" charset="0"/>
               </a:rPr>
               <a:t>stack.</a:t>
             </a:r>
             <a:r>
-              <a:rPr lang="en-US" sz="2799" b="1" noProof="1">
+              <a:rPr lang="en-US" sz="3400" b="1" noProof="1">
                 <a:solidFill>
                   <a:schemeClr val="bg1"/>
                 </a:solidFill>
@@ -16512,7 +15863,7 @@
               <a:t>Clear()</a:t>
             </a:r>
             <a:r>
-              <a:rPr lang="en-US" sz="2799" b="1" noProof="1">
+              <a:rPr lang="en-US" sz="3400" b="1" noProof="1">
                 <a:latin typeface="Consolas" pitchFamily="49" charset="0"/>
                 <a:cs typeface="Consolas" pitchFamily="49" charset="0"/>
               </a:rPr>
@@ -16521,6 +15872,9 @@
           </a:p>
           <a:p>
             <a:pPr eaLnBrk="0" hangingPunct="0">
+              <a:lnSpc>
+                <a:spcPct val="125000"/>
+              </a:lnSpc>
               <a:spcBef>
                 <a:spcPts val="300"/>
               </a:spcBef>
@@ -16536,14 +15890,14 @@
               <a:buSzPct val="70000"/>
             </a:pPr>
             <a:r>
-              <a:rPr lang="en-US" sz="2799" b="1" noProof="1">
+              <a:rPr lang="en-US" sz="3400" b="1" noProof="1">
                 <a:latin typeface="Consolas" pitchFamily="49" charset="0"/>
                 <a:cs typeface="Consolas" pitchFamily="49" charset="0"/>
               </a:rPr>
               <a:t>stack.</a:t>
             </a:r>
             <a:r>
-              <a:rPr lang="en-US" sz="2799" b="1" noProof="1">
+              <a:rPr lang="en-US" sz="3400" b="1" noProof="1">
                 <a:solidFill>
                   <a:schemeClr val="bg1"/>
                 </a:solidFill>
@@ -16553,7 +15907,7 @@
               <a:t>TrimExcess()</a:t>
             </a:r>
             <a:r>
-              <a:rPr lang="en-US" sz="2799" b="1" noProof="1">
+              <a:rPr lang="en-US" sz="3400" b="1" noProof="1">
                 <a:latin typeface="Consolas" pitchFamily="49" charset="0"/>
                 <a:cs typeface="Consolas" pitchFamily="49" charset="0"/>
               </a:rPr>
@@ -16578,13 +15932,13 @@
         </p:nvSpPr>
         <p:spPr bwMode="auto">
           <a:xfrm>
-            <a:off x="8120474" y="3445166"/>
-            <a:ext cx="2624235" cy="882424"/>
+            <a:off x="8141857" y="3834000"/>
+            <a:ext cx="3632030" cy="539742"/>
           </a:xfrm>
           <a:prstGeom prst="wedgeRoundRectCallout">
             <a:avLst>
-              <a:gd name="adj1" fmla="val -75343"/>
-              <a:gd name="adj2" fmla="val 22586"/>
+              <a:gd name="adj1" fmla="val -63849"/>
+              <a:gd name="adj2" fmla="val 13379"/>
               <a:gd name="adj3" fmla="val 16667"/>
             </a:avLst>
           </a:prstGeom>
@@ -16630,16 +15984,36 @@
           <a:p>
             <a:pPr algn="ctr"/>
             <a:r>
-              <a:rPr lang="en-US" sz="2350" b="1" dirty="0">
+              <a:rPr lang="bg-BG" sz="2400" b="1" dirty="0">
                 <a:solidFill>
                   <a:srgbClr val="FFFFFF"/>
                 </a:solidFill>
                 <a:ea typeface="+mn-lt"/>
                 <a:cs typeface="+mn-lt"/>
               </a:rPr>
-              <a:t>Запазва реда на елементите</a:t>
-            </a:r>
-            <a:endParaRPr lang="bg-BG" dirty="0"/>
+              <a:t>Превръща стека в </a:t>
+            </a:r>
+            <a:r>
+              <a:rPr lang="bg-BG" sz="2400" b="1" dirty="0">
+                <a:solidFill>
+                  <a:schemeClr val="bg1">
+                    <a:lumMod val="60000"/>
+                    <a:lumOff val="40000"/>
+                  </a:schemeClr>
+                </a:solidFill>
+                <a:ea typeface="+mn-lt"/>
+                <a:cs typeface="+mn-lt"/>
+              </a:rPr>
+              <a:t>масив</a:t>
+            </a:r>
+            <a:endParaRPr lang="bg-BG" sz="2400" dirty="0">
+              <a:solidFill>
+                <a:schemeClr val="bg1">
+                  <a:lumMod val="60000"/>
+                  <a:lumOff val="40000"/>
+                </a:schemeClr>
+              </a:solidFill>
+            </a:endParaRPr>
           </a:p>
         </p:txBody>
       </p:sp>
@@ -16659,13 +16033,13 @@
         </p:nvSpPr>
         <p:spPr bwMode="auto">
           <a:xfrm>
-            <a:off x="4974469" y="4418742"/>
-            <a:ext cx="4001532" cy="467078"/>
+            <a:off x="4880828" y="4716699"/>
+            <a:ext cx="4001532" cy="595185"/>
           </a:xfrm>
           <a:prstGeom prst="wedgeRoundRectCallout">
             <a:avLst>
-              <a:gd name="adj1" fmla="val -67769"/>
-              <a:gd name="adj2" fmla="val -10820"/>
+              <a:gd name="adj1" fmla="val -74723"/>
+              <a:gd name="adj2" fmla="val -15076"/>
               <a:gd name="adj3" fmla="val 16667"/>
             </a:avLst>
           </a:prstGeom>
@@ -16711,14 +16085,25 @@
           <a:p>
             <a:pPr algn="ctr"/>
             <a:r>
-              <a:rPr lang="en-US" sz="2350" b="1" dirty="0">
+              <a:rPr lang="en-US" sz="2400" b="1" dirty="0">
+                <a:solidFill>
+                  <a:schemeClr val="bg1">
+                    <a:lumMod val="60000"/>
+                    <a:lumOff val="40000"/>
+                  </a:schemeClr>
+                </a:solidFill>
+              </a:rPr>
+              <a:t>Премахва</a:t>
+            </a:r>
+            <a:r>
+              <a:rPr lang="en-US" sz="2400" b="1" dirty="0">
                 <a:solidFill>
                   <a:srgbClr val="FFFFFF"/>
                 </a:solidFill>
               </a:rPr>
-              <a:t>Премахва всички елементи </a:t>
-            </a:r>
-            <a:endParaRPr lang="bg-BG" sz="2399" b="1" dirty="0">
+              <a:t> всички елементи </a:t>
+            </a:r>
+            <a:endParaRPr lang="bg-BG" sz="2400" b="1" dirty="0">
               <a:solidFill>
                 <a:srgbClr val="FFFFFF"/>
               </a:solidFill>
@@ -16742,12 +16127,12 @@
         </p:nvSpPr>
         <p:spPr bwMode="auto">
           <a:xfrm>
-            <a:off x="5869435" y="5023362"/>
-            <a:ext cx="2982110" cy="872773"/>
+            <a:off x="5755538" y="5558639"/>
+            <a:ext cx="4772635" cy="595184"/>
           </a:xfrm>
           <a:prstGeom prst="wedgeRoundRectCallout">
             <a:avLst>
-              <a:gd name="adj1" fmla="val -70512"/>
+              <a:gd name="adj1" fmla="val -65097"/>
               <a:gd name="adj2" fmla="val -36172"/>
               <a:gd name="adj3" fmla="val 16667"/>
             </a:avLst>
@@ -16794,16 +16179,19 @@
           <a:p>
             <a:pPr algn="ctr"/>
             <a:r>
-              <a:rPr lang="bg-BG" sz="2350" b="1" dirty="0">
-                <a:solidFill>
-                  <a:srgbClr val="FFFFFF"/>
+              <a:rPr lang="bg-BG" sz="2400" b="1" dirty="0">
+                <a:solidFill>
+                  <a:schemeClr val="bg1">
+                    <a:lumMod val="60000"/>
+                    <a:lumOff val="40000"/>
+                  </a:schemeClr>
                 </a:solidFill>
                 <a:cs typeface="Calibri"/>
               </a:rPr>
               <a:t>Преоразмерява</a:t>
             </a:r>
             <a:r>
-              <a:rPr lang="en-US" sz="2350" b="1" dirty="0">
+              <a:rPr lang="en-US" sz="2400" b="1" dirty="0">
                 <a:solidFill>
                   <a:srgbClr val="FFFFFF"/>
                 </a:solidFill>
@@ -16853,6 +16241,211 @@
               <a:t>15</a:t>
             </a:fld>
             <a:endParaRPr lang="en-US" noProof="0" dirty="0"/>
+          </a:p>
+        </p:txBody>
+      </p:sp>
+      <p:sp>
+        <p:nvSpPr>
+          <p:cNvPr id="2" name="AutoShape 6">
+            <a:extLst>
+              <a:ext uri="{FF2B5EF4-FFF2-40B4-BE49-F238E27FC236}">
+                <a16:creationId xmlns:a16="http://schemas.microsoft.com/office/drawing/2014/main" id="{C07DE55F-537E-FD10-6BB9-BD8192CB58AA}"/>
+              </a:ext>
+            </a:extLst>
+          </p:cNvPr>
+          <p:cNvSpPr>
+            <a:spLocks noChangeArrowheads="1"/>
+          </p:cNvSpPr>
+          <p:nvPr/>
+        </p:nvSpPr>
+        <p:spPr bwMode="auto">
+          <a:xfrm>
+            <a:off x="7196570" y="2034258"/>
+            <a:ext cx="4001531" cy="539742"/>
+          </a:xfrm>
+          <a:prstGeom prst="wedgeRoundRectCallout">
+            <a:avLst>
+              <a:gd name="adj1" fmla="val -77827"/>
+              <a:gd name="adj2" fmla="val 72305"/>
+              <a:gd name="adj3" fmla="val 16667"/>
+            </a:avLst>
+          </a:prstGeom>
+          <a:solidFill>
+            <a:schemeClr val="dk2">
+              <a:alpha val="80000"/>
+            </a:schemeClr>
+          </a:solidFill>
+          <a:ln w="19050">
+            <a:solidFill>
+              <a:schemeClr val="tx1">
+                <a:lumMod val="75000"/>
+                <a:alpha val="80000"/>
+              </a:schemeClr>
+            </a:solidFill>
+          </a:ln>
+          <a:effectLst/>
+        </p:spPr>
+        <p:style>
+          <a:lnRef idx="2">
+            <a:schemeClr val="accent1">
+              <a:shade val="50000"/>
+            </a:schemeClr>
+          </a:lnRef>
+          <a:fillRef idx="1001">
+            <a:schemeClr val="dk2"/>
+          </a:fillRef>
+          <a:effectRef idx="0">
+            <a:schemeClr val="accent1"/>
+          </a:effectRef>
+          <a:fontRef idx="minor">
+            <a:schemeClr val="lt1"/>
+          </a:fontRef>
+        </p:style>
+        <p:txBody>
+          <a:bodyPr rot="0" spcFirstLastPara="0" vertOverflow="overflow" horzOverflow="overflow" vert="horz" wrap="square" lIns="91416" tIns="45708" rIns="91416" bIns="45708" numCol="1" spcCol="0" rtlCol="0" fromWordArt="0" anchor="ctr" anchorCtr="0" forceAA="0" compatLnSpc="1">
+            <a:prstTxWarp prst="textNoShape">
+              <a:avLst/>
+            </a:prstTxWarp>
+            <a:noAutofit/>
+          </a:bodyPr>
+          <a:lstStyle/>
+          <a:p>
+            <a:pPr algn="ctr"/>
+            <a:r>
+              <a:rPr lang="bg-BG" sz="2400" b="1" dirty="0">
+                <a:solidFill>
+                  <a:srgbClr val="FFFFFF"/>
+                </a:solidFill>
+                <a:ea typeface="+mn-lt"/>
+                <a:cs typeface="+mn-lt"/>
+              </a:rPr>
+              <a:t>Връща </a:t>
+            </a:r>
+            <a:r>
+              <a:rPr lang="bg-BG" sz="2400" b="1" dirty="0">
+                <a:solidFill>
+                  <a:schemeClr val="bg1">
+                    <a:lumMod val="60000"/>
+                    <a:lumOff val="40000"/>
+                  </a:schemeClr>
+                </a:solidFill>
+                <a:ea typeface="+mn-lt"/>
+                <a:cs typeface="+mn-lt"/>
+              </a:rPr>
+              <a:t>броя</a:t>
+            </a:r>
+            <a:r>
+              <a:rPr lang="bg-BG" sz="2400" b="1" dirty="0">
+                <a:solidFill>
+                  <a:srgbClr val="FFFFFF"/>
+                </a:solidFill>
+                <a:ea typeface="+mn-lt"/>
+                <a:cs typeface="+mn-lt"/>
+              </a:rPr>
+              <a:t> на елементите</a:t>
+            </a:r>
+            <a:endParaRPr lang="bg-BG" sz="2400" dirty="0"/>
+          </a:p>
+        </p:txBody>
+      </p:sp>
+      <p:sp>
+        <p:nvSpPr>
+          <p:cNvPr id="3" name="AutoShape 6">
+            <a:extLst>
+              <a:ext uri="{FF2B5EF4-FFF2-40B4-BE49-F238E27FC236}">
+                <a16:creationId xmlns:a16="http://schemas.microsoft.com/office/drawing/2014/main" id="{E4AB8CAC-A7F3-2664-627B-0469ED79D32D}"/>
+              </a:ext>
+            </a:extLst>
+          </p:cNvPr>
+          <p:cNvSpPr>
+            <a:spLocks noChangeArrowheads="1"/>
+          </p:cNvSpPr>
+          <p:nvPr/>
+        </p:nvSpPr>
+        <p:spPr bwMode="auto">
+          <a:xfrm>
+            <a:off x="8331119" y="2790353"/>
+            <a:ext cx="3632031" cy="818647"/>
+          </a:xfrm>
+          <a:prstGeom prst="wedgeRoundRectCallout">
+            <a:avLst>
+              <a:gd name="adj1" fmla="val -57540"/>
+              <a:gd name="adj2" fmla="val 25146"/>
+              <a:gd name="adj3" fmla="val 16667"/>
+            </a:avLst>
+          </a:prstGeom>
+          <a:solidFill>
+            <a:schemeClr val="dk2">
+              <a:alpha val="80000"/>
+            </a:schemeClr>
+          </a:solidFill>
+          <a:ln w="19050">
+            <a:solidFill>
+              <a:schemeClr val="tx1">
+                <a:lumMod val="75000"/>
+                <a:alpha val="80000"/>
+              </a:schemeClr>
+            </a:solidFill>
+          </a:ln>
+          <a:effectLst/>
+        </p:spPr>
+        <p:style>
+          <a:lnRef idx="2">
+            <a:schemeClr val="accent1">
+              <a:shade val="50000"/>
+            </a:schemeClr>
+          </a:lnRef>
+          <a:fillRef idx="1001">
+            <a:schemeClr val="dk2"/>
+          </a:fillRef>
+          <a:effectRef idx="0">
+            <a:schemeClr val="accent1"/>
+          </a:effectRef>
+          <a:fontRef idx="minor">
+            <a:schemeClr val="lt1"/>
+          </a:fontRef>
+        </p:style>
+        <p:txBody>
+          <a:bodyPr rot="0" spcFirstLastPara="0" vertOverflow="overflow" horzOverflow="overflow" vert="horz" wrap="square" lIns="91416" tIns="45708" rIns="91416" bIns="45708" numCol="1" spcCol="0" rtlCol="0" fromWordArt="0" anchor="ctr" anchorCtr="0" forceAA="0" compatLnSpc="1">
+            <a:prstTxWarp prst="textNoShape">
+              <a:avLst/>
+            </a:prstTxWarp>
+            <a:noAutofit/>
+          </a:bodyPr>
+          <a:lstStyle/>
+          <a:p>
+            <a:pPr algn="ctr"/>
+            <a:r>
+              <a:rPr lang="bg-BG" sz="2400" b="1" dirty="0">
+                <a:solidFill>
+                  <a:srgbClr val="FFFFFF"/>
+                </a:solidFill>
+                <a:ea typeface="+mn-lt"/>
+                <a:cs typeface="+mn-lt"/>
+              </a:rPr>
+              <a:t>Проверява дали стекът </a:t>
+            </a:r>
+            <a:r>
+              <a:rPr lang="bg-BG" sz="2400" b="1" dirty="0">
+                <a:solidFill>
+                  <a:schemeClr val="bg1">
+                    <a:lumMod val="60000"/>
+                    <a:lumOff val="40000"/>
+                  </a:schemeClr>
+                </a:solidFill>
+                <a:ea typeface="+mn-lt"/>
+                <a:cs typeface="+mn-lt"/>
+              </a:rPr>
+              <a:t>съдържа елемента</a:t>
+            </a:r>
+            <a:endParaRPr lang="bg-BG" sz="2400" dirty="0">
+              <a:solidFill>
+                <a:schemeClr val="bg1">
+                  <a:lumMod val="60000"/>
+                  <a:lumOff val="40000"/>
+                </a:schemeClr>
+              </a:solidFill>
+            </a:endParaRPr>
           </a:p>
         </p:txBody>
       </p:sp>
@@ -16925,25 +16518,39 @@
                                   </p:childTnLst>
                                 </p:cTn>
                               </p:par>
+                            </p:childTnLst>
+                          </p:cTn>
+                        </p:par>
+                      </p:childTnLst>
+                    </p:cTn>
+                  </p:par>
+                  <p:par>
+                    <p:cTn id="7" fill="hold">
+                      <p:stCondLst>
+                        <p:cond delay="indefinite"/>
+                      </p:stCondLst>
+                      <p:childTnLst>
+                        <p:par>
+                          <p:cTn id="8" fill="hold">
+                            <p:stCondLst>
+                              <p:cond delay="0"/>
+                            </p:stCondLst>
+                            <p:childTnLst>
                               <p:par>
-                                <p:cTn id="7" presetID="1" presetClass="entr" presetSubtype="0" fill="hold" nodeType="withEffect">
+                                <p:cTn id="9" presetID="1" presetClass="entr" presetSubtype="0" fill="hold" grpId="0" nodeType="clickEffect">
                                   <p:stCondLst>
                                     <p:cond delay="0"/>
                                   </p:stCondLst>
                                   <p:childTnLst>
                                     <p:set>
                                       <p:cBhvr>
-                                        <p:cTn id="8" dur="1" fill="hold">
+                                        <p:cTn id="10" dur="1" fill="hold">
                                           <p:stCondLst>
                                             <p:cond delay="0"/>
                                           </p:stCondLst>
                                         </p:cTn>
                                         <p:tgtEl>
-                                          <p:spTgt spid="20">
-                                            <p:txEl>
-                                              <p:pRg st="3" end="3"/>
-                                            </p:txEl>
-                                          </p:spTgt>
+                                          <p:spTgt spid="2"/>
                                         </p:tgtEl>
                                         <p:attrNameLst>
                                           <p:attrName>style.visibility</p:attrName>
@@ -16963,50 +16570,19 @@
                     </p:cTn>
                   </p:par>
                   <p:par>
-                    <p:cTn id="9" fill="hold">
+                    <p:cTn id="11" fill="hold">
                       <p:stCondLst>
                         <p:cond delay="indefinite"/>
                       </p:stCondLst>
                       <p:childTnLst>
                         <p:par>
-                          <p:cTn id="10" fill="hold">
+                          <p:cTn id="12" fill="hold">
                             <p:stCondLst>
                               <p:cond delay="0"/>
                             </p:stCondLst>
                             <p:childTnLst>
                               <p:par>
-                                <p:cTn id="11" presetID="1" presetClass="entr" presetSubtype="0" fill="hold" nodeType="clickEffect">
-                                  <p:stCondLst>
-                                    <p:cond delay="0"/>
-                                  </p:stCondLst>
-                                  <p:childTnLst>
-                                    <p:set>
-                                      <p:cBhvr>
-                                        <p:cTn id="12" dur="1" fill="hold">
-                                          <p:stCondLst>
-                                            <p:cond delay="0"/>
-                                          </p:stCondLst>
-                                        </p:cTn>
-                                        <p:tgtEl>
-                                          <p:spTgt spid="20">
-                                            <p:txEl>
-                                              <p:pRg st="4" end="4"/>
-                                            </p:txEl>
-                                          </p:spTgt>
-                                        </p:tgtEl>
-                                        <p:attrNameLst>
-                                          <p:attrName>style.visibility</p:attrName>
-                                        </p:attrNameLst>
-                                      </p:cBhvr>
-                                      <p:to>
-                                        <p:strVal val="visible"/>
-                                      </p:to>
-                                    </p:set>
-                                  </p:childTnLst>
-                                </p:cTn>
-                              </p:par>
-                              <p:par>
-                                <p:cTn id="13" presetID="1" presetClass="entr" presetSubtype="0" fill="hold" grpId="0" nodeType="withEffect">
+                                <p:cTn id="13" presetID="1" presetClass="entr" presetSubtype="0" fill="hold" nodeType="clickEffect">
                                   <p:stCondLst>
                                     <p:cond delay="0"/>
                                   </p:stCondLst>
@@ -17019,7 +16595,11 @@
                                           </p:stCondLst>
                                         </p:cTn>
                                         <p:tgtEl>
-                                          <p:spTgt spid="11"/>
+                                          <p:spTgt spid="20">
+                                            <p:txEl>
+                                              <p:pRg st="3" end="3"/>
+                                            </p:txEl>
+                                          </p:spTgt>
                                         </p:tgtEl>
                                         <p:attrNameLst>
                                           <p:attrName>style.visibility</p:attrName>
@@ -17051,7 +16631,7 @@
                             </p:stCondLst>
                             <p:childTnLst>
                               <p:par>
-                                <p:cTn id="17" presetID="1" presetClass="entr" presetSubtype="0" fill="hold" nodeType="clickEffect">
+                                <p:cTn id="17" presetID="1" presetClass="entr" presetSubtype="0" fill="hold" grpId="0" nodeType="clickEffect">
                                   <p:stCondLst>
                                     <p:cond delay="0"/>
                                   </p:stCondLst>
@@ -17059,6 +16639,145 @@
                                     <p:set>
                                       <p:cBhvr>
                                         <p:cTn id="18" dur="1" fill="hold">
+                                          <p:stCondLst>
+                                            <p:cond delay="0"/>
+                                          </p:stCondLst>
+                                        </p:cTn>
+                                        <p:tgtEl>
+                                          <p:spTgt spid="3"/>
+                                        </p:tgtEl>
+                                        <p:attrNameLst>
+                                          <p:attrName>style.visibility</p:attrName>
+                                        </p:attrNameLst>
+                                      </p:cBhvr>
+                                      <p:to>
+                                        <p:strVal val="visible"/>
+                                      </p:to>
+                                    </p:set>
+                                  </p:childTnLst>
+                                </p:cTn>
+                              </p:par>
+                            </p:childTnLst>
+                          </p:cTn>
+                        </p:par>
+                      </p:childTnLst>
+                    </p:cTn>
+                  </p:par>
+                  <p:par>
+                    <p:cTn id="19" fill="hold">
+                      <p:stCondLst>
+                        <p:cond delay="indefinite"/>
+                      </p:stCondLst>
+                      <p:childTnLst>
+                        <p:par>
+                          <p:cTn id="20" fill="hold">
+                            <p:stCondLst>
+                              <p:cond delay="0"/>
+                            </p:stCondLst>
+                            <p:childTnLst>
+                              <p:par>
+                                <p:cTn id="21" presetID="1" presetClass="entr" presetSubtype="0" fill="hold" nodeType="clickEffect">
+                                  <p:stCondLst>
+                                    <p:cond delay="0"/>
+                                  </p:stCondLst>
+                                  <p:childTnLst>
+                                    <p:set>
+                                      <p:cBhvr>
+                                        <p:cTn id="22" dur="1" fill="hold">
+                                          <p:stCondLst>
+                                            <p:cond delay="0"/>
+                                          </p:stCondLst>
+                                        </p:cTn>
+                                        <p:tgtEl>
+                                          <p:spTgt spid="20">
+                                            <p:txEl>
+                                              <p:pRg st="4" end="4"/>
+                                            </p:txEl>
+                                          </p:spTgt>
+                                        </p:tgtEl>
+                                        <p:attrNameLst>
+                                          <p:attrName>style.visibility</p:attrName>
+                                        </p:attrNameLst>
+                                      </p:cBhvr>
+                                      <p:to>
+                                        <p:strVal val="visible"/>
+                                      </p:to>
+                                    </p:set>
+                                  </p:childTnLst>
+                                </p:cTn>
+                              </p:par>
+                            </p:childTnLst>
+                          </p:cTn>
+                        </p:par>
+                      </p:childTnLst>
+                    </p:cTn>
+                  </p:par>
+                  <p:par>
+                    <p:cTn id="23" fill="hold">
+                      <p:stCondLst>
+                        <p:cond delay="indefinite"/>
+                      </p:stCondLst>
+                      <p:childTnLst>
+                        <p:par>
+                          <p:cTn id="24" fill="hold">
+                            <p:stCondLst>
+                              <p:cond delay="0"/>
+                            </p:stCondLst>
+                            <p:childTnLst>
+                              <p:par>
+                                <p:cTn id="25" presetID="1" presetClass="entr" presetSubtype="0" fill="hold" grpId="0" nodeType="clickEffect">
+                                  <p:stCondLst>
+                                    <p:cond delay="0"/>
+                                  </p:stCondLst>
+                                  <p:childTnLst>
+                                    <p:set>
+                                      <p:cBhvr>
+                                        <p:cTn id="26" dur="1" fill="hold">
+                                          <p:stCondLst>
+                                            <p:cond delay="0"/>
+                                          </p:stCondLst>
+                                        </p:cTn>
+                                        <p:tgtEl>
+                                          <p:spTgt spid="11"/>
+                                        </p:tgtEl>
+                                        <p:attrNameLst>
+                                          <p:attrName>style.visibility</p:attrName>
+                                        </p:attrNameLst>
+                                      </p:cBhvr>
+                                      <p:to>
+                                        <p:strVal val="visible"/>
+                                      </p:to>
+                                    </p:set>
+                                  </p:childTnLst>
+                                </p:cTn>
+                              </p:par>
+                            </p:childTnLst>
+                          </p:cTn>
+                        </p:par>
+                      </p:childTnLst>
+                    </p:cTn>
+                  </p:par>
+                  <p:par>
+                    <p:cTn id="27" fill="hold">
+                      <p:stCondLst>
+                        <p:cond delay="indefinite"/>
+                      </p:stCondLst>
+                      <p:childTnLst>
+                        <p:par>
+                          <p:cTn id="28" fill="hold">
+                            <p:stCondLst>
+                              <p:cond delay="0"/>
+                            </p:stCondLst>
+                            <p:childTnLst>
+                              <p:par>
+                                <p:cTn id="29" presetID="1" presetClass="entr" presetSubtype="0" fill="hold" nodeType="clickEffect">
+                                  <p:stCondLst>
+                                    <p:cond delay="0"/>
+                                  </p:stCondLst>
+                                  <p:childTnLst>
+                                    <p:set>
+                                      <p:cBhvr>
+                                        <p:cTn id="30" dur="1" fill="hold">
                                           <p:stCondLst>
                                             <p:cond delay="0"/>
                                           </p:stCondLst>
@@ -17081,15 +16800,33 @@
                                   </p:childTnLst>
                                 </p:cTn>
                               </p:par>
+                            </p:childTnLst>
+                          </p:cTn>
+                        </p:par>
+                      </p:childTnLst>
+                    </p:cTn>
+                  </p:par>
+                  <p:par>
+                    <p:cTn id="31" fill="hold">
+                      <p:stCondLst>
+                        <p:cond delay="indefinite"/>
+                      </p:stCondLst>
+                      <p:childTnLst>
+                        <p:par>
+                          <p:cTn id="32" fill="hold">
+                            <p:stCondLst>
+                              <p:cond delay="0"/>
+                            </p:stCondLst>
+                            <p:childTnLst>
                               <p:par>
-                                <p:cTn id="19" presetID="1" presetClass="entr" presetSubtype="0" fill="hold" grpId="0" nodeType="withEffect">
+                                <p:cTn id="33" presetID="1" presetClass="entr" presetSubtype="0" fill="hold" grpId="0" nodeType="clickEffect">
                                   <p:stCondLst>
                                     <p:cond delay="0"/>
                                   </p:stCondLst>
                                   <p:childTnLst>
                                     <p:set>
                                       <p:cBhvr>
-                                        <p:cTn id="20" dur="1" fill="hold">
+                                        <p:cTn id="34" dur="1" fill="hold">
                                           <p:stCondLst>
                                             <p:cond delay="0"/>
                                           </p:stCondLst>
@@ -17115,26 +16852,26 @@
                     </p:cTn>
                   </p:par>
                   <p:par>
-                    <p:cTn id="21" fill="hold">
+                    <p:cTn id="35" fill="hold">
                       <p:stCondLst>
                         <p:cond delay="indefinite"/>
                       </p:stCondLst>
                       <p:childTnLst>
                         <p:par>
-                          <p:cTn id="22" fill="hold">
+                          <p:cTn id="36" fill="hold">
                             <p:stCondLst>
                               <p:cond delay="0"/>
                             </p:stCondLst>
                             <p:childTnLst>
                               <p:par>
-                                <p:cTn id="23" presetID="1" presetClass="entr" presetSubtype="0" fill="hold" nodeType="clickEffect">
+                                <p:cTn id="37" presetID="1" presetClass="entr" presetSubtype="0" fill="hold" nodeType="clickEffect">
                                   <p:stCondLst>
                                     <p:cond delay="0"/>
                                   </p:stCondLst>
                                   <p:childTnLst>
                                     <p:set>
                                       <p:cBhvr>
-                                        <p:cTn id="24" dur="1" fill="hold">
+                                        <p:cTn id="38" dur="1" fill="hold">
                                           <p:stCondLst>
                                             <p:cond delay="0"/>
                                           </p:stCondLst>
@@ -17157,15 +16894,33 @@
                                   </p:childTnLst>
                                 </p:cTn>
                               </p:par>
+                            </p:childTnLst>
+                          </p:cTn>
+                        </p:par>
+                      </p:childTnLst>
+                    </p:cTn>
+                  </p:par>
+                  <p:par>
+                    <p:cTn id="39" fill="hold">
+                      <p:stCondLst>
+                        <p:cond delay="indefinite"/>
+                      </p:stCondLst>
+                      <p:childTnLst>
+                        <p:par>
+                          <p:cTn id="40" fill="hold">
+                            <p:stCondLst>
+                              <p:cond delay="0"/>
+                            </p:stCondLst>
+                            <p:childTnLst>
                               <p:par>
-                                <p:cTn id="25" presetID="1" presetClass="entr" presetSubtype="0" fill="hold" grpId="0" nodeType="withEffect">
+                                <p:cTn id="41" presetID="1" presetClass="entr" presetSubtype="0" fill="hold" grpId="0" nodeType="clickEffect">
                                   <p:stCondLst>
                                     <p:cond delay="0"/>
                                   </p:stCondLst>
                                   <p:childTnLst>
                                     <p:set>
                                       <p:cBhvr>
-                                        <p:cTn id="26" dur="1" fill="hold">
+                                        <p:cTn id="42" dur="1" fill="hold">
                                           <p:stCondLst>
                                             <p:cond delay="0"/>
                                           </p:stCondLst>
@@ -17215,6 +16970,8 @@
       <p:bldP spid="11" grpId="0" animBg="1"/>
       <p:bldP spid="12" grpId="0" animBg="1"/>
       <p:bldP spid="13" grpId="0" animBg="1"/>
+      <p:bldP spid="2" grpId="0" animBg="1"/>
+      <p:bldP spid="3" grpId="0" animBg="1"/>
     </p:bldLst>
   </p:timing>
 </p:sld>
@@ -18499,17 +18256,17 @@
                 <a:latin typeface="Consolas"/>
                 <a:cs typeface="Consolas" pitchFamily="49" charset="0"/>
               </a:rPr>
-              <a:t>    // </a:t>
-            </a:r>
-            <a:r>
-              <a:rPr lang="en-US" sz="2550" b="1" noProof="1">
+              <a:t>    // TODO:</a:t>
+            </a:r>
+            <a:r>
+              <a:rPr lang="bg-BG" sz="2550" b="1" i="1" noProof="1">
                 <a:solidFill>
                   <a:schemeClr val="accent2"/>
                 </a:solidFill>
                 <a:latin typeface="Consolas"/>
                 <a:cs typeface="Consolas" pitchFamily="49" charset="0"/>
               </a:rPr>
-              <a:t>TODO: Парсваме числата и ги добавяме</a:t>
+              <a:t> Добавете числата</a:t>
             </a:r>
             <a:endParaRPr lang="bg-BG" sz="2599" b="1" i="1" noProof="1">
               <a:solidFill>
@@ -19333,7 +19090,21 @@
                 <a:ea typeface="+mn-lt"/>
                 <a:cs typeface="+mn-lt"/>
               </a:rPr>
-              <a:t>Тествайте решението в Judge: </a:t>
+              <a:t>Тествайте решението</a:t>
+            </a:r>
+            <a:r>
+              <a:rPr lang="bg-BG" sz="1750" dirty="0">
+                <a:ea typeface="+mn-lt"/>
+                <a:cs typeface="+mn-lt"/>
+              </a:rPr>
+              <a:t> си</a:t>
+            </a:r>
+            <a:r>
+              <a:rPr lang="en-US" sz="1750" dirty="0">
+                <a:ea typeface="+mn-lt"/>
+                <a:cs typeface="+mn-lt"/>
+              </a:rPr>
+              <a:t> в Judge: </a:t>
             </a:r>
             <a:r>
               <a:rPr lang="en-US" sz="1750" u="sng" dirty="0">
@@ -21097,10 +20868,10 @@
       </p:grpSpPr>
       <p:sp>
         <p:nvSpPr>
-          <p:cNvPr id="3" name="Content Placeholder 2">
+          <p:cNvPr id="6" name="Text Placeholder 5">
             <a:extLst>
               <a:ext uri="{FF2B5EF4-FFF2-40B4-BE49-F238E27FC236}">
-                <a16:creationId xmlns:a16="http://schemas.microsoft.com/office/drawing/2014/main" id="{ACAA566F-0E0E-4BF9-A3B0-6F01080380A3}"/>
+                <a16:creationId xmlns:a16="http://schemas.microsoft.com/office/drawing/2014/main" id="{DB158218-8E6A-89B5-7DED-E61EC3B83B6F}"/>
               </a:ext>
             </a:extLst>
           </p:cNvPr>
@@ -21111,15 +20882,10 @@
             <p:ph type="body" sz="quarter" idx="13"/>
           </p:nvPr>
         </p:nvSpPr>
-        <p:spPr>
-          <a:xfrm>
-            <a:off x="523586" y="1407655"/>
-            <a:ext cx="9049234" cy="5207396"/>
-          </a:xfrm>
-        </p:spPr>
+        <p:spPr/>
         <p:txBody>
-          <a:bodyPr vert="horz" lIns="108000" tIns="36000" rIns="108000" bIns="36000" rtlCol="0" anchor="t">
-            <a:normAutofit fontScale="92500"/>
+          <a:bodyPr>
+            <a:normAutofit lnSpcReduction="10000"/>
           </a:bodyPr>
           <a:lstStyle/>
           <a:p>
@@ -21129,12 +20895,28 @@
               </a:buClr>
             </a:pPr>
             <a:r>
+              <a:rPr lang="bg-BG" sz="3550" dirty="0">
+                <a:solidFill>
+                  <a:schemeClr val="bg1"/>
+                </a:solidFill>
+              </a:rPr>
+              <a:t>͏͏</a:t>
+            </a:r>
+            <a:r>
+              <a:rPr lang="bg-BG" sz="3550" b="1" dirty="0">
+                <a:solidFill>
+                  <a:schemeClr val="bg1"/>
+                </a:solidFill>
+              </a:rPr>
+              <a:t>Структури</a:t>
+            </a:r>
+            <a:r>
               <a:rPr lang="en-US" sz="3550" b="1" dirty="0">
                 <a:solidFill>
                   <a:schemeClr val="bg1"/>
                 </a:solidFill>
               </a:rPr>
-              <a:t>Структура от данни</a:t>
+              <a:t> от данни</a:t>
             </a:r>
             <a:endParaRPr lang="bg-BG" dirty="0">
               <a:solidFill>
@@ -21146,7 +20928,15 @@
             <a:pPr lvl="1" indent="-360045"/>
             <a:r>
               <a:rPr lang="en-US" sz="3350" dirty="0"/>
-              <a:t> Линейни стуктури от данни</a:t>
+              <a:t> Линейни </a:t>
+            </a:r>
+            <a:r>
+              <a:rPr lang="bg-BG" sz="3350" dirty="0"/>
+              <a:t>структури </a:t>
+            </a:r>
+            <a:r>
+              <a:rPr lang="en-US" sz="3350" dirty="0"/>
+              <a:t>от данни</a:t>
             </a:r>
             <a:endParaRPr lang="en-US" sz="3350" dirty="0">
               <a:cs typeface="Calibri"/>
@@ -21159,20 +20949,28 @@
               </a:buClr>
             </a:pPr>
             <a:r>
+              <a:rPr lang="bg-BG" sz="3550" dirty="0">
+                <a:solidFill>
+                  <a:schemeClr val="bg1"/>
+                </a:solidFill>
+              </a:rPr>
+              <a:t>͏</a:t>
+            </a:r>
+            <a:r>
+              <a:rPr lang="bg-BG" sz="3550" b="1" dirty="0">
+                <a:solidFill>
+                  <a:schemeClr val="bg1"/>
+                </a:solidFill>
+              </a:rPr>
+              <a:t>Стек – </a:t>
+            </a:r>
+            <a:r>
               <a:rPr lang="en-US" sz="3550" b="1" dirty="0">
                 <a:solidFill>
                   <a:schemeClr val="bg1"/>
                 </a:solidFill>
               </a:rPr>
               <a:t>Stack&lt;T&gt;</a:t>
-            </a:r>
-            <a:r>
-              <a:rPr lang="en-US" sz="3550" b="1" dirty="0"/>
-              <a:t> </a:t>
-            </a:r>
-            <a:r>
-              <a:rPr lang="en-US" sz="3550" dirty="0"/>
-              <a:t>(Вкаран последен, първи изкаран)</a:t>
             </a:r>
             <a:endParaRPr lang="en-US" sz="3550" dirty="0">
               <a:cs typeface="Calibri"/>
@@ -21210,31 +21008,28 @@
               </a:buClr>
             </a:pPr>
             <a:r>
+              <a:rPr lang="bg-BG" sz="3550" dirty="0">
+                <a:solidFill>
+                  <a:schemeClr val="bg1"/>
+                </a:solidFill>
+              </a:rPr>
+              <a:t>͏</a:t>
+            </a:r>
+            <a:r>
+              <a:rPr lang="bg-BG" sz="3550" b="1" dirty="0">
+                <a:solidFill>
+                  <a:schemeClr val="bg1"/>
+                </a:solidFill>
+              </a:rPr>
+              <a:t>Опашка – </a:t>
+            </a:r>
+            <a:r>
               <a:rPr lang="en-US" sz="3550" b="1" dirty="0">
                 <a:solidFill>
                   <a:schemeClr val="bg1"/>
                 </a:solidFill>
               </a:rPr>
               <a:t>Queue&lt;T&gt;</a:t>
-            </a:r>
-            <a:r>
-              <a:rPr lang="en-US" sz="3550" b="1" dirty="0"/>
-              <a:t> </a:t>
-            </a:r>
-            <a:r>
-              <a:rPr lang="en-US" sz="3550" dirty="0"/>
-              <a:t>(</a:t>
-            </a:r>
-            <a:r>
-              <a:rPr lang="en-US" sz="3550" dirty="0">
-                <a:ea typeface="+mn-lt"/>
-                <a:cs typeface="+mn-lt"/>
-              </a:rPr>
-              <a:t>Вкаран първи, първи изкаран</a:t>
-            </a:r>
-            <a:r>
-              <a:rPr lang="en-US" sz="3550" dirty="0"/>
-              <a:t>) </a:t>
             </a:r>
             <a:endParaRPr lang="en-US" sz="3550" dirty="0">
               <a:cs typeface="Calibri"/>
@@ -21274,6 +21069,9 @@
               <a:latin typeface="Consolas"/>
               <a:cs typeface="Calibri"/>
             </a:endParaRPr>
+          </a:p>
+          <a:p>
+            <a:endParaRPr lang="en-BG" dirty="0"/>
           </a:p>
         </p:txBody>
       </p:sp>
@@ -21293,22 +21091,20 @@
             <p:ph type="title"/>
           </p:nvPr>
         </p:nvSpPr>
-        <p:spPr/>
+        <p:spPr>
+          <a:xfrm>
+            <a:off x="190406" y="100750"/>
+            <a:ext cx="9715594" cy="882654"/>
+          </a:xfrm>
+        </p:spPr>
         <p:txBody>
           <a:bodyPr/>
           <a:lstStyle/>
           <a:p>
             <a:r>
-              <a:rPr lang="en-GB" sz="3950" dirty="0">
-                <a:ea typeface="+mj-lt"/>
-                <a:cs typeface="+mj-lt"/>
-              </a:rPr>
+              <a:rPr lang="en-GB" dirty="0"/>
               <a:t>Съдържание</a:t>
             </a:r>
-            <a:endParaRPr lang="en-GB" sz="3950" b="0" dirty="0">
-              <a:ea typeface="+mj-lt"/>
-              <a:cs typeface="+mj-lt"/>
-            </a:endParaRPr>
           </a:p>
         </p:txBody>
       </p:sp>
@@ -21494,9 +21290,9 @@
                                           </p:stCondLst>
                                         </p:cTn>
                                         <p:tgtEl>
-                                          <p:spTgt spid="3">
+                                          <p:spTgt spid="6">
                                             <p:txEl>
-                                              <p:pRg st="0" end="0"/>
+                                              <p:pRg st="2" end="2"/>
                                             </p:txEl>
                                           </p:spTgt>
                                         </p:tgtEl>
@@ -21525,9 +21321,9 @@
                                           </p:stCondLst>
                                         </p:cTn>
                                         <p:tgtEl>
-                                          <p:spTgt spid="3">
+                                          <p:spTgt spid="6">
                                             <p:txEl>
-                                              <p:pRg st="1" end="1"/>
+                                              <p:pRg st="3" end="3"/>
                                             </p:txEl>
                                           </p:spTgt>
                                         </p:tgtEl>
@@ -21574,9 +21370,9 @@
                                           </p:stCondLst>
                                         </p:cTn>
                                         <p:tgtEl>
-                                          <p:spTgt spid="3">
+                                          <p:spTgt spid="6">
                                             <p:txEl>
-                                              <p:pRg st="2" end="2"/>
+                                              <p:pRg st="4" end="4"/>
                                             </p:txEl>
                                           </p:spTgt>
                                         </p:tgtEl>
@@ -21605,87 +21401,7 @@
                                           </p:stCondLst>
                                         </p:cTn>
                                         <p:tgtEl>
-                                          <p:spTgt spid="3">
-                                            <p:txEl>
-                                              <p:pRg st="3" end="3"/>
-                                            </p:txEl>
-                                          </p:spTgt>
-                                        </p:tgtEl>
-                                        <p:attrNameLst>
-                                          <p:attrName>style.visibility</p:attrName>
-                                        </p:attrNameLst>
-                                      </p:cBhvr>
-                                      <p:to>
-                                        <p:strVal val="visible"/>
-                                      </p:to>
-                                    </p:set>
-                                  </p:childTnLst>
-                                </p:cTn>
-                              </p:par>
-                            </p:childTnLst>
-                          </p:cTn>
-                        </p:par>
-                      </p:childTnLst>
-                    </p:cTn>
-                  </p:par>
-                  <p:par>
-                    <p:cTn id="15" fill="hold">
-                      <p:stCondLst>
-                        <p:cond delay="indefinite"/>
-                      </p:stCondLst>
-                      <p:childTnLst>
-                        <p:par>
-                          <p:cTn id="16" fill="hold">
-                            <p:stCondLst>
-                              <p:cond delay="0"/>
-                            </p:stCondLst>
-                            <p:childTnLst>
-                              <p:par>
-                                <p:cTn id="17" presetID="1" presetClass="entr" presetSubtype="0" fill="hold" nodeType="clickEffect">
-                                  <p:stCondLst>
-                                    <p:cond delay="0"/>
-                                  </p:stCondLst>
-                                  <p:childTnLst>
-                                    <p:set>
-                                      <p:cBhvr>
-                                        <p:cTn id="18" dur="1" fill="hold">
-                                          <p:stCondLst>
-                                            <p:cond delay="0"/>
-                                          </p:stCondLst>
-                                        </p:cTn>
-                                        <p:tgtEl>
-                                          <p:spTgt spid="3">
-                                            <p:txEl>
-                                              <p:pRg st="4" end="4"/>
-                                            </p:txEl>
-                                          </p:spTgt>
-                                        </p:tgtEl>
-                                        <p:attrNameLst>
-                                          <p:attrName>style.visibility</p:attrName>
-                                        </p:attrNameLst>
-                                      </p:cBhvr>
-                                      <p:to>
-                                        <p:strVal val="visible"/>
-                                      </p:to>
-                                    </p:set>
-                                  </p:childTnLst>
-                                </p:cTn>
-                              </p:par>
-                              <p:par>
-                                <p:cTn id="19" presetID="1" presetClass="entr" presetSubtype="0" fill="hold" nodeType="withEffect">
-                                  <p:stCondLst>
-                                    <p:cond delay="0"/>
-                                  </p:stCondLst>
-                                  <p:childTnLst>
-                                    <p:set>
-                                      <p:cBhvr>
-                                        <p:cTn id="20" dur="1" fill="hold">
-                                          <p:stCondLst>
-                                            <p:cond delay="0"/>
-                                          </p:stCondLst>
-                                        </p:cTn>
-                                        <p:tgtEl>
-                                          <p:spTgt spid="3">
+                                          <p:spTgt spid="6">
                                             <p:txEl>
                                               <p:pRg st="5" end="5"/>
                                             </p:txEl>
@@ -22117,27 +21833,7 @@
                 <a:latin typeface="Consolas"/>
                 <a:cs typeface="Consolas" pitchFamily="49" charset="0"/>
               </a:rPr>
-              <a:t>// </a:t>
-            </a:r>
-            <a:r>
-              <a:rPr lang="en-US" sz="2750" b="1" noProof="1">
-                <a:solidFill>
-                  <a:schemeClr val="accent2"/>
-                </a:solidFill>
-                <a:latin typeface="Consolas"/>
-                <a:cs typeface="Consolas" pitchFamily="49" charset="0"/>
-              </a:rPr>
-              <a:t>TODO:</a:t>
-            </a:r>
-            <a:r>
-              <a:rPr lang="en-US" sz="2750" b="1" i="1" noProof="1">
-                <a:solidFill>
-                  <a:schemeClr val="accent2"/>
-                </a:solidFill>
-                <a:latin typeface="Consolas"/>
-                <a:cs typeface="Consolas" pitchFamily="49" charset="0"/>
-              </a:rPr>
-              <a:t> Добавете switch за операциите </a:t>
+              <a:t>// TODO: Добавете switch за операциите </a:t>
             </a:r>
             <a:endParaRPr lang="en-US" sz="2750" b="1" i="1" noProof="1">
               <a:solidFill>
@@ -23011,7 +22707,28 @@
                 <a:ea typeface="+mn-lt"/>
                 <a:cs typeface="+mn-lt"/>
               </a:rPr>
-              <a:t>Тествайте решението в Judge:</a:t>
+              <a:t>Тествайте решението</a:t>
+            </a:r>
+            <a:r>
+              <a:rPr lang="bg-BG" sz="1750" dirty="0">
+                <a:ea typeface="+mn-lt"/>
+                <a:cs typeface="+mn-lt"/>
+              </a:rPr>
+              <a:t> си</a:t>
+            </a:r>
+            <a:r>
+              <a:rPr lang="en-US" sz="1750" dirty="0">
+                <a:ea typeface="+mn-lt"/>
+                <a:cs typeface="+mn-lt"/>
+              </a:rPr>
+              <a:t> в Judge:</a:t>
+            </a:r>
+            <a:r>
+              <a:rPr lang="bg-BG" sz="1750" dirty="0">
+                <a:ea typeface="+mn-lt"/>
+                <a:cs typeface="+mn-lt"/>
+              </a:rPr>
+              <a:t> </a:t>
             </a:r>
             <a:r>
               <a:rPr lang="en-US" sz="1750" u="sng" dirty="0">
@@ -23347,27 +23064,27 @@
               </a:buClr>
             </a:pPr>
             <a:r>
-              <a:rPr lang="en-US" sz="3550" dirty="0"/>
+              <a:rPr lang="en-US" sz="3600" dirty="0"/>
               <a:t>Даден</a:t>
             </a:r>
             <a:r>
-              <a:rPr lang="en-US" sz="3550" dirty="0">
+              <a:rPr lang="en-US" sz="3600" dirty="0">
                 <a:solidFill>
                   <a:srgbClr val="234465"/>
                 </a:solidFill>
               </a:rPr>
-              <a:t> ви е </a:t>
-            </a:r>
-            <a:r>
-              <a:rPr lang="bg-BG" sz="3550" b="1" dirty="0">
+              <a:t> е </a:t>
+            </a:r>
+            <a:r>
+              <a:rPr lang="bg-BG" sz="3600" b="1" dirty="0">
                 <a:solidFill>
                   <a:schemeClr val="bg1"/>
                 </a:solidFill>
               </a:rPr>
-              <a:t>аритмичен</a:t>
-            </a:r>
-            <a:r>
-              <a:rPr lang="en-US" sz="3550" b="1" dirty="0">
+              <a:t>аритметичен</a:t>
+            </a:r>
+            <a:r>
+              <a:rPr lang="en-US" sz="3600" b="1" dirty="0">
                 <a:solidFill>
                   <a:schemeClr val="bg1"/>
                 </a:solidFill>
@@ -23375,7 +23092,7 @@
               <a:t> изра</a:t>
             </a:r>
             <a:r>
-              <a:rPr lang="bg-BG" sz="3550" b="1" dirty="0">
+              <a:rPr lang="bg-BG" sz="3600" b="1" dirty="0">
                 <a:solidFill>
                   <a:schemeClr val="bg1"/>
                 </a:solidFill>
@@ -23383,7 +23100,7 @@
               <a:t>з</a:t>
             </a:r>
             <a:r>
-              <a:rPr lang="en-US" sz="3550" b="1" dirty="0">
+              <a:rPr lang="en-US" sz="3600" b="1" dirty="0">
                 <a:solidFill>
                   <a:schemeClr val="bg1"/>
                 </a:solidFill>
@@ -23391,22 +23108,22 @@
               <a:t> </a:t>
             </a:r>
             <a:r>
-              <a:rPr lang="en-US" sz="3550" dirty="0"/>
-              <a:t>със скоби (</a:t>
-            </a:r>
-            <a:r>
-              <a:rPr lang="en-US" sz="3550" b="1" dirty="0">
+              <a:rPr lang="en-US" sz="3600" dirty="0"/>
+              <a:t>със скоби (с</a:t>
+            </a:r>
+            <a:r>
+              <a:rPr lang="en-US" sz="3600" b="1" dirty="0">
                 <a:solidFill>
                   <a:schemeClr val="bg1"/>
                 </a:solidFill>
               </a:rPr>
-              <a:t>с влагане</a:t>
-            </a:r>
-            <a:r>
-              <a:rPr lang="en-US" sz="3550" dirty="0"/>
+              <a:t> влагане</a:t>
+            </a:r>
+            <a:r>
+              <a:rPr lang="en-US" sz="3600" dirty="0"/>
               <a:t>)</a:t>
             </a:r>
-            <a:endParaRPr lang="bg-BG" sz="3550" dirty="0"/>
+            <a:endParaRPr lang="bg-BG" sz="3600" dirty="0"/>
           </a:p>
           <a:p>
             <a:pPr marL="360045" indent="-360045">
@@ -23418,7 +23135,7 @@
               </a:buClr>
             </a:pPr>
             <a:r>
-              <a:rPr lang="en-US" sz="3550" b="1" dirty="0">
+              <a:rPr lang="en-US" sz="3600" b="1" dirty="0">
                 <a:solidFill>
                   <a:schemeClr val="bg1"/>
                 </a:solidFill>
@@ -23428,13 +23145,13 @@
               <a:t>Извлечете всички подизрази</a:t>
             </a:r>
             <a:r>
-              <a:rPr lang="en-US" sz="3550" dirty="0">
+              <a:rPr lang="en-US" sz="3600" dirty="0">
                 <a:ea typeface="+mn-lt"/>
                 <a:cs typeface="+mn-lt"/>
               </a:rPr>
               <a:t> в скоби</a:t>
             </a:r>
-            <a:endParaRPr lang="en-US" sz="3550" dirty="0">
+            <a:endParaRPr lang="en-US" sz="3600" dirty="0">
               <a:cs typeface="Calibri"/>
             </a:endParaRPr>
           </a:p>
@@ -24337,7 +24054,21 @@
                 <a:ea typeface="+mn-lt"/>
                 <a:cs typeface="+mn-lt"/>
               </a:rPr>
-              <a:t>Тествайте решението в Judge: </a:t>
+              <a:t>Тествайте решението </a:t>
+            </a:r>
+            <a:r>
+              <a:rPr lang="bg-BG" sz="1750" dirty="0">
+                <a:ea typeface="+mn-lt"/>
+                <a:cs typeface="+mn-lt"/>
+              </a:rPr>
+              <a:t>си </a:t>
+            </a:r>
+            <a:r>
+              <a:rPr lang="en-US" sz="1750" dirty="0">
+                <a:ea typeface="+mn-lt"/>
+                <a:cs typeface="+mn-lt"/>
+              </a:rPr>
+              <a:t>в Judge: </a:t>
             </a:r>
             <a:r>
               <a:rPr lang="en-US" sz="1750" u="sng" dirty="0">
@@ -24864,41 +24595,55 @@
           <a:lstStyle/>
           <a:p>
             <a:r>
-              <a:rPr lang="en-US" sz="3600" b="1" dirty="0">
+              <a:rPr lang="en-US" sz="3600" dirty="0">
                 <a:latin typeface="Consolas"/>
                 <a:cs typeface="Calibri"/>
               </a:rPr>
               <a:t>Enqueue()</a:t>
             </a:r>
             <a:r>
-              <a:rPr lang="bg-BG" sz="3600" b="1" dirty="0">
+              <a:rPr lang="bg-BG" sz="3600" dirty="0">
+                <a:latin typeface="Calibri" panose="020F0502020204030204" pitchFamily="34" charset="0"/>
+                <a:cs typeface="Calibri" panose="020F0502020204030204" pitchFamily="34" charset="0"/>
+              </a:rPr>
+              <a:t>,</a:t>
+            </a:r>
+            <a:r>
+              <a:rPr lang="bg-BG" sz="3600" dirty="0">
                 <a:latin typeface="Consolas"/>
                 <a:cs typeface="Calibri"/>
               </a:rPr>
-              <a:t>, </a:t>
-            </a:r>
-            <a:r>
-              <a:rPr lang="en-US" sz="3600" b="1" dirty="0">
+              <a:t> </a:t>
+            </a:r>
+            <a:r>
+              <a:rPr lang="en-US" sz="3600" dirty="0">
                 <a:latin typeface="Consolas"/>
                 <a:cs typeface="Calibri"/>
               </a:rPr>
-              <a:t>Dequeue() </a:t>
-            </a:r>
-            <a:r>
-              <a:rPr lang="bg-BG" sz="3600" b="1" dirty="0">
+              <a:t>Dequeue()</a:t>
+            </a:r>
+            <a:r>
+              <a:rPr lang="bg-BG" sz="3600" dirty="0">
+                <a:latin typeface="Calibri" panose="020F0502020204030204" pitchFamily="34" charset="0"/>
+                <a:cs typeface="Calibri" panose="020F0502020204030204" pitchFamily="34" charset="0"/>
+              </a:rPr>
+              <a:t>,</a:t>
+            </a:r>
+            <a:r>
+              <a:rPr lang="bg-BG" sz="3600" dirty="0">
                 <a:latin typeface="Consolas"/>
                 <a:cs typeface="Calibri"/>
               </a:rPr>
-              <a:t>, </a:t>
-            </a:r>
-            <a:r>
-              <a:rPr lang="en-US" sz="3600" b="1" dirty="0">
+              <a:t> </a:t>
+            </a:r>
+            <a:r>
+              <a:rPr lang="en-US" sz="3600" dirty="0">
                 <a:latin typeface="Consolas"/>
                 <a:cs typeface="Calibri"/>
               </a:rPr>
               <a:t>Peek()</a:t>
             </a:r>
-            <a:endParaRPr lang="en-US" sz="3600" b="1" dirty="0">
+            <a:endParaRPr lang="en-US" sz="3600" dirty="0">
               <a:latin typeface="Consolas"/>
             </a:endParaRPr>
           </a:p>
@@ -24926,9 +24671,14 @@
           <a:lstStyle/>
           <a:p>
             <a:r>
-              <a:rPr lang="en-GB" dirty="0"/>
-              <a:t>Общ преглед и работа с опашка</a:t>
-            </a:r>
+              <a:rPr lang="bg-BG" dirty="0"/>
+              <a:t>Опашка (</a:t>
+            </a:r>
+            <a:r>
+              <a:rPr lang="en-US" dirty="0"/>
+              <a:t>Queue)</a:t>
+            </a:r>
+            <a:endParaRPr lang="en-GB" dirty="0"/>
           </a:p>
         </p:txBody>
       </p:sp>
@@ -27629,7 +27379,7 @@
                                         <p:tgtEl>
                                           <p:spTgt spid="6">
                                             <p:txEl>
-                                              <p:pRg st="1" end="1"/>
+                                              <p:pRg st="3" end="3"/>
                                             </p:txEl>
                                           </p:spTgt>
                                         </p:tgtEl>
@@ -27658,7 +27408,7 @@
                                           </p:stCondLst>
                                         </p:cTn>
                                         <p:tgtEl>
-                                          <p:spTgt spid="15"/>
+                                          <p:spTgt spid="3"/>
                                         </p:tgtEl>
                                         <p:attrNameLst>
                                           <p:attrName>style.visibility</p:attrName>
@@ -27705,7 +27455,7 @@
                                         <p:tgtEl>
                                           <p:spTgt spid="6">
                                             <p:txEl>
-                                              <p:pRg st="3" end="3"/>
+                                              <p:pRg st="5" end="5"/>
                                             </p:txEl>
                                           </p:spTgt>
                                         </p:tgtEl>
@@ -27729,82 +27479,6 @@
                                     <p:set>
                                       <p:cBhvr>
                                         <p:cTn id="14" dur="1" fill="hold">
-                                          <p:stCondLst>
-                                            <p:cond delay="0"/>
-                                          </p:stCondLst>
-                                        </p:cTn>
-                                        <p:tgtEl>
-                                          <p:spTgt spid="3"/>
-                                        </p:tgtEl>
-                                        <p:attrNameLst>
-                                          <p:attrName>style.visibility</p:attrName>
-                                        </p:attrNameLst>
-                                      </p:cBhvr>
-                                      <p:to>
-                                        <p:strVal val="visible"/>
-                                      </p:to>
-                                    </p:set>
-                                  </p:childTnLst>
-                                </p:cTn>
-                              </p:par>
-                            </p:childTnLst>
-                          </p:cTn>
-                        </p:par>
-                      </p:childTnLst>
-                    </p:cTn>
-                  </p:par>
-                  <p:par>
-                    <p:cTn id="15" fill="hold">
-                      <p:stCondLst>
-                        <p:cond delay="indefinite"/>
-                      </p:stCondLst>
-                      <p:childTnLst>
-                        <p:par>
-                          <p:cTn id="16" fill="hold">
-                            <p:stCondLst>
-                              <p:cond delay="0"/>
-                            </p:stCondLst>
-                            <p:childTnLst>
-                              <p:par>
-                                <p:cTn id="17" presetID="1" presetClass="entr" presetSubtype="0" fill="hold" nodeType="clickEffect">
-                                  <p:stCondLst>
-                                    <p:cond delay="0"/>
-                                  </p:stCondLst>
-                                  <p:childTnLst>
-                                    <p:set>
-                                      <p:cBhvr>
-                                        <p:cTn id="18" dur="1" fill="hold">
-                                          <p:stCondLst>
-                                            <p:cond delay="0"/>
-                                          </p:stCondLst>
-                                        </p:cTn>
-                                        <p:tgtEl>
-                                          <p:spTgt spid="6">
-                                            <p:txEl>
-                                              <p:pRg st="5" end="5"/>
-                                            </p:txEl>
-                                          </p:spTgt>
-                                        </p:tgtEl>
-                                        <p:attrNameLst>
-                                          <p:attrName>style.visibility</p:attrName>
-                                        </p:attrNameLst>
-                                      </p:cBhvr>
-                                      <p:to>
-                                        <p:strVal val="visible"/>
-                                      </p:to>
-                                    </p:set>
-                                  </p:childTnLst>
-                                </p:cTn>
-                              </p:par>
-                              <p:par>
-                                <p:cTn id="19" presetID="1" presetClass="entr" presetSubtype="0" fill="hold" nodeType="withEffect">
-                                  <p:stCondLst>
-                                    <p:cond delay="0"/>
-                                  </p:stCondLst>
-                                  <p:childTnLst>
-                                    <p:set>
-                                      <p:cBhvr>
-                                        <p:cTn id="20" dur="1" fill="hold">
                                           <p:stCondLst>
                                             <p:cond delay="0"/>
                                           </p:stCondLst>
@@ -30226,7 +29900,12 @@
             <p:ph type="title"/>
           </p:nvPr>
         </p:nvSpPr>
-        <p:spPr/>
+        <p:spPr>
+          <a:xfrm>
+            <a:off x="111000" y="100750"/>
+            <a:ext cx="9910594" cy="882654"/>
+          </a:xfrm>
+        </p:spPr>
         <p:txBody>
           <a:bodyPr vert="horz" lIns="107972" tIns="35991" rIns="107972" bIns="35991" rtlCol="0" anchor="ctr" anchorCtr="0">
             <a:noAutofit/>
@@ -30239,20 +29918,20 @@
               </a:lnSpc>
             </a:pPr>
             <a:r>
-              <a:rPr lang="en-US" sz="3150" dirty="0">
+              <a:rPr lang="en-US" sz="3200" dirty="0">
                 <a:ea typeface="+mn-ea"/>
                 <a:cs typeface="Consolas" panose="020B0609020204030204" pitchFamily="49" charset="0"/>
               </a:rPr>
-              <a:t>Dequeue() –</a:t>
-            </a:r>
-            <a:r>
-              <a:rPr lang="en-US" sz="3150" dirty="0">
+              <a:t>Dequeue() – </a:t>
+            </a:r>
+            <a:r>
+              <a:rPr lang="en-US" sz="3200" dirty="0">
                 <a:ea typeface="+mn-ea"/>
                 <a:cs typeface="Calibri"/>
               </a:rPr>
               <a:t>Премахане и връщане на първия елемент</a:t>
             </a:r>
-            <a:endParaRPr lang="en-US" sz="3150" b="0" dirty="0">
+            <a:endParaRPr lang="en-US" sz="3200" b="0" dirty="0">
               <a:ea typeface="+mj-lt"/>
               <a:cs typeface="+mj-lt"/>
             </a:endParaRPr>
@@ -32013,7 +31692,12 @@
             <p:ph type="title"/>
           </p:nvPr>
         </p:nvSpPr>
-        <p:spPr/>
+        <p:spPr>
+          <a:xfrm>
+            <a:off x="111000" y="100750"/>
+            <a:ext cx="9715594" cy="882654"/>
+          </a:xfrm>
+        </p:spPr>
         <p:txBody>
           <a:bodyPr vert="horz" lIns="107972" tIns="35991" rIns="107972" bIns="35991" rtlCol="0" anchor="ctr" anchorCtr="0">
             <a:noAutofit/>
@@ -32026,20 +31710,34 @@
               </a:lnSpc>
             </a:pPr>
             <a:r>
-              <a:rPr lang="en-US" sz="3000" dirty="0">
+              <a:rPr lang="en-US" sz="3200" dirty="0">
                 <a:ea typeface="+mn-ea"/>
                 <a:cs typeface="Consolas" panose="020B0609020204030204" pitchFamily="49" charset="0"/>
               </a:rPr>
               <a:t>Peek() – </a:t>
             </a:r>
             <a:r>
-              <a:rPr lang="ru-RU" sz="3000" dirty="0">
+              <a:rPr lang="bg-BG" sz="3200" dirty="0">
                 <a:ea typeface="+mn-ea"/>
                 <a:cs typeface="Consolas" panose="020B0609020204030204" pitchFamily="49" charset="0"/>
               </a:rPr>
-              <a:t>Връща на първия елемент без да го премахва</a:t>
-            </a:r>
-            <a:endParaRPr lang="en-US" sz="3000" dirty="0">
+              <a:t>Връщане</a:t>
+            </a:r>
+            <a:r>
+              <a:rPr lang="ru-RU" sz="3200" dirty="0">
+                <a:ea typeface="+mn-ea"/>
+                <a:cs typeface="Consolas" panose="020B0609020204030204" pitchFamily="49" charset="0"/>
+              </a:rPr>
+              <a:t> на първия елемент без </a:t>
+            </a:r>
+            <a:r>
+              <a:rPr lang="bg-BG" sz="3200" dirty="0">
+                <a:ea typeface="+mn-ea"/>
+                <a:cs typeface="Consolas" panose="020B0609020204030204" pitchFamily="49" charset="0"/>
+              </a:rPr>
+              <a:t>премахване</a:t>
+            </a:r>
+            <a:endParaRPr lang="en-US" sz="3200" dirty="0">
               <a:ea typeface="+mn-ea"/>
               <a:cs typeface="Consolas" panose="020B0609020204030204" pitchFamily="49" charset="0"/>
             </a:endParaRPr>
@@ -32723,7 +32421,15 @@
             </a:r>
             <a:r>
               <a:rPr lang="en-US" sz="3600" dirty="0"/>
-              <a:t>картофа се </a:t>
+              <a:t>картоф</a:t>
+            </a:r>
+            <a:r>
+              <a:rPr lang="bg-BG" sz="3600" dirty="0"/>
+              <a:t>ът</a:t>
+            </a:r>
+            <a:r>
+              <a:rPr lang="en-US" sz="3600" dirty="0"/>
+              <a:t> се </a:t>
             </a:r>
             <a:r>
               <a:rPr lang="en-US" sz="3600" b="1" dirty="0">
@@ -32763,16 +32469,34 @@
               </a:buClr>
             </a:pPr>
             <a:r>
+              <a:rPr lang="bg-BG" sz="3600" dirty="0">
+                <a:cs typeface="Calibri"/>
+              </a:rPr>
+              <a:t>Принтирайте</a:t>
+            </a:r>
+            <a:r>
               <a:rPr lang="en-US" sz="3600" dirty="0">
                 <a:cs typeface="Calibri"/>
               </a:rPr>
-              <a:t>Принтирайте последното дет</a:t>
+              <a:t> </a:t>
             </a:r>
             <a:r>
               <a:rPr lang="bg-BG" sz="3600" dirty="0">
                 <a:cs typeface="Calibri"/>
               </a:rPr>
-              <a:t>е</a:t>
+              <a:t>последното</a:t>
+            </a:r>
+            <a:r>
+              <a:rPr lang="en-US" sz="3600" dirty="0">
+                <a:cs typeface="Calibri"/>
+              </a:rPr>
+              <a:t> </a:t>
+            </a:r>
+            <a:r>
+              <a:rPr lang="bg-BG" sz="3600" dirty="0">
+                <a:cs typeface="Calibri"/>
+              </a:rPr>
+              <a:t>дете:</a:t>
             </a:r>
             <a:endParaRPr lang="en-US" sz="3600" dirty="0">
               <a:cs typeface="Calibri"/>
@@ -33480,7 +33204,7 @@
           <a:p>
             <a:r>
               <a:rPr lang="bg-BG" dirty="0"/>
-              <a:t>Линейни структури от данни</a:t>
+              <a:t>Структури от данни</a:t>
             </a:r>
           </a:p>
         </p:txBody>
@@ -33541,11 +33265,11 @@
           <a:lstStyle/>
           <a:p>
             <a:r>
-              <a:rPr lang="en-US" sz="3950" dirty="0">
+              <a:rPr lang="bg-BG" sz="3950" dirty="0">
                 <a:ea typeface="+mj-lt"/>
                 <a:cs typeface="+mj-lt"/>
               </a:rPr>
-              <a:t>Задача</a:t>
+              <a:t>Решение</a:t>
             </a:r>
             <a:r>
               <a:rPr lang="en-US" sz="3950" dirty="0"/>
@@ -33940,13 +33664,13 @@
         </p:nvSpPr>
         <p:spPr bwMode="auto">
           <a:xfrm>
-            <a:off x="7602297" y="2983587"/>
-            <a:ext cx="3667592" cy="1367678"/>
+            <a:off x="7371741" y="2979000"/>
+            <a:ext cx="4748703" cy="855000"/>
           </a:xfrm>
           <a:prstGeom prst="wedgeRoundRectCallout">
             <a:avLst>
-              <a:gd name="adj1" fmla="val -37636"/>
-              <a:gd name="adj2" fmla="val -76984"/>
+              <a:gd name="adj1" fmla="val -27380"/>
+              <a:gd name="adj2" fmla="val -89772"/>
               <a:gd name="adj3" fmla="val 16667"/>
             </a:avLst>
           </a:prstGeom>
@@ -33999,7 +33723,7 @@
                 <a:ea typeface="+mn-lt"/>
                 <a:cs typeface="+mn-lt"/>
               </a:rPr>
-              <a:t>Копираме елементи от спец</a:t>
+              <a:t>Копираме елементи от </a:t>
             </a:r>
             <a:r>
               <a:rPr lang="bg-BG" sz="2350" b="1" dirty="0">
@@ -34009,7 +33733,7 @@
                 <a:ea typeface="+mn-lt"/>
                 <a:cs typeface="+mn-lt"/>
               </a:rPr>
-              <a:t>и</a:t>
+              <a:t>колекцията </a:t>
             </a:r>
             <a:r>
               <a:rPr lang="en-US" sz="2350" b="1" dirty="0">
@@ -34019,7 +33743,7 @@
                 <a:ea typeface="+mn-lt"/>
                 <a:cs typeface="+mn-lt"/>
               </a:rPr>
-              <a:t>фичната колекция и запазваме реда им </a:t>
+              <a:t>и запазваме реда им </a:t>
             </a:r>
             <a:endParaRPr lang="bg-BG" dirty="0"/>
           </a:p>
@@ -34081,7 +33805,7 @@
         </p:nvSpPr>
         <p:spPr>
           <a:xfrm>
-            <a:off x="763389" y="6344764"/>
+            <a:off x="763389" y="6434764"/>
             <a:ext cx="10589042" cy="369236"/>
           </a:xfrm>
           <a:prstGeom prst="rect">
@@ -34101,7 +33825,21 @@
                 <a:ea typeface="+mn-lt"/>
                 <a:cs typeface="+mn-lt"/>
               </a:rPr>
-              <a:t>Тествайте решението в Judge </a:t>
+              <a:t>Тествайте решението</a:t>
+            </a:r>
+            <a:r>
+              <a:rPr lang="bg-BG" sz="1800" dirty="0">
+                <a:ea typeface="+mn-lt"/>
+                <a:cs typeface="+mn-lt"/>
+              </a:rPr>
+              <a:t> си</a:t>
+            </a:r>
+            <a:r>
+              <a:rPr lang="en-US" sz="1800" dirty="0">
+                <a:ea typeface="+mn-lt"/>
+                <a:cs typeface="+mn-lt"/>
+              </a:rPr>
+              <a:t> в Judge </a:t>
             </a:r>
             <a:r>
               <a:rPr lang="en-US" sz="1799" dirty="0"/>
@@ -34622,31 +34360,6 @@
       </p:grpSpPr>
       <p:sp>
         <p:nvSpPr>
-          <p:cNvPr id="5" name="Текстов контейнер 4">
-            <a:extLst>
-              <a:ext uri="{FF2B5EF4-FFF2-40B4-BE49-F238E27FC236}">
-                <a16:creationId xmlns:a16="http://schemas.microsoft.com/office/drawing/2014/main" id="{C1D0597B-758C-4AFA-AAE8-A8D14382FAE4}"/>
-              </a:ext>
-            </a:extLst>
-          </p:cNvPr>
-          <p:cNvSpPr>
-            <a:spLocks noGrp="1"/>
-          </p:cNvSpPr>
-          <p:nvPr>
-            <p:ph type="body" sz="quarter" idx="10"/>
-          </p:nvPr>
-        </p:nvSpPr>
-        <p:spPr/>
-        <p:txBody>
-          <a:bodyPr/>
-          <a:lstStyle/>
-          <a:p>
-            <a:endParaRPr lang="bg-BG" dirty="0"/>
-          </a:p>
-        </p:txBody>
-      </p:sp>
-      <p:sp>
-        <p:nvSpPr>
           <p:cNvPr id="4" name="Title 3"/>
           <p:cNvSpPr>
             <a:spLocks noGrp="1"/>
@@ -34684,8 +34397,8 @@
         </p:nvSpPr>
         <p:spPr bwMode="auto">
           <a:xfrm>
-            <a:off x="2210812" y="1844906"/>
-            <a:ext cx="7770376" cy="2955339"/>
+            <a:off x="2001000" y="1539000"/>
+            <a:ext cx="8475188" cy="4498101"/>
           </a:xfrm>
           <a:prstGeom prst="rect">
             <a:avLst/>
@@ -34713,6 +34426,9 @@
           <a:lstStyle/>
           <a:p>
             <a:pPr eaLnBrk="0" hangingPunct="0">
+              <a:lnSpc>
+                <a:spcPct val="125000"/>
+              </a:lnSpc>
               <a:buClr>
                 <a:schemeClr val="accent5">
                   <a:lumMod val="40000"/>
@@ -34722,7 +34438,7 @@
               <a:buSzPct val="70000"/>
             </a:pPr>
             <a:r>
-              <a:rPr lang="en-US" sz="2799" b="1" noProof="1">
+              <a:rPr lang="en-US" sz="3100" b="1" noProof="1">
                 <a:latin typeface="Consolas" pitchFamily="49" charset="0"/>
                 <a:cs typeface="Consolas" pitchFamily="49" charset="0"/>
               </a:rPr>
@@ -34731,6 +34447,9 @@
           </a:p>
           <a:p>
             <a:pPr eaLnBrk="0" hangingPunct="0">
+              <a:lnSpc>
+                <a:spcPct val="125000"/>
+              </a:lnSpc>
               <a:buClr>
                 <a:schemeClr val="accent5">
                   <a:lumMod val="40000"/>
@@ -34740,7 +34459,7 @@
               <a:buSzPct val="70000"/>
             </a:pPr>
             <a:r>
-              <a:rPr lang="en-US" sz="2799" b="1" noProof="1">
+              <a:rPr lang="en-US" sz="3100" b="1" noProof="1">
                 <a:solidFill>
                   <a:schemeClr val="bg1"/>
                 </a:solidFill>
@@ -34750,14 +34469,14 @@
               <a:t>int</a:t>
             </a:r>
             <a:r>
-              <a:rPr lang="en-US" sz="2799" b="1" noProof="1">
+              <a:rPr lang="en-US" sz="3100" b="1" noProof="1">
                 <a:latin typeface="Consolas" pitchFamily="49" charset="0"/>
                 <a:cs typeface="Consolas" pitchFamily="49" charset="0"/>
               </a:rPr>
               <a:t> count = queue.</a:t>
             </a:r>
             <a:r>
-              <a:rPr lang="en-US" sz="2799" b="1" noProof="1">
+              <a:rPr lang="en-US" sz="3100" b="1" noProof="1">
                 <a:solidFill>
                   <a:schemeClr val="bg1"/>
                 </a:solidFill>
@@ -34767,7 +34486,7 @@
               <a:t>Count</a:t>
             </a:r>
             <a:r>
-              <a:rPr lang="en-US" sz="2799" b="1" noProof="1">
+              <a:rPr lang="en-US" sz="3100" b="1" noProof="1">
                 <a:latin typeface="Consolas" pitchFamily="49" charset="0"/>
                 <a:cs typeface="Consolas" pitchFamily="49" charset="0"/>
               </a:rPr>
@@ -34776,6 +34495,9 @@
           </a:p>
           <a:p>
             <a:pPr eaLnBrk="0" hangingPunct="0">
+              <a:lnSpc>
+                <a:spcPct val="125000"/>
+              </a:lnSpc>
               <a:buClr>
                 <a:schemeClr val="accent5">
                   <a:lumMod val="40000"/>
@@ -34785,7 +34507,7 @@
               <a:buSzPct val="70000"/>
             </a:pPr>
             <a:r>
-              <a:rPr lang="en-US" sz="2799" b="1" noProof="1">
+              <a:rPr lang="en-US" sz="3100" b="1" noProof="1">
                 <a:solidFill>
                   <a:schemeClr val="bg1"/>
                 </a:solidFill>
@@ -34795,14 +34517,14 @@
               <a:t>bool</a:t>
             </a:r>
             <a:r>
-              <a:rPr lang="en-US" sz="2799" b="1" noProof="1">
+              <a:rPr lang="en-US" sz="3100" b="1" noProof="1">
                 <a:latin typeface="Consolas" pitchFamily="49" charset="0"/>
                 <a:cs typeface="Consolas" pitchFamily="49" charset="0"/>
               </a:rPr>
               <a:t> exists = queue.</a:t>
             </a:r>
             <a:r>
-              <a:rPr lang="en-US" sz="2799" b="1" noProof="1">
+              <a:rPr lang="en-US" sz="3100" b="1" noProof="1">
                 <a:solidFill>
                   <a:schemeClr val="bg1"/>
                 </a:solidFill>
@@ -34812,14 +34534,14 @@
               <a:t>Contains(</a:t>
             </a:r>
             <a:r>
-              <a:rPr lang="en-US" sz="2799" b="1" noProof="1">
+              <a:rPr lang="en-US" sz="3100" b="1" noProof="1">
                 <a:latin typeface="Consolas" pitchFamily="49" charset="0"/>
                 <a:cs typeface="Consolas" pitchFamily="49" charset="0"/>
               </a:rPr>
               <a:t>2</a:t>
             </a:r>
             <a:r>
-              <a:rPr lang="en-US" sz="2799" b="1" noProof="1">
+              <a:rPr lang="en-US" sz="3100" b="1" noProof="1">
                 <a:solidFill>
                   <a:schemeClr val="bg1"/>
                 </a:solidFill>
@@ -34829,7 +34551,7 @@
               <a:t>)</a:t>
             </a:r>
             <a:r>
-              <a:rPr lang="en-US" sz="2799" b="1" noProof="1">
+              <a:rPr lang="en-US" sz="3100" b="1" noProof="1">
                 <a:latin typeface="Consolas" pitchFamily="49" charset="0"/>
                 <a:cs typeface="Consolas" pitchFamily="49" charset="0"/>
               </a:rPr>
@@ -34838,6 +34560,9 @@
           </a:p>
           <a:p>
             <a:pPr eaLnBrk="0" hangingPunct="0">
+              <a:lnSpc>
+                <a:spcPct val="125000"/>
+              </a:lnSpc>
               <a:buClr>
                 <a:schemeClr val="accent5">
                   <a:lumMod val="40000"/>
@@ -34847,7 +34572,7 @@
               <a:buSzPct val="70000"/>
             </a:pPr>
             <a:r>
-              <a:rPr lang="en-US" sz="2799" b="1" noProof="1">
+              <a:rPr lang="en-US" sz="3100" b="1" noProof="1">
                 <a:solidFill>
                   <a:schemeClr val="bg1"/>
                 </a:solidFill>
@@ -34857,14 +34582,14 @@
               <a:t>int[]</a:t>
             </a:r>
             <a:r>
-              <a:rPr lang="en-US" sz="2799" b="1" noProof="1">
+              <a:rPr lang="en-US" sz="3100" b="1" noProof="1">
                 <a:latin typeface="Consolas" pitchFamily="49" charset="0"/>
                 <a:cs typeface="Consolas" pitchFamily="49" charset="0"/>
               </a:rPr>
               <a:t> array = queue.</a:t>
             </a:r>
             <a:r>
-              <a:rPr lang="en-US" sz="2799" b="1" noProof="1">
+              <a:rPr lang="en-US" sz="3100" b="1" noProof="1">
                 <a:solidFill>
                   <a:schemeClr val="bg1"/>
                 </a:solidFill>
@@ -34874,7 +34599,7 @@
               <a:t>ToArray()</a:t>
             </a:r>
             <a:r>
-              <a:rPr lang="en-US" sz="2799" b="1" noProof="1">
+              <a:rPr lang="en-US" sz="3100" b="1" noProof="1">
                 <a:latin typeface="Consolas" pitchFamily="49" charset="0"/>
                 <a:cs typeface="Consolas" pitchFamily="49" charset="0"/>
               </a:rPr>
@@ -34883,6 +34608,9 @@
           </a:p>
           <a:p>
             <a:pPr eaLnBrk="0" hangingPunct="0">
+              <a:lnSpc>
+                <a:spcPct val="125000"/>
+              </a:lnSpc>
               <a:buClr>
                 <a:schemeClr val="accent5">
                   <a:lumMod val="40000"/>
@@ -34892,14 +34620,14 @@
               <a:buSzPct val="70000"/>
             </a:pPr>
             <a:r>
-              <a:rPr lang="en-US" sz="2799" b="1" noProof="1">
+              <a:rPr lang="en-US" sz="3100" b="1" noProof="1">
                 <a:latin typeface="Consolas" pitchFamily="49" charset="0"/>
                 <a:cs typeface="Consolas" pitchFamily="49" charset="0"/>
               </a:rPr>
               <a:t>queue.</a:t>
             </a:r>
             <a:r>
-              <a:rPr lang="en-US" sz="2799" b="1" noProof="1">
+              <a:rPr lang="en-US" sz="3100" b="1" noProof="1">
                 <a:solidFill>
                   <a:schemeClr val="bg1"/>
                 </a:solidFill>
@@ -34909,7 +34637,7 @@
               <a:t>Clear()</a:t>
             </a:r>
             <a:r>
-              <a:rPr lang="en-US" sz="2799" b="1" noProof="1">
+              <a:rPr lang="en-US" sz="3100" b="1" noProof="1">
                 <a:latin typeface="Consolas" pitchFamily="49" charset="0"/>
                 <a:cs typeface="Consolas" pitchFamily="49" charset="0"/>
               </a:rPr>
@@ -34918,6 +34646,9 @@
           </a:p>
           <a:p>
             <a:pPr eaLnBrk="0" hangingPunct="0">
+              <a:lnSpc>
+                <a:spcPct val="125000"/>
+              </a:lnSpc>
               <a:buClr>
                 <a:schemeClr val="accent5">
                   <a:lumMod val="40000"/>
@@ -34927,14 +34658,14 @@
               <a:buSzPct val="70000"/>
             </a:pPr>
             <a:r>
-              <a:rPr lang="en-US" sz="2799" b="1" noProof="1">
+              <a:rPr lang="en-US" sz="3100" b="1" noProof="1">
                 <a:latin typeface="Consolas" pitchFamily="49" charset="0"/>
                 <a:cs typeface="Consolas" pitchFamily="49" charset="0"/>
               </a:rPr>
               <a:t>queue.</a:t>
             </a:r>
             <a:r>
-              <a:rPr lang="en-US" sz="2799" b="1" noProof="1">
+              <a:rPr lang="en-US" sz="3100" b="1" noProof="1">
                 <a:solidFill>
                   <a:schemeClr val="bg1"/>
                 </a:solidFill>
@@ -34944,7 +34675,7 @@
               <a:t>TrimExcess()</a:t>
             </a:r>
             <a:r>
-              <a:rPr lang="en-US" sz="2799" b="1" noProof="1">
+              <a:rPr lang="en-US" sz="3100" b="1" noProof="1">
                 <a:latin typeface="Consolas" pitchFamily="49" charset="0"/>
                 <a:cs typeface="Consolas" pitchFamily="49" charset="0"/>
               </a:rPr>
@@ -34969,13 +34700,13 @@
         </p:nvSpPr>
         <p:spPr bwMode="auto">
           <a:xfrm>
-            <a:off x="9065227" y="3348537"/>
+            <a:off x="9246000" y="4323245"/>
             <a:ext cx="2609320" cy="880317"/>
           </a:xfrm>
           <a:prstGeom prst="wedgeRoundRectCallout">
             <a:avLst>
-              <a:gd name="adj1" fmla="val -72393"/>
-              <a:gd name="adj2" fmla="val -19189"/>
+              <a:gd name="adj1" fmla="val -65537"/>
+              <a:gd name="adj2" fmla="val -34995"/>
               <a:gd name="adj3" fmla="val 16667"/>
             </a:avLst>
           </a:prstGeom>
@@ -35021,14 +34752,14 @@
           <a:p>
             <a:pPr algn="ctr"/>
             <a:r>
-              <a:rPr lang="en-US" sz="2350" b="1" dirty="0">
+              <a:rPr lang="bg-BG" sz="2350" b="1" dirty="0">
                 <a:solidFill>
                   <a:schemeClr val="bg2"/>
                 </a:solidFill>
                 <a:ea typeface="+mn-lt"/>
                 <a:cs typeface="+mn-lt"/>
               </a:rPr>
-              <a:t>Запазва реда на елементите</a:t>
+              <a:t>Превръща опашката в масив</a:t>
             </a:r>
             <a:endParaRPr lang="bg-BG" b="1" dirty="0">
               <a:solidFill>
@@ -35055,13 +34786,13 @@
         </p:nvSpPr>
         <p:spPr bwMode="auto">
           <a:xfrm>
-            <a:off x="168331" y="4621095"/>
+            <a:off x="0" y="5785765"/>
             <a:ext cx="2556869" cy="1018235"/>
           </a:xfrm>
           <a:prstGeom prst="wedgeRoundRectCallout">
             <a:avLst>
-              <a:gd name="adj1" fmla="val 42656"/>
-              <a:gd name="adj2" fmla="val -108945"/>
+              <a:gd name="adj1" fmla="val 39545"/>
+              <a:gd name="adj2" fmla="val -120658"/>
               <a:gd name="adj3" fmla="val 16667"/>
             </a:avLst>
           </a:prstGeom>
@@ -35139,13 +34870,13 @@
         </p:nvSpPr>
         <p:spPr bwMode="auto">
           <a:xfrm>
-            <a:off x="4926305" y="4913614"/>
-            <a:ext cx="2789695" cy="1018235"/>
+            <a:off x="6802462" y="5421348"/>
+            <a:ext cx="4928838" cy="617652"/>
           </a:xfrm>
           <a:prstGeom prst="wedgeRoundRectCallout">
             <a:avLst>
-              <a:gd name="adj1" fmla="val -38004"/>
-              <a:gd name="adj2" fmla="val -85329"/>
+              <a:gd name="adj1" fmla="val -57768"/>
+              <a:gd name="adj2" fmla="val -25153"/>
               <a:gd name="adj3" fmla="val 16667"/>
             </a:avLst>
           </a:prstGeom>
@@ -35210,7 +34941,7 @@
               </a:rPr>
               <a:t> </a:t>
             </a:r>
-            <a:br>
+            <a:r>
               <a:rPr lang="bg-BG" sz="2350" b="1" dirty="0">
                 <a:solidFill>
                   <a:srgbClr val="FFFFFF"/>
@@ -35218,7 +34949,8 @@
                 <a:ea typeface="+mn-lt"/>
                 <a:cs typeface="+mn-lt"/>
               </a:rPr>
-            </a:br>
+              <a:t>вътрешния</a:t>
+            </a:r>
             <a:r>
               <a:rPr lang="en-US" sz="2350" b="1" dirty="0">
                 <a:solidFill>
@@ -35227,7 +34959,7 @@
                 <a:ea typeface="+mn-lt"/>
                 <a:cs typeface="+mn-lt"/>
               </a:rPr>
-              <a:t>вътрешния </a:t>
+              <a:t> </a:t>
             </a:r>
             <a:r>
               <a:rPr lang="bg-BG" sz="2350" b="1" dirty="0">
@@ -35287,6 +35019,178 @@
               <a:t>31</a:t>
             </a:fld>
             <a:endParaRPr lang="en-US" noProof="0" dirty="0"/>
+          </a:p>
+        </p:txBody>
+      </p:sp>
+      <p:sp>
+        <p:nvSpPr>
+          <p:cNvPr id="2" name="AutoShape 6">
+            <a:extLst>
+              <a:ext uri="{FF2B5EF4-FFF2-40B4-BE49-F238E27FC236}">
+                <a16:creationId xmlns:a16="http://schemas.microsoft.com/office/drawing/2014/main" id="{FD36E761-AC84-1139-FA51-987B1E6C7317}"/>
+              </a:ext>
+            </a:extLst>
+          </p:cNvPr>
+          <p:cNvSpPr>
+            <a:spLocks noChangeArrowheads="1"/>
+          </p:cNvSpPr>
+          <p:nvPr/>
+        </p:nvSpPr>
+        <p:spPr bwMode="auto">
+          <a:xfrm>
+            <a:off x="7446000" y="1707425"/>
+            <a:ext cx="4044443" cy="531011"/>
+          </a:xfrm>
+          <a:prstGeom prst="wedgeRoundRectCallout">
+            <a:avLst>
+              <a:gd name="adj1" fmla="val -60495"/>
+              <a:gd name="adj2" fmla="val 193896"/>
+              <a:gd name="adj3" fmla="val 16667"/>
+            </a:avLst>
+          </a:prstGeom>
+          <a:solidFill>
+            <a:schemeClr val="dk2">
+              <a:alpha val="80000"/>
+            </a:schemeClr>
+          </a:solidFill>
+          <a:ln w="19050">
+            <a:solidFill>
+              <a:schemeClr val="tx1">
+                <a:lumMod val="75000"/>
+                <a:alpha val="80000"/>
+              </a:schemeClr>
+            </a:solidFill>
+          </a:ln>
+          <a:effectLst/>
+        </p:spPr>
+        <p:style>
+          <a:lnRef idx="2">
+            <a:schemeClr val="accent1">
+              <a:shade val="50000"/>
+            </a:schemeClr>
+          </a:lnRef>
+          <a:fillRef idx="1001">
+            <a:schemeClr val="dk2"/>
+          </a:fillRef>
+          <a:effectRef idx="0">
+            <a:schemeClr val="accent1"/>
+          </a:effectRef>
+          <a:fontRef idx="minor">
+            <a:schemeClr val="lt1"/>
+          </a:fontRef>
+        </p:style>
+        <p:txBody>
+          <a:bodyPr rot="0" spcFirstLastPara="0" vertOverflow="overflow" horzOverflow="overflow" vert="horz" wrap="square" lIns="91416" tIns="45708" rIns="91416" bIns="45708" numCol="1" spcCol="0" rtlCol="0" fromWordArt="0" anchor="ctr" anchorCtr="0" forceAA="0" compatLnSpc="1">
+            <a:prstTxWarp prst="textNoShape">
+              <a:avLst/>
+            </a:prstTxWarp>
+            <a:noAutofit/>
+          </a:bodyPr>
+          <a:lstStyle/>
+          <a:p>
+            <a:pPr algn="ctr"/>
+            <a:r>
+              <a:rPr lang="bg-BG" sz="2350" b="1" dirty="0">
+                <a:solidFill>
+                  <a:schemeClr val="bg2"/>
+                </a:solidFill>
+                <a:ea typeface="+mn-lt"/>
+                <a:cs typeface="+mn-lt"/>
+              </a:rPr>
+              <a:t>Връща броя на елементите</a:t>
+            </a:r>
+            <a:endParaRPr lang="bg-BG" b="1" dirty="0">
+              <a:solidFill>
+                <a:schemeClr val="bg2"/>
+              </a:solidFill>
+              <a:cs typeface="Calibri"/>
+            </a:endParaRPr>
+          </a:p>
+        </p:txBody>
+      </p:sp>
+      <p:sp>
+        <p:nvSpPr>
+          <p:cNvPr id="6" name="AutoShape 6">
+            <a:extLst>
+              <a:ext uri="{FF2B5EF4-FFF2-40B4-BE49-F238E27FC236}">
+                <a16:creationId xmlns:a16="http://schemas.microsoft.com/office/drawing/2014/main" id="{F8D90340-38DB-A542-4BC6-E30BC8758694}"/>
+              </a:ext>
+            </a:extLst>
+          </p:cNvPr>
+          <p:cNvSpPr>
+            <a:spLocks noChangeArrowheads="1"/>
+          </p:cNvSpPr>
+          <p:nvPr/>
+        </p:nvSpPr>
+        <p:spPr bwMode="auto">
+          <a:xfrm>
+            <a:off x="8391000" y="2619000"/>
+            <a:ext cx="3711000" cy="860036"/>
+          </a:xfrm>
+          <a:prstGeom prst="wedgeRoundRectCallout">
+            <a:avLst>
+              <a:gd name="adj1" fmla="val -39436"/>
+              <a:gd name="adj2" fmla="val 66533"/>
+              <a:gd name="adj3" fmla="val 16667"/>
+            </a:avLst>
+          </a:prstGeom>
+          <a:solidFill>
+            <a:schemeClr val="dk2">
+              <a:alpha val="80000"/>
+            </a:schemeClr>
+          </a:solidFill>
+          <a:ln w="19050">
+            <a:solidFill>
+              <a:schemeClr val="tx1">
+                <a:lumMod val="75000"/>
+                <a:alpha val="80000"/>
+              </a:schemeClr>
+            </a:solidFill>
+          </a:ln>
+          <a:effectLst/>
+        </p:spPr>
+        <p:style>
+          <a:lnRef idx="2">
+            <a:schemeClr val="accent1">
+              <a:shade val="50000"/>
+            </a:schemeClr>
+          </a:lnRef>
+          <a:fillRef idx="1001">
+            <a:schemeClr val="dk2"/>
+          </a:fillRef>
+          <a:effectRef idx="0">
+            <a:schemeClr val="accent1"/>
+          </a:effectRef>
+          <a:fontRef idx="minor">
+            <a:schemeClr val="lt1"/>
+          </a:fontRef>
+        </p:style>
+        <p:txBody>
+          <a:bodyPr rot="0" spcFirstLastPara="0" vertOverflow="overflow" horzOverflow="overflow" vert="horz" wrap="square" lIns="91416" tIns="45708" rIns="91416" bIns="45708" numCol="1" spcCol="0" rtlCol="0" fromWordArt="0" anchor="ctr" anchorCtr="0" forceAA="0" compatLnSpc="1">
+            <a:prstTxWarp prst="textNoShape">
+              <a:avLst/>
+            </a:prstTxWarp>
+            <a:noAutofit/>
+          </a:bodyPr>
+          <a:lstStyle/>
+          <a:p>
+            <a:pPr algn="ctr"/>
+            <a:r>
+              <a:rPr lang="bg-BG" sz="2350" b="1" dirty="0">
+                <a:solidFill>
+                  <a:schemeClr val="bg2"/>
+                </a:solidFill>
+                <a:ea typeface="+mn-lt"/>
+                <a:cs typeface="+mn-lt"/>
+              </a:rPr>
+              <a:t>Проверява дали опашката съдържа елемента</a:t>
+            </a:r>
+            <a:endParaRPr lang="bg-BG" b="1" dirty="0">
+              <a:solidFill>
+                <a:schemeClr val="bg2"/>
+              </a:solidFill>
+              <a:cs typeface="Calibri"/>
+            </a:endParaRPr>
           </a:p>
         </p:txBody>
       </p:sp>
@@ -35329,7 +35233,7 @@
                             </p:stCondLst>
                             <p:childTnLst>
                               <p:par>
-                                <p:cTn id="5" presetID="1" presetClass="entr" presetSubtype="0" fill="hold" nodeType="clickEffect">
+                                <p:cTn id="5" presetID="1" presetClass="entr" presetSubtype="0" fill="hold" grpId="0" nodeType="clickEffect">
                                   <p:stCondLst>
                                     <p:cond delay="0"/>
                                   </p:stCondLst>
@@ -35342,11 +35246,7 @@
                                           </p:stCondLst>
                                         </p:cTn>
                                         <p:tgtEl>
-                                          <p:spTgt spid="20">
-                                            <p:txEl>
-                                              <p:pRg st="2" end="2"/>
-                                            </p:txEl>
-                                          </p:spTgt>
+                                          <p:spTgt spid="2"/>
                                         </p:tgtEl>
                                         <p:attrNameLst>
                                           <p:attrName>style.visibility</p:attrName>
@@ -35359,39 +35259,26 @@
                                   </p:childTnLst>
                                 </p:cTn>
                               </p:par>
+                            </p:childTnLst>
+                          </p:cTn>
+                        </p:par>
+                      </p:childTnLst>
+                    </p:cTn>
+                  </p:par>
+                  <p:par>
+                    <p:cTn id="7" fill="hold">
+                      <p:stCondLst>
+                        <p:cond delay="indefinite"/>
+                      </p:stCondLst>
+                      <p:childTnLst>
+                        <p:par>
+                          <p:cTn id="8" fill="hold">
+                            <p:stCondLst>
+                              <p:cond delay="0"/>
+                            </p:stCondLst>
+                            <p:childTnLst>
                               <p:par>
-                                <p:cTn id="7" presetID="1" presetClass="entr" presetSubtype="0" fill="hold" nodeType="withEffect">
-                                  <p:stCondLst>
-                                    <p:cond delay="0"/>
-                                  </p:stCondLst>
-                                  <p:childTnLst>
-                                    <p:set>
-                                      <p:cBhvr>
-                                        <p:cTn id="8" dur="1" fill="hold">
-                                          <p:stCondLst>
-                                            <p:cond delay="0"/>
-                                          </p:stCondLst>
-                                        </p:cTn>
-                                        <p:tgtEl>
-                                          <p:spTgt spid="20">
-                                            <p:txEl>
-                                              <p:pRg st="3" end="3"/>
-                                            </p:txEl>
-                                          </p:spTgt>
-                                        </p:tgtEl>
-                                        <p:attrNameLst>
-                                          <p:attrName>style.visibility</p:attrName>
-                                        </p:attrNameLst>
-                                      </p:cBhvr>
-                                      <p:to>
-                                        <p:strVal val="visible"/>
-                                      </p:to>
-                                    </p:set>
-                                  </p:childTnLst>
-                                </p:cTn>
-                              </p:par>
-                              <p:par>
-                                <p:cTn id="9" presetID="1" presetClass="entr" presetSubtype="0" fill="hold" grpId="0" nodeType="withEffect">
+                                <p:cTn id="9" presetID="1" presetClass="entr" presetSubtype="0" fill="hold" nodeType="clickEffect">
                                   <p:stCondLst>
                                     <p:cond delay="0"/>
                                   </p:stCondLst>
@@ -35404,7 +35291,11 @@
                                           </p:stCondLst>
                                         </p:cTn>
                                         <p:tgtEl>
-                                          <p:spTgt spid="8"/>
+                                          <p:spTgt spid="20">
+                                            <p:txEl>
+                                              <p:pRg st="2" end="2"/>
+                                            </p:txEl>
+                                          </p:spTgt>
                                         </p:tgtEl>
                                         <p:attrNameLst>
                                           <p:attrName>style.visibility</p:attrName>
@@ -35436,7 +35327,7 @@
                             </p:stCondLst>
                             <p:childTnLst>
                               <p:par>
-                                <p:cTn id="13" presetID="1" presetClass="entr" presetSubtype="0" fill="hold" nodeType="clickEffect">
+                                <p:cTn id="13" presetID="1" presetClass="entr" presetSubtype="0" fill="hold" grpId="0" nodeType="clickEffect">
                                   <p:stCondLst>
                                     <p:cond delay="0"/>
                                   </p:stCondLst>
@@ -35444,6 +35335,145 @@
                                     <p:set>
                                       <p:cBhvr>
                                         <p:cTn id="14" dur="1" fill="hold">
+                                          <p:stCondLst>
+                                            <p:cond delay="0"/>
+                                          </p:stCondLst>
+                                        </p:cTn>
+                                        <p:tgtEl>
+                                          <p:spTgt spid="6"/>
+                                        </p:tgtEl>
+                                        <p:attrNameLst>
+                                          <p:attrName>style.visibility</p:attrName>
+                                        </p:attrNameLst>
+                                      </p:cBhvr>
+                                      <p:to>
+                                        <p:strVal val="visible"/>
+                                      </p:to>
+                                    </p:set>
+                                  </p:childTnLst>
+                                </p:cTn>
+                              </p:par>
+                            </p:childTnLst>
+                          </p:cTn>
+                        </p:par>
+                      </p:childTnLst>
+                    </p:cTn>
+                  </p:par>
+                  <p:par>
+                    <p:cTn id="15" fill="hold">
+                      <p:stCondLst>
+                        <p:cond delay="indefinite"/>
+                      </p:stCondLst>
+                      <p:childTnLst>
+                        <p:par>
+                          <p:cTn id="16" fill="hold">
+                            <p:stCondLst>
+                              <p:cond delay="0"/>
+                            </p:stCondLst>
+                            <p:childTnLst>
+                              <p:par>
+                                <p:cTn id="17" presetID="1" presetClass="entr" presetSubtype="0" fill="hold" nodeType="clickEffect">
+                                  <p:stCondLst>
+                                    <p:cond delay="0"/>
+                                  </p:stCondLst>
+                                  <p:childTnLst>
+                                    <p:set>
+                                      <p:cBhvr>
+                                        <p:cTn id="18" dur="1" fill="hold">
+                                          <p:stCondLst>
+                                            <p:cond delay="0"/>
+                                          </p:stCondLst>
+                                        </p:cTn>
+                                        <p:tgtEl>
+                                          <p:spTgt spid="20">
+                                            <p:txEl>
+                                              <p:pRg st="3" end="3"/>
+                                            </p:txEl>
+                                          </p:spTgt>
+                                        </p:tgtEl>
+                                        <p:attrNameLst>
+                                          <p:attrName>style.visibility</p:attrName>
+                                        </p:attrNameLst>
+                                      </p:cBhvr>
+                                      <p:to>
+                                        <p:strVal val="visible"/>
+                                      </p:to>
+                                    </p:set>
+                                  </p:childTnLst>
+                                </p:cTn>
+                              </p:par>
+                            </p:childTnLst>
+                          </p:cTn>
+                        </p:par>
+                      </p:childTnLst>
+                    </p:cTn>
+                  </p:par>
+                  <p:par>
+                    <p:cTn id="19" fill="hold">
+                      <p:stCondLst>
+                        <p:cond delay="indefinite"/>
+                      </p:stCondLst>
+                      <p:childTnLst>
+                        <p:par>
+                          <p:cTn id="20" fill="hold">
+                            <p:stCondLst>
+                              <p:cond delay="0"/>
+                            </p:stCondLst>
+                            <p:childTnLst>
+                              <p:par>
+                                <p:cTn id="21" presetID="1" presetClass="entr" presetSubtype="0" fill="hold" grpId="0" nodeType="clickEffect">
+                                  <p:stCondLst>
+                                    <p:cond delay="0"/>
+                                  </p:stCondLst>
+                                  <p:childTnLst>
+                                    <p:set>
+                                      <p:cBhvr>
+                                        <p:cTn id="22" dur="1" fill="hold">
+                                          <p:stCondLst>
+                                            <p:cond delay="0"/>
+                                          </p:stCondLst>
+                                        </p:cTn>
+                                        <p:tgtEl>
+                                          <p:spTgt spid="8"/>
+                                        </p:tgtEl>
+                                        <p:attrNameLst>
+                                          <p:attrName>style.visibility</p:attrName>
+                                        </p:attrNameLst>
+                                      </p:cBhvr>
+                                      <p:to>
+                                        <p:strVal val="visible"/>
+                                      </p:to>
+                                    </p:set>
+                                  </p:childTnLst>
+                                </p:cTn>
+                              </p:par>
+                            </p:childTnLst>
+                          </p:cTn>
+                        </p:par>
+                      </p:childTnLst>
+                    </p:cTn>
+                  </p:par>
+                  <p:par>
+                    <p:cTn id="23" fill="hold">
+                      <p:stCondLst>
+                        <p:cond delay="indefinite"/>
+                      </p:stCondLst>
+                      <p:childTnLst>
+                        <p:par>
+                          <p:cTn id="24" fill="hold">
+                            <p:stCondLst>
+                              <p:cond delay="0"/>
+                            </p:stCondLst>
+                            <p:childTnLst>
+                              <p:par>
+                                <p:cTn id="25" presetID="1" presetClass="entr" presetSubtype="0" fill="hold" nodeType="clickEffect">
+                                  <p:stCondLst>
+                                    <p:cond delay="0"/>
+                                  </p:stCondLst>
+                                  <p:childTnLst>
+                                    <p:set>
+                                      <p:cBhvr>
+                                        <p:cTn id="26" dur="1" fill="hold">
                                           <p:stCondLst>
                                             <p:cond delay="0"/>
                                           </p:stCondLst>
@@ -35466,15 +35496,33 @@
                                   </p:childTnLst>
                                 </p:cTn>
                               </p:par>
+                            </p:childTnLst>
+                          </p:cTn>
+                        </p:par>
+                      </p:childTnLst>
+                    </p:cTn>
+                  </p:par>
+                  <p:par>
+                    <p:cTn id="27" fill="hold">
+                      <p:stCondLst>
+                        <p:cond delay="indefinite"/>
+                      </p:stCondLst>
+                      <p:childTnLst>
+                        <p:par>
+                          <p:cTn id="28" fill="hold">
+                            <p:stCondLst>
+                              <p:cond delay="0"/>
+                            </p:stCondLst>
+                            <p:childTnLst>
                               <p:par>
-                                <p:cTn id="15" presetID="1" presetClass="entr" presetSubtype="0" fill="hold" grpId="0" nodeType="withEffect">
+                                <p:cTn id="29" presetID="1" presetClass="entr" presetSubtype="0" fill="hold" grpId="0" nodeType="clickEffect">
                                   <p:stCondLst>
                                     <p:cond delay="0"/>
                                   </p:stCondLst>
                                   <p:childTnLst>
                                     <p:set>
                                       <p:cBhvr>
-                                        <p:cTn id="16" dur="1" fill="hold">
+                                        <p:cTn id="30" dur="1" fill="hold">
                                           <p:stCondLst>
                                             <p:cond delay="0"/>
                                           </p:stCondLst>
@@ -35500,26 +35548,26 @@
                     </p:cTn>
                   </p:par>
                   <p:par>
-                    <p:cTn id="17" fill="hold">
+                    <p:cTn id="31" fill="hold">
                       <p:stCondLst>
                         <p:cond delay="indefinite"/>
                       </p:stCondLst>
                       <p:childTnLst>
                         <p:par>
-                          <p:cTn id="18" fill="hold">
+                          <p:cTn id="32" fill="hold">
                             <p:stCondLst>
                               <p:cond delay="0"/>
                             </p:stCondLst>
                             <p:childTnLst>
                               <p:par>
-                                <p:cTn id="19" presetID="1" presetClass="entr" presetSubtype="0" fill="hold" nodeType="clickEffect">
+                                <p:cTn id="33" presetID="1" presetClass="entr" presetSubtype="0" fill="hold" nodeType="clickEffect">
                                   <p:stCondLst>
                                     <p:cond delay="0"/>
                                   </p:stCondLst>
                                   <p:childTnLst>
                                     <p:set>
                                       <p:cBhvr>
-                                        <p:cTn id="20" dur="1" fill="hold">
+                                        <p:cTn id="34" dur="1" fill="hold">
                                           <p:stCondLst>
                                             <p:cond delay="0"/>
                                           </p:stCondLst>
@@ -35542,15 +35590,33 @@
                                   </p:childTnLst>
                                 </p:cTn>
                               </p:par>
+                            </p:childTnLst>
+                          </p:cTn>
+                        </p:par>
+                      </p:childTnLst>
+                    </p:cTn>
+                  </p:par>
+                  <p:par>
+                    <p:cTn id="35" fill="hold">
+                      <p:stCondLst>
+                        <p:cond delay="indefinite"/>
+                      </p:stCondLst>
+                      <p:childTnLst>
+                        <p:par>
+                          <p:cTn id="36" fill="hold">
+                            <p:stCondLst>
+                              <p:cond delay="0"/>
+                            </p:stCondLst>
+                            <p:childTnLst>
                               <p:par>
-                                <p:cTn id="21" presetID="1" presetClass="entr" presetSubtype="0" fill="hold" grpId="0" nodeType="withEffect">
+                                <p:cTn id="37" presetID="1" presetClass="entr" presetSubtype="0" fill="hold" grpId="0" nodeType="clickEffect">
                                   <p:stCondLst>
                                     <p:cond delay="0"/>
                                   </p:stCondLst>
                                   <p:childTnLst>
                                     <p:set>
                                       <p:cBhvr>
-                                        <p:cTn id="22" dur="1" fill="hold">
+                                        <p:cTn id="38" dur="1" fill="hold">
                                           <p:stCondLst>
                                             <p:cond delay="0"/>
                                           </p:stCondLst>
@@ -35600,6 +35666,8 @@
       <p:bldP spid="8" grpId="0" animBg="1"/>
       <p:bldP spid="9" grpId="0" animBg="1"/>
       <p:bldP spid="10" grpId="0" animBg="1"/>
+      <p:bldP spid="2" grpId="0" animBg="1"/>
+      <p:bldP spid="6" grpId="0" animBg="1"/>
     </p:bldLst>
   </p:timing>
 </p:sld>
@@ -36697,27 +36765,7 @@
                 <a:latin typeface="Consolas"/>
                 <a:cs typeface="Consolas" pitchFamily="49" charset="0"/>
               </a:rPr>
-              <a:t>// </a:t>
-            </a:r>
-            <a:r>
-              <a:rPr lang="en-US" sz="2550" b="1" noProof="1">
-                <a:solidFill>
-                  <a:schemeClr val="accent2"/>
-                </a:solidFill>
-                <a:latin typeface="Consolas"/>
-                <a:cs typeface="Consolas" pitchFamily="49" charset="0"/>
-              </a:rPr>
-              <a:t>TODO:</a:t>
-            </a:r>
-            <a:r>
-              <a:rPr lang="en-US" sz="2550" b="1" i="1" noProof="1">
-                <a:solidFill>
-                  <a:schemeClr val="accent2"/>
-                </a:solidFill>
-                <a:latin typeface="Consolas"/>
-                <a:cs typeface="Consolas" pitchFamily="49" charset="0"/>
-              </a:rPr>
-              <a:t> Добавете логика за зелена светлина</a:t>
+              <a:t>// TODO: Добавете логика за зелена светлина</a:t>
             </a:r>
           </a:p>
           <a:p>
@@ -36921,7 +36969,21 @@
                 <a:ea typeface="+mn-lt"/>
                 <a:cs typeface="+mn-lt"/>
               </a:rPr>
-              <a:t>Тествайте решението в Judge: </a:t>
+              <a:t>Тествайте решението</a:t>
+            </a:r>
+            <a:r>
+              <a:rPr lang="bg-BG" sz="1750" dirty="0">
+                <a:ea typeface="+mn-lt"/>
+                <a:cs typeface="+mn-lt"/>
+              </a:rPr>
+              <a:t> си</a:t>
+            </a:r>
+            <a:r>
+              <a:rPr lang="en-US" sz="1750" dirty="0">
+                <a:ea typeface="+mn-lt"/>
+                <a:cs typeface="+mn-lt"/>
+              </a:rPr>
+              <a:t> в Judge: </a:t>
             </a:r>
             <a:r>
               <a:rPr lang="en-US" sz="1750" u="sng" dirty="0">
@@ -36932,6 +36994,72 @@
             <a:endParaRPr lang="en-US" sz="1750" dirty="0">
               <a:cs typeface="Calibri"/>
             </a:endParaRPr>
+          </a:p>
+        </p:txBody>
+      </p:sp>
+      <p:sp>
+        <p:nvSpPr>
+          <p:cNvPr id="2" name="TextBox 1">
+            <a:extLst>
+              <a:ext uri="{FF2B5EF4-FFF2-40B4-BE49-F238E27FC236}">
+                <a16:creationId xmlns:a16="http://schemas.microsoft.com/office/drawing/2014/main" id="{65B90CC7-EB9A-C30C-E92A-A192B0E27F1E}"/>
+              </a:ext>
+            </a:extLst>
+          </p:cNvPr>
+          <p:cNvSpPr txBox="1"/>
+          <p:nvPr/>
+        </p:nvSpPr>
+        <p:spPr>
+          <a:xfrm>
+            <a:off x="7041000" y="1944000"/>
+            <a:ext cx="4494444" cy="861362"/>
+          </a:xfrm>
+          <a:prstGeom prst="rect">
+            <a:avLst/>
+          </a:prstGeom>
+          <a:ln/>
+        </p:spPr>
+        <p:style>
+          <a:lnRef idx="2">
+            <a:schemeClr val="accent2"/>
+          </a:lnRef>
+          <a:fillRef idx="1">
+            <a:schemeClr val="lt1"/>
+          </a:fillRef>
+          <a:effectRef idx="0">
+            <a:schemeClr val="accent2"/>
+          </a:effectRef>
+          <a:fontRef idx="minor">
+            <a:schemeClr val="dk1"/>
+          </a:fontRef>
+        </p:style>
+        <p:txBody>
+          <a:bodyPr vert="horz" wrap="square" lIns="144000" tIns="108000" rIns="144000" bIns="108000" rtlCol="0">
+            <a:spAutoFit/>
+          </a:bodyPr>
+          <a:lstStyle/>
+          <a:p>
+            <a:pPr algn="l" eaLnBrk="0" hangingPunct="0">
+              <a:lnSpc>
+                <a:spcPct val="110000"/>
+              </a:lnSpc>
+              <a:buClr>
+                <a:schemeClr val="accent5">
+                  <a:lumMod val="40000"/>
+                  <a:lumOff val="60000"/>
+                </a:schemeClr>
+              </a:buClr>
+              <a:buSzPct val="70000"/>
+            </a:pPr>
+            <a:r>
+              <a:rPr lang="bg-BG" sz="4000" dirty="0" err="1"/>
+              <a:t>T</a:t>
+            </a:r>
+            <a:r>
+              <a:rPr lang="en-US" sz="4000" dirty="0"/>
+              <a:t>ODO: Fix Judge link</a:t>
+            </a:r>
+            <a:endParaRPr lang="en-BG" sz="4000" dirty="0"/>
           </a:p>
         </p:txBody>
       </p:sp>
@@ -37654,7 +37782,7 @@
         </p:spPr>
         <p:txBody>
           <a:bodyPr vert="horz" lIns="107972" tIns="35991" rIns="107972" bIns="35991" rtlCol="0" anchor="t">
-            <a:normAutofit lnSpcReduction="10000"/>
+            <a:normAutofit/>
           </a:bodyPr>
           <a:lstStyle>
             <a:lvl1pPr marL="456915" indent="-456915" algn="l" defTabSz="1218438" rtl="0" eaLnBrk="1" latinLnBrk="1" hangingPunct="1">
@@ -37838,7 +37966,23 @@
                   <a:schemeClr val="bg2"/>
                 </a:solidFill>
               </a:rPr>
-              <a:t>Линейната структура от данни съдържа редица </a:t>
+              <a:t>Линейната структура от данни </a:t>
+            </a:r>
+            <a:r>
+              <a:rPr lang="en-US" sz="3800" dirty="0">
+                <a:solidFill>
+                  <a:schemeClr val="bg2"/>
+                </a:solidFill>
+              </a:rPr>
+              <a:t>== </a:t>
+            </a:r>
+            <a:r>
+              <a:rPr lang="bg-BG" sz="3800" dirty="0">
+                <a:solidFill>
+                  <a:schemeClr val="bg2"/>
+                </a:solidFill>
+              </a:rPr>
+              <a:t>поредица </a:t>
             </a:r>
             <a:br>
               <a:rPr lang="bg-BG" sz="3800" dirty="0">
@@ -37857,7 +38001,7 @@
             </a:r>
           </a:p>
           <a:p>
-            <a:pPr marL="456565" indent="-456565">
+            <a:pPr marL="989631" lvl="1" indent="-456565">
               <a:lnSpc>
                 <a:spcPct val="100000"/>
               </a:lnSpc>
@@ -37866,7 +38010,7 @@
               </a:buClr>
             </a:pPr>
             <a:r>
-              <a:rPr lang="en-US" sz="3800" b="1" dirty="0">
+              <a:rPr lang="en-US" sz="3600" b="1" dirty="0">
                 <a:solidFill>
                   <a:schemeClr val="bg1">
                     <a:lumMod val="60000"/>
@@ -37876,7 +38020,7 @@
               </a:rPr>
               <a:t>Stack&lt;T&gt;</a:t>
             </a:r>
-            <a:endParaRPr lang="en-US" sz="3800" b="1" dirty="0">
+            <a:endParaRPr lang="en-US" sz="3600" b="1" dirty="0">
               <a:solidFill>
                 <a:schemeClr val="bg1">
                   <a:lumMod val="60000"/>
@@ -37887,7 +38031,7 @@
             </a:endParaRPr>
           </a:p>
           <a:p>
-            <a:pPr marL="989965" lvl="1" indent="-380365">
+            <a:pPr marL="989631" lvl="1" indent="-456565">
               <a:lnSpc>
                 <a:spcPct val="100000"/>
               </a:lnSpc>
@@ -37896,33 +38040,7 @@
               </a:buClr>
             </a:pPr>
             <a:r>
-              <a:rPr lang="en-US" sz="3600" dirty="0">
-                <a:solidFill>
-                  <a:schemeClr val="bg2"/>
-                </a:solidFill>
-                <a:ea typeface="+mn-lt"/>
-                <a:cs typeface="+mn-lt"/>
-              </a:rPr>
-              <a:t>Вкаран последен, първи изкаран</a:t>
-            </a:r>
-            <a:endParaRPr lang="en-GB" sz="3600" dirty="0">
-              <a:solidFill>
-                <a:schemeClr val="bg2"/>
-              </a:solidFill>
-              <a:cs typeface="Calibri"/>
-            </a:endParaRPr>
-          </a:p>
-          <a:p>
-            <a:pPr marL="456565" indent="-456565">
-              <a:lnSpc>
-                <a:spcPct val="100000"/>
-              </a:lnSpc>
-              <a:buClr>
-                <a:schemeClr val="bg2"/>
-              </a:buClr>
-            </a:pPr>
-            <a:r>
-              <a:rPr lang="en-US" sz="3800" b="1" dirty="0">
+              <a:rPr lang="en-US" sz="3600" b="1" dirty="0">
                 <a:solidFill>
                   <a:schemeClr val="bg1">
                     <a:lumMod val="60000"/>
@@ -37932,36 +38050,12 @@
               </a:rPr>
               <a:t>Queue&lt;T&gt;</a:t>
             </a:r>
-            <a:endParaRPr lang="en-US" sz="3800" b="1" dirty="0">
+            <a:endParaRPr lang="en-US" sz="3600" b="1" dirty="0">
               <a:solidFill>
                 <a:schemeClr val="bg1">
                   <a:lumMod val="60000"/>
                   <a:lumOff val="40000"/>
                 </a:schemeClr>
-              </a:solidFill>
-              <a:cs typeface="Calibri"/>
-            </a:endParaRPr>
-          </a:p>
-          <a:p>
-            <a:pPr marL="989965" lvl="1" indent="-380365">
-              <a:lnSpc>
-                <a:spcPct val="100000"/>
-              </a:lnSpc>
-              <a:buClr>
-                <a:schemeClr val="bg2"/>
-              </a:buClr>
-            </a:pPr>
-            <a:r>
-              <a:rPr lang="en-US" sz="3600" dirty="0">
-                <a:solidFill>
-                  <a:schemeClr val="bg2"/>
-                </a:solidFill>
-              </a:rPr>
-              <a:t>Вкаран първи, първи изкаран</a:t>
-            </a:r>
-            <a:endParaRPr lang="en-US" sz="3600" dirty="0">
-              <a:solidFill>
-                <a:schemeClr val="bg2"/>
               </a:solidFill>
               <a:cs typeface="Calibri"/>
             </a:endParaRPr>
@@ -38095,7 +38189,7 @@
                                         <p:tgtEl>
                                           <p:spTgt spid="15">
                                             <p:txEl>
-                                              <p:pRg st="1" end="1"/>
+                                              <p:pRg st="2" end="2"/>
                                             </p:txEl>
                                           </p:spTgt>
                                         </p:tgtEl>
@@ -38144,154 +38238,7 @@
                                         <p:tgtEl>
                                           <p:spTgt spid="15">
                                             <p:txEl>
-                                              <p:pRg st="2" end="2"/>
-                                            </p:txEl>
-                                          </p:spTgt>
-                                        </p:tgtEl>
-                                        <p:attrNameLst>
-                                          <p:attrName>style.visibility</p:attrName>
-                                        </p:attrNameLst>
-                                      </p:cBhvr>
-                                      <p:to>
-                                        <p:strVal val="visible"/>
-                                      </p:to>
-                                    </p:set>
-                                  </p:childTnLst>
-                                </p:cTn>
-                              </p:par>
-                            </p:childTnLst>
-                          </p:cTn>
-                        </p:par>
-                      </p:childTnLst>
-                    </p:cTn>
-                  </p:par>
-                  <p:par>
-                    <p:cTn id="11" fill="hold">
-                      <p:stCondLst>
-                        <p:cond delay="indefinite"/>
-                      </p:stCondLst>
-                      <p:childTnLst>
-                        <p:par>
-                          <p:cTn id="12" fill="hold">
-                            <p:stCondLst>
-                              <p:cond delay="0"/>
-                            </p:stCondLst>
-                            <p:childTnLst>
-                              <p:par>
-                                <p:cTn id="13" presetID="1" presetClass="entr" presetSubtype="0" fill="hold" nodeType="clickEffect">
-                                  <p:stCondLst>
-                                    <p:cond delay="0"/>
-                                  </p:stCondLst>
-                                  <p:childTnLst>
-                                    <p:set>
-                                      <p:cBhvr>
-                                        <p:cTn id="14" dur="1" fill="hold">
-                                          <p:stCondLst>
-                                            <p:cond delay="0"/>
-                                          </p:stCondLst>
-                                        </p:cTn>
-                                        <p:tgtEl>
-                                          <p:spTgt spid="15">
-                                            <p:txEl>
                                               <p:pRg st="3" end="3"/>
-                                            </p:txEl>
-                                          </p:spTgt>
-                                        </p:tgtEl>
-                                        <p:attrNameLst>
-                                          <p:attrName>style.visibility</p:attrName>
-                                        </p:attrNameLst>
-                                      </p:cBhvr>
-                                      <p:to>
-                                        <p:strVal val="visible"/>
-                                      </p:to>
-                                    </p:set>
-                                  </p:childTnLst>
-                                </p:cTn>
-                              </p:par>
-                            </p:childTnLst>
-                          </p:cTn>
-                        </p:par>
-                      </p:childTnLst>
-                    </p:cTn>
-                  </p:par>
-                  <p:par>
-                    <p:cTn id="15" fill="hold">
-                      <p:stCondLst>
-                        <p:cond delay="indefinite"/>
-                      </p:stCondLst>
-                      <p:childTnLst>
-                        <p:par>
-                          <p:cTn id="16" fill="hold">
-                            <p:stCondLst>
-                              <p:cond delay="0"/>
-                            </p:stCondLst>
-                            <p:childTnLst>
-                              <p:par>
-                                <p:cTn id="17" presetID="1" presetClass="entr" presetSubtype="0" fill="hold" nodeType="clickEffect">
-                                  <p:stCondLst>
-                                    <p:cond delay="0"/>
-                                  </p:stCondLst>
-                                  <p:childTnLst>
-                                    <p:set>
-                                      <p:cBhvr>
-                                        <p:cTn id="18" dur="1" fill="hold">
-                                          <p:stCondLst>
-                                            <p:cond delay="0"/>
-                                          </p:stCondLst>
-                                        </p:cTn>
-                                        <p:tgtEl>
-                                          <p:spTgt spid="15">
-                                            <p:txEl>
-                                              <p:pRg st="4" end="4"/>
-                                            </p:txEl>
-                                          </p:spTgt>
-                                        </p:tgtEl>
-                                        <p:attrNameLst>
-                                          <p:attrName>style.visibility</p:attrName>
-                                        </p:attrNameLst>
-                                      </p:cBhvr>
-                                      <p:to>
-                                        <p:strVal val="visible"/>
-                                      </p:to>
-                                    </p:set>
-                                  </p:childTnLst>
-                                </p:cTn>
-                              </p:par>
-                            </p:childTnLst>
-                          </p:cTn>
-                        </p:par>
-                      </p:childTnLst>
-                    </p:cTn>
-                  </p:par>
-                  <p:par>
-                    <p:cTn id="19" fill="hold">
-                      <p:stCondLst>
-                        <p:cond delay="indefinite"/>
-                      </p:stCondLst>
-                      <p:childTnLst>
-                        <p:par>
-                          <p:cTn id="20" fill="hold">
-                            <p:stCondLst>
-                              <p:cond delay="0"/>
-                            </p:stCondLst>
-                            <p:childTnLst>
-                              <p:par>
-                                <p:cTn id="21" presetID="1" presetClass="entr" presetSubtype="0" fill="hold" nodeType="clickEffect">
-                                  <p:stCondLst>
-                                    <p:cond delay="0"/>
-                                  </p:stCondLst>
-                                  <p:childTnLst>
-                                    <p:set>
-                                      <p:cBhvr>
-                                        <p:cTn id="22" dur="1" fill="hold">
-                                          <p:stCondLst>
-                                            <p:cond delay="0"/>
-                                          </p:stCondLst>
-                                        </p:cTn>
-                                        <p:tgtEl>
-                                          <p:spTgt spid="15">
-                                            <p:txEl>
-                                              <p:pRg st="5" end="5"/>
                                             </p:txEl>
                                           </p:spTgt>
                                         </p:tgtEl>
@@ -38753,13 +38700,22 @@
               </a:buClr>
             </a:pPr>
             <a:r>
+              <a:rPr lang="bg-BG" sz="3400" b="1" dirty="0">
+                <a:solidFill>
+                  <a:schemeClr val="bg1"/>
+                </a:solidFill>
+                <a:cs typeface="Calibri"/>
+              </a:rPr>
+              <a:t>Структура</a:t>
+            </a:r>
+            <a:r>
               <a:rPr lang="en-US" sz="3400" b="1" dirty="0">
                 <a:solidFill>
                   <a:schemeClr val="bg1"/>
                 </a:solidFill>
                 <a:cs typeface="Calibri"/>
               </a:rPr>
-              <a:t>Стуктурата от данни</a:t>
+              <a:t> от данни</a:t>
             </a:r>
             <a:r>
               <a:rPr lang="en-US" sz="3400" dirty="0">
@@ -38768,7 +38724,7 @@
                 </a:solidFill>
                 <a:cs typeface="Calibri"/>
               </a:rPr>
-              <a:t> представя данни изобразени в компютърната памет, коят</a:t>
+              <a:t> </a:t>
             </a:r>
             <a:r>
               <a:rPr lang="bg-BG" sz="3400" dirty="0">
@@ -38777,7 +38733,7 @@
                 </a:solidFill>
                 <a:cs typeface="Calibri"/>
               </a:rPr>
-              <a:t>о</a:t>
+              <a:t>==</a:t>
             </a:r>
             <a:r>
               <a:rPr lang="en-US" sz="3400" dirty="0">
@@ -38786,9 +38742,54 @@
                 </a:solidFill>
                 <a:cs typeface="Calibri"/>
               </a:rPr>
-              <a:t> позволява ефективен достъп и модификация</a:t>
-            </a:r>
-            <a:endParaRPr lang="bg-BG" sz="3400" dirty="0">
+              <a:t> </a:t>
+            </a:r>
+            <a:r>
+              <a:rPr lang="bg-BG" sz="3400" dirty="0">
+                <a:solidFill>
+                  <a:srgbClr val="234465"/>
+                </a:solidFill>
+                <a:cs typeface="Calibri"/>
+              </a:rPr>
+              <a:t>начин на организация на данните, който</a:t>
+            </a:r>
+            <a:r>
+              <a:rPr lang="en-US" sz="3400" dirty="0">
+                <a:solidFill>
+                  <a:srgbClr val="234465"/>
+                </a:solidFill>
+                <a:cs typeface="Calibri"/>
+              </a:rPr>
+              <a:t> позволява </a:t>
+            </a:r>
+            <a:r>
+              <a:rPr lang="en-US" sz="3400" b="1" dirty="0">
+                <a:solidFill>
+                  <a:srgbClr val="234465"/>
+                </a:solidFill>
+                <a:cs typeface="Calibri"/>
+              </a:rPr>
+              <a:t>ефективен достъп </a:t>
+            </a:r>
+            <a:r>
+              <a:rPr lang="en-US" sz="3400" dirty="0">
+                <a:solidFill>
+                  <a:srgbClr val="234465"/>
+                </a:solidFill>
+                <a:cs typeface="Calibri"/>
+              </a:rPr>
+              <a:t>и </a:t>
+            </a:r>
+            <a:r>
+              <a:rPr lang="en-US" sz="3400" b="1" dirty="0">
+                <a:solidFill>
+                  <a:srgbClr val="234465"/>
+                </a:solidFill>
+                <a:cs typeface="Calibri"/>
+              </a:rPr>
+              <a:t>модификация</a:t>
+            </a:r>
+            <a:endParaRPr lang="bg-BG" sz="3400" b="1" dirty="0">
               <a:solidFill>
                 <a:srgbClr val="234465"/>
               </a:solidFill>
@@ -39101,7 +39102,7 @@
                                         <p:tgtEl>
                                           <p:spTgt spid="3">
                                             <p:txEl>
-                                              <p:pRg st="0" end="0"/>
+                                              <p:pRg st="1" end="1"/>
                                             </p:txEl>
                                           </p:spTgt>
                                         </p:tgtEl>
@@ -39150,7 +39151,7 @@
                                         <p:tgtEl>
                                           <p:spTgt spid="3">
                                             <p:txEl>
-                                              <p:pRg st="1" end="1"/>
+                                              <p:pRg st="2" end="2"/>
                                             </p:txEl>
                                           </p:spTgt>
                                         </p:tgtEl>
@@ -39199,7 +39200,7 @@
                                         <p:tgtEl>
                                           <p:spTgt spid="3">
                                             <p:txEl>
-                                              <p:pRg st="2" end="2"/>
+                                              <p:pRg st="3" end="3"/>
                                             </p:txEl>
                                           </p:spTgt>
                                         </p:tgtEl>
@@ -39248,7 +39249,7 @@
                                         <p:tgtEl>
                                           <p:spTgt spid="3">
                                             <p:txEl>
-                                              <p:pRg st="3" end="3"/>
+                                              <p:pRg st="4" end="4"/>
                                             </p:txEl>
                                           </p:spTgt>
                                         </p:tgtEl>
@@ -39290,55 +39291,6 @@
                                     <p:set>
                                       <p:cBhvr>
                                         <p:cTn id="22" dur="1" fill="hold">
-                                          <p:stCondLst>
-                                            <p:cond delay="0"/>
-                                          </p:stCondLst>
-                                        </p:cTn>
-                                        <p:tgtEl>
-                                          <p:spTgt spid="3">
-                                            <p:txEl>
-                                              <p:pRg st="4" end="4"/>
-                                            </p:txEl>
-                                          </p:spTgt>
-                                        </p:tgtEl>
-                                        <p:attrNameLst>
-                                          <p:attrName>style.visibility</p:attrName>
-                                        </p:attrNameLst>
-                                      </p:cBhvr>
-                                      <p:to>
-                                        <p:strVal val="visible"/>
-                                      </p:to>
-                                    </p:set>
-                                  </p:childTnLst>
-                                </p:cTn>
-                              </p:par>
-                            </p:childTnLst>
-                          </p:cTn>
-                        </p:par>
-                      </p:childTnLst>
-                    </p:cTn>
-                  </p:par>
-                  <p:par>
-                    <p:cTn id="23" fill="hold">
-                      <p:stCondLst>
-                        <p:cond delay="indefinite"/>
-                      </p:stCondLst>
-                      <p:childTnLst>
-                        <p:par>
-                          <p:cTn id="24" fill="hold">
-                            <p:stCondLst>
-                              <p:cond delay="0"/>
-                            </p:stCondLst>
-                            <p:childTnLst>
-                              <p:par>
-                                <p:cTn id="25" presetID="1" presetClass="entr" presetSubtype="0" fill="hold" nodeType="clickEffect">
-                                  <p:stCondLst>
-                                    <p:cond delay="0"/>
-                                  </p:stCondLst>
-                                  <p:childTnLst>
-                                    <p:set>
-                                      <p:cBhvr>
-                                        <p:cTn id="26" dur="1" fill="hold">
                                           <p:stCondLst>
                                             <p:cond delay="0"/>
                                           </p:stCondLst>
@@ -39437,7 +39389,7 @@
                   <a:schemeClr val="bg1"/>
                 </a:solidFill>
               </a:rPr>
-              <a:t>Структурата от данни</a:t>
+              <a:t>Структурите от данни</a:t>
             </a:r>
             <a:r>
               <a:rPr lang="en-US" b="1" dirty="0">
@@ -39449,7 +39401,7 @@
             </a:r>
             <a:r>
               <a:rPr lang="bg-BG" dirty="0"/>
-              <a:t>и алогоритмите са основата на програмирането</a:t>
+              <a:t>и алгоритмите стоят в основата на програмирането</a:t>
             </a:r>
           </a:p>
           <a:p>
@@ -39733,20 +39685,8 @@
               <a:t>+ </a:t>
             </a:r>
             <a:r>
-              <a:rPr lang="en-US" sz="3350" b="1" dirty="0"/>
-              <a:t>структ</a:t>
-            </a:r>
-            <a:r>
               <a:rPr lang="bg-BG" sz="3350" b="1" dirty="0"/>
-              <a:t>ъ</a:t>
-            </a:r>
-            <a:r>
-              <a:rPr lang="en-US" sz="3350" b="1" dirty="0"/>
-              <a:t>р</a:t>
-            </a:r>
-            <a:r>
-              <a:rPr lang="bg-BG" sz="3350" b="1" dirty="0"/>
-              <a:t>и</a:t>
+              <a:t>структури</a:t>
             </a:r>
             <a:r>
               <a:rPr lang="en-US" sz="3350" b="1" dirty="0"/>
@@ -39775,13 +39715,13 @@
         <p:spPr/>
         <p:txBody>
           <a:bodyPr>
-            <a:normAutofit fontScale="90000"/>
+            <a:normAutofit/>
           </a:bodyPr>
           <a:lstStyle/>
           <a:p>
             <a:r>
               <a:rPr lang="en-US" sz="3950" dirty="0"/>
-              <a:t>Защо стуктурите от данни са толкова важни?</a:t>
+              <a:t>Защо стуктурите от данни са важни?</a:t>
             </a:r>
           </a:p>
         </p:txBody>
@@ -40150,11 +40090,47 @@
                   <a:schemeClr val="bg1"/>
                 </a:solidFill>
               </a:rPr>
-              <a:t> данни</a:t>
+              <a:t> </a:t>
+            </a:r>
+            <a:r>
+              <a:rPr lang="bg-BG" sz="3400" b="1" dirty="0">
+                <a:solidFill>
+                  <a:schemeClr val="bg1"/>
+                </a:solidFill>
+              </a:rPr>
+              <a:t>структури от </a:t>
+            </a:r>
+            <a:r>
+              <a:rPr lang="en-US" sz="3400" b="1" dirty="0">
+                <a:solidFill>
+                  <a:schemeClr val="bg1"/>
+                </a:solidFill>
+              </a:rPr>
+              <a:t>данни</a:t>
             </a:r>
             <a:r>
               <a:rPr lang="en-US" sz="3400" dirty="0"/>
-              <a:t>: масив, списъци, стекове, опашки</a:t>
+              <a:t>: масив, </a:t>
+            </a:r>
+            <a:r>
+              <a:rPr lang="bg-BG" sz="3400" dirty="0"/>
+              <a:t>списък</a:t>
+            </a:r>
+            <a:r>
+              <a:rPr lang="en-US" sz="3400" dirty="0"/>
+              <a:t>, </a:t>
+            </a:r>
+            <a:r>
+              <a:rPr lang="bg-BG" sz="3400" dirty="0"/>
+              <a:t>стек</a:t>
+            </a:r>
+            <a:r>
+              <a:rPr lang="en-US" sz="3400" dirty="0"/>
+              <a:t>, </a:t>
+            </a:r>
+            <a:r>
+              <a:rPr lang="bg-BG" sz="3400" dirty="0"/>
+              <a:t>опашка</a:t>
             </a:r>
             <a:endParaRPr lang="en-US" sz="3400" dirty="0">
               <a:cs typeface="Calibri"/>
@@ -40191,7 +40167,7 @@
           <a:p>
             <a:r>
               <a:rPr lang="bg-BG" dirty="0"/>
-              <a:t>Линейни данни</a:t>
+              <a:t>Линейни структури от данни</a:t>
             </a:r>
             <a:endParaRPr lang="en-BG" dirty="0"/>
           </a:p>
@@ -41478,7 +41454,23 @@
                   <a:schemeClr val="bg1"/>
                 </a:solidFill>
               </a:rPr>
-              <a:t>Списък от числа</a:t>
+              <a:t>Списък </a:t>
+            </a:r>
+            <a:r>
+              <a:rPr lang="bg-BG" sz="3400" b="1" dirty="0">
+                <a:solidFill>
+                  <a:schemeClr val="bg1"/>
+                </a:solidFill>
+              </a:rPr>
+              <a:t>с</a:t>
+            </a:r>
+            <a:r>
+              <a:rPr lang="en-US" sz="3400" b="1" dirty="0">
+                <a:solidFill>
+                  <a:schemeClr val="bg1"/>
+                </a:solidFill>
+              </a:rPr>
+              <a:t> числа</a:t>
             </a:r>
             <a:r>
               <a:rPr lang="en-US" sz="3400" dirty="0"/>
@@ -41640,7 +41632,27 @@
                 <a:ea typeface="+mj-lt"/>
                 <a:cs typeface="+mj-lt"/>
               </a:rPr>
-              <a:t>Списък от числа</a:t>
+              <a:t>Списък </a:t>
+            </a:r>
+            <a:r>
+              <a:rPr lang="bg-BG" sz="3950" dirty="0">
+                <a:solidFill>
+                  <a:srgbClr val="FFFFFF"/>
+                </a:solidFill>
+                <a:ea typeface="+mj-lt"/>
+                <a:cs typeface="+mj-lt"/>
+              </a:rPr>
+              <a:t>с</a:t>
+            </a:r>
+            <a:r>
+              <a:rPr lang="en-US" sz="3950" dirty="0">
+                <a:solidFill>
+                  <a:srgbClr val="FFFFFF"/>
+                </a:solidFill>
+                <a:ea typeface="+mj-lt"/>
+                <a:cs typeface="+mj-lt"/>
+              </a:rPr>
+              <a:t> числа</a:t>
             </a:r>
             <a:r>
               <a:rPr lang="en-US" sz="3950" dirty="0"/>
@@ -44122,8 +44134,12 @@
           <a:lstStyle/>
           <a:p>
             <a:r>
-              <a:rPr lang="en-GB" dirty="0"/>
-              <a:t>Общ преглед и работа със стек</a:t>
+              <a:rPr lang="bg-BG" dirty="0"/>
+              <a:t>Стек (</a:t>
+            </a:r>
+            <a:r>
+              <a:rPr lang="en-US" dirty="0"/>
+              <a:t>Stack)</a:t>
             </a:r>
             <a:endParaRPr lang="bg-BG" dirty="0"/>
           </a:p>
@@ -44190,19 +44206,16 @@
               </a:buClr>
             </a:pPr>
             <a:r>
-              <a:rPr lang="en-US" sz="3400" b="1" dirty="0">
+              <a:rPr lang="bg-BG" sz="3400" b="1" dirty="0">
                 <a:solidFill>
                   <a:schemeClr val="bg1"/>
                 </a:solidFill>
                 <a:cs typeface="Consolas" panose="020B0609020204030204" pitchFamily="49" charset="0"/>
               </a:rPr>
-              <a:t>Стек </a:t>
-            </a:r>
-            <a:r>
-              <a:rPr lang="en-US" sz="3400" dirty="0">
-                <a:solidFill>
-                  <a:srgbClr val="234465"/>
-                </a:solidFill>
+              <a:t>Стекът </a:t>
+            </a:r>
+            <a:r>
+              <a:rPr lang="bg-BG" sz="3400" dirty="0">
                 <a:cs typeface="Consolas" panose="020B0609020204030204" pitchFamily="49" charset="0"/>
               </a:rPr>
               <a:t>предоставя</a:t>
@@ -46760,6 +46773,9 @@
                     <p:cTn id="3" fill="hold">
                       <p:stCondLst>
                         <p:cond delay="indefinite"/>
+                        <p:cond evt="onBegin" delay="0">
+                          <p:tn val="2"/>
+                        </p:cond>
                       </p:stCondLst>
                       <p:childTnLst>
                         <p:par>
@@ -46769,7 +46785,7 @@
                             </p:stCondLst>
                             <p:childTnLst>
                               <p:par>
-                                <p:cTn id="5" presetID="1" presetClass="entr" presetSubtype="0" fill="hold" nodeType="clickEffect">
+                                <p:cTn id="5" presetID="1" presetClass="entr" presetSubtype="0" fill="hold" nodeType="withEffect">
                                   <p:stCondLst>
                                     <p:cond delay="0"/>
                                   </p:stCondLst>
@@ -46777,37 +46793,6 @@
                                     <p:set>
                                       <p:cBhvr>
                                         <p:cTn id="6" dur="1" fill="hold">
-                                          <p:stCondLst>
-                                            <p:cond delay="0"/>
-                                          </p:stCondLst>
-                                        </p:cTn>
-                                        <p:tgtEl>
-                                          <p:spTgt spid="428035">
-                                            <p:txEl>
-                                              <p:pRg st="1" end="1"/>
-                                            </p:txEl>
-                                          </p:spTgt>
-                                        </p:tgtEl>
-                                        <p:attrNameLst>
-                                          <p:attrName>style.visibility</p:attrName>
-                                        </p:attrNameLst>
-                                      </p:cBhvr>
-                                      <p:to>
-                                        <p:strVal val="visible"/>
-                                      </p:to>
-                                    </p:set>
-                                  </p:childTnLst>
-                                </p:cTn>
-                              </p:par>
-                              <p:par>
-                                <p:cTn id="7" presetID="1" presetClass="entr" presetSubtype="0" fill="hold" nodeType="withEffect">
-                                  <p:stCondLst>
-                                    <p:cond delay="0"/>
-                                  </p:stCondLst>
-                                  <p:childTnLst>
-                                    <p:set>
-                                      <p:cBhvr>
-                                        <p:cTn id="8" dur="1" fill="hold">
                                           <p:stCondLst>
                                             <p:cond delay="0"/>
                                           </p:stCondLst>
@@ -46833,26 +46818,26 @@
                     </p:cTn>
                   </p:par>
                   <p:par>
-                    <p:cTn id="9" fill="hold">
+                    <p:cTn id="7" fill="hold">
                       <p:stCondLst>
                         <p:cond delay="indefinite"/>
                       </p:stCondLst>
                       <p:childTnLst>
                         <p:par>
-                          <p:cTn id="10" fill="hold">
+                          <p:cTn id="8" fill="hold">
                             <p:stCondLst>
                               <p:cond delay="0"/>
                             </p:stCondLst>
                             <p:childTnLst>
                               <p:par>
-                                <p:cTn id="11" presetID="1" presetClass="entr" presetSubtype="0" fill="hold" nodeType="clickEffect">
+                                <p:cTn id="9" presetID="1" presetClass="entr" presetSubtype="0" fill="hold" nodeType="clickEffect">
                                   <p:stCondLst>
                                     <p:cond delay="0"/>
                                   </p:stCondLst>
                                   <p:childTnLst>
                                     <p:set>
                                       <p:cBhvr>
-                                        <p:cTn id="12" dur="1" fill="hold">
+                                        <p:cTn id="10" dur="1" fill="hold">
                                           <p:stCondLst>
                                             <p:cond delay="0"/>
                                           </p:stCondLst>
@@ -46876,14 +46861,14 @@
                                 </p:cTn>
                               </p:par>
                               <p:par>
-                                <p:cTn id="13" presetID="1" presetClass="entr" presetSubtype="0" fill="hold" nodeType="withEffect">
+                                <p:cTn id="11" presetID="1" presetClass="entr" presetSubtype="0" fill="hold" nodeType="withEffect">
                                   <p:stCondLst>
                                     <p:cond delay="0"/>
                                   </p:stCondLst>
                                   <p:childTnLst>
                                     <p:set>
                                       <p:cBhvr>
-                                        <p:cTn id="14" dur="1" fill="hold">
+                                        <p:cTn id="12" dur="1" fill="hold">
                                           <p:stCondLst>
                                             <p:cond delay="0"/>
                                           </p:stCondLst>
@@ -46909,26 +46894,26 @@
                     </p:cTn>
                   </p:par>
                   <p:par>
-                    <p:cTn id="15" fill="hold">
+                    <p:cTn id="13" fill="hold">
                       <p:stCondLst>
                         <p:cond delay="indefinite"/>
                       </p:stCondLst>
                       <p:childTnLst>
                         <p:par>
-                          <p:cTn id="16" fill="hold">
+                          <p:cTn id="14" fill="hold">
                             <p:stCondLst>
                               <p:cond delay="0"/>
                             </p:stCondLst>
                             <p:childTnLst>
                               <p:par>
-                                <p:cTn id="17" presetID="1" presetClass="entr" presetSubtype="0" fill="hold" nodeType="clickEffect">
+                                <p:cTn id="15" presetID="1" presetClass="entr" presetSubtype="0" fill="hold" nodeType="clickEffect">
                                   <p:stCondLst>
                                     <p:cond delay="0"/>
                                   </p:stCondLst>
                                   <p:childTnLst>
                                     <p:set>
                                       <p:cBhvr>
-                                        <p:cTn id="18" dur="1" fill="hold">
+                                        <p:cTn id="16" dur="1" fill="hold">
                                           <p:stCondLst>
                                             <p:cond delay="0"/>
                                           </p:stCondLst>
@@ -46952,14 +46937,14 @@
                                 </p:cTn>
                               </p:par>
                               <p:par>
-                                <p:cTn id="19" presetID="1" presetClass="entr" presetSubtype="0" fill="hold" nodeType="withEffect">
+                                <p:cTn id="17" presetID="1" presetClass="entr" presetSubtype="0" fill="hold" nodeType="withEffect">
                                   <p:stCondLst>
                                     <p:cond delay="0"/>
                                   </p:stCondLst>
                                   <p:childTnLst>
                                     <p:set>
                                       <p:cBhvr>
-                                        <p:cTn id="20" dur="1" fill="hold">
+                                        <p:cTn id="18" dur="1" fill="hold">
                                           <p:stCondLst>
                                             <p:cond delay="0"/>
                                           </p:stCondLst>

--- a/Courses/Software-Sciences/Module-2-DS-and-Algo/03.1-Stack-and-Queue-Basics/03.1-Stack-and-Queue-Basics.pptx
+++ b/Courses/Software-Sciences/Module-2-DS-and-Algo/03.1-Stack-and-Queue-Basics/03.1-Stack-and-Queue-Basics.pptx
@@ -331,7 +331,7 @@
           <a:p>
             <a:fld id="{4E087215-0C8F-4762-A664-737A353EC9A4}" type="datetimeFigureOut">
               <a:rPr lang="bg-BG" smtClean="0"/>
-              <a:t>18.08.23 г.</a:t>
+              <a:t>19.8.2023 г.</a:t>
             </a:fld>
             <a:endParaRPr lang="bg-BG" dirty="0"/>
           </a:p>
@@ -522,7 +522,7 @@
           <a:p>
             <a:fld id="{72D84649-876A-46C9-8472-14CB09C070D8}" type="datetimeFigureOut">
               <a:rPr lang="en-US" smtClean="0"/>
-              <a:t>8/18/23</a:t>
+              <a:t>8/19/2023</a:t>
             </a:fld>
             <a:endParaRPr lang="en-US" dirty="0"/>
           </a:p>
@@ -36983,83 +36983,24 @@
                 <a:ea typeface="+mn-lt"/>
                 <a:cs typeface="+mn-lt"/>
               </a:rPr>
-              <a:t> в Judge: </a:t>
-            </a:r>
-            <a:r>
-              <a:rPr lang="en-US" sz="1750" u="sng" dirty="0">
+              <a:t> в Judge</a:t>
+            </a:r>
+            <a:r>
+              <a:rPr lang="en-US" sz="1750">
+                <a:ea typeface="+mn-lt"/>
+                <a:cs typeface="+mn-lt"/>
+              </a:rPr>
+              <a:t>: </a:t>
+            </a:r>
+            <a:r>
+              <a:rPr lang="en-US" sz="1750" u="sng">
                 <a:hlinkClick r:id="rId2"/>
               </a:rPr>
-              <a:t>https://judge.softuni.org/Contests/Practice/Index/3174#7</a:t>
+              <a:t>https://judge.softuni.org/Contests/Practice/Index/4153#0</a:t>
             </a:r>
             <a:endParaRPr lang="en-US" sz="1750" dirty="0">
               <a:cs typeface="Calibri"/>
             </a:endParaRPr>
-          </a:p>
-        </p:txBody>
-      </p:sp>
-      <p:sp>
-        <p:nvSpPr>
-          <p:cNvPr id="2" name="TextBox 1">
-            <a:extLst>
-              <a:ext uri="{FF2B5EF4-FFF2-40B4-BE49-F238E27FC236}">
-                <a16:creationId xmlns:a16="http://schemas.microsoft.com/office/drawing/2014/main" id="{65B90CC7-EB9A-C30C-E92A-A192B0E27F1E}"/>
-              </a:ext>
-            </a:extLst>
-          </p:cNvPr>
-          <p:cNvSpPr txBox="1"/>
-          <p:nvPr/>
-        </p:nvSpPr>
-        <p:spPr>
-          <a:xfrm>
-            <a:off x="7041000" y="1944000"/>
-            <a:ext cx="4494444" cy="861362"/>
-          </a:xfrm>
-          <a:prstGeom prst="rect">
-            <a:avLst/>
-          </a:prstGeom>
-          <a:ln/>
-        </p:spPr>
-        <p:style>
-          <a:lnRef idx="2">
-            <a:schemeClr val="accent2"/>
-          </a:lnRef>
-          <a:fillRef idx="1">
-            <a:schemeClr val="lt1"/>
-          </a:fillRef>
-          <a:effectRef idx="0">
-            <a:schemeClr val="accent2"/>
-          </a:effectRef>
-          <a:fontRef idx="minor">
-            <a:schemeClr val="dk1"/>
-          </a:fontRef>
-        </p:style>
-        <p:txBody>
-          <a:bodyPr vert="horz" wrap="square" lIns="144000" tIns="108000" rIns="144000" bIns="108000" rtlCol="0">
-            <a:spAutoFit/>
-          </a:bodyPr>
-          <a:lstStyle/>
-          <a:p>
-            <a:pPr algn="l" eaLnBrk="0" hangingPunct="0">
-              <a:lnSpc>
-                <a:spcPct val="110000"/>
-              </a:lnSpc>
-              <a:buClr>
-                <a:schemeClr val="accent5">
-                  <a:lumMod val="40000"/>
-                  <a:lumOff val="60000"/>
-                </a:schemeClr>
-              </a:buClr>
-              <a:buSzPct val="70000"/>
-            </a:pPr>
-            <a:r>
-              <a:rPr lang="bg-BG" sz="4000" dirty="0" err="1"/>
-              <a:t>T</a:t>
-            </a:r>
-            <a:r>
-              <a:rPr lang="en-US" sz="4000" dirty="0"/>
-              <a:t>ODO: Fix Judge link</a:t>
-            </a:r>
-            <a:endParaRPr lang="en-BG" sz="4000" dirty="0"/>
           </a:p>
         </p:txBody>
       </p:sp>

--- a/Courses/Software-Sciences/Module-2-DS-and-Algo/03.1-Stack-and-Queue-Basics/03.1-Stack-and-Queue-Basics.pptx
+++ b/Courses/Software-Sciences/Module-2-DS-and-Algo/03.1-Stack-and-Queue-Basics/03.1-Stack-and-Queue-Basics.pptx
@@ -45,8 +45,8 @@
     <p:sldId id="283" r:id="rId33"/>
     <p:sldId id="284" r:id="rId34"/>
     <p:sldId id="285" r:id="rId35"/>
-    <p:sldId id="731" r:id="rId36"/>
-    <p:sldId id="732" r:id="rId37"/>
+    <p:sldId id="504" r:id="rId36"/>
+    <p:sldId id="505" r:id="rId37"/>
   </p:sldIdLst>
   <p:sldSz cx="12192000" cy="6858000"/>
   <p:notesSz cx="6858000" cy="9144000"/>
@@ -148,13 +148,13 @@
   <p:extLst>
     <p:ext uri="{521415D9-36F7-43E2-AB2F-B90AF26B5E84}">
       <p14:sectionLst xmlns:p14="http://schemas.microsoft.com/office/powerpoint/2010/main">
-        <p14:section name="Въведение" id="{B2F0C359-9290-476C-A188-267A9F061838}">
+        <p14:section name="Въведение" id="{A602951C-73DD-4C53-B140-35D443D3D4E0}">
           <p14:sldIdLst>
             <p14:sldId id="256"/>
             <p14:sldId id="257"/>
           </p14:sldIdLst>
         </p14:section>
-        <p14:section name="Структури от данни" id="{B4313D5A-4860-41C6-9ED1-ED09D2CBF358}">
+        <p14:section name="Структури от данни" id="{50FB6B64-BB3E-40A7-9088-6C50F9E38BF7}">
           <p14:sldIdLst>
             <p14:sldId id="730"/>
             <p14:sldId id="728"/>
@@ -163,7 +163,7 @@
             <p14:sldId id="729"/>
           </p14:sldIdLst>
         </p14:section>
-        <p14:section name="Стек" id="{4C0A2BF5-49EF-49B2-A251-E79272C1AAE0}">
+        <p14:section name="Стек" id="{F8C23831-3AAC-4526-BAE7-4154FEA01FCA}">
           <p14:sldIdLst>
             <p14:sldId id="259"/>
             <p14:sldId id="260"/>
@@ -183,7 +183,7 @@
             <p14:sldId id="274"/>
           </p14:sldIdLst>
         </p14:section>
-        <p14:section name="Опашка" id="{04BECADB-C72E-434C-BEB7-9CC77409AC7C}">
+        <p14:section name="Опашка" id="{38CDCFA1-40FB-4C1D-A606-262E7D92DA40}">
           <p14:sldIdLst>
             <p14:sldId id="275"/>
             <p14:sldId id="276"/>
@@ -197,11 +197,11 @@
             <p14:sldId id="284"/>
           </p14:sldIdLst>
         </p14:section>
-        <p14:section name="Обобщение" id="{9A98DF4E-184C-450F-B9CE-FD68AD43BF64}">
+        <p14:section name="Обобщение" id="{FA9AD39C-A1D5-4DF5-A228-AF86A2F9F552}">
           <p14:sldIdLst>
             <p14:sldId id="285"/>
-            <p14:sldId id="731"/>
-            <p14:sldId id="732"/>
+            <p14:sldId id="504"/>
+            <p14:sldId id="505"/>
           </p14:sldIdLst>
         </p14:section>
       </p14:sectionLst>
@@ -225,16 +225,6 @@
     </p:ext>
   </p:extLst>
 </p:presentation>
-</file>
-
-<file path=ppt/revisionInfo.xml><?xml version="1.0" encoding="utf-8"?>
-<p1510:revInfo xmlns:a="http://schemas.openxmlformats.org/drawingml/2006/main" xmlns:r="http://schemas.openxmlformats.org/officeDocument/2006/relationships" xmlns:p1510="http://schemas.microsoft.com/office/powerpoint/2015/10/main">
-  <p1510:revLst>
-    <p1510:client id="{27E68461-8E56-16B8-BD0A-FC2CC835EA6B}" v="1531" dt="2023-01-14T16:19:50.330"/>
-    <p1510:client id="{5992B379-B65A-DB22-6815-CA68CA218BB1}" v="630" dt="2023-01-14T13:30:24.937"/>
-    <p1510:client id="{DD791CBB-6F88-BB84-3DFB-2EE01EA20AB3}" v="182" dt="2023-01-16T20:48:28.684"/>
-  </p1510:revLst>
-</p1510:revInfo>
 </file>
 
 <file path=ppt/handoutMasters/handoutMaster1.xml><?xml version="1.0" encoding="utf-8"?>
@@ -292,7 +282,7 @@
             </a:lvl1pPr>
           </a:lstStyle>
           <a:p>
-            <a:endParaRPr lang="bg-BG" dirty="0"/>
+            <a:endParaRPr lang="bg-BG"/>
           </a:p>
         </p:txBody>
       </p:sp>
@@ -331,9 +321,9 @@
           <a:p>
             <a:fld id="{4E087215-0C8F-4762-A664-737A353EC9A4}" type="datetimeFigureOut">
               <a:rPr lang="bg-BG" smtClean="0"/>
-              <a:t>19.8.2023 г.</a:t>
+              <a:t>17.9.2023 г.</a:t>
             </a:fld>
-            <a:endParaRPr lang="bg-BG" dirty="0"/>
+            <a:endParaRPr lang="bg-BG"/>
           </a:p>
         </p:txBody>
       </p:sp>
@@ -355,8 +345,8 @@
         </p:nvSpPr>
         <p:spPr>
           <a:xfrm>
-            <a:off x="-1" y="8847000"/>
-            <a:ext cx="6443999" cy="297000"/>
+            <a:off x="-1" y="8892000"/>
+            <a:ext cx="6443999" cy="252000"/>
           </a:xfrm>
           <a:prstGeom prst="rect">
             <a:avLst/>
@@ -371,19 +361,24 @@
           </a:lstStyle>
           <a:p>
             <a:r>
-              <a:rPr lang="en-US" sz="1100" dirty="0"/>
-              <a:t>© SoftUni – </a:t>
-            </a:r>
-            <a:r>
-              <a:rPr lang="en-US" sz="1100" u="sng" dirty="0">
+              <a:rPr lang="bg-BG" sz="1100" dirty="0"/>
+              <a:t>Работна група </a:t>
+            </a:r>
+            <a:r>
+              <a:rPr lang="ru-RU" sz="1100" dirty="0"/>
+              <a:t>"Образование по програмиране и ИТ</a:t>
+            </a:r>
+            <a:r>
+              <a:rPr lang="bg-BG" sz="1100" dirty="0"/>
+              <a:t>", с подкрепата на </a:t>
+            </a:r>
+            <a:r>
+              <a:rPr lang="en-US" sz="1100" dirty="0">
                 <a:hlinkClick r:id="rId2"/>
               </a:rPr>
-              <a:t>https://softuni.org</a:t>
-            </a:r>
-            <a:r>
-              <a:rPr lang="en-US" sz="1100" dirty="0"/>
-              <a:t>. Copyrighted document. Unauthorized copy or reproduction is not permitted.</a:t>
-            </a:r>
+              <a:t>SoftUni</a:t>
+            </a:r>
+            <a:endParaRPr lang="en-US" sz="1100" dirty="0"/>
           </a:p>
         </p:txBody>
       </p:sp>
@@ -405,8 +400,8 @@
         </p:nvSpPr>
         <p:spPr>
           <a:xfrm>
-            <a:off x="6443999" y="8847000"/>
-            <a:ext cx="412413" cy="297000"/>
+            <a:off x="6443999" y="8892000"/>
+            <a:ext cx="412413" cy="252000"/>
           </a:xfrm>
           <a:prstGeom prst="rect">
             <a:avLst/>
@@ -489,7 +484,7 @@
             </a:lvl1pPr>
           </a:lstStyle>
           <a:p>
-            <a:endParaRPr lang="en-US" dirty="0"/>
+            <a:endParaRPr lang="en-US"/>
           </a:p>
         </p:txBody>
       </p:sp>
@@ -522,9 +517,9 @@
           <a:p>
             <a:fld id="{72D84649-876A-46C9-8472-14CB09C070D8}" type="datetimeFigureOut">
               <a:rPr lang="en-US" smtClean="0"/>
-              <a:t>8/19/2023</a:t>
+              <a:t>9/17/2023</a:t>
             </a:fld>
-            <a:endParaRPr lang="en-US" dirty="0"/>
+            <a:endParaRPr lang="en-US"/>
           </a:p>
         </p:txBody>
       </p:sp>
@@ -557,7 +552,7 @@
           <a:bodyPr vert="horz" lIns="91440" tIns="45720" rIns="91440" bIns="45720" rtlCol="0" anchor="ctr"/>
           <a:lstStyle/>
           <a:p>
-            <a:endParaRPr lang="en-US" dirty="0"/>
+            <a:endParaRPr lang="en-US"/>
           </a:p>
         </p:txBody>
       </p:sp>
@@ -632,8 +627,8 @@
         </p:nvSpPr>
         <p:spPr>
           <a:xfrm>
-            <a:off x="6488999" y="8847000"/>
-            <a:ext cx="367414" cy="297000"/>
+            <a:off x="6488999" y="8892000"/>
+            <a:ext cx="367414" cy="252000"/>
           </a:xfrm>
           <a:prstGeom prst="rect">
             <a:avLst/>
@@ -673,8 +668,8 @@
         </p:nvSpPr>
         <p:spPr>
           <a:xfrm>
-            <a:off x="-1" y="8847000"/>
-            <a:ext cx="6488999" cy="297000"/>
+            <a:off x="-1" y="8892000"/>
+            <a:ext cx="6488999" cy="252000"/>
           </a:xfrm>
           <a:prstGeom prst="rect">
             <a:avLst/>
@@ -689,19 +684,24 @@
           </a:lstStyle>
           <a:p>
             <a:r>
-              <a:rPr lang="en-US" dirty="0"/>
-              <a:t>© SoftUni – </a:t>
-            </a:r>
-            <a:r>
-              <a:rPr lang="en-US" u="sng" dirty="0">
+              <a:rPr lang="bg-BG" sz="1100" dirty="0"/>
+              <a:t>Работна група </a:t>
+            </a:r>
+            <a:r>
+              <a:rPr lang="bg-BG" dirty="0"/>
+              <a:t>"Образование по програмиране и ИТ"</a:t>
+            </a:r>
+            <a:r>
+              <a:rPr lang="bg-BG" sz="1100" dirty="0"/>
+              <a:t>, с подкрепата на </a:t>
+            </a:r>
+            <a:r>
+              <a:rPr lang="en-US" sz="1100" dirty="0">
                 <a:hlinkClick r:id="rId2"/>
               </a:rPr>
-              <a:t>https://softuni.org</a:t>
-            </a:r>
-            <a:r>
-              <a:rPr lang="en-US" dirty="0"/>
-              <a:t>. Copyrighted document. Unauthorized copy or reproduction is not permitted.</a:t>
-            </a:r>
+              <a:t>SoftUni</a:t>
+            </a:r>
+            <a:endParaRPr lang="en-US" sz="1100" dirty="0"/>
           </a:p>
         </p:txBody>
       </p:sp>
@@ -883,10 +883,10 @@
       </p:sp>
       <p:sp>
         <p:nvSpPr>
-          <p:cNvPr id="7" name="Footer Placeholder 7">
+          <p:cNvPr id="4" name="Footer Placeholder 7">
             <a:extLst>
               <a:ext uri="{FF2B5EF4-FFF2-40B4-BE49-F238E27FC236}">
-                <a16:creationId xmlns:a16="http://schemas.microsoft.com/office/drawing/2014/main" id="{2462B32D-5D5E-4150-914E-70D3D6C61234}"/>
+                <a16:creationId xmlns:a16="http://schemas.microsoft.com/office/drawing/2014/main" id="{3956E7C9-79EE-5C7D-508E-08D48655BA5F}"/>
               </a:ext>
             </a:extLst>
           </p:cNvPr>
@@ -899,8 +899,8 @@
         </p:nvSpPr>
         <p:spPr>
           <a:xfrm>
-            <a:off x="-1" y="8847000"/>
-            <a:ext cx="6488999" cy="297000"/>
+            <a:off x="-1" y="8892000"/>
+            <a:ext cx="6488999" cy="252000"/>
           </a:xfrm>
           <a:prstGeom prst="rect">
             <a:avLst/>
@@ -915,26 +915,31 @@
           </a:lstStyle>
           <a:p>
             <a:r>
-              <a:rPr lang="en-US" dirty="0"/>
-              <a:t>© SoftUni – </a:t>
-            </a:r>
-            <a:r>
-              <a:rPr lang="en-US" u="sng" dirty="0">
+              <a:rPr lang="bg-BG" sz="1100" dirty="0"/>
+              <a:t>Работна група </a:t>
+            </a:r>
+            <a:r>
+              <a:rPr lang="bg-BG" dirty="0"/>
+              <a:t>"Образование по програмиране и ИТ"</a:t>
+            </a:r>
+            <a:r>
+              <a:rPr lang="bg-BG" sz="1100" dirty="0"/>
+              <a:t>, с подкрепата на </a:t>
+            </a:r>
+            <a:r>
+              <a:rPr lang="en-US" sz="1100" dirty="0">
                 <a:hlinkClick r:id="rId3"/>
               </a:rPr>
-              <a:t>https://softuni.org</a:t>
-            </a:r>
-            <a:r>
-              <a:rPr lang="en-US" dirty="0"/>
-              <a:t>. Copyrighted document. Unauthorized copy or reproduction is not permitted.</a:t>
-            </a:r>
+              <a:t>SoftUni</a:t>
+            </a:r>
+            <a:endParaRPr lang="en-US" sz="1100" dirty="0"/>
           </a:p>
         </p:txBody>
       </p:sp>
     </p:spTree>
     <p:extLst>
       <p:ext uri="{BB962C8B-B14F-4D97-AF65-F5344CB8AC3E}">
-        <p14:creationId xmlns:p14="http://schemas.microsoft.com/office/powerpoint/2010/main" val="3111148044"/>
+        <p14:creationId xmlns:p14="http://schemas.microsoft.com/office/powerpoint/2010/main" val="2047444188"/>
       </p:ext>
     </p:extLst>
   </p:cSld>
@@ -994,6 +999,252 @@
       </p:sp>
       <p:sp>
         <p:nvSpPr>
+          <p:cNvPr id="7" name="Slide Number Placeholder 5">
+            <a:extLst>
+              <a:ext uri="{FF2B5EF4-FFF2-40B4-BE49-F238E27FC236}">
+                <a16:creationId xmlns:a16="http://schemas.microsoft.com/office/drawing/2014/main" id="{5049B984-F964-47FF-8179-0A3007CE21CD}"/>
+              </a:ext>
+            </a:extLst>
+          </p:cNvPr>
+          <p:cNvSpPr txBox="1">
+            <a:spLocks/>
+          </p:cNvSpPr>
+          <p:nvPr/>
+        </p:nvSpPr>
+        <p:spPr>
+          <a:xfrm>
+            <a:off x="6488999" y="8847000"/>
+            <a:ext cx="367414" cy="297000"/>
+          </a:xfrm>
+          <a:prstGeom prst="rect">
+            <a:avLst/>
+          </a:prstGeom>
+        </p:spPr>
+        <p:txBody>
+          <a:bodyPr vert="horz" lIns="91440" tIns="45720" rIns="91440" bIns="45720" rtlCol="0" anchor="b"/>
+          <a:lstStyle>
+            <a:defPPr>
+              <a:defRPr lang="en-US"/>
+            </a:defPPr>
+            <a:lvl1pPr marL="0" algn="r" defTabSz="914400" rtl="0" eaLnBrk="1" latinLnBrk="0" hangingPunct="1">
+              <a:defRPr sz="1200" kern="1200">
+                <a:solidFill>
+                  <a:schemeClr val="tx1"/>
+                </a:solidFill>
+                <a:latin typeface="+mn-lt"/>
+                <a:ea typeface="+mn-ea"/>
+                <a:cs typeface="+mn-cs"/>
+              </a:defRPr>
+            </a:lvl1pPr>
+            <a:lvl2pPr marL="457200" algn="l" defTabSz="914400" rtl="0" eaLnBrk="1" latinLnBrk="0" hangingPunct="1">
+              <a:defRPr sz="1800" kern="1200">
+                <a:solidFill>
+                  <a:schemeClr val="tx1"/>
+                </a:solidFill>
+                <a:latin typeface="+mn-lt"/>
+                <a:ea typeface="+mn-ea"/>
+                <a:cs typeface="+mn-cs"/>
+              </a:defRPr>
+            </a:lvl2pPr>
+            <a:lvl3pPr marL="914400" algn="l" defTabSz="914400" rtl="0" eaLnBrk="1" latinLnBrk="0" hangingPunct="1">
+              <a:defRPr sz="1800" kern="1200">
+                <a:solidFill>
+                  <a:schemeClr val="tx1"/>
+                </a:solidFill>
+                <a:latin typeface="+mn-lt"/>
+                <a:ea typeface="+mn-ea"/>
+                <a:cs typeface="+mn-cs"/>
+              </a:defRPr>
+            </a:lvl3pPr>
+            <a:lvl4pPr marL="1371600" algn="l" defTabSz="914400" rtl="0" eaLnBrk="1" latinLnBrk="0" hangingPunct="1">
+              <a:defRPr sz="1800" kern="1200">
+                <a:solidFill>
+                  <a:schemeClr val="tx1"/>
+                </a:solidFill>
+                <a:latin typeface="+mn-lt"/>
+                <a:ea typeface="+mn-ea"/>
+                <a:cs typeface="+mn-cs"/>
+              </a:defRPr>
+            </a:lvl4pPr>
+            <a:lvl5pPr marL="1828800" algn="l" defTabSz="914400" rtl="0" eaLnBrk="1" latinLnBrk="0" hangingPunct="1">
+              <a:defRPr sz="1800" kern="1200">
+                <a:solidFill>
+                  <a:schemeClr val="tx1"/>
+                </a:solidFill>
+                <a:latin typeface="+mn-lt"/>
+                <a:ea typeface="+mn-ea"/>
+                <a:cs typeface="+mn-cs"/>
+              </a:defRPr>
+            </a:lvl5pPr>
+            <a:lvl6pPr marL="2286000" algn="l" defTabSz="914400" rtl="0" eaLnBrk="1" latinLnBrk="0" hangingPunct="1">
+              <a:defRPr sz="1800" kern="1200">
+                <a:solidFill>
+                  <a:schemeClr val="tx1"/>
+                </a:solidFill>
+                <a:latin typeface="+mn-lt"/>
+                <a:ea typeface="+mn-ea"/>
+                <a:cs typeface="+mn-cs"/>
+              </a:defRPr>
+            </a:lvl6pPr>
+            <a:lvl7pPr marL="2743200" algn="l" defTabSz="914400" rtl="0" eaLnBrk="1" latinLnBrk="0" hangingPunct="1">
+              <a:defRPr sz="1800" kern="1200">
+                <a:solidFill>
+                  <a:schemeClr val="tx1"/>
+                </a:solidFill>
+                <a:latin typeface="+mn-lt"/>
+                <a:ea typeface="+mn-ea"/>
+                <a:cs typeface="+mn-cs"/>
+              </a:defRPr>
+            </a:lvl7pPr>
+            <a:lvl8pPr marL="3200400" algn="l" defTabSz="914400" rtl="0" eaLnBrk="1" latinLnBrk="0" hangingPunct="1">
+              <a:defRPr sz="1800" kern="1200">
+                <a:solidFill>
+                  <a:schemeClr val="tx1"/>
+                </a:solidFill>
+                <a:latin typeface="+mn-lt"/>
+                <a:ea typeface="+mn-ea"/>
+                <a:cs typeface="+mn-cs"/>
+              </a:defRPr>
+            </a:lvl8pPr>
+            <a:lvl9pPr marL="3657600" algn="l" defTabSz="914400" rtl="0" eaLnBrk="1" latinLnBrk="0" hangingPunct="1">
+              <a:defRPr sz="1800" kern="1200">
+                <a:solidFill>
+                  <a:schemeClr val="tx1"/>
+                </a:solidFill>
+                <a:latin typeface="+mn-lt"/>
+                <a:ea typeface="+mn-ea"/>
+                <a:cs typeface="+mn-cs"/>
+              </a:defRPr>
+            </a:lvl9pPr>
+          </a:lstStyle>
+          <a:p>
+            <a:fld id="{3EBA5BD7-F043-4D1B-AA17-CD412FC534DE}" type="slidenum">
+              <a:rPr lang="en-US" smtClean="0"/>
+              <a:pPr/>
+              <a:t>35</a:t>
+            </a:fld>
+            <a:endParaRPr lang="en-US" dirty="0"/>
+          </a:p>
+        </p:txBody>
+      </p:sp>
+      <p:sp>
+        <p:nvSpPr>
+          <p:cNvPr id="5" name="Footer Placeholder 7">
+            <a:extLst>
+              <a:ext uri="{FF2B5EF4-FFF2-40B4-BE49-F238E27FC236}">
+                <a16:creationId xmlns:a16="http://schemas.microsoft.com/office/drawing/2014/main" id="{DF952F24-C60A-D5D8-68F8-68D9A84A3C89}"/>
+              </a:ext>
+            </a:extLst>
+          </p:cNvPr>
+          <p:cNvSpPr>
+            <a:spLocks noGrp="1"/>
+          </p:cNvSpPr>
+          <p:nvPr>
+            <p:ph type="ftr" sz="quarter" idx="4"/>
+          </p:nvPr>
+        </p:nvSpPr>
+        <p:spPr>
+          <a:xfrm>
+            <a:off x="-1" y="8892000"/>
+            <a:ext cx="6488999" cy="252000"/>
+          </a:xfrm>
+          <a:prstGeom prst="rect">
+            <a:avLst/>
+          </a:prstGeom>
+        </p:spPr>
+        <p:txBody>
+          <a:bodyPr vert="horz" lIns="91440" tIns="45720" rIns="91440" bIns="45720" rtlCol="0" anchor="b"/>
+          <a:lstStyle>
+            <a:lvl1pPr algn="l">
+              <a:defRPr sz="1100"/>
+            </a:lvl1pPr>
+          </a:lstStyle>
+          <a:p>
+            <a:r>
+              <a:rPr lang="bg-BG" sz="1100" dirty="0"/>
+              <a:t>Работна група </a:t>
+            </a:r>
+            <a:r>
+              <a:rPr lang="bg-BG" dirty="0"/>
+              <a:t>"Образование по програмиране и ИТ"</a:t>
+            </a:r>
+            <a:r>
+              <a:rPr lang="bg-BG" sz="1100" dirty="0"/>
+              <a:t>, с подкрепата на </a:t>
+            </a:r>
+            <a:r>
+              <a:rPr lang="en-US" sz="1100" dirty="0">
+                <a:hlinkClick r:id="rId3"/>
+              </a:rPr>
+              <a:t>SoftUni</a:t>
+            </a:r>
+            <a:endParaRPr lang="en-US" sz="1100" dirty="0"/>
+          </a:p>
+        </p:txBody>
+      </p:sp>
+    </p:spTree>
+    <p:extLst>
+      <p:ext uri="{BB962C8B-B14F-4D97-AF65-F5344CB8AC3E}">
+        <p14:creationId xmlns:p14="http://schemas.microsoft.com/office/powerpoint/2010/main" val="552473306"/>
+      </p:ext>
+    </p:extLst>
+  </p:cSld>
+  <p:clrMapOvr>
+    <a:masterClrMapping/>
+  </p:clrMapOvr>
+</p:notes>
+</file>
+
+<file path=ppt/notesSlides/notesSlide11.xml><?xml version="1.0" encoding="utf-8"?>
+<p:notes xmlns:a="http://schemas.openxmlformats.org/drawingml/2006/main" xmlns:r="http://schemas.openxmlformats.org/officeDocument/2006/relationships" xmlns:p="http://schemas.openxmlformats.org/presentationml/2006/main">
+  <p:cSld>
+    <p:spTree>
+      <p:nvGrpSpPr>
+        <p:cNvPr id="1" name=""/>
+        <p:cNvGrpSpPr/>
+        <p:nvPr/>
+      </p:nvGrpSpPr>
+      <p:grpSpPr>
+        <a:xfrm>
+          <a:off x="0" y="0"/>
+          <a:ext cx="0" cy="0"/>
+          <a:chOff x="0" y="0"/>
+          <a:chExt cx="0" cy="0"/>
+        </a:xfrm>
+      </p:grpSpPr>
+      <p:sp>
+        <p:nvSpPr>
+          <p:cNvPr id="2" name="Slide Image Placeholder 1"/>
+          <p:cNvSpPr>
+            <a:spLocks noGrp="1" noRot="1" noChangeAspect="1"/>
+          </p:cNvSpPr>
+          <p:nvPr>
+            <p:ph type="sldImg"/>
+          </p:nvPr>
+        </p:nvSpPr>
+        <p:spPr/>
+      </p:sp>
+      <p:sp>
+        <p:nvSpPr>
+          <p:cNvPr id="3" name="Notes Placeholder 2"/>
+          <p:cNvSpPr>
+            <a:spLocks noGrp="1"/>
+          </p:cNvSpPr>
+          <p:nvPr>
+            <p:ph type="body" idx="1"/>
+          </p:nvPr>
+        </p:nvSpPr>
+        <p:spPr/>
+        <p:txBody>
+          <a:bodyPr/>
+          <a:lstStyle/>
+          <a:p>
+            <a:endParaRPr lang="en-US"/>
+          </a:p>
+        </p:txBody>
+      </p:sp>
+      <p:sp>
+        <p:nvSpPr>
           <p:cNvPr id="6" name="Slide Number Placeholder 5">
             <a:extLst>
               <a:ext uri="{FF2B5EF4-FFF2-40B4-BE49-F238E27FC236}">
@@ -1124,10 +1375,10 @@
       </p:sp>
       <p:sp>
         <p:nvSpPr>
-          <p:cNvPr id="7" name="Footer Placeholder 7">
+          <p:cNvPr id="5" name="Footer Placeholder 7">
             <a:extLst>
               <a:ext uri="{FF2B5EF4-FFF2-40B4-BE49-F238E27FC236}">
-                <a16:creationId xmlns:a16="http://schemas.microsoft.com/office/drawing/2014/main" id="{6440DE1F-FF39-450B-9BB2-FD91A9B92021}"/>
+                <a16:creationId xmlns:a16="http://schemas.microsoft.com/office/drawing/2014/main" id="{669A1AC6-61B7-6FA0-341A-95EB6B6C652A}"/>
               </a:ext>
             </a:extLst>
           </p:cNvPr>
@@ -1140,8 +1391,8 @@
         </p:nvSpPr>
         <p:spPr>
           <a:xfrm>
-            <a:off x="-1" y="8847000"/>
-            <a:ext cx="6488999" cy="297000"/>
+            <a:off x="-1" y="8892000"/>
+            <a:ext cx="6488999" cy="252000"/>
           </a:xfrm>
           <a:prstGeom prst="rect">
             <a:avLst/>
@@ -1156,26 +1407,31 @@
           </a:lstStyle>
           <a:p>
             <a:r>
-              <a:rPr lang="en-US" dirty="0"/>
-              <a:t>© SoftUni – </a:t>
-            </a:r>
-            <a:r>
-              <a:rPr lang="en-US" u="sng" dirty="0">
+              <a:rPr lang="bg-BG" sz="1100" dirty="0"/>
+              <a:t>Работна група </a:t>
+            </a:r>
+            <a:r>
+              <a:rPr lang="bg-BG" dirty="0"/>
+              <a:t>"Образование по програмиране и ИТ"</a:t>
+            </a:r>
+            <a:r>
+              <a:rPr lang="bg-BG" sz="1100" dirty="0"/>
+              <a:t>, с подкрепата на </a:t>
+            </a:r>
+            <a:r>
+              <a:rPr lang="en-US" sz="1100" dirty="0">
                 <a:hlinkClick r:id="rId3"/>
               </a:rPr>
-              <a:t>https://softuni.org</a:t>
-            </a:r>
-            <a:r>
-              <a:rPr lang="en-US" dirty="0"/>
-              <a:t>. Copyrighted document. Unauthorized copy or reproduction is not permitted.</a:t>
-            </a:r>
+              <a:t>SoftUni</a:t>
+            </a:r>
+            <a:endParaRPr lang="en-US" sz="1100" dirty="0"/>
           </a:p>
         </p:txBody>
       </p:sp>
     </p:spTree>
     <p:extLst>
       <p:ext uri="{BB962C8B-B14F-4D97-AF65-F5344CB8AC3E}">
-        <p14:creationId xmlns:p14="http://schemas.microsoft.com/office/powerpoint/2010/main" val="2767550425"/>
+        <p14:creationId xmlns:p14="http://schemas.microsoft.com/office/powerpoint/2010/main" val="944256137"/>
       </p:ext>
     </p:extLst>
   </p:cSld>
@@ -1262,10 +1518,10 @@
       </p:sp>
       <p:sp>
         <p:nvSpPr>
-          <p:cNvPr id="6" name="Footer Placeholder 7">
+          <p:cNvPr id="5" name="Footer Placeholder 7">
             <a:extLst>
               <a:ext uri="{FF2B5EF4-FFF2-40B4-BE49-F238E27FC236}">
-                <a16:creationId xmlns:a16="http://schemas.microsoft.com/office/drawing/2014/main" id="{86E65D95-7F2C-4782-8DA3-FE29C1786F2F}"/>
+                <a16:creationId xmlns:a16="http://schemas.microsoft.com/office/drawing/2014/main" id="{B9E8DECB-66E2-2E3C-989A-7FCE15568DEC}"/>
               </a:ext>
             </a:extLst>
           </p:cNvPr>
@@ -1278,8 +1534,8 @@
         </p:nvSpPr>
         <p:spPr>
           <a:xfrm>
-            <a:off x="-1" y="8847000"/>
-            <a:ext cx="6488999" cy="297000"/>
+            <a:off x="-1" y="8892000"/>
+            <a:ext cx="6488999" cy="252000"/>
           </a:xfrm>
           <a:prstGeom prst="rect">
             <a:avLst/>
@@ -1294,26 +1550,31 @@
           </a:lstStyle>
           <a:p>
             <a:r>
-              <a:rPr lang="en-US" dirty="0"/>
-              <a:t>© SoftUni – </a:t>
-            </a:r>
-            <a:r>
-              <a:rPr lang="en-US" u="sng" dirty="0">
+              <a:rPr lang="bg-BG" sz="1100" dirty="0"/>
+              <a:t>Работна група </a:t>
+            </a:r>
+            <a:r>
+              <a:rPr lang="bg-BG" dirty="0"/>
+              <a:t>"Образование по програмиране и ИТ"</a:t>
+            </a:r>
+            <a:r>
+              <a:rPr lang="bg-BG" sz="1100" dirty="0"/>
+              <a:t>, с подкрепата на </a:t>
+            </a:r>
+            <a:r>
+              <a:rPr lang="en-US" sz="1100" dirty="0">
                 <a:hlinkClick r:id="rId3"/>
               </a:rPr>
-              <a:t>https://softuni.org</a:t>
-            </a:r>
-            <a:r>
-              <a:rPr lang="en-US" dirty="0"/>
-              <a:t>. Copyrighted document. Unauthorized copy or reproduction is not permitted.</a:t>
-            </a:r>
+              <a:t>SoftUni</a:t>
+            </a:r>
+            <a:endParaRPr lang="en-US" sz="1100" dirty="0"/>
           </a:p>
         </p:txBody>
       </p:sp>
     </p:spTree>
     <p:extLst>
       <p:ext uri="{BB962C8B-B14F-4D97-AF65-F5344CB8AC3E}">
-        <p14:creationId xmlns:p14="http://schemas.microsoft.com/office/powerpoint/2010/main" val="2808758204"/>
+        <p14:creationId xmlns:p14="http://schemas.microsoft.com/office/powerpoint/2010/main" val="3600612935"/>
       </p:ext>
     </p:extLst>
   </p:cSld>
@@ -1396,10 +1657,10 @@
       </p:sp>
       <p:sp>
         <p:nvSpPr>
-          <p:cNvPr id="6" name="Footer Placeholder 7">
+          <p:cNvPr id="5" name="Footer Placeholder 7">
             <a:extLst>
               <a:ext uri="{FF2B5EF4-FFF2-40B4-BE49-F238E27FC236}">
-                <a16:creationId xmlns:a16="http://schemas.microsoft.com/office/drawing/2014/main" id="{D8C44770-C2DD-4026-960B-6114EA43A300}"/>
+                <a16:creationId xmlns:a16="http://schemas.microsoft.com/office/drawing/2014/main" id="{C1E46B9F-A802-2E4E-8B83-5BB820B4519F}"/>
               </a:ext>
             </a:extLst>
           </p:cNvPr>
@@ -1412,8 +1673,8 @@
         </p:nvSpPr>
         <p:spPr>
           <a:xfrm>
-            <a:off x="-1" y="8847000"/>
-            <a:ext cx="6488999" cy="297000"/>
+            <a:off x="-1" y="8892000"/>
+            <a:ext cx="6488999" cy="252000"/>
           </a:xfrm>
           <a:prstGeom prst="rect">
             <a:avLst/>
@@ -1428,26 +1689,31 @@
           </a:lstStyle>
           <a:p>
             <a:r>
-              <a:rPr lang="en-US" dirty="0"/>
-              <a:t>© SoftUni – </a:t>
-            </a:r>
-            <a:r>
-              <a:rPr lang="en-US" u="sng" dirty="0">
+              <a:rPr lang="bg-BG" sz="1100" dirty="0"/>
+              <a:t>Работна група </a:t>
+            </a:r>
+            <a:r>
+              <a:rPr lang="bg-BG" dirty="0"/>
+              <a:t>"Образование по програмиране и ИТ"</a:t>
+            </a:r>
+            <a:r>
+              <a:rPr lang="bg-BG" sz="1100" dirty="0"/>
+              <a:t>, с подкрепата на </a:t>
+            </a:r>
+            <a:r>
+              <a:rPr lang="en-US" sz="1100" dirty="0">
                 <a:hlinkClick r:id="rId3"/>
               </a:rPr>
-              <a:t>https://softuni.org</a:t>
-            </a:r>
-            <a:r>
-              <a:rPr lang="en-US" dirty="0"/>
-              <a:t>. Copyrighted document. Unauthorized copy or reproduction is not permitted.</a:t>
-            </a:r>
+              <a:t>SoftUni</a:t>
+            </a:r>
+            <a:endParaRPr lang="en-US" sz="1100" dirty="0"/>
           </a:p>
         </p:txBody>
       </p:sp>
     </p:spTree>
     <p:extLst>
       <p:ext uri="{BB962C8B-B14F-4D97-AF65-F5344CB8AC3E}">
-        <p14:creationId xmlns:p14="http://schemas.microsoft.com/office/powerpoint/2010/main" val="2837196392"/>
+        <p14:creationId xmlns:p14="http://schemas.microsoft.com/office/powerpoint/2010/main" val="1178553604"/>
       </p:ext>
     </p:extLst>
   </p:cSld>
@@ -1531,10 +1797,10 @@
       </p:sp>
       <p:sp>
         <p:nvSpPr>
-          <p:cNvPr id="6" name="Footer Placeholder 7">
+          <p:cNvPr id="5" name="Footer Placeholder 7">
             <a:extLst>
               <a:ext uri="{FF2B5EF4-FFF2-40B4-BE49-F238E27FC236}">
-                <a16:creationId xmlns:a16="http://schemas.microsoft.com/office/drawing/2014/main" id="{15EA5CA4-3987-4866-97D0-664471004D86}"/>
+                <a16:creationId xmlns:a16="http://schemas.microsoft.com/office/drawing/2014/main" id="{476F599B-13DF-C76B-3BF4-62D6409FD4CF}"/>
               </a:ext>
             </a:extLst>
           </p:cNvPr>
@@ -1547,8 +1813,8 @@
         </p:nvSpPr>
         <p:spPr>
           <a:xfrm>
-            <a:off x="-1" y="8847000"/>
-            <a:ext cx="6488999" cy="297000"/>
+            <a:off x="-1" y="8892000"/>
+            <a:ext cx="6488999" cy="252000"/>
           </a:xfrm>
           <a:prstGeom prst="rect">
             <a:avLst/>
@@ -1563,26 +1829,31 @@
           </a:lstStyle>
           <a:p>
             <a:r>
-              <a:rPr lang="en-US" dirty="0"/>
-              <a:t>© SoftUni – </a:t>
-            </a:r>
-            <a:r>
-              <a:rPr lang="en-US" u="sng" dirty="0">
+              <a:rPr lang="bg-BG" sz="1100" dirty="0"/>
+              <a:t>Работна група </a:t>
+            </a:r>
+            <a:r>
+              <a:rPr lang="bg-BG" dirty="0"/>
+              <a:t>"Образование по програмиране и ИТ"</a:t>
+            </a:r>
+            <a:r>
+              <a:rPr lang="bg-BG" sz="1100" dirty="0"/>
+              <a:t>, с подкрепата на </a:t>
+            </a:r>
+            <a:r>
+              <a:rPr lang="en-US" sz="1100" dirty="0">
                 <a:hlinkClick r:id="rId3"/>
               </a:rPr>
-              <a:t>https://softuni.org</a:t>
-            </a:r>
-            <a:r>
-              <a:rPr lang="en-US" dirty="0"/>
-              <a:t>. Copyrighted document. Unauthorized copy or reproduction is not permitted.</a:t>
-            </a:r>
+              <a:t>SoftUni</a:t>
+            </a:r>
+            <a:endParaRPr lang="en-US" sz="1100" dirty="0"/>
           </a:p>
         </p:txBody>
       </p:sp>
     </p:spTree>
     <p:extLst>
       <p:ext uri="{BB962C8B-B14F-4D97-AF65-F5344CB8AC3E}">
-        <p14:creationId xmlns:p14="http://schemas.microsoft.com/office/powerpoint/2010/main" val="483332985"/>
+        <p14:creationId xmlns:p14="http://schemas.microsoft.com/office/powerpoint/2010/main" val="108443228"/>
       </p:ext>
     </p:extLst>
   </p:cSld>
@@ -1666,10 +1937,10 @@
       </p:sp>
       <p:sp>
         <p:nvSpPr>
-          <p:cNvPr id="6" name="Footer Placeholder 7">
+          <p:cNvPr id="4" name="Footer Placeholder 7">
             <a:extLst>
               <a:ext uri="{FF2B5EF4-FFF2-40B4-BE49-F238E27FC236}">
-                <a16:creationId xmlns:a16="http://schemas.microsoft.com/office/drawing/2014/main" id="{02BE7A0F-30E1-4FF8-B305-1061A514F542}"/>
+                <a16:creationId xmlns:a16="http://schemas.microsoft.com/office/drawing/2014/main" id="{30D8BD6B-A765-8D3B-CE5E-D00FC8FB16B9}"/>
               </a:ext>
             </a:extLst>
           </p:cNvPr>
@@ -1682,8 +1953,8 @@
         </p:nvSpPr>
         <p:spPr>
           <a:xfrm>
-            <a:off x="-1" y="8847000"/>
-            <a:ext cx="6488999" cy="297000"/>
+            <a:off x="-1" y="8892000"/>
+            <a:ext cx="6488999" cy="252000"/>
           </a:xfrm>
           <a:prstGeom prst="rect">
             <a:avLst/>
@@ -1698,26 +1969,31 @@
           </a:lstStyle>
           <a:p>
             <a:r>
-              <a:rPr lang="en-US" dirty="0"/>
-              <a:t>© SoftUni – </a:t>
-            </a:r>
-            <a:r>
-              <a:rPr lang="en-US" u="sng" dirty="0">
+              <a:rPr lang="bg-BG" sz="1100" dirty="0"/>
+              <a:t>Работна група </a:t>
+            </a:r>
+            <a:r>
+              <a:rPr lang="bg-BG" dirty="0"/>
+              <a:t>"Образование по програмиране и ИТ"</a:t>
+            </a:r>
+            <a:r>
+              <a:rPr lang="bg-BG" sz="1100" dirty="0"/>
+              <a:t>, с подкрепата на </a:t>
+            </a:r>
+            <a:r>
+              <a:rPr lang="en-US" sz="1100" dirty="0">
                 <a:hlinkClick r:id="rId3"/>
               </a:rPr>
-              <a:t>https://softuni.org</a:t>
-            </a:r>
-            <a:r>
-              <a:rPr lang="en-US" dirty="0"/>
-              <a:t>. Copyrighted document. Unauthorized copy or reproduction is not permitted.</a:t>
-            </a:r>
+              <a:t>SoftUni</a:t>
+            </a:r>
+            <a:endParaRPr lang="en-US" sz="1100" dirty="0"/>
           </a:p>
         </p:txBody>
       </p:sp>
     </p:spTree>
     <p:extLst>
       <p:ext uri="{BB962C8B-B14F-4D97-AF65-F5344CB8AC3E}">
-        <p14:creationId xmlns:p14="http://schemas.microsoft.com/office/powerpoint/2010/main" val="312066889"/>
+        <p14:creationId xmlns:p14="http://schemas.microsoft.com/office/powerpoint/2010/main" val="3939501434"/>
       </p:ext>
     </p:extLst>
   </p:cSld>
@@ -1801,10 +2077,10 @@
       </p:sp>
       <p:sp>
         <p:nvSpPr>
-          <p:cNvPr id="6" name="Footer Placeholder 7">
+          <p:cNvPr id="5" name="Footer Placeholder 7">
             <a:extLst>
               <a:ext uri="{FF2B5EF4-FFF2-40B4-BE49-F238E27FC236}">
-                <a16:creationId xmlns:a16="http://schemas.microsoft.com/office/drawing/2014/main" id="{1F8B09E7-48B2-4964-86EF-E54893F6C1A6}"/>
+                <a16:creationId xmlns:a16="http://schemas.microsoft.com/office/drawing/2014/main" id="{28969710-A345-4C11-F14B-4E5B48FA82E0}"/>
               </a:ext>
             </a:extLst>
           </p:cNvPr>
@@ -1817,8 +2093,8 @@
         </p:nvSpPr>
         <p:spPr>
           <a:xfrm>
-            <a:off x="-1" y="8847000"/>
-            <a:ext cx="6488999" cy="297000"/>
+            <a:off x="-1" y="8892000"/>
+            <a:ext cx="6488999" cy="252000"/>
           </a:xfrm>
           <a:prstGeom prst="rect">
             <a:avLst/>
@@ -1833,26 +2109,31 @@
           </a:lstStyle>
           <a:p>
             <a:r>
-              <a:rPr lang="en-US" dirty="0"/>
-              <a:t>© SoftUni – </a:t>
-            </a:r>
-            <a:r>
-              <a:rPr lang="en-US" u="sng" dirty="0">
+              <a:rPr lang="bg-BG" sz="1100" dirty="0"/>
+              <a:t>Работна група </a:t>
+            </a:r>
+            <a:r>
+              <a:rPr lang="bg-BG" dirty="0"/>
+              <a:t>"Образование по програмиране и ИТ"</a:t>
+            </a:r>
+            <a:r>
+              <a:rPr lang="bg-BG" sz="1100" dirty="0"/>
+              <a:t>, с подкрепата на </a:t>
+            </a:r>
+            <a:r>
+              <a:rPr lang="en-US" sz="1100" dirty="0">
                 <a:hlinkClick r:id="rId3"/>
               </a:rPr>
-              <a:t>https://softuni.org</a:t>
-            </a:r>
-            <a:r>
-              <a:rPr lang="en-US" dirty="0"/>
-              <a:t>. Copyrighted document. Unauthorized copy or reproduction is not permitted.</a:t>
-            </a:r>
+              <a:t>SoftUni</a:t>
+            </a:r>
+            <a:endParaRPr lang="en-US" sz="1100" dirty="0"/>
           </a:p>
         </p:txBody>
       </p:sp>
     </p:spTree>
     <p:extLst>
       <p:ext uri="{BB962C8B-B14F-4D97-AF65-F5344CB8AC3E}">
-        <p14:creationId xmlns:p14="http://schemas.microsoft.com/office/powerpoint/2010/main" val="1594967942"/>
+        <p14:creationId xmlns:p14="http://schemas.microsoft.com/office/powerpoint/2010/main" val="357946985"/>
       </p:ext>
     </p:extLst>
   </p:cSld>
@@ -1936,10 +2217,10 @@
       </p:sp>
       <p:sp>
         <p:nvSpPr>
-          <p:cNvPr id="6" name="Footer Placeholder 7">
+          <p:cNvPr id="4" name="Footer Placeholder 7">
             <a:extLst>
               <a:ext uri="{FF2B5EF4-FFF2-40B4-BE49-F238E27FC236}">
-                <a16:creationId xmlns:a16="http://schemas.microsoft.com/office/drawing/2014/main" id="{FCF2D31C-452D-42BA-BEFE-1D2C2FC63794}"/>
+                <a16:creationId xmlns:a16="http://schemas.microsoft.com/office/drawing/2014/main" id="{1B973BAB-61A5-BFE4-EB85-E83AA13E5857}"/>
               </a:ext>
             </a:extLst>
           </p:cNvPr>
@@ -1952,8 +2233,8 @@
         </p:nvSpPr>
         <p:spPr>
           <a:xfrm>
-            <a:off x="-1" y="8847000"/>
-            <a:ext cx="6488999" cy="297000"/>
+            <a:off x="-1" y="8892000"/>
+            <a:ext cx="6488999" cy="252000"/>
           </a:xfrm>
           <a:prstGeom prst="rect">
             <a:avLst/>
@@ -1968,26 +2249,31 @@
           </a:lstStyle>
           <a:p>
             <a:r>
-              <a:rPr lang="en-US" dirty="0"/>
-              <a:t>© SoftUni – </a:t>
-            </a:r>
-            <a:r>
-              <a:rPr lang="en-US" u="sng" dirty="0">
+              <a:rPr lang="bg-BG" sz="1100" dirty="0"/>
+              <a:t>Работна група </a:t>
+            </a:r>
+            <a:r>
+              <a:rPr lang="bg-BG" dirty="0"/>
+              <a:t>"Образование по програмиране и ИТ"</a:t>
+            </a:r>
+            <a:r>
+              <a:rPr lang="bg-BG" sz="1100" dirty="0"/>
+              <a:t>, с подкрепата на </a:t>
+            </a:r>
+            <a:r>
+              <a:rPr lang="en-US" sz="1100" dirty="0">
                 <a:hlinkClick r:id="rId3"/>
               </a:rPr>
-              <a:t>https://softuni.org</a:t>
-            </a:r>
-            <a:r>
-              <a:rPr lang="en-US" dirty="0"/>
-              <a:t>. Copyrighted document. Unauthorized copy or reproduction is not permitted.</a:t>
-            </a:r>
+              <a:t>SoftUni</a:t>
+            </a:r>
+            <a:endParaRPr lang="en-US" sz="1100" dirty="0"/>
           </a:p>
         </p:txBody>
       </p:sp>
     </p:spTree>
     <p:extLst>
       <p:ext uri="{BB962C8B-B14F-4D97-AF65-F5344CB8AC3E}">
-        <p14:creationId xmlns:p14="http://schemas.microsoft.com/office/powerpoint/2010/main" val="3889992924"/>
+        <p14:creationId xmlns:p14="http://schemas.microsoft.com/office/powerpoint/2010/main" val="393302927"/>
       </p:ext>
     </p:extLst>
   </p:cSld>
@@ -2016,7 +2302,7 @@
       </p:grpSpPr>
       <p:sp>
         <p:nvSpPr>
-          <p:cNvPr id="2" name="Slide Image Placeholder 1"/>
+          <p:cNvPr id="2" name="Контейнер за изображение на слайда 1"/>
           <p:cNvSpPr>
             <a:spLocks noGrp="1" noRot="1" noChangeAspect="1"/>
           </p:cNvSpPr>
@@ -2028,7 +2314,7 @@
       </p:sp>
       <p:sp>
         <p:nvSpPr>
-          <p:cNvPr id="3" name="Notes Placeholder 2"/>
+          <p:cNvPr id="3" name="Контейнер за бележки 2"/>
           <p:cNvSpPr>
             <a:spLocks noGrp="1"/>
           </p:cNvSpPr>
@@ -2041,18 +2327,18 @@
           <a:bodyPr/>
           <a:lstStyle/>
           <a:p>
-            <a:endParaRPr lang="en-US" dirty="0"/>
+            <a:endParaRPr lang="bg-BG" dirty="0"/>
           </a:p>
         </p:txBody>
       </p:sp>
       <p:sp>
         <p:nvSpPr>
-          <p:cNvPr id="5" name="Slide Number Placeholder 4"/>
+          <p:cNvPr id="4" name="Контейнер за номер на слайда 3"/>
           <p:cNvSpPr>
             <a:spLocks noGrp="1"/>
           </p:cNvSpPr>
           <p:nvPr>
-            <p:ph type="sldNum" sz="quarter" idx="11"/>
+            <p:ph type="sldNum" sz="quarter" idx="5"/>
           </p:nvPr>
         </p:nvSpPr>
         <p:spPr/>
@@ -2060,10 +2346,9 @@
           <a:bodyPr/>
           <a:lstStyle/>
           <a:p>
-            <a:fld id="{3EBA5BD7-F043-4D1B-AA17-CD412FC534DE}" type="slidenum">
+            <a:fld id="{2BF067CD-8E6B-4360-9AA8-C5DF2A48A6D1}" type="slidenum">
               <a:rPr lang="en-US" smtClean="0"/>
-              <a:pPr/>
-              <a:t>34</a:t>
+              <a:t>33</a:t>
             </a:fld>
             <a:endParaRPr lang="en-US" dirty="0"/>
           </a:p>
@@ -2071,13 +2356,7 @@
       </p:sp>
       <p:sp>
         <p:nvSpPr>
-          <p:cNvPr id="6" name="Footer Placeholder 7">
-            <a:extLst>
-              <a:ext uri="{FF2B5EF4-FFF2-40B4-BE49-F238E27FC236}">
-                <a16:creationId xmlns:a16="http://schemas.microsoft.com/office/drawing/2014/main" id="{7A74A933-AA1F-4169-8E52-672F4D172817}"/>
-              </a:ext>
-            </a:extLst>
-          </p:cNvPr>
+          <p:cNvPr id="5" name="Контейнер за долния колонтитул 4"/>
           <p:cNvSpPr>
             <a:spLocks noGrp="1"/>
           </p:cNvSpPr>
@@ -2085,44 +2364,37 @@
             <p:ph type="ftr" sz="quarter" idx="4"/>
           </p:nvPr>
         </p:nvSpPr>
-        <p:spPr>
-          <a:xfrm>
-            <a:off x="-1" y="8847000"/>
-            <a:ext cx="6488999" cy="297000"/>
-          </a:xfrm>
-          <a:prstGeom prst="rect">
-            <a:avLst/>
-          </a:prstGeom>
-        </p:spPr>
+        <p:spPr/>
         <p:txBody>
-          <a:bodyPr vert="horz" lIns="91440" tIns="45720" rIns="91440" bIns="45720" rtlCol="0" anchor="b"/>
-          <a:lstStyle>
-            <a:lvl1pPr algn="l">
-              <a:defRPr sz="1100"/>
-            </a:lvl1pPr>
-          </a:lstStyle>
-          <a:p>
-            <a:r>
-              <a:rPr lang="en-US" dirty="0"/>
-              <a:t>© SoftUni – </a:t>
-            </a:r>
-            <a:r>
-              <a:rPr lang="en-US" u="sng" dirty="0">
+          <a:bodyPr/>
+          <a:lstStyle/>
+          <a:p>
+            <a:r>
+              <a:rPr lang="bg-BG" sz="1100"/>
+              <a:t>Работна група </a:t>
+            </a:r>
+            <a:r>
+              <a:rPr lang="bg-BG"/>
+              <a:t>"Образование по програмиране и ИТ"</a:t>
+            </a:r>
+            <a:r>
+              <a:rPr lang="bg-BG" sz="1100"/>
+              <a:t>, с подкрепата на </a:t>
+            </a:r>
+            <a:r>
+              <a:rPr lang="en-US" sz="1100">
                 <a:hlinkClick r:id="rId3"/>
               </a:rPr>
-              <a:t>https://softuni.org</a:t>
-            </a:r>
-            <a:r>
-              <a:rPr lang="en-US" dirty="0"/>
-              <a:t>. Copyrighted document. Unauthorized copy or reproduction is not permitted.</a:t>
-            </a:r>
+              <a:t>SoftUni</a:t>
+            </a:r>
+            <a:endParaRPr lang="en-US" sz="1100" dirty="0"/>
           </a:p>
         </p:txBody>
       </p:sp>
     </p:spTree>
     <p:extLst>
       <p:ext uri="{BB962C8B-B14F-4D97-AF65-F5344CB8AC3E}">
-        <p14:creationId xmlns:p14="http://schemas.microsoft.com/office/powerpoint/2010/main" val="1542539761"/>
+        <p14:creationId xmlns:p14="http://schemas.microsoft.com/office/powerpoint/2010/main" val="3629234961"/>
       </p:ext>
     </p:extLst>
   </p:cSld>
@@ -2182,129 +2454,23 @@
       </p:sp>
       <p:sp>
         <p:nvSpPr>
-          <p:cNvPr id="7" name="Slide Number Placeholder 5">
-            <a:extLst>
-              <a:ext uri="{FF2B5EF4-FFF2-40B4-BE49-F238E27FC236}">
-                <a16:creationId xmlns:a16="http://schemas.microsoft.com/office/drawing/2014/main" id="{5049B984-F964-47FF-8179-0A3007CE21CD}"/>
-              </a:ext>
-            </a:extLst>
-          </p:cNvPr>
-          <p:cNvSpPr txBox="1">
-            <a:spLocks/>
+          <p:cNvPr id="5" name="Slide Number Placeholder 4"/>
+          <p:cNvSpPr>
+            <a:spLocks noGrp="1"/>
           </p:cNvSpPr>
-          <p:nvPr/>
+          <p:nvPr>
+            <p:ph type="sldNum" sz="quarter" idx="11"/>
+          </p:nvPr>
         </p:nvSpPr>
-        <p:spPr>
-          <a:xfrm>
-            <a:off x="6488999" y="8847000"/>
-            <a:ext cx="367414" cy="297000"/>
-          </a:xfrm>
-          <a:prstGeom prst="rect">
-            <a:avLst/>
-          </a:prstGeom>
-        </p:spPr>
+        <p:spPr/>
         <p:txBody>
-          <a:bodyPr vert="horz" lIns="91440" tIns="45720" rIns="91440" bIns="45720" rtlCol="0" anchor="b"/>
-          <a:lstStyle>
-            <a:defPPr>
-              <a:defRPr lang="en-US"/>
-            </a:defPPr>
-            <a:lvl1pPr marL="0" algn="r" defTabSz="914400" rtl="0" eaLnBrk="1" latinLnBrk="0" hangingPunct="1">
-              <a:defRPr sz="1200" kern="1200">
-                <a:solidFill>
-                  <a:schemeClr val="tx1"/>
-                </a:solidFill>
-                <a:latin typeface="+mn-lt"/>
-                <a:ea typeface="+mn-ea"/>
-                <a:cs typeface="+mn-cs"/>
-              </a:defRPr>
-            </a:lvl1pPr>
-            <a:lvl2pPr marL="457200" algn="l" defTabSz="914400" rtl="0" eaLnBrk="1" latinLnBrk="0" hangingPunct="1">
-              <a:defRPr sz="1800" kern="1200">
-                <a:solidFill>
-                  <a:schemeClr val="tx1"/>
-                </a:solidFill>
-                <a:latin typeface="+mn-lt"/>
-                <a:ea typeface="+mn-ea"/>
-                <a:cs typeface="+mn-cs"/>
-              </a:defRPr>
-            </a:lvl2pPr>
-            <a:lvl3pPr marL="914400" algn="l" defTabSz="914400" rtl="0" eaLnBrk="1" latinLnBrk="0" hangingPunct="1">
-              <a:defRPr sz="1800" kern="1200">
-                <a:solidFill>
-                  <a:schemeClr val="tx1"/>
-                </a:solidFill>
-                <a:latin typeface="+mn-lt"/>
-                <a:ea typeface="+mn-ea"/>
-                <a:cs typeface="+mn-cs"/>
-              </a:defRPr>
-            </a:lvl3pPr>
-            <a:lvl4pPr marL="1371600" algn="l" defTabSz="914400" rtl="0" eaLnBrk="1" latinLnBrk="0" hangingPunct="1">
-              <a:defRPr sz="1800" kern="1200">
-                <a:solidFill>
-                  <a:schemeClr val="tx1"/>
-                </a:solidFill>
-                <a:latin typeface="+mn-lt"/>
-                <a:ea typeface="+mn-ea"/>
-                <a:cs typeface="+mn-cs"/>
-              </a:defRPr>
-            </a:lvl4pPr>
-            <a:lvl5pPr marL="1828800" algn="l" defTabSz="914400" rtl="0" eaLnBrk="1" latinLnBrk="0" hangingPunct="1">
-              <a:defRPr sz="1800" kern="1200">
-                <a:solidFill>
-                  <a:schemeClr val="tx1"/>
-                </a:solidFill>
-                <a:latin typeface="+mn-lt"/>
-                <a:ea typeface="+mn-ea"/>
-                <a:cs typeface="+mn-cs"/>
-              </a:defRPr>
-            </a:lvl5pPr>
-            <a:lvl6pPr marL="2286000" algn="l" defTabSz="914400" rtl="0" eaLnBrk="1" latinLnBrk="0" hangingPunct="1">
-              <a:defRPr sz="1800" kern="1200">
-                <a:solidFill>
-                  <a:schemeClr val="tx1"/>
-                </a:solidFill>
-                <a:latin typeface="+mn-lt"/>
-                <a:ea typeface="+mn-ea"/>
-                <a:cs typeface="+mn-cs"/>
-              </a:defRPr>
-            </a:lvl6pPr>
-            <a:lvl7pPr marL="2743200" algn="l" defTabSz="914400" rtl="0" eaLnBrk="1" latinLnBrk="0" hangingPunct="1">
-              <a:defRPr sz="1800" kern="1200">
-                <a:solidFill>
-                  <a:schemeClr val="tx1"/>
-                </a:solidFill>
-                <a:latin typeface="+mn-lt"/>
-                <a:ea typeface="+mn-ea"/>
-                <a:cs typeface="+mn-cs"/>
-              </a:defRPr>
-            </a:lvl7pPr>
-            <a:lvl8pPr marL="3200400" algn="l" defTabSz="914400" rtl="0" eaLnBrk="1" latinLnBrk="0" hangingPunct="1">
-              <a:defRPr sz="1800" kern="1200">
-                <a:solidFill>
-                  <a:schemeClr val="tx1"/>
-                </a:solidFill>
-                <a:latin typeface="+mn-lt"/>
-                <a:ea typeface="+mn-ea"/>
-                <a:cs typeface="+mn-cs"/>
-              </a:defRPr>
-            </a:lvl8pPr>
-            <a:lvl9pPr marL="3657600" algn="l" defTabSz="914400" rtl="0" eaLnBrk="1" latinLnBrk="0" hangingPunct="1">
-              <a:defRPr sz="1800" kern="1200">
-                <a:solidFill>
-                  <a:schemeClr val="tx1"/>
-                </a:solidFill>
-                <a:latin typeface="+mn-lt"/>
-                <a:ea typeface="+mn-ea"/>
-                <a:cs typeface="+mn-cs"/>
-              </a:defRPr>
-            </a:lvl9pPr>
-          </a:lstStyle>
+          <a:bodyPr/>
+          <a:lstStyle/>
           <a:p>
             <a:fld id="{3EBA5BD7-F043-4D1B-AA17-CD412FC534DE}" type="slidenum">
               <a:rPr lang="en-US" smtClean="0"/>
               <a:pPr/>
-              <a:t>35</a:t>
+              <a:t>34</a:t>
             </a:fld>
             <a:endParaRPr lang="en-US" dirty="0"/>
           </a:p>
@@ -2312,10 +2478,10 @@
       </p:sp>
       <p:sp>
         <p:nvSpPr>
-          <p:cNvPr id="6" name="Footer Placeholder 7">
+          <p:cNvPr id="4" name="Footer Placeholder 7">
             <a:extLst>
               <a:ext uri="{FF2B5EF4-FFF2-40B4-BE49-F238E27FC236}">
-                <a16:creationId xmlns:a16="http://schemas.microsoft.com/office/drawing/2014/main" id="{9CFE5E97-8D68-4134-8407-17031A0C4EE4}"/>
+                <a16:creationId xmlns:a16="http://schemas.microsoft.com/office/drawing/2014/main" id="{F8524429-6884-5EC9-65BF-FED6A6906602}"/>
               </a:ext>
             </a:extLst>
           </p:cNvPr>
@@ -2328,8 +2494,8 @@
         </p:nvSpPr>
         <p:spPr>
           <a:xfrm>
-            <a:off x="-1" y="8847000"/>
-            <a:ext cx="6488999" cy="297000"/>
+            <a:off x="-1" y="8892000"/>
+            <a:ext cx="6488999" cy="252000"/>
           </a:xfrm>
           <a:prstGeom prst="rect">
             <a:avLst/>
@@ -2344,26 +2510,31 @@
           </a:lstStyle>
           <a:p>
             <a:r>
-              <a:rPr lang="en-US" dirty="0"/>
-              <a:t>© SoftUni – </a:t>
-            </a:r>
-            <a:r>
-              <a:rPr lang="en-US" u="sng" dirty="0">
+              <a:rPr lang="bg-BG" sz="1100" dirty="0"/>
+              <a:t>Работна група </a:t>
+            </a:r>
+            <a:r>
+              <a:rPr lang="bg-BG" dirty="0"/>
+              <a:t>"Образование по програмиране и ИТ"</a:t>
+            </a:r>
+            <a:r>
+              <a:rPr lang="bg-BG" sz="1100" dirty="0"/>
+              <a:t>, с подкрепата на </a:t>
+            </a:r>
+            <a:r>
+              <a:rPr lang="en-US" sz="1100" dirty="0">
                 <a:hlinkClick r:id="rId3"/>
               </a:rPr>
-              <a:t>https://softuni.org</a:t>
-            </a:r>
-            <a:r>
-              <a:rPr lang="en-US" dirty="0"/>
-              <a:t>. Copyrighted document. Unauthorized copy or reproduction is not permitted.</a:t>
-            </a:r>
+              <a:t>SoftUni</a:t>
+            </a:r>
+            <a:endParaRPr lang="en-US" sz="1100" dirty="0"/>
           </a:p>
         </p:txBody>
       </p:sp>
     </p:spTree>
     <p:extLst>
       <p:ext uri="{BB962C8B-B14F-4D97-AF65-F5344CB8AC3E}">
-        <p14:creationId xmlns:p14="http://schemas.microsoft.com/office/powerpoint/2010/main" val="93676303"/>
+        <p14:creationId xmlns:p14="http://schemas.microsoft.com/office/powerpoint/2010/main" val="3934197255"/>
       </p:ext>
     </p:extLst>
   </p:cSld>
@@ -2374,7 +2545,7 @@
 </file>
 
 <file path=ppt/slideLayouts/slideLayout1.xml><?xml version="1.0" encoding="utf-8"?>
-<p:sldLayout xmlns:a="http://schemas.openxmlformats.org/drawingml/2006/main" xmlns:r="http://schemas.openxmlformats.org/officeDocument/2006/relationships" xmlns:p="http://schemas.openxmlformats.org/presentationml/2006/main" preserve="1">
+<p:sldLayout xmlns:a="http://schemas.openxmlformats.org/drawingml/2006/main" xmlns:r="http://schemas.openxmlformats.org/officeDocument/2006/relationships" xmlns:p="http://schemas.openxmlformats.org/presentationml/2006/main" preserve="1" userDrawn="1">
   <p:cSld name="Presentation Title Slide">
     <p:spTree>
       <p:nvGrpSpPr>
@@ -2400,7 +2571,7 @@
             </a:extLst>
           </p:cNvPr>
           <p:cNvSpPr/>
-          <p:nvPr/>
+          <p:nvPr userDrawn="1"/>
         </p:nvSpPr>
         <p:spPr>
           <a:xfrm>
@@ -2454,7 +2625,7 @@
               <a:tabLst/>
               <a:defRPr/>
             </a:pPr>
-            <a:endParaRPr kumimoji="0" lang="en-US" altLang="ko-KR" sz="2398" b="0" i="0" u="none" strike="noStrike" kern="1200" cap="none" spc="0" normalizeH="0" baseline="0" noProof="0" dirty="0">
+            <a:endParaRPr kumimoji="0" lang="en-US" altLang="ko-KR" sz="2398" b="0" i="0" u="none" strike="noStrike" kern="1200" cap="none" spc="0" normalizeH="0" baseline="0" noProof="0">
               <a:ln>
                 <a:noFill/>
               </a:ln>
@@ -2471,55 +2642,139 @@
           </a:p>
         </p:txBody>
       </p:sp>
-      <p:pic>
-        <p:nvPicPr>
-          <p:cNvPr id="14" name="Picture Logo SoftUni" descr="SoftUni logo">
+      <p:sp>
+        <p:nvSpPr>
+          <p:cNvPr id="33" name="Picture Placeholder Title Image">
             <a:extLst>
               <a:ext uri="{FF2B5EF4-FFF2-40B4-BE49-F238E27FC236}">
-                <a16:creationId xmlns:a16="http://schemas.microsoft.com/office/drawing/2014/main" id="{C4D6B2A2-DFF0-4712-BFEC-6676BEC99FEC}"/>
+                <a16:creationId xmlns:a16="http://schemas.microsoft.com/office/drawing/2014/main" id="{A04D819A-89E2-4714-8C56-1838BF467EF7}"/>
               </a:ext>
             </a:extLst>
           </p:cNvPr>
-          <p:cNvPicPr>
-            <a:picLocks noChangeAspect="1"/>
-          </p:cNvPicPr>
-          <p:nvPr userDrawn="1"/>
-        </p:nvPicPr>
-        <p:blipFill>
-          <a:blip r:embed="rId2">
-            <a:clrChange>
-              <a:clrFrom>
-                <a:srgbClr val="FFFFFF"/>
-              </a:clrFrom>
-              <a:clrTo>
-                <a:srgbClr val="FFFFFF">
-                  <a:alpha val="0"/>
-                </a:srgbClr>
-              </a:clrTo>
-            </a:clrChange>
+          <p:cNvSpPr>
+            <a:spLocks noGrp="1"/>
+          </p:cNvSpPr>
+          <p:nvPr>
+            <p:ph type="pic" sz="quarter" idx="10"/>
+          </p:nvPr>
+        </p:nvSpPr>
+        <p:spPr>
+          <a:xfrm>
+            <a:off x="6390123" y="3400017"/>
+            <a:ext cx="5248260" cy="2188983"/>
+          </a:xfrm>
+        </p:spPr>
+        <p:txBody>
+          <a:bodyPr/>
+          <a:lstStyle>
+            <a:lvl1pPr marL="0" indent="0" algn="ctr" latinLnBrk="0">
+              <a:buNone/>
+              <a:defRPr>
+                <a:solidFill>
+                  <a:schemeClr val="bg1"/>
+                </a:solidFill>
+              </a:defRPr>
+            </a:lvl1pPr>
+          </a:lstStyle>
+          <a:p>
+            <a:r>
+              <a:rPr lang="en-US" noProof="0" dirty="0"/>
+              <a:t>Click icon to add picture</a:t>
+            </a:r>
+          </a:p>
+        </p:txBody>
+      </p:sp>
+      <p:sp>
+        <p:nvSpPr>
+          <p:cNvPr id="10" name="Company Web Site">
             <a:extLst>
-              <a:ext uri="{28A0092B-C50C-407E-A947-70E740481C1C}">
-                <a14:useLocalDpi xmlns:a14="http://schemas.microsoft.com/office/drawing/2010/main" val="0"/>
+              <a:ext uri="{FF2B5EF4-FFF2-40B4-BE49-F238E27FC236}">
+                <a16:creationId xmlns:a16="http://schemas.microsoft.com/office/drawing/2014/main" id="{0B99B1EE-62FA-4AA4-920C-D444D6C0B778}"/>
               </a:ext>
             </a:extLst>
-          </a:blip>
-          <a:stretch>
-            <a:fillRect/>
-          </a:stretch>
-        </p:blipFill>
+          </p:cNvPr>
+          <p:cNvSpPr>
+            <a:spLocks noGrp="1"/>
+          </p:cNvSpPr>
+          <p:nvPr>
+            <p:ph type="body" sz="quarter" idx="22" hasCustomPrompt="1"/>
+          </p:nvPr>
+        </p:nvSpPr>
         <p:spPr>
           <a:xfrm>
-            <a:off x="4324460" y="5184000"/>
-            <a:ext cx="3751540" cy="1297655"/>
+            <a:off x="6390120" y="6086106"/>
+            <a:ext cx="5248260" cy="341313"/>
           </a:xfrm>
-          <a:prstGeom prst="rect">
-            <a:avLst/>
-          </a:prstGeom>
         </p:spPr>
-      </p:pic>
+        <p:txBody>
+          <a:bodyPr lIns="36000" rIns="36000" anchor="ctr" anchorCtr="0">
+            <a:noAutofit/>
+          </a:bodyPr>
+          <a:lstStyle>
+            <a:lvl1pPr marL="0" indent="0" algn="r">
+              <a:buNone/>
+              <a:defRPr sz="1800"/>
+            </a:lvl1pPr>
+          </a:lstStyle>
+          <a:p>
+            <a:pPr lvl="0"/>
+            <a:r>
+              <a:rPr lang="en-US" dirty="0"/>
+              <a:t>https://softuni.foundation  </a:t>
+            </a:r>
+          </a:p>
+        </p:txBody>
+      </p:sp>
       <p:sp>
         <p:nvSpPr>
-          <p:cNvPr id="31" name="Text Placeholder Company Site">
+          <p:cNvPr id="6" name="Company Name">
+            <a:extLst>
+              <a:ext uri="{FF2B5EF4-FFF2-40B4-BE49-F238E27FC236}">
+                <a16:creationId xmlns:a16="http://schemas.microsoft.com/office/drawing/2014/main" id="{2A76510A-0BAE-A827-E77C-BE88E38F52AA}"/>
+              </a:ext>
+            </a:extLst>
+          </p:cNvPr>
+          <p:cNvSpPr>
+            <a:spLocks noGrp="1"/>
+          </p:cNvSpPr>
+          <p:nvPr>
+            <p:ph type="body" sz="quarter" idx="21" hasCustomPrompt="1"/>
+          </p:nvPr>
+        </p:nvSpPr>
+        <p:spPr>
+          <a:xfrm>
+            <a:off x="6390122" y="5698189"/>
+            <a:ext cx="5248260" cy="374236"/>
+          </a:xfrm>
+        </p:spPr>
+        <p:txBody>
+          <a:bodyPr lIns="36000" rIns="36000" anchor="ctr" anchorCtr="0">
+            <a:normAutofit/>
+          </a:bodyPr>
+          <a:lstStyle>
+            <a:lvl1pPr marL="0" indent="0" algn="r">
+              <a:buNone/>
+              <a:defRPr sz="2000" b="1">
+                <a:solidFill>
+                  <a:schemeClr val="tx1">
+                    <a:lumMod val="75000"/>
+                  </a:schemeClr>
+                </a:solidFill>
+              </a:defRPr>
+            </a:lvl1pPr>
+          </a:lstStyle>
+          <a:p>
+            <a:pPr lvl="0"/>
+            <a:r>
+              <a:rPr lang="en-US" dirty="0"/>
+              <a:t>SoftUni Foundation</a:t>
+            </a:r>
+          </a:p>
+        </p:txBody>
+      </p:sp>
+      <p:sp>
+        <p:nvSpPr>
+          <p:cNvPr id="31" name="Author Position">
             <a:extLst>
               <a:ext uri="{FF2B5EF4-FFF2-40B4-BE49-F238E27FC236}">
                 <a16:creationId xmlns:a16="http://schemas.microsoft.com/office/drawing/2014/main" id="{3E6B87B7-9D33-4EBB-BD4F-C0436BA3FD72}"/>
@@ -2535,274 +2790,8 @@
         </p:nvSpPr>
         <p:spPr bwMode="auto">
           <a:xfrm>
-            <a:off x="8708505" y="6130863"/>
-            <a:ext cx="2951518" cy="341556"/>
-          </a:xfrm>
-          <a:prstGeom prst="rect">
-            <a:avLst/>
-          </a:prstGeom>
-          <a:noFill/>
-          <a:effectLst/>
-        </p:spPr>
-        <p:txBody>
-          <a:bodyPr wrap="square" lIns="36000" tIns="36000" rIns="36000" bIns="36000" rtlCol="0" anchor="ctr" anchorCtr="0">
-            <a:noAutofit/>
-          </a:bodyPr>
-          <a:lstStyle>
-            <a:lvl1pPr marL="0" indent="0" algn="r" rtl="0" fontAlgn="base" latinLnBrk="0">
-              <a:spcBef>
-                <a:spcPct val="0"/>
-              </a:spcBef>
-              <a:spcAft>
-                <a:spcPct val="0"/>
-              </a:spcAft>
-              <a:buNone/>
-              <a:defRPr lang="en-US" sz="1798" b="1" kern="1200" dirty="0" smtClean="0">
-                <a:solidFill>
-                  <a:schemeClr val="tx1">
-                    <a:lumMod val="75000"/>
-                  </a:schemeClr>
-                </a:solidFill>
-                <a:effectLst/>
-                <a:latin typeface="+mn-lt"/>
-                <a:ea typeface="+mn-ea"/>
-                <a:cs typeface="+mn-cs"/>
-              </a:defRPr>
-            </a:lvl1pPr>
-          </a:lstStyle>
-          <a:p>
-            <a:pPr lvl="0"/>
-            <a:r>
-              <a:rPr lang="en-US" noProof="0" dirty="0"/>
-              <a:t>Company Web Site</a:t>
-            </a:r>
-          </a:p>
-        </p:txBody>
-      </p:sp>
-      <p:sp>
-        <p:nvSpPr>
-          <p:cNvPr id="30" name="Text Placeholder Company Name">
-            <a:extLst>
-              <a:ext uri="{FF2B5EF4-FFF2-40B4-BE49-F238E27FC236}">
-                <a16:creationId xmlns:a16="http://schemas.microsoft.com/office/drawing/2014/main" id="{2EA92DCA-4DB5-4D03-ACD3-A6A296592D0C}"/>
-              </a:ext>
-            </a:extLst>
-          </p:cNvPr>
-          <p:cNvSpPr>
-            <a:spLocks noGrp="1"/>
-          </p:cNvSpPr>
-          <p:nvPr>
-            <p:ph type="body" sz="quarter" idx="17" hasCustomPrompt="1"/>
-          </p:nvPr>
-        </p:nvSpPr>
-        <p:spPr bwMode="auto">
-          <a:xfrm>
-            <a:off x="8708505" y="5756628"/>
-            <a:ext cx="2951518" cy="367080"/>
-          </a:xfrm>
-          <a:prstGeom prst="rect">
-            <a:avLst/>
-          </a:prstGeom>
-          <a:noFill/>
-          <a:effectLst/>
-        </p:spPr>
-        <p:txBody>
-          <a:bodyPr wrap="square" lIns="36000" tIns="36000" rIns="36000" bIns="36000" rtlCol="0" anchor="ctr" anchorCtr="0">
-            <a:noAutofit/>
-          </a:bodyPr>
-          <a:lstStyle>
-            <a:lvl1pPr marL="0" indent="0" algn="r" rtl="0" fontAlgn="base" latinLnBrk="0">
-              <a:spcBef>
-                <a:spcPct val="0"/>
-              </a:spcBef>
-              <a:spcAft>
-                <a:spcPct val="0"/>
-              </a:spcAft>
-              <a:buNone/>
-              <a:defRPr lang="en-US" sz="1998" b="1" kern="1200" dirty="0" smtClean="0">
-                <a:solidFill>
-                  <a:schemeClr val="tx1">
-                    <a:lumMod val="75000"/>
-                  </a:schemeClr>
-                </a:solidFill>
-                <a:effectLst/>
-                <a:latin typeface="+mn-lt"/>
-                <a:ea typeface="+mn-ea"/>
-                <a:cs typeface="+mn-cs"/>
-              </a:defRPr>
-            </a:lvl1pPr>
-          </a:lstStyle>
-          <a:p>
-            <a:pPr lvl="0"/>
-            <a:r>
-              <a:rPr lang="en-US" noProof="0" dirty="0"/>
-              <a:t>Company Name</a:t>
-            </a:r>
-          </a:p>
-        </p:txBody>
-      </p:sp>
-      <p:pic>
-        <p:nvPicPr>
-          <p:cNvPr id="35" name="Picture SoftUni Mascot" descr="SoftUni mascot">
-            <a:extLst>
-              <a:ext uri="{FF2B5EF4-FFF2-40B4-BE49-F238E27FC236}">
-                <a16:creationId xmlns:a16="http://schemas.microsoft.com/office/drawing/2014/main" id="{951E7DA9-C5F0-43D9-B013-3BDF9EEF029D}"/>
-              </a:ext>
-            </a:extLst>
-          </p:cNvPr>
-          <p:cNvPicPr>
-            <a:picLocks noChangeAspect="1"/>
-          </p:cNvPicPr>
-          <p:nvPr/>
-        </p:nvPicPr>
-        <p:blipFill rotWithShape="1">
-          <a:blip r:embed="rId3" cstate="print">
-            <a:extLst>
-              <a:ext uri="{28A0092B-C50C-407E-A947-70E740481C1C}">
-                <a14:useLocalDpi xmlns:a14="http://schemas.microsoft.com/office/drawing/2010/main" val="0"/>
-              </a:ext>
-            </a:extLst>
-          </a:blip>
-          <a:srcRect/>
-          <a:stretch/>
-        </p:blipFill>
-        <p:spPr>
-          <a:xfrm flipH="1">
-            <a:off x="8848924" y="2609644"/>
-            <a:ext cx="2788893" cy="3018284"/>
-          </a:xfrm>
-          <a:prstGeom prst="rect">
-            <a:avLst/>
-          </a:prstGeom>
-        </p:spPr>
-      </p:pic>
-      <p:pic>
-        <p:nvPicPr>
-          <p:cNvPr id="22" name="Picture Logo Software University" descr="Software University logo">
-            <a:hlinkClick r:id="rId4"/>
-            <a:extLst>
-              <a:ext uri="{FF2B5EF4-FFF2-40B4-BE49-F238E27FC236}">
-                <a16:creationId xmlns:a16="http://schemas.microsoft.com/office/drawing/2014/main" id="{F2315EB3-3FE4-4D3B-921E-5F209CEC13CB}"/>
-              </a:ext>
-            </a:extLst>
-          </p:cNvPr>
-          <p:cNvPicPr>
-            <a:picLocks noChangeAspect="1"/>
-          </p:cNvPicPr>
-          <p:nvPr userDrawn="1"/>
-        </p:nvPicPr>
-        <p:blipFill>
-          <a:blip r:embed="rId5">
-            <a:clrChange>
-              <a:clrFrom>
-                <a:srgbClr val="FFFFFF"/>
-              </a:clrFrom>
-              <a:clrTo>
-                <a:srgbClr val="FFFFFF">
-                  <a:alpha val="0"/>
-                </a:srgbClr>
-              </a:clrTo>
-            </a:clrChange>
-            <a:extLst>
-              <a:ext uri="{28A0092B-C50C-407E-A947-70E740481C1C}">
-                <a14:useLocalDpi xmlns:a14="http://schemas.microsoft.com/office/drawing/2010/main" val="0"/>
-              </a:ext>
-            </a:extLst>
-          </a:blip>
-          <a:stretch>
-            <a:fillRect/>
-          </a:stretch>
-        </p:blipFill>
-        <p:spPr>
-          <a:xfrm>
-            <a:off x="507944" y="5918567"/>
-            <a:ext cx="1830305" cy="628159"/>
-          </a:xfrm>
-          <a:prstGeom prst="rect">
-            <a:avLst/>
-          </a:prstGeom>
-        </p:spPr>
-      </p:pic>
-      <p:sp>
-        <p:nvSpPr>
-          <p:cNvPr id="40" name="Text Placeholder Author Position">
-            <a:extLst>
-              <a:ext uri="{FF2B5EF4-FFF2-40B4-BE49-F238E27FC236}">
-                <a16:creationId xmlns:a16="http://schemas.microsoft.com/office/drawing/2014/main" id="{CD940256-851E-46C8-8BFB-A5ECA6C7DA07}"/>
-              </a:ext>
-            </a:extLst>
-          </p:cNvPr>
-          <p:cNvSpPr>
-            <a:spLocks noGrp="1"/>
-          </p:cNvSpPr>
-          <p:nvPr>
-            <p:ph type="body" sz="quarter" idx="20" hasCustomPrompt="1"/>
-          </p:nvPr>
-        </p:nvSpPr>
-        <p:spPr bwMode="auto">
-          <a:xfrm>
-            <a:off x="553082" y="5344180"/>
-            <a:ext cx="2980696" cy="444793"/>
-          </a:xfrm>
-          <a:prstGeom prst="rect">
-            <a:avLst/>
-          </a:prstGeom>
-          <a:noFill/>
-          <a:effectLst/>
-        </p:spPr>
-        <p:txBody>
-          <a:bodyPr wrap="square" lIns="36000" tIns="36000" rIns="36000" bIns="36000" rtlCol="0" anchor="ctr" anchorCtr="0">
-            <a:spAutoFit/>
-          </a:bodyPr>
-          <a:lstStyle>
-            <a:lvl1pPr marL="0" indent="0" algn="l" rtl="0" fontAlgn="base" latinLnBrk="0">
-              <a:spcBef>
-                <a:spcPct val="0"/>
-              </a:spcBef>
-              <a:spcAft>
-                <a:spcPct val="0"/>
-              </a:spcAft>
-              <a:buNone/>
-              <a:defRPr lang="en-US" sz="2398" b="1" kern="1200" dirty="0" smtClean="0">
-                <a:solidFill>
-                  <a:schemeClr val="tx1"/>
-                </a:solidFill>
-                <a:effectLst/>
-                <a:latin typeface="+mn-lt"/>
-                <a:ea typeface="+mn-ea"/>
-                <a:cs typeface="+mn-cs"/>
-              </a:defRPr>
-            </a:lvl1pPr>
-          </a:lstStyle>
-          <a:p>
-            <a:pPr lvl="0"/>
-            <a:r>
-              <a:rPr lang="en-US" noProof="0" dirty="0"/>
-              <a:t>Position</a:t>
-            </a:r>
-          </a:p>
-        </p:txBody>
-      </p:sp>
-      <p:sp>
-        <p:nvSpPr>
-          <p:cNvPr id="36" name="Text Placeholder Author Name">
-            <a:extLst>
-              <a:ext uri="{FF2B5EF4-FFF2-40B4-BE49-F238E27FC236}">
-                <a16:creationId xmlns:a16="http://schemas.microsoft.com/office/drawing/2014/main" id="{3B21F47B-DE1F-442D-A2B7-6866F8786704}"/>
-              </a:ext>
-            </a:extLst>
-          </p:cNvPr>
-          <p:cNvSpPr>
-            <a:spLocks noGrp="1"/>
-          </p:cNvSpPr>
-          <p:nvPr>
-            <p:ph type="body" sz="quarter" idx="19" hasCustomPrompt="1"/>
-          </p:nvPr>
-        </p:nvSpPr>
-        <p:spPr bwMode="auto">
-          <a:xfrm>
-            <a:off x="553082" y="4851838"/>
-            <a:ext cx="2980696" cy="454398"/>
+            <a:off x="534045" y="6085863"/>
+            <a:ext cx="4751953" cy="341556"/>
           </a:xfrm>
           <a:prstGeom prst="rect">
             <a:avLst/>
@@ -2823,9 +2812,11 @@
                 <a:spcPct val="0"/>
               </a:spcAft>
               <a:buNone/>
-              <a:defRPr lang="en-US" sz="2798" b="1" kern="1200" dirty="0" smtClean="0">
-                <a:solidFill>
-                  <a:schemeClr val="tx1"/>
+              <a:defRPr lang="en-US" sz="1800" b="0" kern="1200" dirty="0" smtClean="0">
+                <a:solidFill>
+                  <a:schemeClr val="tx1">
+                    <a:lumMod val="75000"/>
+                  </a:schemeClr>
                 </a:solidFill>
                 <a:effectLst/>
                 <a:latin typeface="+mn-lt"/>
@@ -2838,17 +2829,17 @@
             <a:pPr lvl="0"/>
             <a:r>
               <a:rPr lang="en-US" noProof="0" dirty="0"/>
-              <a:t>Author Name</a:t>
+              <a:t>URL</a:t>
             </a:r>
           </a:p>
         </p:txBody>
       </p:sp>
       <p:sp>
         <p:nvSpPr>
-          <p:cNvPr id="33" name="Picture Placeholder Title Image">
+          <p:cNvPr id="30" name="Author Name">
             <a:extLst>
               <a:ext uri="{FF2B5EF4-FFF2-40B4-BE49-F238E27FC236}">
-                <a16:creationId xmlns:a16="http://schemas.microsoft.com/office/drawing/2014/main" id="{A04D819A-89E2-4714-8C56-1838BF467EF7}"/>
+                <a16:creationId xmlns:a16="http://schemas.microsoft.com/office/drawing/2014/main" id="{2EA92DCA-4DB5-4D03-ACD3-A6A296592D0C}"/>
               </a:ext>
             </a:extLst>
           </p:cNvPr>
@@ -2856,31 +2847,51 @@
             <a:spLocks noGrp="1"/>
           </p:cNvSpPr>
           <p:nvPr>
-            <p:ph type="pic" sz="quarter" idx="10"/>
+            <p:ph type="body" sz="quarter" idx="17" hasCustomPrompt="1"/>
           </p:nvPr>
         </p:nvSpPr>
-        <p:spPr>
+        <p:spPr bwMode="auto">
           <a:xfrm>
-            <a:off x="553082" y="2740913"/>
-            <a:ext cx="4642919" cy="1936503"/>
+            <a:off x="534046" y="5251106"/>
+            <a:ext cx="4751954" cy="724904"/>
           </a:xfrm>
+          <a:prstGeom prst="rect">
+            <a:avLst/>
+          </a:prstGeom>
+          <a:noFill/>
+          <a:effectLst/>
         </p:spPr>
         <p:txBody>
-          <a:bodyPr/>
+          <a:bodyPr wrap="square" lIns="36000" tIns="36000" rIns="36000" bIns="36000" rtlCol="0" anchor="ctr" anchorCtr="0">
+            <a:noAutofit/>
+          </a:bodyPr>
           <a:lstStyle>
-            <a:lvl1pPr marL="0" indent="0" algn="ctr" latinLnBrk="0">
+            <a:lvl1pPr marL="0" indent="0" algn="l" rtl="0" fontAlgn="base" latinLnBrk="0">
+              <a:spcBef>
+                <a:spcPct val="0"/>
+              </a:spcBef>
+              <a:spcAft>
+                <a:spcPct val="0"/>
+              </a:spcAft>
               <a:buNone/>
-              <a:defRPr>
-                <a:solidFill>
-                  <a:schemeClr val="bg1"/>
-                </a:solidFill>
+              <a:defRPr lang="en-US" sz="2000" b="1" kern="1200" dirty="0" smtClean="0">
+                <a:solidFill>
+                  <a:schemeClr val="tx1">
+                    <a:lumMod val="75000"/>
+                  </a:schemeClr>
+                </a:solidFill>
+                <a:effectLst/>
+                <a:latin typeface="+mn-lt"/>
+                <a:ea typeface="+mn-ea"/>
+                <a:cs typeface="+mn-cs"/>
               </a:defRPr>
             </a:lvl1pPr>
           </a:lstStyle>
           <a:p>
+            <a:pPr lvl="0"/>
             <a:r>
               <a:rPr lang="en-US" noProof="0" dirty="0"/>
-              <a:t>Click icon to add picture</a:t>
+              <a:t>Authors</a:t>
             </a:r>
           </a:p>
         </p:txBody>
@@ -2903,8 +2914,8 @@
         </p:nvSpPr>
         <p:spPr>
           <a:xfrm>
-            <a:off x="554182" y="1258272"/>
-            <a:ext cx="11083636" cy="1315728"/>
+            <a:off x="554746" y="1402942"/>
+            <a:ext cx="11083636" cy="1306057"/>
           </a:xfrm>
         </p:spPr>
         <p:txBody>
@@ -2914,7 +2925,7 @@
           <a:lstStyle>
             <a:lvl1pPr marL="0" indent="0" algn="ctr" latinLnBrk="0">
               <a:buNone/>
-              <a:defRPr sz="3598">
+              <a:defRPr sz="3600">
                 <a:solidFill>
                   <a:schemeClr val="tx1"/>
                 </a:solidFill>
@@ -2947,15 +2958,17 @@
         </p:nvSpPr>
         <p:spPr>
           <a:xfrm>
-            <a:off x="554182" y="321502"/>
-            <a:ext cx="11083636" cy="882654"/>
+            <a:off x="554746" y="321501"/>
+            <a:ext cx="11083636" cy="971589"/>
           </a:xfrm>
         </p:spPr>
         <p:txBody>
-          <a:bodyPr/>
+          <a:bodyPr>
+            <a:normAutofit/>
+          </a:bodyPr>
           <a:lstStyle>
             <a:lvl1pPr algn="ctr" latinLnBrk="0">
-              <a:defRPr sz="4798"/>
+              <a:defRPr sz="5400"/>
             </a:lvl1pPr>
           </a:lstStyle>
           <a:p>
@@ -2966,10 +2979,94 @@
           </a:p>
         </p:txBody>
       </p:sp>
+      <p:pic>
+        <p:nvPicPr>
+          <p:cNvPr id="4" name="Picture 3">
+            <a:extLst>
+              <a:ext uri="{FF2B5EF4-FFF2-40B4-BE49-F238E27FC236}">
+                <a16:creationId xmlns:a16="http://schemas.microsoft.com/office/drawing/2014/main" id="{324D0DB3-F60A-469B-7831-209CB666CCE4}"/>
+              </a:ext>
+            </a:extLst>
+          </p:cNvPr>
+          <p:cNvPicPr>
+            <a:picLocks noChangeAspect="1"/>
+          </p:cNvPicPr>
+          <p:nvPr userDrawn="1"/>
+        </p:nvPicPr>
+        <p:blipFill>
+          <a:blip r:embed="rId2" cstate="print">
+            <a:extLst>
+              <a:ext uri="{28A0092B-C50C-407E-A947-70E740481C1C}">
+                <a14:useLocalDpi xmlns:a14="http://schemas.microsoft.com/office/drawing/2010/main" val="0"/>
+              </a:ext>
+            </a:extLst>
+          </a:blip>
+          <a:stretch>
+            <a:fillRect/>
+          </a:stretch>
+        </p:blipFill>
+        <p:spPr>
+          <a:xfrm>
+            <a:off x="536549" y="4325954"/>
+            <a:ext cx="2538082" cy="633046"/>
+          </a:xfrm>
+          <a:prstGeom prst="rect">
+            <a:avLst/>
+          </a:prstGeom>
+        </p:spPr>
+      </p:pic>
+      <p:pic>
+        <p:nvPicPr>
+          <p:cNvPr id="5" name="Picture 4" title="CC-BY-NC-SA License">
+            <a:hlinkClick r:id="rId3" tooltip="This work is licensed under the &quot;Creative Commons Attribution-NonCommercial-ShareAlike 4.0 International&quot; license"/>
+            <a:extLst>
+              <a:ext uri="{FF2B5EF4-FFF2-40B4-BE49-F238E27FC236}">
+                <a16:creationId xmlns:a16="http://schemas.microsoft.com/office/drawing/2014/main" id="{2D40731C-0303-A69D-63FD-E048A73CA59F}"/>
+              </a:ext>
+            </a:extLst>
+          </p:cNvPr>
+          <p:cNvPicPr>
+            <a:picLocks noChangeAspect="1" noChangeArrowheads="1"/>
+          </p:cNvPicPr>
+          <p:nvPr userDrawn="1"/>
+        </p:nvPicPr>
+        <p:blipFill>
+          <a:blip r:embed="rId4">
+            <a:extLst>
+              <a:ext uri="{28A0092B-C50C-407E-A947-70E740481C1C}">
+                <a14:useLocalDpi xmlns:a14="http://schemas.microsoft.com/office/drawing/2010/main"/>
+              </a:ext>
+            </a:extLst>
+          </a:blip>
+          <a:srcRect/>
+          <a:stretch>
+            <a:fillRect/>
+          </a:stretch>
+        </p:blipFill>
+        <p:spPr bwMode="auto">
+          <a:xfrm>
+            <a:off x="3402682" y="4321352"/>
+            <a:ext cx="1809336" cy="633045"/>
+          </a:xfrm>
+          <a:prstGeom prst="roundRect">
+            <a:avLst>
+              <a:gd name="adj" fmla="val 3940"/>
+            </a:avLst>
+          </a:prstGeom>
+          <a:solidFill>
+            <a:srgbClr val="231F20">
+              <a:alpha val="50000"/>
+            </a:srgbClr>
+          </a:solidFill>
+          <a:ln>
+            <a:noFill/>
+          </a:ln>
+        </p:spPr>
+      </p:pic>
     </p:spTree>
     <p:extLst>
       <p:ext uri="{BB962C8B-B14F-4D97-AF65-F5344CB8AC3E}">
-        <p14:creationId xmlns:p14="http://schemas.microsoft.com/office/powerpoint/2010/main" val="970179299"/>
+        <p14:creationId xmlns:p14="http://schemas.microsoft.com/office/powerpoint/2010/main" val="370654144"/>
       </p:ext>
     </p:extLst>
   </p:cSld>
@@ -3083,7 +3180,7 @@
               <a:tabLst/>
               <a:defRPr/>
             </a:pPr>
-            <a:endParaRPr kumimoji="0" lang="en-US" altLang="ko-KR" sz="2398" b="0" i="0" u="none" strike="noStrike" kern="1200" cap="none" spc="0" normalizeH="0" baseline="0" noProof="0" dirty="0">
+            <a:endParaRPr kumimoji="0" lang="en-US" altLang="ko-KR" sz="2398" b="0" i="0" u="none" strike="noStrike" kern="1200" cap="none" spc="0" normalizeH="0" baseline="0" noProof="0">
               <a:ln>
                 <a:noFill/>
               </a:ln>
@@ -3206,7 +3303,7 @@
               <a:tabLst/>
               <a:defRPr/>
             </a:pPr>
-            <a:endParaRPr kumimoji="0" lang="en-US" altLang="ko-KR" sz="2398" b="0" i="0" u="none" strike="noStrike" kern="1200" cap="none" spc="0" normalizeH="0" baseline="0" noProof="0" dirty="0">
+            <a:endParaRPr kumimoji="0" lang="en-US" altLang="ko-KR" sz="2398" b="0" i="0" u="none" strike="noStrike" kern="1200" cap="none" spc="0" normalizeH="0" baseline="0" noProof="0">
               <a:ln>
                 <a:noFill/>
               </a:ln>
@@ -3223,42 +3320,6 @@
           </a:p>
         </p:txBody>
       </p:sp>
-      <p:pic>
-        <p:nvPicPr>
-          <p:cNvPr id="12" name="Logo Software University Down" descr="Software University logo">
-            <a:extLst>
-              <a:ext uri="{FF2B5EF4-FFF2-40B4-BE49-F238E27FC236}">
-                <a16:creationId xmlns:a16="http://schemas.microsoft.com/office/drawing/2014/main" id="{7028D2F0-1E67-414B-A93D-D3F8F131A132}"/>
-              </a:ext>
-            </a:extLst>
-          </p:cNvPr>
-          <p:cNvPicPr>
-            <a:picLocks noChangeAspect="1"/>
-          </p:cNvPicPr>
-          <p:nvPr/>
-        </p:nvPicPr>
-        <p:blipFill>
-          <a:blip r:embed="rId2" cstate="print">
-            <a:extLst>
-              <a:ext uri="{28A0092B-C50C-407E-A947-70E740481C1C}">
-                <a14:useLocalDpi xmlns:a14="http://schemas.microsoft.com/office/drawing/2010/main" val="0"/>
-              </a:ext>
-            </a:extLst>
-          </a:blip>
-          <a:stretch>
-            <a:fillRect/>
-          </a:stretch>
-        </p:blipFill>
-        <p:spPr>
-          <a:xfrm>
-            <a:off x="5616551" y="5206773"/>
-            <a:ext cx="958900" cy="1184869"/>
-          </a:xfrm>
-          <a:prstGeom prst="rect">
-            <a:avLst/>
-          </a:prstGeom>
-        </p:spPr>
-      </p:pic>
       <p:sp>
         <p:nvSpPr>
           <p:cNvPr id="10" name="Text Placeholder Right">
@@ -3479,7 +3540,7 @@
               <a:tabLst/>
               <a:defRPr/>
             </a:pPr>
-            <a:endParaRPr kumimoji="0" lang="en-US" altLang="ko-KR" sz="2398" b="0" i="0" u="none" strike="noStrike" kern="1200" cap="none" spc="0" normalizeH="0" baseline="0" noProof="0" dirty="0">
+            <a:endParaRPr kumimoji="0" lang="en-US" altLang="ko-KR" sz="2398" b="0" i="0" u="none" strike="noStrike" kern="1200" cap="none" spc="0" normalizeH="0" baseline="0" noProof="0">
               <a:ln>
                 <a:noFill/>
               </a:ln>
@@ -3496,42 +3557,6 @@
           </a:p>
         </p:txBody>
       </p:sp>
-      <p:pic>
-        <p:nvPicPr>
-          <p:cNvPr id="14" name="Logo Software University" descr="Software University logo">
-            <a:extLst>
-              <a:ext uri="{FF2B5EF4-FFF2-40B4-BE49-F238E27FC236}">
-                <a16:creationId xmlns:a16="http://schemas.microsoft.com/office/drawing/2014/main" id="{19A67BB9-D880-4EAD-B90E-89C4219BFC0B}"/>
-              </a:ext>
-            </a:extLst>
-          </p:cNvPr>
-          <p:cNvPicPr>
-            <a:picLocks noChangeAspect="1"/>
-          </p:cNvPicPr>
-          <p:nvPr userDrawn="1"/>
-        </p:nvPicPr>
-        <p:blipFill>
-          <a:blip r:embed="rId3">
-            <a:extLst>
-              <a:ext uri="{28A0092B-C50C-407E-A947-70E740481C1C}">
-                <a14:useLocalDpi xmlns:a14="http://schemas.microsoft.com/office/drawing/2010/main" val="0"/>
-              </a:ext>
-            </a:extLst>
-          </a:blip>
-          <a:stretch>
-            <a:fillRect/>
-          </a:stretch>
-        </p:blipFill>
-        <p:spPr>
-          <a:xfrm>
-            <a:off x="10067957" y="253936"/>
-            <a:ext cx="1915704" cy="559235"/>
-          </a:xfrm>
-          <a:prstGeom prst="rect">
-            <a:avLst/>
-          </a:prstGeom>
-        </p:spPr>
-      </p:pic>
       <p:sp>
         <p:nvSpPr>
           <p:cNvPr id="15" name="Slide Title">
@@ -3550,8 +3575,8 @@
         </p:nvSpPr>
         <p:spPr>
           <a:xfrm>
-            <a:off x="190406" y="100750"/>
-            <a:ext cx="9715594" cy="882654"/>
+            <a:off x="190405" y="100750"/>
+            <a:ext cx="10270595" cy="882654"/>
           </a:xfrm>
         </p:spPr>
         <p:txBody>
@@ -3573,6 +3598,72 @@
           </a:p>
         </p:txBody>
       </p:sp>
+      <p:pic>
+        <p:nvPicPr>
+          <p:cNvPr id="8" name="Picture 7">
+            <a:extLst>
+              <a:ext uri="{FF2B5EF4-FFF2-40B4-BE49-F238E27FC236}">
+                <a16:creationId xmlns:a16="http://schemas.microsoft.com/office/drawing/2014/main" id="{2C9792D8-D354-4699-B7D6-B8CB7F77594F}"/>
+              </a:ext>
+            </a:extLst>
+          </p:cNvPr>
+          <p:cNvPicPr>
+            <a:picLocks noChangeAspect="1"/>
+          </p:cNvPicPr>
+          <p:nvPr userDrawn="1"/>
+        </p:nvPicPr>
+        <p:blipFill>
+          <a:blip r:embed="rId2"/>
+          <a:stretch>
+            <a:fillRect/>
+          </a:stretch>
+        </p:blipFill>
+        <p:spPr>
+          <a:xfrm>
+            <a:off x="5398753" y="5340443"/>
+            <a:ext cx="1334859" cy="982867"/>
+          </a:xfrm>
+          <a:prstGeom prst="rect">
+            <a:avLst/>
+          </a:prstGeom>
+        </p:spPr>
+      </p:pic>
+      <p:pic>
+        <p:nvPicPr>
+          <p:cNvPr id="3" name="Picture 2">
+            <a:extLst>
+              <a:ext uri="{FF2B5EF4-FFF2-40B4-BE49-F238E27FC236}">
+                <a16:creationId xmlns:a16="http://schemas.microsoft.com/office/drawing/2014/main" id="{B6351E19-25DA-EAD2-9FBE-358B6135D728}"/>
+              </a:ext>
+            </a:extLst>
+          </p:cNvPr>
+          <p:cNvPicPr>
+            <a:picLocks noChangeAspect="1"/>
+          </p:cNvPicPr>
+          <p:nvPr userDrawn="1"/>
+        </p:nvPicPr>
+        <p:blipFill>
+          <a:blip r:embed="rId3" cstate="print">
+            <a:extLst>
+              <a:ext uri="{28A0092B-C50C-407E-A947-70E740481C1C}">
+                <a14:useLocalDpi xmlns:a14="http://schemas.microsoft.com/office/drawing/2010/main" val="0"/>
+              </a:ext>
+            </a:extLst>
+          </a:blip>
+          <a:stretch>
+            <a:fillRect/>
+          </a:stretch>
+        </p:blipFill>
+        <p:spPr>
+          <a:xfrm>
+            <a:off x="10553573" y="368999"/>
+            <a:ext cx="1443361" cy="360001"/>
+          </a:xfrm>
+          <a:prstGeom prst="rect">
+            <a:avLst/>
+          </a:prstGeom>
+        </p:spPr>
+      </p:pic>
     </p:spTree>
     <p:extLst>
       <p:ext uri="{BB962C8B-B14F-4D97-AF65-F5344CB8AC3E}">
@@ -3665,7 +3756,7 @@
               <a:pPr/>
               <a:t>‹#›</a:t>
             </a:fld>
-            <a:endParaRPr lang="en-US" noProof="0" dirty="0"/>
+            <a:endParaRPr lang="en-US" noProof="0"/>
           </a:p>
         </p:txBody>
       </p:sp>
@@ -3819,7 +3910,7 @@
           </a:lstStyle>
           <a:p>
             <a:r>
-              <a:rPr lang="en-US" altLang="ko-KR" noProof="0" dirty="0"/>
+              <a:rPr lang="en-US" altLang="ko-KR" noProof="0"/>
               <a:t>Your Picture Here</a:t>
             </a:r>
           </a:p>
@@ -3883,7 +3974,7 @@
               <a:tabLst/>
               <a:defRPr/>
             </a:pPr>
-            <a:endParaRPr kumimoji="0" lang="en-US" altLang="ko-KR" sz="2398" b="0" i="0" u="none" strike="noStrike" kern="1200" cap="none" spc="0" normalizeH="0" baseline="0" noProof="0" dirty="0">
+            <a:endParaRPr kumimoji="0" lang="en-US" altLang="ko-KR" sz="2398" b="0" i="0" u="none" strike="noStrike" kern="1200" cap="none" spc="0" normalizeH="0" baseline="0" noProof="0">
               <a:ln>
                 <a:noFill/>
               </a:ln>
@@ -3958,7 +4049,7 @@
               <a:tabLst/>
               <a:defRPr/>
             </a:pPr>
-            <a:endParaRPr kumimoji="0" lang="en-US" altLang="ko-KR" sz="2398" b="0" i="0" u="none" strike="noStrike" kern="1200" cap="none" spc="0" normalizeH="0" baseline="0" noProof="0" dirty="0">
+            <a:endParaRPr kumimoji="0" lang="en-US" altLang="ko-KR" sz="2398" b="0" i="0" u="none" strike="noStrike" kern="1200" cap="none" spc="0" normalizeH="0" baseline="0" noProof="0">
               <a:ln>
                 <a:noFill/>
               </a:ln>
@@ -4039,7 +4130,7 @@
               <a:tabLst/>
               <a:defRPr/>
             </a:pPr>
-            <a:endParaRPr kumimoji="0" lang="en-US" altLang="ko-KR" sz="2398" b="0" i="0" u="none" strike="noStrike" kern="1200" cap="none" spc="0" normalizeH="0" baseline="0" noProof="0" dirty="0">
+            <a:endParaRPr kumimoji="0" lang="en-US" altLang="ko-KR" sz="2398" b="0" i="0" u="none" strike="noStrike" kern="1200" cap="none" spc="0" normalizeH="0" baseline="0" noProof="0">
               <a:ln>
                 <a:noFill/>
               </a:ln>
@@ -4120,7 +4211,7 @@
               <a:tabLst/>
               <a:defRPr/>
             </a:pPr>
-            <a:endParaRPr kumimoji="0" lang="en-US" altLang="ko-KR" sz="2398" b="0" i="0" u="none" strike="noStrike" kern="1200" cap="none" spc="0" normalizeH="0" baseline="0" noProof="0" dirty="0">
+            <a:endParaRPr kumimoji="0" lang="en-US" altLang="ko-KR" sz="2398" b="0" i="0" u="none" strike="noStrike" kern="1200" cap="none" spc="0" normalizeH="0" baseline="0" noProof="0">
               <a:ln>
                 <a:noFill/>
               </a:ln>
@@ -4137,42 +4228,6 @@
           </a:p>
         </p:txBody>
       </p:sp>
-      <p:pic>
-        <p:nvPicPr>
-          <p:cNvPr id="12" name="Logo Software University" descr="Software University logo">
-            <a:extLst>
-              <a:ext uri="{FF2B5EF4-FFF2-40B4-BE49-F238E27FC236}">
-                <a16:creationId xmlns:a16="http://schemas.microsoft.com/office/drawing/2014/main" id="{233CBB95-791E-4630-B3D9-FADFCE7BCF52}"/>
-              </a:ext>
-            </a:extLst>
-          </p:cNvPr>
-          <p:cNvPicPr>
-            <a:picLocks noChangeAspect="1"/>
-          </p:cNvPicPr>
-          <p:nvPr userDrawn="1"/>
-        </p:nvPicPr>
-        <p:blipFill>
-          <a:blip r:embed="rId2">
-            <a:extLst>
-              <a:ext uri="{28A0092B-C50C-407E-A947-70E740481C1C}">
-                <a14:useLocalDpi xmlns:a14="http://schemas.microsoft.com/office/drawing/2010/main" val="0"/>
-              </a:ext>
-            </a:extLst>
-          </a:blip>
-          <a:stretch>
-            <a:fillRect/>
-          </a:stretch>
-        </p:blipFill>
-        <p:spPr>
-          <a:xfrm>
-            <a:off x="10067957" y="253936"/>
-            <a:ext cx="1915704" cy="559235"/>
-          </a:xfrm>
-          <a:prstGeom prst="rect">
-            <a:avLst/>
-          </a:prstGeom>
-        </p:spPr>
-      </p:pic>
       <p:sp>
         <p:nvSpPr>
           <p:cNvPr id="13" name="Slide Title">
@@ -4192,7 +4247,7 @@
         <p:spPr>
           <a:xfrm>
             <a:off x="190406" y="100750"/>
-            <a:ext cx="9715594" cy="882654"/>
+            <a:ext cx="10270594" cy="882654"/>
           </a:xfrm>
         </p:spPr>
         <p:txBody>
@@ -4214,6 +4269,42 @@
           </a:p>
         </p:txBody>
       </p:sp>
+      <p:pic>
+        <p:nvPicPr>
+          <p:cNvPr id="4" name="Picture 3">
+            <a:extLst>
+              <a:ext uri="{FF2B5EF4-FFF2-40B4-BE49-F238E27FC236}">
+                <a16:creationId xmlns:a16="http://schemas.microsoft.com/office/drawing/2014/main" id="{42F3DB3E-BDAA-8201-9A01-2F52640A84CA}"/>
+              </a:ext>
+            </a:extLst>
+          </p:cNvPr>
+          <p:cNvPicPr>
+            <a:picLocks noChangeAspect="1"/>
+          </p:cNvPicPr>
+          <p:nvPr userDrawn="1"/>
+        </p:nvPicPr>
+        <p:blipFill>
+          <a:blip r:embed="rId2" cstate="print">
+            <a:extLst>
+              <a:ext uri="{28A0092B-C50C-407E-A947-70E740481C1C}">
+                <a14:useLocalDpi xmlns:a14="http://schemas.microsoft.com/office/drawing/2010/main" val="0"/>
+              </a:ext>
+            </a:extLst>
+          </a:blip>
+          <a:stretch>
+            <a:fillRect/>
+          </a:stretch>
+        </p:blipFill>
+        <p:spPr>
+          <a:xfrm>
+            <a:off x="10553573" y="368999"/>
+            <a:ext cx="1443361" cy="360001"/>
+          </a:xfrm>
+          <a:prstGeom prst="rect">
+            <a:avLst/>
+          </a:prstGeom>
+        </p:spPr>
+      </p:pic>
     </p:spTree>
     <p:extLst>
       <p:ext uri="{BB962C8B-B14F-4D97-AF65-F5344CB8AC3E}">
@@ -4324,7 +4415,7 @@
               <a:tabLst/>
               <a:defRPr/>
             </a:pPr>
-            <a:endParaRPr kumimoji="0" lang="en-US" altLang="ko-KR" sz="2398" b="0" i="0" u="none" strike="noStrike" kern="1200" cap="none" spc="0" normalizeH="0" baseline="0" noProof="0" dirty="0">
+            <a:endParaRPr kumimoji="0" lang="en-US" altLang="ko-KR" sz="2398" b="0" i="0" u="none" strike="noStrike" kern="1200" cap="none" spc="0" normalizeH="0" baseline="0" noProof="0">
               <a:ln>
                 <a:noFill/>
               </a:ln>
@@ -4343,714 +4434,10 @@
       </p:sp>
       <p:sp>
         <p:nvSpPr>
-          <p:cNvPr id="53" name="Rectangle Bottom Copyright">
+          <p:cNvPr id="3" name="Title 2">
             <a:extLst>
               <a:ext uri="{FF2B5EF4-FFF2-40B4-BE49-F238E27FC236}">
-                <a16:creationId xmlns:a16="http://schemas.microsoft.com/office/drawing/2014/main" id="{B07FB7FB-DA6C-4F5D-B068-357F0FCE27D8}"/>
-              </a:ext>
-            </a:extLst>
-          </p:cNvPr>
-          <p:cNvSpPr/>
-          <p:nvPr userDrawn="1"/>
-        </p:nvSpPr>
-        <p:spPr>
-          <a:xfrm>
-            <a:off x="111000" y="6454758"/>
-            <a:ext cx="11970000" cy="258449"/>
-          </a:xfrm>
-          <a:prstGeom prst="rect">
-            <a:avLst/>
-          </a:prstGeom>
-        </p:spPr>
-        <p:txBody>
-          <a:bodyPr wrap="square">
-            <a:noAutofit/>
-          </a:bodyPr>
-          <a:lstStyle/>
-          <a:p>
-            <a:pPr algn="ctr">
-              <a:lnSpc>
-                <a:spcPct val="100000"/>
-              </a:lnSpc>
-              <a:spcBef>
-                <a:spcPts val="0"/>
-              </a:spcBef>
-              <a:spcAft>
-                <a:spcPts val="0"/>
-              </a:spcAft>
-            </a:pPr>
-            <a:r>
-              <a:rPr lang="en-US" sz="1600" noProof="0" dirty="0">
-                <a:solidFill>
-                  <a:schemeClr val="bg2"/>
-                </a:solidFill>
-                <a:effectLst/>
-                <a:latin typeface="Calibri" panose="020F0502020204030204" pitchFamily="34" charset="0"/>
-                <a:ea typeface="Calibri" panose="020F0502020204030204" pitchFamily="34" charset="0"/>
-                <a:cs typeface="Arial" panose="020B0604020202020204" pitchFamily="34" charset="0"/>
-              </a:rPr>
-              <a:t>© SoftUni – </a:t>
-            </a:r>
-            <a:r>
-              <a:rPr lang="en-US" sz="1600" u="sng" noProof="0" dirty="0">
-                <a:solidFill>
-                  <a:schemeClr val="bg2"/>
-                </a:solidFill>
-                <a:effectLst/>
-                <a:latin typeface="Calibri" panose="020F0502020204030204" pitchFamily="34" charset="0"/>
-                <a:ea typeface="Calibri" panose="020F0502020204030204" pitchFamily="34" charset="0"/>
-                <a:cs typeface="Arial" panose="020B0604020202020204" pitchFamily="34" charset="0"/>
-                <a:hlinkClick r:id="rId2">
-                  <a:extLst>
-                    <a:ext uri="{A12FA001-AC4F-418D-AE19-62706E023703}">
-                      <ahyp:hlinkClr xmlns:ahyp="http://schemas.microsoft.com/office/drawing/2018/hyperlinkcolor" val="tx"/>
-                    </a:ext>
-                  </a:extLst>
-                </a:hlinkClick>
-              </a:rPr>
-              <a:t>https://softuni.org</a:t>
-            </a:r>
-            <a:r>
-              <a:rPr lang="en-US" sz="1600" noProof="0" dirty="0">
-                <a:solidFill>
-                  <a:schemeClr val="bg2"/>
-                </a:solidFill>
-                <a:effectLst/>
-                <a:latin typeface="Calibri" panose="020F0502020204030204" pitchFamily="34" charset="0"/>
-                <a:ea typeface="Calibri" panose="020F0502020204030204" pitchFamily="34" charset="0"/>
-                <a:cs typeface="Arial" panose="020B0604020202020204" pitchFamily="34" charset="0"/>
-              </a:rPr>
-              <a:t>. Copyrighted document. Unauthorized copy, reproduction or use is not permitted.</a:t>
-            </a:r>
-            <a:endParaRPr lang="en-US" sz="2400" noProof="0" dirty="0">
-              <a:solidFill>
-                <a:schemeClr val="bg2"/>
-              </a:solidFill>
-              <a:effectLst/>
-              <a:latin typeface="Calibri" panose="020F0502020204030204" pitchFamily="34" charset="0"/>
-              <a:ea typeface="Calibri" panose="020F0502020204030204" pitchFamily="34" charset="0"/>
-              <a:cs typeface="Arial" panose="020B0604020202020204" pitchFamily="34" charset="0"/>
-            </a:endParaRPr>
-          </a:p>
-        </p:txBody>
-      </p:sp>
-      <p:pic>
-        <p:nvPicPr>
-          <p:cNvPr id="26" name="Picture SoftUni Mascot" descr="SoftUni mascot with open hand">
-            <a:extLst>
-              <a:ext uri="{FF2B5EF4-FFF2-40B4-BE49-F238E27FC236}">
-                <a16:creationId xmlns:a16="http://schemas.microsoft.com/office/drawing/2014/main" id="{247CFF3C-C4FA-493D-8505-DF469F4D36A4}"/>
-              </a:ext>
-            </a:extLst>
-          </p:cNvPr>
-          <p:cNvPicPr>
-            <a:picLocks noChangeAspect="1"/>
-          </p:cNvPicPr>
-          <p:nvPr/>
-        </p:nvPicPr>
-        <p:blipFill>
-          <a:blip r:embed="rId3" cstate="print">
-            <a:extLst>
-              <a:ext uri="{28A0092B-C50C-407E-A947-70E740481C1C}">
-                <a14:useLocalDpi xmlns:a14="http://schemas.microsoft.com/office/drawing/2010/main" val="0"/>
-              </a:ext>
-            </a:extLst>
-          </a:blip>
-          <a:stretch>
-            <a:fillRect/>
-          </a:stretch>
-        </p:blipFill>
-        <p:spPr>
-          <a:xfrm>
-            <a:off x="642586" y="2898830"/>
-            <a:ext cx="2451608" cy="2959741"/>
-          </a:xfrm>
-          <a:prstGeom prst="rect">
-            <a:avLst/>
-          </a:prstGeom>
-        </p:spPr>
-      </p:pic>
-      <p:grpSp>
-        <p:nvGrpSpPr>
-          <p:cNvPr id="2" name="Group SoftUni Brands">
-            <a:extLst>
-              <a:ext uri="{FF2B5EF4-FFF2-40B4-BE49-F238E27FC236}">
-                <a16:creationId xmlns:a16="http://schemas.microsoft.com/office/drawing/2014/main" id="{418FAE34-C1F8-46C7-A4AE-F270D1E70F25}"/>
-              </a:ext>
-            </a:extLst>
-          </p:cNvPr>
-          <p:cNvGrpSpPr/>
-          <p:nvPr userDrawn="1"/>
-        </p:nvGrpSpPr>
-        <p:grpSpPr>
-          <a:xfrm>
-            <a:off x="3332216" y="1702473"/>
-            <a:ext cx="8314909" cy="3543782"/>
-            <a:chOff x="3332216" y="1702473"/>
-            <a:chExt cx="8314909" cy="3543782"/>
-          </a:xfrm>
-        </p:grpSpPr>
-        <p:pic>
-          <p:nvPicPr>
-            <p:cNvPr id="24" name="Picture SoftUni Kids Logo" descr="SoftUni Kids logo">
-              <a:extLst>
-                <a:ext uri="{FF2B5EF4-FFF2-40B4-BE49-F238E27FC236}">
-                  <a16:creationId xmlns:a16="http://schemas.microsoft.com/office/drawing/2014/main" id="{B0812936-74B6-4265-8C08-AEDC8C798702}"/>
-                </a:ext>
-              </a:extLst>
-            </p:cNvPr>
-            <p:cNvPicPr>
-              <a:picLocks noChangeAspect="1"/>
-            </p:cNvPicPr>
-            <p:nvPr/>
-          </p:nvPicPr>
-          <p:blipFill>
-            <a:blip r:embed="rId4" cstate="print">
-              <a:extLst>
-                <a:ext uri="{28A0092B-C50C-407E-A947-70E740481C1C}">
-                  <a14:useLocalDpi xmlns:a14="http://schemas.microsoft.com/office/drawing/2010/main" val="0"/>
-                </a:ext>
-              </a:extLst>
-            </a:blip>
-            <a:stretch>
-              <a:fillRect/>
-            </a:stretch>
-          </p:blipFill>
-          <p:spPr>
-            <a:xfrm>
-              <a:off x="10516883" y="3776294"/>
-              <a:ext cx="1130242" cy="1389256"/>
-            </a:xfrm>
-            <a:prstGeom prst="rect">
-              <a:avLst/>
-            </a:prstGeom>
-          </p:spPr>
-        </p:pic>
-        <p:pic>
-          <p:nvPicPr>
-            <p:cNvPr id="23" name="Picture SoftUni Foundation Logo" descr="SoftUni Foundation logo">
-              <a:extLst>
-                <a:ext uri="{FF2B5EF4-FFF2-40B4-BE49-F238E27FC236}">
-                  <a16:creationId xmlns:a16="http://schemas.microsoft.com/office/drawing/2014/main" id="{6643F71A-2013-433A-8322-FBAAED3162D8}"/>
-                </a:ext>
-              </a:extLst>
-            </p:cNvPr>
-            <p:cNvPicPr>
-              <a:picLocks noChangeAspect="1"/>
-            </p:cNvPicPr>
-            <p:nvPr userDrawn="1"/>
-          </p:nvPicPr>
-          <p:blipFill>
-            <a:blip r:embed="rId5" cstate="print">
-              <a:extLst>
-                <a:ext uri="{28A0092B-C50C-407E-A947-70E740481C1C}">
-                  <a14:useLocalDpi xmlns:a14="http://schemas.microsoft.com/office/drawing/2010/main" val="0"/>
-                </a:ext>
-              </a:extLst>
-            </a:blip>
-            <a:stretch>
-              <a:fillRect/>
-            </a:stretch>
-          </p:blipFill>
-          <p:spPr>
-            <a:xfrm>
-              <a:off x="9053913" y="3788231"/>
-              <a:ext cx="1166400" cy="1350756"/>
-            </a:xfrm>
-            <a:prstGeom prst="rect">
-              <a:avLst/>
-            </a:prstGeom>
-          </p:spPr>
-        </p:pic>
-        <p:pic>
-          <p:nvPicPr>
-            <p:cNvPr id="22" name="Picture SoftUni Digital Logo" descr="SoftUni Digital logo">
-              <a:extLst>
-                <a:ext uri="{FF2B5EF4-FFF2-40B4-BE49-F238E27FC236}">
-                  <a16:creationId xmlns:a16="http://schemas.microsoft.com/office/drawing/2014/main" id="{0A83D66F-855B-463B-920B-BF239B01A206}"/>
-                </a:ext>
-              </a:extLst>
-            </p:cNvPr>
-            <p:cNvPicPr>
-              <a:picLocks noChangeAspect="1"/>
-            </p:cNvPicPr>
-            <p:nvPr userDrawn="1"/>
-          </p:nvPicPr>
-          <p:blipFill>
-            <a:blip r:embed="rId6" cstate="print">
-              <a:extLst>
-                <a:ext uri="{28A0092B-C50C-407E-A947-70E740481C1C}">
-                  <a14:useLocalDpi xmlns:a14="http://schemas.microsoft.com/office/drawing/2010/main" val="0"/>
-                </a:ext>
-              </a:extLst>
-            </a:blip>
-            <a:stretch>
-              <a:fillRect/>
-            </a:stretch>
-          </p:blipFill>
-          <p:spPr>
-            <a:xfrm>
-              <a:off x="7657695" y="3789000"/>
-              <a:ext cx="1084614" cy="1457255"/>
-            </a:xfrm>
-            <a:prstGeom prst="rect">
-              <a:avLst/>
-            </a:prstGeom>
-          </p:spPr>
-        </p:pic>
-        <p:pic>
-          <p:nvPicPr>
-            <p:cNvPr id="21" name="Picture SoftUni Creative Logo" descr="SoftUni Creative logo">
-              <a:extLst>
-                <a:ext uri="{FF2B5EF4-FFF2-40B4-BE49-F238E27FC236}">
-                  <a16:creationId xmlns:a16="http://schemas.microsoft.com/office/drawing/2014/main" id="{EA755AAE-BA08-481C-9224-0061170EE4B8}"/>
-                </a:ext>
-              </a:extLst>
-            </p:cNvPr>
-            <p:cNvPicPr>
-              <a:picLocks noChangeAspect="1"/>
-            </p:cNvPicPr>
-            <p:nvPr/>
-          </p:nvPicPr>
-          <p:blipFill>
-            <a:blip r:embed="rId7" cstate="print">
-              <a:extLst>
-                <a:ext uri="{28A0092B-C50C-407E-A947-70E740481C1C}">
-                  <a14:useLocalDpi xmlns:a14="http://schemas.microsoft.com/office/drawing/2010/main" val="0"/>
-                </a:ext>
-              </a:extLst>
-            </a:blip>
-            <a:stretch>
-              <a:fillRect/>
-            </a:stretch>
-          </p:blipFill>
-          <p:spPr>
-            <a:xfrm>
-              <a:off x="6173913" y="3776293"/>
-              <a:ext cx="1166400" cy="1389257"/>
-            </a:xfrm>
-            <a:prstGeom prst="rect">
-              <a:avLst/>
-            </a:prstGeom>
-          </p:spPr>
-        </p:pic>
-        <p:pic>
-          <p:nvPicPr>
-            <p:cNvPr id="20" name="Picture SoftUni Svetlina Logo" descr="SoftUni Svetlina logo">
-              <a:extLst>
-                <a:ext uri="{FF2B5EF4-FFF2-40B4-BE49-F238E27FC236}">
-                  <a16:creationId xmlns:a16="http://schemas.microsoft.com/office/drawing/2014/main" id="{827D15FD-4C66-4B85-98E6-7826AA8F61C6}"/>
-                </a:ext>
-              </a:extLst>
-            </p:cNvPr>
-            <p:cNvPicPr>
-              <a:picLocks noChangeAspect="1"/>
-            </p:cNvPicPr>
-            <p:nvPr/>
-          </p:nvPicPr>
-          <p:blipFill>
-            <a:blip r:embed="rId8">
-              <a:extLst>
-                <a:ext uri="{28A0092B-C50C-407E-A947-70E740481C1C}">
-                  <a14:useLocalDpi xmlns:a14="http://schemas.microsoft.com/office/drawing/2010/main" val="0"/>
-                </a:ext>
-              </a:extLst>
-            </a:blip>
-            <a:stretch>
-              <a:fillRect/>
-            </a:stretch>
-          </p:blipFill>
-          <p:spPr>
-            <a:xfrm>
-              <a:off x="4735029" y="3776293"/>
-              <a:ext cx="1166400" cy="1402229"/>
-            </a:xfrm>
-            <a:prstGeom prst="rect">
-              <a:avLst/>
-            </a:prstGeom>
-          </p:spPr>
-        </p:pic>
-        <p:pic>
-          <p:nvPicPr>
-            <p:cNvPr id="25" name="Picture Software University Logo" descr="Software University logo">
-              <a:extLst>
-                <a:ext uri="{FF2B5EF4-FFF2-40B4-BE49-F238E27FC236}">
-                  <a16:creationId xmlns:a16="http://schemas.microsoft.com/office/drawing/2014/main" id="{C74C190C-5856-41B9-8819-AE8DE0E10980}"/>
-                </a:ext>
-              </a:extLst>
-            </p:cNvPr>
-            <p:cNvPicPr>
-              <a:picLocks noChangeAspect="1"/>
-            </p:cNvPicPr>
-            <p:nvPr/>
-          </p:nvPicPr>
-          <p:blipFill>
-            <a:blip r:embed="rId9" cstate="print">
-              <a:extLst>
-                <a:ext uri="{28A0092B-C50C-407E-A947-70E740481C1C}">
-                  <a14:useLocalDpi xmlns:a14="http://schemas.microsoft.com/office/drawing/2010/main" val="0"/>
-                </a:ext>
-              </a:extLst>
-            </a:blip>
-            <a:stretch>
-              <a:fillRect/>
-            </a:stretch>
-          </p:blipFill>
-          <p:spPr>
-            <a:xfrm>
-              <a:off x="3332216" y="3776295"/>
-              <a:ext cx="1164654" cy="1440000"/>
-            </a:xfrm>
-            <a:prstGeom prst="rect">
-              <a:avLst/>
-            </a:prstGeom>
-          </p:spPr>
-        </p:pic>
-        <p:cxnSp>
-          <p:nvCxnSpPr>
-            <p:cNvPr id="33" name="Straight Connector 6">
-              <a:extLst>
-                <a:ext uri="{FF2B5EF4-FFF2-40B4-BE49-F238E27FC236}">
-                  <a16:creationId xmlns:a16="http://schemas.microsoft.com/office/drawing/2014/main" id="{5C63D1E8-4A92-4691-8A24-A2FC7E8008E5}"/>
-                </a:ext>
-              </a:extLst>
-            </p:cNvPr>
-            <p:cNvCxnSpPr>
-              <a:cxnSpLocks/>
-            </p:cNvCxnSpPr>
-            <p:nvPr userDrawn="1"/>
-          </p:nvCxnSpPr>
-          <p:spPr>
-            <a:xfrm>
-              <a:off x="11077113" y="3335565"/>
-              <a:ext cx="0" cy="236220"/>
-            </a:xfrm>
-            <a:prstGeom prst="line">
-              <a:avLst/>
-            </a:prstGeom>
-            <a:ln w="25400"/>
-          </p:spPr>
-          <p:style>
-            <a:lnRef idx="1">
-              <a:schemeClr val="accent1"/>
-            </a:lnRef>
-            <a:fillRef idx="0">
-              <a:schemeClr val="accent1"/>
-            </a:fillRef>
-            <a:effectRef idx="0">
-              <a:schemeClr val="accent1"/>
-            </a:effectRef>
-            <a:fontRef idx="minor">
-              <a:schemeClr val="tx1"/>
-            </a:fontRef>
-          </p:style>
-        </p:cxnSp>
-        <p:cxnSp>
-          <p:nvCxnSpPr>
-            <p:cNvPr id="32" name="Straight Connector 5">
-              <a:extLst>
-                <a:ext uri="{FF2B5EF4-FFF2-40B4-BE49-F238E27FC236}">
-                  <a16:creationId xmlns:a16="http://schemas.microsoft.com/office/drawing/2014/main" id="{6E91D320-3732-40B8-864D-142D0A277ED1}"/>
-                </a:ext>
-              </a:extLst>
-            </p:cNvPr>
-            <p:cNvCxnSpPr>
-              <a:cxnSpLocks/>
-            </p:cNvCxnSpPr>
-            <p:nvPr userDrawn="1"/>
-          </p:nvCxnSpPr>
-          <p:spPr>
-            <a:xfrm>
-              <a:off x="9637113" y="3329215"/>
-              <a:ext cx="0" cy="236220"/>
-            </a:xfrm>
-            <a:prstGeom prst="line">
-              <a:avLst/>
-            </a:prstGeom>
-            <a:ln w="25400"/>
-          </p:spPr>
-          <p:style>
-            <a:lnRef idx="1">
-              <a:schemeClr val="accent1"/>
-            </a:lnRef>
-            <a:fillRef idx="0">
-              <a:schemeClr val="accent1"/>
-            </a:fillRef>
-            <a:effectRef idx="0">
-              <a:schemeClr val="accent1"/>
-            </a:effectRef>
-            <a:fontRef idx="minor">
-              <a:schemeClr val="tx1"/>
-            </a:fontRef>
-          </p:style>
-        </p:cxnSp>
-        <p:cxnSp>
-          <p:nvCxnSpPr>
-            <p:cNvPr id="31" name="Straight Connector 4">
-              <a:extLst>
-                <a:ext uri="{FF2B5EF4-FFF2-40B4-BE49-F238E27FC236}">
-                  <a16:creationId xmlns:a16="http://schemas.microsoft.com/office/drawing/2014/main" id="{299ABE09-E33C-46B7-A80D-7BF4A6956211}"/>
-                </a:ext>
-              </a:extLst>
-            </p:cNvPr>
-            <p:cNvCxnSpPr/>
-            <p:nvPr userDrawn="1"/>
-          </p:nvCxnSpPr>
-          <p:spPr>
-            <a:xfrm>
-              <a:off x="8197113" y="3329215"/>
-              <a:ext cx="0" cy="236220"/>
-            </a:xfrm>
-            <a:prstGeom prst="line">
-              <a:avLst/>
-            </a:prstGeom>
-            <a:ln w="25400"/>
-          </p:spPr>
-          <p:style>
-            <a:lnRef idx="1">
-              <a:schemeClr val="accent1"/>
-            </a:lnRef>
-            <a:fillRef idx="0">
-              <a:schemeClr val="accent1"/>
-            </a:fillRef>
-            <a:effectRef idx="0">
-              <a:schemeClr val="accent1"/>
-            </a:effectRef>
-            <a:fontRef idx="minor">
-              <a:schemeClr val="tx1"/>
-            </a:fontRef>
-          </p:style>
-        </p:cxnSp>
-        <p:cxnSp>
-          <p:nvCxnSpPr>
-            <p:cNvPr id="30" name="Straight Connector 3">
-              <a:extLst>
-                <a:ext uri="{FF2B5EF4-FFF2-40B4-BE49-F238E27FC236}">
-                  <a16:creationId xmlns:a16="http://schemas.microsoft.com/office/drawing/2014/main" id="{93DDBF37-0764-47AA-94E3-9A44F3ED8FB5}"/>
-                </a:ext>
-              </a:extLst>
-            </p:cNvPr>
-            <p:cNvCxnSpPr/>
-            <p:nvPr userDrawn="1"/>
-          </p:nvCxnSpPr>
-          <p:spPr>
-            <a:xfrm>
-              <a:off x="6757113" y="3329215"/>
-              <a:ext cx="0" cy="236220"/>
-            </a:xfrm>
-            <a:prstGeom prst="line">
-              <a:avLst/>
-            </a:prstGeom>
-            <a:ln w="25400"/>
-          </p:spPr>
-          <p:style>
-            <a:lnRef idx="1">
-              <a:schemeClr val="accent1"/>
-            </a:lnRef>
-            <a:fillRef idx="0">
-              <a:schemeClr val="accent1"/>
-            </a:fillRef>
-            <a:effectRef idx="0">
-              <a:schemeClr val="accent1"/>
-            </a:effectRef>
-            <a:fontRef idx="minor">
-              <a:schemeClr val="tx1"/>
-            </a:fontRef>
-          </p:style>
-        </p:cxnSp>
-        <p:cxnSp>
-          <p:nvCxnSpPr>
-            <p:cNvPr id="29" name="Straight Connector 2">
-              <a:extLst>
-                <a:ext uri="{FF2B5EF4-FFF2-40B4-BE49-F238E27FC236}">
-                  <a16:creationId xmlns:a16="http://schemas.microsoft.com/office/drawing/2014/main" id="{72BFE2F3-0845-4E5B-9375-E9D4027DD675}"/>
-                </a:ext>
-              </a:extLst>
-            </p:cNvPr>
-            <p:cNvCxnSpPr/>
-            <p:nvPr userDrawn="1"/>
-          </p:nvCxnSpPr>
-          <p:spPr>
-            <a:xfrm>
-              <a:off x="5309913" y="3335565"/>
-              <a:ext cx="0" cy="236220"/>
-            </a:xfrm>
-            <a:prstGeom prst="line">
-              <a:avLst/>
-            </a:prstGeom>
-            <a:ln w="25400"/>
-          </p:spPr>
-          <p:style>
-            <a:lnRef idx="1">
-              <a:schemeClr val="accent1"/>
-            </a:lnRef>
-            <a:fillRef idx="0">
-              <a:schemeClr val="accent1"/>
-            </a:fillRef>
-            <a:effectRef idx="0">
-              <a:schemeClr val="accent1"/>
-            </a:effectRef>
-            <a:fontRef idx="minor">
-              <a:schemeClr val="tx1"/>
-            </a:fontRef>
-          </p:style>
-        </p:cxnSp>
-        <p:cxnSp>
-          <p:nvCxnSpPr>
-            <p:cNvPr id="28" name="Straight Connector 1">
-              <a:extLst>
-                <a:ext uri="{FF2B5EF4-FFF2-40B4-BE49-F238E27FC236}">
-                  <a16:creationId xmlns:a16="http://schemas.microsoft.com/office/drawing/2014/main" id="{D4E5982E-3110-47E1-A5BB-91B7BECC3093}"/>
-                </a:ext>
-              </a:extLst>
-            </p:cNvPr>
-            <p:cNvCxnSpPr/>
-            <p:nvPr userDrawn="1"/>
-          </p:nvCxnSpPr>
-          <p:spPr>
-            <a:xfrm>
-              <a:off x="3915327" y="3335565"/>
-              <a:ext cx="0" cy="236220"/>
-            </a:xfrm>
-            <a:prstGeom prst="line">
-              <a:avLst/>
-            </a:prstGeom>
-            <a:ln w="25400"/>
-          </p:spPr>
-          <p:style>
-            <a:lnRef idx="1">
-              <a:schemeClr val="accent1"/>
-            </a:lnRef>
-            <a:fillRef idx="0">
-              <a:schemeClr val="accent1"/>
-            </a:fillRef>
-            <a:effectRef idx="0">
-              <a:schemeClr val="accent1"/>
-            </a:effectRef>
-            <a:fontRef idx="minor">
-              <a:schemeClr val="tx1"/>
-            </a:fontRef>
-          </p:style>
-        </p:cxnSp>
-        <p:cxnSp>
-          <p:nvCxnSpPr>
-            <p:cNvPr id="27" name="Straight Connector Horizontal">
-              <a:extLst>
-                <a:ext uri="{FF2B5EF4-FFF2-40B4-BE49-F238E27FC236}">
-                  <a16:creationId xmlns:a16="http://schemas.microsoft.com/office/drawing/2014/main" id="{5F62FB7C-BD6E-4383-98C1-2CF30F34CAFD}"/>
-                </a:ext>
-              </a:extLst>
-            </p:cNvPr>
-            <p:cNvCxnSpPr>
-              <a:cxnSpLocks/>
-            </p:cNvCxnSpPr>
-            <p:nvPr userDrawn="1"/>
-          </p:nvCxnSpPr>
-          <p:spPr>
-            <a:xfrm>
-              <a:off x="3915327" y="3335565"/>
-              <a:ext cx="7161786" cy="0"/>
-            </a:xfrm>
-            <a:prstGeom prst="line">
-              <a:avLst/>
-            </a:prstGeom>
-            <a:ln w="25400"/>
-          </p:spPr>
-          <p:style>
-            <a:lnRef idx="1">
-              <a:schemeClr val="accent1"/>
-            </a:lnRef>
-            <a:fillRef idx="0">
-              <a:schemeClr val="accent1"/>
-            </a:fillRef>
-            <a:effectRef idx="0">
-              <a:schemeClr val="accent1"/>
-            </a:effectRef>
-            <a:fontRef idx="minor">
-              <a:schemeClr val="tx1"/>
-            </a:fontRef>
-          </p:style>
-        </p:cxnSp>
-        <p:cxnSp>
-          <p:nvCxnSpPr>
-            <p:cNvPr id="34" name="Straight Connector 0">
-              <a:extLst>
-                <a:ext uri="{FF2B5EF4-FFF2-40B4-BE49-F238E27FC236}">
-                  <a16:creationId xmlns:a16="http://schemas.microsoft.com/office/drawing/2014/main" id="{C84A0FE1-723D-4682-8682-77BAD950EE15}"/>
-                </a:ext>
-              </a:extLst>
-            </p:cNvPr>
-            <p:cNvCxnSpPr/>
-            <p:nvPr userDrawn="1"/>
-          </p:nvCxnSpPr>
-          <p:spPr>
-            <a:xfrm>
-              <a:off x="7496220" y="3092995"/>
-              <a:ext cx="0" cy="236220"/>
-            </a:xfrm>
-            <a:prstGeom prst="line">
-              <a:avLst/>
-            </a:prstGeom>
-            <a:ln w="25400"/>
-          </p:spPr>
-          <p:style>
-            <a:lnRef idx="1">
-              <a:schemeClr val="accent1"/>
-            </a:lnRef>
-            <a:fillRef idx="0">
-              <a:schemeClr val="accent1"/>
-            </a:fillRef>
-            <a:effectRef idx="0">
-              <a:schemeClr val="accent1"/>
-            </a:effectRef>
-            <a:fontRef idx="minor">
-              <a:schemeClr val="tx1"/>
-            </a:fontRef>
-          </p:style>
-        </p:cxnSp>
-        <p:pic>
-          <p:nvPicPr>
-            <p:cNvPr id="18" name="Picture SoftUni Logo" descr="SoftUni logo">
-              <a:extLst>
-                <a:ext uri="{FF2B5EF4-FFF2-40B4-BE49-F238E27FC236}">
-                  <a16:creationId xmlns:a16="http://schemas.microsoft.com/office/drawing/2014/main" id="{A0675455-B7FA-4569-A5FD-A3B0F20B2A26}"/>
-                </a:ext>
-              </a:extLst>
-            </p:cNvPr>
-            <p:cNvPicPr>
-              <a:picLocks noChangeAspect="1"/>
-            </p:cNvPicPr>
-            <p:nvPr/>
-          </p:nvPicPr>
-          <p:blipFill>
-            <a:blip r:embed="rId10" cstate="print">
-              <a:extLst>
-                <a:ext uri="{28A0092B-C50C-407E-A947-70E740481C1C}">
-                  <a14:useLocalDpi xmlns:a14="http://schemas.microsoft.com/office/drawing/2010/main" val="0"/>
-                </a:ext>
-              </a:extLst>
-            </a:blip>
-            <a:stretch>
-              <a:fillRect/>
-            </a:stretch>
-          </p:blipFill>
-          <p:spPr>
-            <a:xfrm>
-              <a:off x="6896770" y="1702473"/>
-              <a:ext cx="1198901" cy="1198901"/>
-            </a:xfrm>
-            <a:prstGeom prst="rect">
-              <a:avLst/>
-            </a:prstGeom>
-          </p:spPr>
-        </p:pic>
-      </p:grpSp>
-      <p:sp>
-        <p:nvSpPr>
-          <p:cNvPr id="19" name="Slide Title">
-            <a:extLst>
-              <a:ext uri="{FF2B5EF4-FFF2-40B4-BE49-F238E27FC236}">
-                <a16:creationId xmlns:a16="http://schemas.microsoft.com/office/drawing/2014/main" id="{7CFDBB16-985C-4CC7-B6DB-B81B36037922}"/>
+                <a16:creationId xmlns:a16="http://schemas.microsoft.com/office/drawing/2014/main" id="{3107753B-8639-4399-B782-EE5377184D2E}"/>
               </a:ext>
             </a:extLst>
           </p:cNvPr>
@@ -5058,142 +4445,33 @@
             <a:spLocks noGrp="1"/>
           </p:cNvSpPr>
           <p:nvPr>
-            <p:ph type="title"/>
+            <p:ph type="title" hasCustomPrompt="1"/>
           </p:nvPr>
         </p:nvSpPr>
         <p:spPr>
           <a:xfrm>
-            <a:off x="809628" y="703244"/>
-            <a:ext cx="5916372" cy="1033303"/>
+            <a:off x="726988" y="1461842"/>
+            <a:ext cx="10731663" cy="3047158"/>
           </a:xfrm>
-          <a:prstGeom prst="rect">
-            <a:avLst/>
-          </a:prstGeom>
         </p:spPr>
         <p:txBody>
-          <a:bodyPr wrap="none" lIns="0" tIns="0" rIns="0" bIns="0" anchor="ctr" anchorCtr="0">
-            <a:noAutofit/>
-            <a:scene3d>
-              <a:camera prst="orthographicFront"/>
-              <a:lightRig rig="soft" dir="t">
-                <a:rot lat="0" lon="0" rev="10800000"/>
-              </a:lightRig>
-            </a:scene3d>
-            <a:sp3d>
-              <a:bevelT w="27940" h="12700"/>
-              <a:contourClr>
-                <a:srgbClr val="DDDDDD"/>
-              </a:contourClr>
-            </a:sp3d>
+          <a:bodyPr>
+            <a:normAutofit/>
           </a:bodyPr>
-          <a:lstStyle/>
-          <a:p>
-            <a:pPr marL="0" marR="0" lvl="0" indent="0" algn="l" defTabSz="913852" rtl="0" eaLnBrk="0" fontAlgn="auto" latinLnBrk="0" hangingPunct="0">
-              <a:lnSpc>
-                <a:spcPct val="100000"/>
-              </a:lnSpc>
-              <a:spcBef>
-                <a:spcPts val="0"/>
-              </a:spcBef>
-              <a:spcAft>
-                <a:spcPts val="0"/>
-              </a:spcAft>
-              <a:buClr>
-                <a:srgbClr val="67748E">
-                  <a:lumMod val="40000"/>
-                  <a:lumOff val="60000"/>
-                </a:srgbClr>
-              </a:buClr>
-              <a:buSzPct val="70000"/>
-              <a:buFont typeface="Wingdings 2" pitchFamily="18" charset="2"/>
-              <a:buNone/>
-              <a:tabLst/>
-              <a:defRPr/>
-            </a:pPr>
-            <a:r>
-              <a:rPr kumimoji="0" lang="en-US" sz="8797" b="1" i="0" u="none" strike="noStrike" kern="1200" cap="none" spc="0" normalizeH="0" baseline="0" noProof="0" dirty="0">
-                <a:ln>
-                  <a:noFill/>
-                </a:ln>
-                <a:solidFill>
-                  <a:srgbClr val="234465"/>
-                </a:solidFill>
-                <a:effectLst/>
-                <a:uLnTx/>
-                <a:uFillTx/>
-                <a:latin typeface="Calibri" panose="020F0502020204030204"/>
-                <a:ea typeface="+mn-ea"/>
-                <a:cs typeface="+mn-cs"/>
-              </a:rPr>
-              <a:t>Questions?</a:t>
-            </a:r>
-            <a:endParaRPr kumimoji="0" lang="en-US" sz="8797" b="1" i="0" u="none" strike="noStrike" kern="1200" cap="none" spc="150" normalizeH="0" baseline="0" noProof="0" dirty="0">
-              <a:ln w="11430"/>
-              <a:solidFill>
-                <a:srgbClr val="234465"/>
-              </a:solidFill>
-              <a:effectLst>
-                <a:outerShdw blurRad="25400" algn="tl" rotWithShape="0">
-                  <a:srgbClr val="000000">
-                    <a:alpha val="43000"/>
-                  </a:srgbClr>
-                </a:outerShdw>
-              </a:effectLst>
-              <a:uLnTx/>
-              <a:uFillTx/>
-              <a:latin typeface="Calibri" panose="020F0502020204030204"/>
-              <a:ea typeface="+mn-ea"/>
-              <a:cs typeface="+mn-cs"/>
-            </a:endParaRPr>
+          <a:lstStyle>
+            <a:lvl1pPr algn="ctr">
+              <a:defRPr sz="13800"/>
+            </a:lvl1pPr>
+          </a:lstStyle>
+          <a:p>
+            <a:r>
+              <a:rPr lang="bg-BG" dirty="0"/>
+              <a:t>Въпроси?</a:t>
+            </a:r>
+            <a:endParaRPr lang="en-US" dirty="0"/>
           </a:p>
         </p:txBody>
       </p:sp>
-      <p:pic>
-        <p:nvPicPr>
-          <p:cNvPr id="36" name="Logo Software University" descr="Software University logo">
-            <a:extLst>
-              <a:ext uri="{FF2B5EF4-FFF2-40B4-BE49-F238E27FC236}">
-                <a16:creationId xmlns:a16="http://schemas.microsoft.com/office/drawing/2014/main" id="{67FC4D2E-913D-432A-B658-F0D82839FA5E}"/>
-              </a:ext>
-            </a:extLst>
-          </p:cNvPr>
-          <p:cNvPicPr>
-            <a:picLocks noChangeAspect="1"/>
-          </p:cNvPicPr>
-          <p:nvPr userDrawn="1"/>
-        </p:nvPicPr>
-        <p:blipFill>
-          <a:blip r:embed="rId11">
-            <a:clrChange>
-              <a:clrFrom>
-                <a:srgbClr val="FFFFFF"/>
-              </a:clrFrom>
-              <a:clrTo>
-                <a:srgbClr val="FFFFFF">
-                  <a:alpha val="0"/>
-                </a:srgbClr>
-              </a:clrTo>
-            </a:clrChange>
-            <a:extLst>
-              <a:ext uri="{28A0092B-C50C-407E-A947-70E740481C1C}">
-                <a14:useLocalDpi xmlns:a14="http://schemas.microsoft.com/office/drawing/2010/main" val="0"/>
-              </a:ext>
-            </a:extLst>
-          </a:blip>
-          <a:stretch>
-            <a:fillRect/>
-          </a:stretch>
-        </p:blipFill>
-        <p:spPr>
-          <a:xfrm>
-            <a:off x="10008761" y="190267"/>
-            <a:ext cx="2013336" cy="690975"/>
-          </a:xfrm>
-          <a:prstGeom prst="rect">
-            <a:avLst/>
-          </a:prstGeom>
-        </p:spPr>
-      </p:pic>
     </p:spTree>
     <p:extLst>
       <p:ext uri="{BB962C8B-B14F-4D97-AF65-F5344CB8AC3E}">
@@ -5228,528 +4506,6 @@
       </p15:sldGuideLst>
     </p:ext>
   </p:extLst>
-</p:sldLayout>
-</file>
-
-<file path=ppt/slideLayouts/slideLayout13.xml><?xml version="1.0" encoding="utf-8"?>
-<p:sldLayout xmlns:a="http://schemas.openxmlformats.org/drawingml/2006/main" xmlns:r="http://schemas.openxmlformats.org/officeDocument/2006/relationships" xmlns:p="http://schemas.openxmlformats.org/presentationml/2006/main" preserve="1" userDrawn="1">
-  <p:cSld name="About Slide">
-    <p:spTree>
-      <p:nvGrpSpPr>
-        <p:cNvPr id="1" name=""/>
-        <p:cNvGrpSpPr/>
-        <p:nvPr/>
-      </p:nvGrpSpPr>
-      <p:grpSpPr>
-        <a:xfrm>
-          <a:off x="0" y="0"/>
-          <a:ext cx="0" cy="0"/>
-          <a:chOff x="0" y="0"/>
-          <a:chExt cx="0" cy="0"/>
-        </a:xfrm>
-      </p:grpSpPr>
-      <p:sp>
-        <p:nvSpPr>
-          <p:cNvPr id="13" name="Slide Number">
-            <a:extLst>
-              <a:ext uri="{FF2B5EF4-FFF2-40B4-BE49-F238E27FC236}">
-                <a16:creationId xmlns:a16="http://schemas.microsoft.com/office/drawing/2014/main" id="{5B8761D8-B42F-4A70-A0CE-682CEB2AE31B}"/>
-              </a:ext>
-            </a:extLst>
-          </p:cNvPr>
-          <p:cNvSpPr>
-            <a:spLocks noGrp="1"/>
-          </p:cNvSpPr>
-          <p:nvPr>
-            <p:ph type="sldNum" sz="quarter" idx="4"/>
-          </p:nvPr>
-        </p:nvSpPr>
-        <p:spPr>
-          <a:xfrm>
-            <a:off x="11753030" y="6507000"/>
-            <a:ext cx="367414" cy="297000"/>
-          </a:xfrm>
-          <a:prstGeom prst="rect">
-            <a:avLst/>
-          </a:prstGeom>
-        </p:spPr>
-        <p:txBody>
-          <a:bodyPr vert="horz" lIns="91440" tIns="45720" rIns="91440" bIns="45720" rtlCol="0" anchor="b"/>
-          <a:lstStyle>
-            <a:lvl1pPr algn="r">
-              <a:defRPr sz="1000"/>
-            </a:lvl1pPr>
-          </a:lstStyle>
-          <a:p>
-            <a:fld id="{2BF067CD-8E6B-4360-9AA8-C5DF2A48A6D1}" type="slidenum">
-              <a:rPr lang="en-US" noProof="0" smtClean="0"/>
-              <a:pPr/>
-              <a:t>‹#›</a:t>
-            </a:fld>
-            <a:endParaRPr lang="en-US" noProof="0" dirty="0"/>
-          </a:p>
-        </p:txBody>
-      </p:sp>
-      <p:pic>
-        <p:nvPicPr>
-          <p:cNvPr id="19" name="Picture Forum" descr="Forum icon">
-            <a:hlinkClick r:id="rId2" tooltip="Software University Discussion Forum"/>
-            <a:extLst>
-              <a:ext uri="{FF2B5EF4-FFF2-40B4-BE49-F238E27FC236}">
-                <a16:creationId xmlns:a16="http://schemas.microsoft.com/office/drawing/2014/main" id="{98C579AD-FAF5-4B28-9B52-5457F1E90061}"/>
-              </a:ext>
-            </a:extLst>
-          </p:cNvPr>
-          <p:cNvPicPr>
-            <a:picLocks noChangeAspect="1"/>
-          </p:cNvPicPr>
-          <p:nvPr userDrawn="1"/>
-        </p:nvPicPr>
-        <p:blipFill>
-          <a:blip r:embed="rId3" cstate="print">
-            <a:extLst>
-              <a:ext uri="{28A0092B-C50C-407E-A947-70E740481C1C}">
-                <a14:useLocalDpi xmlns:a14="http://schemas.microsoft.com/office/drawing/2010/main"/>
-              </a:ext>
-            </a:extLst>
-          </a:blip>
-          <a:stretch>
-            <a:fillRect/>
-          </a:stretch>
-        </p:blipFill>
-        <p:spPr>
-          <a:xfrm>
-            <a:off x="10524350" y="5249556"/>
-            <a:ext cx="970156" cy="965726"/>
-          </a:xfrm>
-          <a:prstGeom prst="rect">
-            <a:avLst/>
-          </a:prstGeom>
-        </p:spPr>
-      </p:pic>
-      <p:pic>
-        <p:nvPicPr>
-          <p:cNvPr id="17" name="Picture Logo FB" descr="Facebook logo">
-            <a:hlinkClick r:id="rId4" tooltip="Software University @ Facebook"/>
-            <a:extLst>
-              <a:ext uri="{FF2B5EF4-FFF2-40B4-BE49-F238E27FC236}">
-                <a16:creationId xmlns:a16="http://schemas.microsoft.com/office/drawing/2014/main" id="{6B2C510E-5EF2-49F6-B926-2BD74CD3C7F8}"/>
-              </a:ext>
-            </a:extLst>
-          </p:cNvPr>
-          <p:cNvPicPr>
-            <a:picLocks noChangeAspect="1" noChangeArrowheads="1"/>
-          </p:cNvPicPr>
-          <p:nvPr userDrawn="1"/>
-        </p:nvPicPr>
-        <p:blipFill rotWithShape="1">
-          <a:blip r:embed="rId5" cstate="print">
-            <a:extLst>
-              <a:ext uri="{28A0092B-C50C-407E-A947-70E740481C1C}">
-                <a14:useLocalDpi xmlns:a14="http://schemas.microsoft.com/office/drawing/2010/main"/>
-              </a:ext>
-            </a:extLst>
-          </a:blip>
-          <a:srcRect/>
-          <a:stretch/>
-        </p:blipFill>
-        <p:spPr bwMode="auto">
-          <a:xfrm>
-            <a:off x="10507451" y="3689937"/>
-            <a:ext cx="1003954" cy="1017562"/>
-          </a:xfrm>
-          <a:prstGeom prst="rect">
-            <a:avLst/>
-          </a:prstGeom>
-          <a:noFill/>
-          <a:extLst>
-            <a:ext uri="{909E8E84-426E-40DD-AFC4-6F175D3DCCD1}">
-              <a14:hiddenFill xmlns:a14="http://schemas.microsoft.com/office/drawing/2010/main">
-                <a:solidFill>
-                  <a:srgbClr val="FFFFFF"/>
-                </a:solidFill>
-              </a14:hiddenFill>
-            </a:ext>
-          </a:extLst>
-        </p:spPr>
-      </p:pic>
-      <p:pic>
-        <p:nvPicPr>
-          <p:cNvPr id="20" name="Picture Logo SoftUni Right" descr="Software University logo">
-            <a:hlinkClick r:id="rId6"/>
-            <a:extLst>
-              <a:ext uri="{FF2B5EF4-FFF2-40B4-BE49-F238E27FC236}">
-                <a16:creationId xmlns:a16="http://schemas.microsoft.com/office/drawing/2014/main" id="{F4604840-E810-44B7-9FF1-3B28CD68B758}"/>
-              </a:ext>
-            </a:extLst>
-          </p:cNvPr>
-          <p:cNvPicPr>
-            <a:picLocks noChangeAspect="1"/>
-          </p:cNvPicPr>
-          <p:nvPr userDrawn="1"/>
-        </p:nvPicPr>
-        <p:blipFill>
-          <a:blip r:embed="rId7">
-            <a:extLst>
-              <a:ext uri="{28A0092B-C50C-407E-A947-70E740481C1C}">
-                <a14:useLocalDpi xmlns:a14="http://schemas.microsoft.com/office/drawing/2010/main" val="0"/>
-              </a:ext>
-            </a:extLst>
-          </a:blip>
-          <a:stretch>
-            <a:fillRect/>
-          </a:stretch>
-        </p:blipFill>
-        <p:spPr>
-          <a:xfrm>
-            <a:off x="10413401" y="1674000"/>
-            <a:ext cx="1192055" cy="1473880"/>
-          </a:xfrm>
-          <a:prstGeom prst="rect">
-            <a:avLst/>
-          </a:prstGeom>
-        </p:spPr>
-      </p:pic>
-      <p:pic>
-        <p:nvPicPr>
-          <p:cNvPr id="16" name="Picture SoftUni Mascot" descr="SoftUni mascot">
-            <a:hlinkClick r:id="rId8"/>
-            <a:extLst>
-              <a:ext uri="{FF2B5EF4-FFF2-40B4-BE49-F238E27FC236}">
-                <a16:creationId xmlns:a16="http://schemas.microsoft.com/office/drawing/2014/main" id="{07C965FA-A87E-4824-AFA8-C67AF548A76A}"/>
-              </a:ext>
-            </a:extLst>
-          </p:cNvPr>
-          <p:cNvPicPr>
-            <a:picLocks noChangeAspect="1"/>
-          </p:cNvPicPr>
-          <p:nvPr/>
-        </p:nvPicPr>
-        <p:blipFill>
-          <a:blip r:embed="rId9">
-            <a:extLst>
-              <a:ext uri="{28A0092B-C50C-407E-A947-70E740481C1C}">
-                <a14:useLocalDpi xmlns:a14="http://schemas.microsoft.com/office/drawing/2010/main" val="0"/>
-              </a:ext>
-            </a:extLst>
-          </a:blip>
-          <a:srcRect/>
-          <a:stretch/>
-        </p:blipFill>
-        <p:spPr>
-          <a:xfrm>
-            <a:off x="7181957" y="2584289"/>
-            <a:ext cx="2732955" cy="3630993"/>
-          </a:xfrm>
-          <a:prstGeom prst="rect">
-            <a:avLst/>
-          </a:prstGeom>
-        </p:spPr>
-      </p:pic>
-      <p:sp>
-        <p:nvSpPr>
-          <p:cNvPr id="12" name="Slide Body Text">
-            <a:extLst>
-              <a:ext uri="{FF2B5EF4-FFF2-40B4-BE49-F238E27FC236}">
-                <a16:creationId xmlns:a16="http://schemas.microsoft.com/office/drawing/2014/main" id="{0C1F9416-8B6E-46DE-973C-777785E27A26}"/>
-              </a:ext>
-            </a:extLst>
-          </p:cNvPr>
-          <p:cNvSpPr>
-            <a:spLocks noGrp="1"/>
-          </p:cNvSpPr>
-          <p:nvPr>
-            <p:ph idx="4294967295" hasCustomPrompt="1"/>
-          </p:nvPr>
-        </p:nvSpPr>
-        <p:spPr>
-          <a:xfrm>
-            <a:off x="152410" y="1186307"/>
-            <a:ext cx="8688590" cy="5496127"/>
-          </a:xfrm>
-        </p:spPr>
-        <p:txBody>
-          <a:bodyPr wrap="square">
-            <a:noAutofit/>
-          </a:bodyPr>
-          <a:lstStyle>
-            <a:lvl1pPr latinLnBrk="0">
-              <a:buClr>
-                <a:schemeClr val="tx1"/>
-              </a:buClr>
-              <a:defRPr sz="2798"/>
-            </a:lvl1pPr>
-            <a:lvl2pPr marL="989981" marR="0" indent="-380762" algn="l" defTabSz="1218438" rtl="0" eaLnBrk="1" fontAlgn="auto" latinLnBrk="1" hangingPunct="1">
-              <a:lnSpc>
-                <a:spcPct val="100000"/>
-              </a:lnSpc>
-              <a:spcBef>
-                <a:spcPts val="600"/>
-              </a:spcBef>
-              <a:spcAft>
-                <a:spcPts val="600"/>
-              </a:spcAft>
-              <a:buClrTx/>
-              <a:buSzTx/>
-              <a:buFont typeface="Wingdings" panose="05000000000000000000" pitchFamily="2" charset="2"/>
-              <a:buChar char="§"/>
-              <a:tabLst>
-                <a:tab pos="282405" algn="l"/>
-              </a:tabLst>
-              <a:defRPr sz="2800"/>
-            </a:lvl2pPr>
-            <a:lvl3pPr>
-              <a:buClr>
-                <a:schemeClr val="tx1"/>
-              </a:buClr>
-              <a:defRPr/>
-            </a:lvl3pPr>
-          </a:lstStyle>
-          <a:p>
-            <a:r>
-              <a:rPr lang="en-US" sz="3000" noProof="0" dirty="0"/>
-              <a:t>Software University – High-Quality Education, Profession and Job for Software Developers</a:t>
-            </a:r>
-          </a:p>
-          <a:p>
-            <a:pPr lvl="1"/>
-            <a:r>
-              <a:rPr lang="en-US" noProof="1">
-                <a:hlinkClick r:id="rId8"/>
-              </a:rPr>
-              <a:t>softuni.bg</a:t>
-            </a:r>
-            <a:r>
-              <a:rPr lang="en-US" noProof="1"/>
-              <a:t> </a:t>
-            </a:r>
-          </a:p>
-          <a:p>
-            <a:r>
-              <a:rPr lang="en-US" sz="3000" noProof="0" dirty="0"/>
-              <a:t>Software University Foundation</a:t>
-            </a:r>
-          </a:p>
-          <a:p>
-            <a:pPr lvl="1"/>
-            <a:r>
-              <a:rPr lang="en-US" noProof="1">
-                <a:hlinkClick r:id="rId10"/>
-              </a:rPr>
-              <a:t>softuni.foundation</a:t>
-            </a:r>
-            <a:endParaRPr lang="en-US" noProof="1"/>
-          </a:p>
-          <a:p>
-            <a:r>
-              <a:rPr lang="en-US" sz="3000" noProof="0" dirty="0"/>
-              <a:t>Software University @ Facebook</a:t>
-            </a:r>
-          </a:p>
-          <a:p>
-            <a:pPr lvl="1"/>
-            <a:r>
-              <a:rPr lang="en-US" noProof="1">
-                <a:hlinkClick r:id="rId4"/>
-              </a:rPr>
-              <a:t>facebook.com/SoftwareUniversity</a:t>
-            </a:r>
-            <a:endParaRPr lang="en-US" noProof="1"/>
-          </a:p>
-          <a:p>
-            <a:r>
-              <a:rPr lang="en-US" sz="3000" noProof="0" dirty="0"/>
-              <a:t>Software University Forums</a:t>
-            </a:r>
-          </a:p>
-          <a:p>
-            <a:pPr lvl="1"/>
-            <a:r>
-              <a:rPr lang="en-US" noProof="1">
-                <a:hlinkClick r:id="rId2"/>
-              </a:rPr>
-              <a:t>forum.softuni.bg</a:t>
-            </a:r>
-            <a:endParaRPr lang="en-US" noProof="1"/>
-          </a:p>
-        </p:txBody>
-      </p:sp>
-      <p:sp>
-        <p:nvSpPr>
-          <p:cNvPr id="10" name="Rectangle Top">
-            <a:extLst>
-              <a:ext uri="{FF2B5EF4-FFF2-40B4-BE49-F238E27FC236}">
-                <a16:creationId xmlns:a16="http://schemas.microsoft.com/office/drawing/2014/main" id="{86646B95-5E3B-4DE8-9118-031C2C296D8C}"/>
-              </a:ext>
-            </a:extLst>
-          </p:cNvPr>
-          <p:cNvSpPr/>
-          <p:nvPr userDrawn="1"/>
-        </p:nvSpPr>
-        <p:spPr>
-          <a:xfrm>
-            <a:off x="0" y="0"/>
-            <a:ext cx="12195176" cy="1095376"/>
-          </a:xfrm>
-          <a:prstGeom prst="rect">
-            <a:avLst/>
-          </a:prstGeom>
-          <a:solidFill>
-            <a:schemeClr val="tx2"/>
-          </a:solidFill>
-          <a:ln>
-            <a:noFill/>
-          </a:ln>
-        </p:spPr>
-        <p:style>
-          <a:lnRef idx="2">
-            <a:schemeClr val="accent1">
-              <a:shade val="50000"/>
-            </a:schemeClr>
-          </a:lnRef>
-          <a:fillRef idx="1">
-            <a:schemeClr val="accent1"/>
-          </a:fillRef>
-          <a:effectRef idx="0">
-            <a:schemeClr val="accent1"/>
-          </a:effectRef>
-          <a:fontRef idx="minor">
-            <a:schemeClr val="lt1"/>
-          </a:fontRef>
-        </p:style>
-        <p:txBody>
-          <a:bodyPr rtlCol="0" anchor="ctr"/>
-          <a:lstStyle/>
-          <a:p>
-            <a:pPr marL="0" marR="0" lvl="0" indent="0" algn="ctr" defTabSz="913852" rtl="0" eaLnBrk="1" fontAlgn="auto" latinLnBrk="0" hangingPunct="1">
-              <a:lnSpc>
-                <a:spcPct val="100000"/>
-              </a:lnSpc>
-              <a:spcBef>
-                <a:spcPts val="0"/>
-              </a:spcBef>
-              <a:spcAft>
-                <a:spcPts val="0"/>
-              </a:spcAft>
-              <a:buClrTx/>
-              <a:buSzTx/>
-              <a:buFontTx/>
-              <a:buNone/>
-              <a:tabLst/>
-              <a:defRPr/>
-            </a:pPr>
-            <a:endParaRPr kumimoji="0" lang="en-US" altLang="ko-KR" sz="2398" b="0" i="0" u="none" strike="noStrike" kern="1200" cap="none" spc="0" normalizeH="0" baseline="0" noProof="0" dirty="0">
-              <a:ln>
-                <a:noFill/>
-              </a:ln>
-              <a:solidFill>
-                <a:srgbClr val="F7C86D"/>
-              </a:solidFill>
-              <a:effectLst/>
-              <a:uLnTx/>
-              <a:uFillTx/>
-              <a:latin typeface="Calibri" panose="020F0502020204030204"/>
-              <a:ea typeface="맑은 고딕" panose="020B0503020000020004" pitchFamily="34" charset="-127"/>
-              <a:cs typeface="+mn-cs"/>
-            </a:endParaRPr>
-          </a:p>
-        </p:txBody>
-      </p:sp>
-      <p:pic>
-        <p:nvPicPr>
-          <p:cNvPr id="11" name="Logo Software University" descr="Software University logo">
-            <a:extLst>
-              <a:ext uri="{FF2B5EF4-FFF2-40B4-BE49-F238E27FC236}">
-                <a16:creationId xmlns:a16="http://schemas.microsoft.com/office/drawing/2014/main" id="{58AB1944-B146-4E89-B2D9-426EB610F319}"/>
-              </a:ext>
-            </a:extLst>
-          </p:cNvPr>
-          <p:cNvPicPr>
-            <a:picLocks noChangeAspect="1"/>
-          </p:cNvPicPr>
-          <p:nvPr userDrawn="1"/>
-        </p:nvPicPr>
-        <p:blipFill>
-          <a:blip r:embed="rId11">
-            <a:extLst>
-              <a:ext uri="{28A0092B-C50C-407E-A947-70E740481C1C}">
-                <a14:useLocalDpi xmlns:a14="http://schemas.microsoft.com/office/drawing/2010/main" val="0"/>
-              </a:ext>
-            </a:extLst>
-          </a:blip>
-          <a:stretch>
-            <a:fillRect/>
-          </a:stretch>
-        </p:blipFill>
-        <p:spPr>
-          <a:xfrm>
-            <a:off x="10067957" y="253936"/>
-            <a:ext cx="1915704" cy="559235"/>
-          </a:xfrm>
-          <a:prstGeom prst="rect">
-            <a:avLst/>
-          </a:prstGeom>
-        </p:spPr>
-      </p:pic>
-      <p:sp>
-        <p:nvSpPr>
-          <p:cNvPr id="18" name="Slide Title">
-            <a:extLst>
-              <a:ext uri="{FF2B5EF4-FFF2-40B4-BE49-F238E27FC236}">
-                <a16:creationId xmlns:a16="http://schemas.microsoft.com/office/drawing/2014/main" id="{AE87ED9C-76E1-4D85-9B06-3AF44AABB668}"/>
-              </a:ext>
-            </a:extLst>
-          </p:cNvPr>
-          <p:cNvSpPr>
-            <a:spLocks noGrp="1"/>
-          </p:cNvSpPr>
-          <p:nvPr>
-            <p:ph type="title" hasCustomPrompt="1"/>
-          </p:nvPr>
-        </p:nvSpPr>
-        <p:spPr>
-          <a:xfrm>
-            <a:off x="172286" y="108873"/>
-            <a:ext cx="9742626" cy="882654"/>
-          </a:xfrm>
-        </p:spPr>
-        <p:txBody>
-          <a:bodyPr/>
-          <a:lstStyle>
-            <a:lvl1pPr latinLnBrk="0">
-              <a:defRPr>
-                <a:solidFill>
-                  <a:schemeClr val="bg2"/>
-                </a:solidFill>
-              </a:defRPr>
-            </a:lvl1pPr>
-          </a:lstStyle>
-          <a:p>
-            <a:r>
-              <a:rPr lang="en-US" noProof="0" dirty="0"/>
-              <a:t>Trainings @ Software University (SoftUni)</a:t>
-            </a:r>
-          </a:p>
-        </p:txBody>
-      </p:sp>
-    </p:spTree>
-    <p:extLst>
-      <p:ext uri="{BB962C8B-B14F-4D97-AF65-F5344CB8AC3E}">
-        <p14:creationId xmlns:p14="http://schemas.microsoft.com/office/powerpoint/2010/main" val="2196466322"/>
-      </p:ext>
-    </p:extLst>
-  </p:cSld>
-  <p:clrMapOvr>
-    <a:masterClrMapping/>
-  </p:clrMapOvr>
-  <mc:AlternateContent xmlns:mc="http://schemas.openxmlformats.org/markup-compatibility/2006" xmlns:p14="http://schemas.microsoft.com/office/powerpoint/2010/main">
-    <mc:Choice Requires="p14">
-      <p:transition spd="slow" p14:dur="2000" advClick="0" advTm="5000"/>
-    </mc:Choice>
-    <mc:Fallback xmlns="">
-      <p:transition spd="slow" advClick="0" advTm="5000"/>
-    </mc:Fallback>
-  </mc:AlternateContent>
 </p:sldLayout>
 </file>
 
@@ -5830,7 +4586,7 @@
               <a:tabLst/>
               <a:defRPr/>
             </a:pPr>
-            <a:endParaRPr kumimoji="0" lang="en-US" altLang="ko-KR" sz="2398" b="0" i="0" u="none" strike="noStrike" kern="1200" cap="none" spc="0" normalizeH="0" baseline="0" noProof="0" dirty="0">
+            <a:endParaRPr kumimoji="0" lang="en-US" altLang="ko-KR" sz="2398" b="0" i="0" u="none" strike="noStrike" kern="1200" cap="none" spc="0" normalizeH="0" baseline="0" noProof="0">
               <a:ln>
                 <a:noFill/>
               </a:ln>
@@ -6158,7 +4914,7 @@
               <a:tabLst/>
               <a:defRPr/>
             </a:pPr>
-            <a:endParaRPr kumimoji="0" lang="en-US" altLang="ko-KR" sz="2398" b="0" i="0" u="none" strike="noStrike" kern="1200" cap="none" spc="0" normalizeH="0" baseline="0" noProof="0" dirty="0">
+            <a:endParaRPr kumimoji="0" lang="en-US" altLang="ko-KR" sz="2398" b="0" i="0" u="none" strike="noStrike" kern="1200" cap="none" spc="0" normalizeH="0" baseline="0" noProof="0">
               <a:ln>
                 <a:noFill/>
               </a:ln>
@@ -6175,42 +4931,6 @@
           </a:p>
         </p:txBody>
       </p:sp>
-      <p:pic>
-        <p:nvPicPr>
-          <p:cNvPr id="12" name="Logo Software University" descr="Software University logo">
-            <a:extLst>
-              <a:ext uri="{FF2B5EF4-FFF2-40B4-BE49-F238E27FC236}">
-                <a16:creationId xmlns:a16="http://schemas.microsoft.com/office/drawing/2014/main" id="{B1D3B425-B9BF-43ED-9DEC-C05002FBA22F}"/>
-              </a:ext>
-            </a:extLst>
-          </p:cNvPr>
-          <p:cNvPicPr>
-            <a:picLocks noChangeAspect="1"/>
-          </p:cNvPicPr>
-          <p:nvPr userDrawn="1"/>
-        </p:nvPicPr>
-        <p:blipFill>
-          <a:blip r:embed="rId2">
-            <a:extLst>
-              <a:ext uri="{28A0092B-C50C-407E-A947-70E740481C1C}">
-                <a14:useLocalDpi xmlns:a14="http://schemas.microsoft.com/office/drawing/2010/main" val="0"/>
-              </a:ext>
-            </a:extLst>
-          </a:blip>
-          <a:stretch>
-            <a:fillRect/>
-          </a:stretch>
-        </p:blipFill>
-        <p:spPr>
-          <a:xfrm>
-            <a:off x="10067957" y="253936"/>
-            <a:ext cx="1915704" cy="559235"/>
-          </a:xfrm>
-          <a:prstGeom prst="rect">
-            <a:avLst/>
-          </a:prstGeom>
-        </p:spPr>
-      </p:pic>
       <p:sp>
         <p:nvSpPr>
           <p:cNvPr id="6" name="Slide Title">
@@ -6230,7 +4950,7 @@
         <p:spPr>
           <a:xfrm>
             <a:off x="190406" y="100750"/>
-            <a:ext cx="9715594" cy="882654"/>
+            <a:ext cx="10270594" cy="882654"/>
           </a:xfrm>
         </p:spPr>
         <p:txBody>
@@ -6252,6 +4972,42 @@
           </a:p>
         </p:txBody>
       </p:sp>
+      <p:pic>
+        <p:nvPicPr>
+          <p:cNvPr id="4" name="Picture 3">
+            <a:extLst>
+              <a:ext uri="{FF2B5EF4-FFF2-40B4-BE49-F238E27FC236}">
+                <a16:creationId xmlns:a16="http://schemas.microsoft.com/office/drawing/2014/main" id="{4B9A1D0F-F579-6A3C-C698-4E2E7F1AB265}"/>
+              </a:ext>
+            </a:extLst>
+          </p:cNvPr>
+          <p:cNvPicPr>
+            <a:picLocks noChangeAspect="1"/>
+          </p:cNvPicPr>
+          <p:nvPr userDrawn="1"/>
+        </p:nvPicPr>
+        <p:blipFill>
+          <a:blip r:embed="rId2" cstate="print">
+            <a:extLst>
+              <a:ext uri="{28A0092B-C50C-407E-A947-70E740481C1C}">
+                <a14:useLocalDpi xmlns:a14="http://schemas.microsoft.com/office/drawing/2010/main" val="0"/>
+              </a:ext>
+            </a:extLst>
+          </a:blip>
+          <a:stretch>
+            <a:fillRect/>
+          </a:stretch>
+        </p:blipFill>
+        <p:spPr>
+          <a:xfrm>
+            <a:off x="10553573" y="368999"/>
+            <a:ext cx="1443361" cy="360001"/>
+          </a:xfrm>
+          <a:prstGeom prst="rect">
+            <a:avLst/>
+          </a:prstGeom>
+        </p:spPr>
+      </p:pic>
     </p:spTree>
     <p:extLst>
       <p:ext uri="{BB962C8B-B14F-4D97-AF65-F5344CB8AC3E}">
@@ -6274,371 +5030,6 @@
 </file>
 
 <file path=ppt/slideLayouts/slideLayout4.xml><?xml version="1.0" encoding="utf-8"?>
-<p:sldLayout xmlns:a="http://schemas.openxmlformats.org/drawingml/2006/main" xmlns:r="http://schemas.openxmlformats.org/officeDocument/2006/relationships" xmlns:p="http://schemas.openxmlformats.org/presentationml/2006/main" preserve="1" userDrawn="1">
-  <p:cSld name="Table of Contents">
-    <p:spTree>
-      <p:nvGrpSpPr>
-        <p:cNvPr id="1" name=""/>
-        <p:cNvGrpSpPr/>
-        <p:nvPr/>
-      </p:nvGrpSpPr>
-      <p:grpSpPr>
-        <a:xfrm>
-          <a:off x="0" y="0"/>
-          <a:ext cx="0" cy="0"/>
-          <a:chOff x="0" y="0"/>
-          <a:chExt cx="0" cy="0"/>
-        </a:xfrm>
-      </p:grpSpPr>
-      <p:sp>
-        <p:nvSpPr>
-          <p:cNvPr id="10" name="Slide Number">
-            <a:extLst>
-              <a:ext uri="{FF2B5EF4-FFF2-40B4-BE49-F238E27FC236}">
-                <a16:creationId xmlns:a16="http://schemas.microsoft.com/office/drawing/2014/main" id="{39DDE17E-5472-41F3-AF5F-54DFF10DC63C}"/>
-              </a:ext>
-            </a:extLst>
-          </p:cNvPr>
-          <p:cNvSpPr>
-            <a:spLocks noGrp="1"/>
-          </p:cNvSpPr>
-          <p:nvPr>
-            <p:ph type="sldNum" sz="quarter" idx="4"/>
-          </p:nvPr>
-        </p:nvSpPr>
-        <p:spPr>
-          <a:xfrm>
-            <a:off x="11753030" y="6507000"/>
-            <a:ext cx="367414" cy="297000"/>
-          </a:xfrm>
-          <a:prstGeom prst="rect">
-            <a:avLst/>
-          </a:prstGeom>
-        </p:spPr>
-        <p:txBody>
-          <a:bodyPr vert="horz" lIns="91440" tIns="45720" rIns="91440" bIns="45720" rtlCol="0" anchor="b"/>
-          <a:lstStyle>
-            <a:lvl1pPr algn="r">
-              <a:defRPr sz="1000"/>
-            </a:lvl1pPr>
-          </a:lstStyle>
-          <a:p>
-            <a:fld id="{2BF067CD-8E6B-4360-9AA8-C5DF2A48A6D1}" type="slidenum">
-              <a:rPr lang="en-US" noProof="0" smtClean="0"/>
-              <a:pPr/>
-              <a:t>‹#›</a:t>
-            </a:fld>
-            <a:endParaRPr lang="en-US" noProof="0" dirty="0"/>
-          </a:p>
-        </p:txBody>
-      </p:sp>
-      <p:pic>
-        <p:nvPicPr>
-          <p:cNvPr id="9" name="Picture SoftUni Mascot" descr="SoftUni mascot with laptop">
-            <a:extLst>
-              <a:ext uri="{FF2B5EF4-FFF2-40B4-BE49-F238E27FC236}">
-                <a16:creationId xmlns:a16="http://schemas.microsoft.com/office/drawing/2014/main" id="{DC4365F6-D2C1-47B4-8477-38FD2C7711AA}"/>
-              </a:ext>
-            </a:extLst>
-          </p:cNvPr>
-          <p:cNvPicPr>
-            <a:picLocks noChangeAspect="1"/>
-          </p:cNvPicPr>
-          <p:nvPr/>
-        </p:nvPicPr>
-        <p:blipFill>
-          <a:blip r:embed="rId2" cstate="print">
-            <a:extLst>
-              <a:ext uri="{28A0092B-C50C-407E-A947-70E740481C1C}">
-                <a14:useLocalDpi xmlns:a14="http://schemas.microsoft.com/office/drawing/2010/main" val="0"/>
-              </a:ext>
-            </a:extLst>
-          </a:blip>
-          <a:stretch>
-            <a:fillRect/>
-          </a:stretch>
-        </p:blipFill>
-        <p:spPr>
-          <a:xfrm flipH="1">
-            <a:off x="9516000" y="3408496"/>
-            <a:ext cx="2251057" cy="3044431"/>
-          </a:xfrm>
-          <a:prstGeom prst="rect">
-            <a:avLst/>
-          </a:prstGeom>
-        </p:spPr>
-      </p:pic>
-      <p:sp>
-        <p:nvSpPr>
-          <p:cNvPr id="23" name="Slide Body Text">
-            <a:extLst>
-              <a:ext uri="{FF2B5EF4-FFF2-40B4-BE49-F238E27FC236}">
-                <a16:creationId xmlns:a16="http://schemas.microsoft.com/office/drawing/2014/main" id="{889D93F4-ABFA-46BF-8E5D-FE6562ACB20F}"/>
-              </a:ext>
-            </a:extLst>
-          </p:cNvPr>
-          <p:cNvSpPr>
-            <a:spLocks noGrp="1"/>
-          </p:cNvSpPr>
-          <p:nvPr>
-            <p:ph type="body" sz="quarter" idx="13" hasCustomPrompt="1"/>
-          </p:nvPr>
-        </p:nvSpPr>
-        <p:spPr>
-          <a:xfrm>
-            <a:off x="196766" y="1371604"/>
-            <a:ext cx="9049234" cy="5207396"/>
-          </a:xfrm>
-        </p:spPr>
-        <p:txBody>
-          <a:bodyPr>
-            <a:normAutofit/>
-          </a:bodyPr>
-          <a:lstStyle>
-            <a:lvl1pPr marL="514042" indent="-514042" latinLnBrk="0">
-              <a:buFont typeface="+mj-lt"/>
-              <a:buAutoNum type="arabicPeriod"/>
-              <a:defRPr sz="3600">
-                <a:solidFill>
-                  <a:schemeClr val="tx1"/>
-                </a:solidFill>
-              </a:defRPr>
-            </a:lvl1pPr>
-            <a:lvl2pPr>
-              <a:defRPr sz="3400"/>
-            </a:lvl2pPr>
-          </a:lstStyle>
-          <a:p>
-            <a:pPr lvl="0"/>
-            <a:r>
-              <a:rPr lang="en-US" noProof="0"/>
-              <a:t>…</a:t>
-            </a:r>
-          </a:p>
-          <a:p>
-            <a:pPr lvl="1"/>
-            <a:r>
-              <a:rPr lang="en-US" noProof="0"/>
-              <a:t>…</a:t>
-            </a:r>
-          </a:p>
-          <a:p>
-            <a:pPr lvl="1"/>
-            <a:r>
-              <a:rPr lang="en-US" noProof="0"/>
-              <a:t>…</a:t>
-            </a:r>
-          </a:p>
-          <a:p>
-            <a:pPr lvl="0"/>
-            <a:r>
-              <a:rPr lang="en-US" noProof="0"/>
-              <a:t>…</a:t>
-            </a:r>
-          </a:p>
-          <a:p>
-            <a:pPr lvl="1"/>
-            <a:r>
-              <a:rPr lang="en-US" noProof="0"/>
-              <a:t>…</a:t>
-            </a:r>
-          </a:p>
-          <a:p>
-            <a:pPr lvl="1"/>
-            <a:r>
-              <a:rPr lang="en-US" noProof="0"/>
-              <a:t>…</a:t>
-            </a:r>
-          </a:p>
-          <a:p>
-            <a:pPr lvl="0"/>
-            <a:r>
-              <a:rPr lang="en-US" noProof="0"/>
-              <a:t>…</a:t>
-            </a:r>
-          </a:p>
-        </p:txBody>
-      </p:sp>
-      <p:sp>
-        <p:nvSpPr>
-          <p:cNvPr id="8" name="Rectangle Top">
-            <a:extLst>
-              <a:ext uri="{FF2B5EF4-FFF2-40B4-BE49-F238E27FC236}">
-                <a16:creationId xmlns:a16="http://schemas.microsoft.com/office/drawing/2014/main" id="{930E0800-9260-4369-8330-8264DD33C5CE}"/>
-              </a:ext>
-            </a:extLst>
-          </p:cNvPr>
-          <p:cNvSpPr/>
-          <p:nvPr userDrawn="1"/>
-        </p:nvSpPr>
-        <p:spPr>
-          <a:xfrm>
-            <a:off x="0" y="0"/>
-            <a:ext cx="12196800" cy="1095376"/>
-          </a:xfrm>
-          <a:prstGeom prst="rect">
-            <a:avLst/>
-          </a:prstGeom>
-          <a:solidFill>
-            <a:schemeClr val="tx2"/>
-          </a:solidFill>
-          <a:ln>
-            <a:noFill/>
-          </a:ln>
-        </p:spPr>
-        <p:style>
-          <a:lnRef idx="2">
-            <a:schemeClr val="accent1">
-              <a:shade val="50000"/>
-            </a:schemeClr>
-          </a:lnRef>
-          <a:fillRef idx="1">
-            <a:schemeClr val="accent1"/>
-          </a:fillRef>
-          <a:effectRef idx="0">
-            <a:schemeClr val="accent1"/>
-          </a:effectRef>
-          <a:fontRef idx="minor">
-            <a:schemeClr val="lt1"/>
-          </a:fontRef>
-        </p:style>
-        <p:txBody>
-          <a:bodyPr rtlCol="0" anchor="ctr"/>
-          <a:lstStyle/>
-          <a:p>
-            <a:pPr marL="0" marR="0" lvl="0" indent="0" algn="ctr" defTabSz="913852" rtl="0" eaLnBrk="1" fontAlgn="auto" latinLnBrk="0" hangingPunct="1">
-              <a:lnSpc>
-                <a:spcPct val="100000"/>
-              </a:lnSpc>
-              <a:spcBef>
-                <a:spcPts val="0"/>
-              </a:spcBef>
-              <a:spcAft>
-                <a:spcPts val="0"/>
-              </a:spcAft>
-              <a:buClrTx/>
-              <a:buSzTx/>
-              <a:buFontTx/>
-              <a:buNone/>
-              <a:tabLst/>
-              <a:defRPr/>
-            </a:pPr>
-            <a:endParaRPr kumimoji="0" lang="en-US" altLang="ko-KR" sz="2398" b="0" i="0" u="none" strike="noStrike" kern="1200" cap="none" spc="0" normalizeH="0" baseline="0" noProof="0" dirty="0">
-              <a:ln>
-                <a:noFill/>
-              </a:ln>
-              <a:solidFill>
-                <a:srgbClr val="F7C86D"/>
-              </a:solidFill>
-              <a:effectLst/>
-              <a:uLnTx/>
-              <a:uFillTx/>
-              <a:latin typeface="Calibri" panose="020F0502020204030204"/>
-              <a:ea typeface="맑은 고딕" panose="020B0503020000020004" pitchFamily="34" charset="-127"/>
-              <a:cs typeface="+mn-cs"/>
-            </a:endParaRPr>
-          </a:p>
-        </p:txBody>
-      </p:sp>
-      <p:pic>
-        <p:nvPicPr>
-          <p:cNvPr id="11" name="Logo Software University" descr="Software University logo">
-            <a:extLst>
-              <a:ext uri="{FF2B5EF4-FFF2-40B4-BE49-F238E27FC236}">
-                <a16:creationId xmlns:a16="http://schemas.microsoft.com/office/drawing/2014/main" id="{14F779A7-4A91-448B-BEFA-956C70A1C22F}"/>
-              </a:ext>
-            </a:extLst>
-          </p:cNvPr>
-          <p:cNvPicPr>
-            <a:picLocks noChangeAspect="1"/>
-          </p:cNvPicPr>
-          <p:nvPr userDrawn="1"/>
-        </p:nvPicPr>
-        <p:blipFill>
-          <a:blip r:embed="rId3">
-            <a:extLst>
-              <a:ext uri="{28A0092B-C50C-407E-A947-70E740481C1C}">
-                <a14:useLocalDpi xmlns:a14="http://schemas.microsoft.com/office/drawing/2010/main" val="0"/>
-              </a:ext>
-            </a:extLst>
-          </a:blip>
-          <a:stretch>
-            <a:fillRect/>
-          </a:stretch>
-        </p:blipFill>
-        <p:spPr>
-          <a:xfrm>
-            <a:off x="10067957" y="253936"/>
-            <a:ext cx="1915704" cy="559235"/>
-          </a:xfrm>
-          <a:prstGeom prst="rect">
-            <a:avLst/>
-          </a:prstGeom>
-        </p:spPr>
-      </p:pic>
-      <p:sp>
-        <p:nvSpPr>
-          <p:cNvPr id="13" name="Slide Title">
-            <a:extLst>
-              <a:ext uri="{FF2B5EF4-FFF2-40B4-BE49-F238E27FC236}">
-                <a16:creationId xmlns:a16="http://schemas.microsoft.com/office/drawing/2014/main" id="{357D7BE1-6358-42CC-94F3-7BCDD91DCB6D}"/>
-              </a:ext>
-            </a:extLst>
-          </p:cNvPr>
-          <p:cNvSpPr>
-            <a:spLocks noGrp="1"/>
-          </p:cNvSpPr>
-          <p:nvPr>
-            <p:ph type="title" hasCustomPrompt="1"/>
-          </p:nvPr>
-        </p:nvSpPr>
-        <p:spPr>
-          <a:xfrm>
-            <a:off x="190406" y="100750"/>
-            <a:ext cx="9715594" cy="882654"/>
-          </a:xfrm>
-        </p:spPr>
-        <p:txBody>
-          <a:bodyPr/>
-          <a:lstStyle>
-            <a:lvl1pPr latinLnBrk="0">
-              <a:defRPr>
-                <a:solidFill>
-                  <a:schemeClr val="bg2"/>
-                </a:solidFill>
-              </a:defRPr>
-            </a:lvl1pPr>
-          </a:lstStyle>
-          <a:p>
-            <a:r>
-              <a:rPr lang="en-US" noProof="0" dirty="0"/>
-              <a:t>Table of Contents</a:t>
-            </a:r>
-          </a:p>
-        </p:txBody>
-      </p:sp>
-    </p:spTree>
-    <p:extLst>
-      <p:ext uri="{BB962C8B-B14F-4D97-AF65-F5344CB8AC3E}">
-        <p14:creationId xmlns:p14="http://schemas.microsoft.com/office/powerpoint/2010/main" val="1028724482"/>
-      </p:ext>
-    </p:extLst>
-  </p:cSld>
-  <p:clrMapOvr>
-    <a:masterClrMapping/>
-  </p:clrMapOvr>
-  <mc:AlternateContent xmlns:mc="http://schemas.openxmlformats.org/markup-compatibility/2006" xmlns:p14="http://schemas.microsoft.com/office/powerpoint/2010/main">
-    <mc:Choice Requires="p14">
-      <p:transition spd="slow" p14:dur="2000" advClick="0" advTm="5000"/>
-    </mc:Choice>
-    <mc:Fallback xmlns="">
-      <p:transition spd="slow" advClick="0" advTm="5000"/>
-    </mc:Fallback>
-  </mc:AlternateContent>
-</p:sldLayout>
-</file>
-
-<file path=ppt/slideLayouts/slideLayout5.xml><?xml version="1.0" encoding="utf-8"?>
 <p:sldLayout xmlns:a="http://schemas.openxmlformats.org/drawingml/2006/main" xmlns:r="http://schemas.openxmlformats.org/officeDocument/2006/relationships" xmlns:p="http://schemas.openxmlformats.org/presentationml/2006/main" preserve="1" userDrawn="1">
   <p:cSld name="Important Concept">
     <p:spTree>
@@ -6909,52 +5300,6 @@
           </a:p>
         </p:txBody>
       </p:sp>
-      <p:pic>
-        <p:nvPicPr>
-          <p:cNvPr id="3" name="Logo Software University" descr="Software University logo">
-            <a:extLst>
-              <a:ext uri="{FF2B5EF4-FFF2-40B4-BE49-F238E27FC236}">
-                <a16:creationId xmlns:a16="http://schemas.microsoft.com/office/drawing/2014/main" id="{5573C101-930B-47AC-967A-A64513DFFDEE}"/>
-              </a:ext>
-            </a:extLst>
-          </p:cNvPr>
-          <p:cNvPicPr>
-            <a:picLocks noChangeAspect="1"/>
-          </p:cNvPicPr>
-          <p:nvPr userDrawn="1"/>
-        </p:nvPicPr>
-        <p:blipFill>
-          <a:blip r:embed="rId3">
-            <a:clrChange>
-              <a:clrFrom>
-                <a:srgbClr val="FFFFFF"/>
-              </a:clrFrom>
-              <a:clrTo>
-                <a:srgbClr val="FFFFFF">
-                  <a:alpha val="0"/>
-                </a:srgbClr>
-              </a:clrTo>
-            </a:clrChange>
-            <a:extLst>
-              <a:ext uri="{28A0092B-C50C-407E-A947-70E740481C1C}">
-                <a14:useLocalDpi xmlns:a14="http://schemas.microsoft.com/office/drawing/2010/main" val="0"/>
-              </a:ext>
-            </a:extLst>
-          </a:blip>
-          <a:stretch>
-            <a:fillRect/>
-          </a:stretch>
-        </p:blipFill>
-        <p:spPr>
-          <a:xfrm>
-            <a:off x="10008761" y="190267"/>
-            <a:ext cx="2013336" cy="690975"/>
-          </a:xfrm>
-          <a:prstGeom prst="rect">
-            <a:avLst/>
-          </a:prstGeom>
-        </p:spPr>
-      </p:pic>
       <p:sp>
         <p:nvSpPr>
           <p:cNvPr id="8" name="Slide Title">
@@ -6973,8 +5318,8 @@
         </p:nvSpPr>
         <p:spPr>
           <a:xfrm>
-            <a:off x="1296957" y="100750"/>
-            <a:ext cx="8625520" cy="882654"/>
+            <a:off x="1296956" y="100750"/>
+            <a:ext cx="9164044" cy="882654"/>
           </a:xfrm>
         </p:spPr>
         <p:txBody>
@@ -6992,6 +5337,42 @@
           </a:p>
         </p:txBody>
       </p:sp>
+      <p:pic>
+        <p:nvPicPr>
+          <p:cNvPr id="2" name="Picture 1">
+            <a:extLst>
+              <a:ext uri="{FF2B5EF4-FFF2-40B4-BE49-F238E27FC236}">
+                <a16:creationId xmlns:a16="http://schemas.microsoft.com/office/drawing/2014/main" id="{78CA5371-2597-CF8F-1859-226395807433}"/>
+              </a:ext>
+            </a:extLst>
+          </p:cNvPr>
+          <p:cNvPicPr>
+            <a:picLocks noChangeAspect="1"/>
+          </p:cNvPicPr>
+          <p:nvPr userDrawn="1"/>
+        </p:nvPicPr>
+        <p:blipFill>
+          <a:blip r:embed="rId3" cstate="print">
+            <a:extLst>
+              <a:ext uri="{28A0092B-C50C-407E-A947-70E740481C1C}">
+                <a14:useLocalDpi xmlns:a14="http://schemas.microsoft.com/office/drawing/2010/main" val="0"/>
+              </a:ext>
+            </a:extLst>
+          </a:blip>
+          <a:stretch>
+            <a:fillRect/>
+          </a:stretch>
+        </p:blipFill>
+        <p:spPr>
+          <a:xfrm>
+            <a:off x="10551877" y="362077"/>
+            <a:ext cx="1443357" cy="360000"/>
+          </a:xfrm>
+          <a:prstGeom prst="rect">
+            <a:avLst/>
+          </a:prstGeom>
+        </p:spPr>
+      </p:pic>
     </p:spTree>
     <p:extLst>
       <p:ext uri="{BB962C8B-B14F-4D97-AF65-F5344CB8AC3E}">
@@ -7013,7 +5394,7 @@
 </p:sldLayout>
 </file>
 
-<file path=ppt/slideLayouts/slideLayout6.xml><?xml version="1.0" encoding="utf-8"?>
+<file path=ppt/slideLayouts/slideLayout5.xml><?xml version="1.0" encoding="utf-8"?>
 <p:sldLayout xmlns:a="http://schemas.openxmlformats.org/drawingml/2006/main" xmlns:r="http://schemas.openxmlformats.org/officeDocument/2006/relationships" xmlns:p="http://schemas.openxmlformats.org/presentationml/2006/main" preserve="1">
   <p:cSld name="Important Example">
     <p:spTree>
@@ -7290,52 +5671,6 @@
           </a:p>
         </p:txBody>
       </p:sp>
-      <p:pic>
-        <p:nvPicPr>
-          <p:cNvPr id="16" name="Logo Software University" descr="Software University logo">
-            <a:extLst>
-              <a:ext uri="{FF2B5EF4-FFF2-40B4-BE49-F238E27FC236}">
-                <a16:creationId xmlns:a16="http://schemas.microsoft.com/office/drawing/2014/main" id="{EFEBB553-EACE-4B4F-8B4F-7629FDD910A4}"/>
-              </a:ext>
-            </a:extLst>
-          </p:cNvPr>
-          <p:cNvPicPr>
-            <a:picLocks noChangeAspect="1"/>
-          </p:cNvPicPr>
-          <p:nvPr userDrawn="1"/>
-        </p:nvPicPr>
-        <p:blipFill>
-          <a:blip r:embed="rId3">
-            <a:clrChange>
-              <a:clrFrom>
-                <a:srgbClr val="FFFFFF"/>
-              </a:clrFrom>
-              <a:clrTo>
-                <a:srgbClr val="FFFFFF">
-                  <a:alpha val="0"/>
-                </a:srgbClr>
-              </a:clrTo>
-            </a:clrChange>
-            <a:extLst>
-              <a:ext uri="{28A0092B-C50C-407E-A947-70E740481C1C}">
-                <a14:useLocalDpi xmlns:a14="http://schemas.microsoft.com/office/drawing/2010/main" val="0"/>
-              </a:ext>
-            </a:extLst>
-          </a:blip>
-          <a:stretch>
-            <a:fillRect/>
-          </a:stretch>
-        </p:blipFill>
-        <p:spPr>
-          <a:xfrm>
-            <a:off x="10008761" y="190267"/>
-            <a:ext cx="2013336" cy="690975"/>
-          </a:xfrm>
-          <a:prstGeom prst="rect">
-            <a:avLst/>
-          </a:prstGeom>
-        </p:spPr>
-      </p:pic>
       <p:sp>
         <p:nvSpPr>
           <p:cNvPr id="13" name="Slide Title">
@@ -7354,8 +5689,8 @@
         </p:nvSpPr>
         <p:spPr>
           <a:xfrm>
-            <a:off x="1296957" y="100750"/>
-            <a:ext cx="8625520" cy="882654"/>
+            <a:off x="1296956" y="100750"/>
+            <a:ext cx="9164044" cy="882654"/>
           </a:xfrm>
         </p:spPr>
         <p:txBody>
@@ -7373,6 +5708,42 @@
           </a:p>
         </p:txBody>
       </p:sp>
+      <p:pic>
+        <p:nvPicPr>
+          <p:cNvPr id="2" name="Picture 1">
+            <a:extLst>
+              <a:ext uri="{FF2B5EF4-FFF2-40B4-BE49-F238E27FC236}">
+                <a16:creationId xmlns:a16="http://schemas.microsoft.com/office/drawing/2014/main" id="{A37AF1B9-D67A-246A-86B6-E28F19C52390}"/>
+              </a:ext>
+            </a:extLst>
+          </p:cNvPr>
+          <p:cNvPicPr>
+            <a:picLocks noChangeAspect="1"/>
+          </p:cNvPicPr>
+          <p:nvPr userDrawn="1"/>
+        </p:nvPicPr>
+        <p:blipFill>
+          <a:blip r:embed="rId3" cstate="print">
+            <a:extLst>
+              <a:ext uri="{28A0092B-C50C-407E-A947-70E740481C1C}">
+                <a14:useLocalDpi xmlns:a14="http://schemas.microsoft.com/office/drawing/2010/main" val="0"/>
+              </a:ext>
+            </a:extLst>
+          </a:blip>
+          <a:stretch>
+            <a:fillRect/>
+          </a:stretch>
+        </p:blipFill>
+        <p:spPr>
+          <a:xfrm>
+            <a:off x="10551877" y="362077"/>
+            <a:ext cx="1443357" cy="360000"/>
+          </a:xfrm>
+          <a:prstGeom prst="rect">
+            <a:avLst/>
+          </a:prstGeom>
+        </p:spPr>
+      </p:pic>
     </p:spTree>
     <p:extLst>
       <p:ext uri="{BB962C8B-B14F-4D97-AF65-F5344CB8AC3E}">
@@ -7394,7 +5765,7 @@
 </p:sldLayout>
 </file>
 
-<file path=ppt/slideLayouts/slideLayout7.xml><?xml version="1.0" encoding="utf-8"?>
+<file path=ppt/slideLayouts/slideLayout6.xml><?xml version="1.0" encoding="utf-8"?>
 <p:sldLayout xmlns:a="http://schemas.openxmlformats.org/drawingml/2006/main" xmlns:r="http://schemas.openxmlformats.org/officeDocument/2006/relationships" xmlns:p="http://schemas.openxmlformats.org/presentationml/2006/main" preserve="1" userDrawn="1">
   <p:cSld name="Blank Slide">
     <p:spTree>
@@ -7689,8 +6060,8 @@
         </p:nvSpPr>
         <p:spPr>
           <a:xfrm>
-            <a:off x="585176" y="100750"/>
-            <a:ext cx="11410061" cy="882654"/>
+            <a:off x="585177" y="100750"/>
+            <a:ext cx="9875824" cy="882654"/>
           </a:xfrm>
         </p:spPr>
         <p:txBody>
@@ -7708,6 +6079,42 @@
           </a:p>
         </p:txBody>
       </p:sp>
+      <p:pic>
+        <p:nvPicPr>
+          <p:cNvPr id="2" name="Picture 1">
+            <a:extLst>
+              <a:ext uri="{FF2B5EF4-FFF2-40B4-BE49-F238E27FC236}">
+                <a16:creationId xmlns:a16="http://schemas.microsoft.com/office/drawing/2014/main" id="{9C2C375B-43BF-D1DD-F160-1500A111885C}"/>
+              </a:ext>
+            </a:extLst>
+          </p:cNvPr>
+          <p:cNvPicPr>
+            <a:picLocks noChangeAspect="1"/>
+          </p:cNvPicPr>
+          <p:nvPr userDrawn="1"/>
+        </p:nvPicPr>
+        <p:blipFill>
+          <a:blip r:embed="rId3" cstate="print">
+            <a:extLst>
+              <a:ext uri="{28A0092B-C50C-407E-A947-70E740481C1C}">
+                <a14:useLocalDpi xmlns:a14="http://schemas.microsoft.com/office/drawing/2010/main" val="0"/>
+              </a:ext>
+            </a:extLst>
+          </a:blip>
+          <a:stretch>
+            <a:fillRect/>
+          </a:stretch>
+        </p:blipFill>
+        <p:spPr>
+          <a:xfrm>
+            <a:off x="10551877" y="362077"/>
+            <a:ext cx="1443357" cy="360000"/>
+          </a:xfrm>
+          <a:prstGeom prst="rect">
+            <a:avLst/>
+          </a:prstGeom>
+        </p:spPr>
+      </p:pic>
     </p:spTree>
     <p:extLst>
       <p:ext uri="{BB962C8B-B14F-4D97-AF65-F5344CB8AC3E}">
@@ -7729,7 +6136,7 @@
 </p:sldLayout>
 </file>
 
-<file path=ppt/slideLayouts/slideLayout8.xml><?xml version="1.0" encoding="utf-8"?>
+<file path=ppt/slideLayouts/slideLayout7.xml><?xml version="1.0" encoding="utf-8"?>
 <p:sldLayout xmlns:a="http://schemas.openxmlformats.org/drawingml/2006/main" xmlns:r="http://schemas.openxmlformats.org/officeDocument/2006/relationships" xmlns:p="http://schemas.openxmlformats.org/presentationml/2006/main" preserve="1" userDrawn="1">
   <p:cSld name="Source Code Example">
     <p:spTree>
@@ -7784,7 +6191,7 @@
               <a:pPr/>
               <a:t>‹#›</a:t>
             </a:fld>
-            <a:endParaRPr lang="en-US" noProof="0" dirty="0"/>
+            <a:endParaRPr lang="en-US" noProof="0"/>
           </a:p>
         </p:txBody>
       </p:sp>
@@ -7802,7 +6209,7 @@
         </p:nvSpPr>
         <p:spPr>
           <a:xfrm>
-            <a:off x="0" y="0"/>
+            <a:off x="0" y="1311"/>
             <a:ext cx="12196800" cy="1095376"/>
           </a:xfrm>
           <a:prstGeom prst="rect">
@@ -7869,48 +6276,12 @@
           </a:p>
         </p:txBody>
       </p:sp>
-      <p:pic>
-        <p:nvPicPr>
-          <p:cNvPr id="10" name="Logo Software University" descr="Software University logo">
+      <p:sp>
+        <p:nvSpPr>
+          <p:cNvPr id="12" name="Slide Body Text">
             <a:extLst>
               <a:ext uri="{FF2B5EF4-FFF2-40B4-BE49-F238E27FC236}">
-                <a16:creationId xmlns:a16="http://schemas.microsoft.com/office/drawing/2014/main" id="{8C01D7AF-7CBD-46E1-99F3-8EB60E838D91}"/>
-              </a:ext>
-            </a:extLst>
-          </p:cNvPr>
-          <p:cNvPicPr>
-            <a:picLocks noChangeAspect="1"/>
-          </p:cNvPicPr>
-          <p:nvPr userDrawn="1"/>
-        </p:nvPicPr>
-        <p:blipFill>
-          <a:blip r:embed="rId2">
-            <a:extLst>
-              <a:ext uri="{28A0092B-C50C-407E-A947-70E740481C1C}">
-                <a14:useLocalDpi xmlns:a14="http://schemas.microsoft.com/office/drawing/2010/main" val="0"/>
-              </a:ext>
-            </a:extLst>
-          </a:blip>
-          <a:stretch>
-            <a:fillRect/>
-          </a:stretch>
-        </p:blipFill>
-        <p:spPr>
-          <a:xfrm>
-            <a:off x="10067957" y="253936"/>
-            <a:ext cx="1915704" cy="559235"/>
-          </a:xfrm>
-          <a:prstGeom prst="rect">
-            <a:avLst/>
-          </a:prstGeom>
-        </p:spPr>
-      </p:pic>
-      <p:sp>
-        <p:nvSpPr>
-          <p:cNvPr id="17" name="Slide Body Text">
-            <a:extLst>
-              <a:ext uri="{FF2B5EF4-FFF2-40B4-BE49-F238E27FC236}">
-                <a16:creationId xmlns:a16="http://schemas.microsoft.com/office/drawing/2014/main" id="{1E60575F-8475-4C78-97A7-27D7891D2770}"/>
+                <a16:creationId xmlns:a16="http://schemas.microsoft.com/office/drawing/2014/main" id="{B608ED73-CE88-49E4-8BFC-DBD6E9AE6B10}"/>
               </a:ext>
             </a:extLst>
           </p:cNvPr>
@@ -7918,32 +6289,52 @@
             <a:spLocks noGrp="1"/>
           </p:cNvSpPr>
           <p:nvPr>
-            <p:ph type="body" sz="quarter" idx="12" hasCustomPrompt="1"/>
+            <p:ph type="body" sz="quarter" idx="10" hasCustomPrompt="1"/>
           </p:nvPr>
         </p:nvSpPr>
         <p:spPr>
           <a:xfrm>
-            <a:off x="190402" y="1196125"/>
-            <a:ext cx="11818096" cy="5528766"/>
+            <a:off x="190406" y="1206668"/>
+            <a:ext cx="11804831" cy="5550582"/>
           </a:xfrm>
         </p:spPr>
         <p:txBody>
           <a:bodyPr/>
           <a:lstStyle>
             <a:lvl1pPr latinLnBrk="0">
-              <a:defRPr/>
+              <a:defRPr>
+                <a:solidFill>
+                  <a:schemeClr val="tx1"/>
+                </a:solidFill>
+              </a:defRPr>
             </a:lvl1pPr>
             <a:lvl2pPr latinLnBrk="0">
-              <a:defRPr/>
+              <a:defRPr>
+                <a:solidFill>
+                  <a:schemeClr val="tx1"/>
+                </a:solidFill>
+              </a:defRPr>
             </a:lvl2pPr>
             <a:lvl3pPr latinLnBrk="0">
-              <a:defRPr/>
+              <a:defRPr>
+                <a:solidFill>
+                  <a:schemeClr val="tx1"/>
+                </a:solidFill>
+              </a:defRPr>
             </a:lvl3pPr>
             <a:lvl4pPr latinLnBrk="0">
-              <a:defRPr/>
+              <a:defRPr>
+                <a:solidFill>
+                  <a:schemeClr val="tx1"/>
+                </a:solidFill>
+              </a:defRPr>
             </a:lvl4pPr>
             <a:lvl5pPr latinLnBrk="0">
-              <a:defRPr/>
+              <a:defRPr>
+                <a:solidFill>
+                  <a:schemeClr val="tx1"/>
+                </a:solidFill>
+              </a:defRPr>
             </a:lvl5pPr>
           </a:lstStyle>
           <a:p>
@@ -7957,10 +6348,10 @@
       </p:sp>
       <p:sp>
         <p:nvSpPr>
-          <p:cNvPr id="15" name="Code Box">
+          <p:cNvPr id="4" name="Code Box">
             <a:extLst>
               <a:ext uri="{FF2B5EF4-FFF2-40B4-BE49-F238E27FC236}">
-                <a16:creationId xmlns:a16="http://schemas.microsoft.com/office/drawing/2014/main" id="{29C63EC2-5578-406B-8C2A-23FDE6C14C82}"/>
+                <a16:creationId xmlns:a16="http://schemas.microsoft.com/office/drawing/2014/main" id="{F4E021E9-D6DB-4272-8C9F-CEF4940FDC10}"/>
               </a:ext>
             </a:extLst>
           </p:cNvPr>
@@ -7974,7 +6365,7 @@
         <p:spPr>
           <a:xfrm>
             <a:off x="674683" y="2034000"/>
-            <a:ext cx="10836275" cy="2318684"/>
+            <a:ext cx="10836275" cy="2237893"/>
           </a:xfrm>
           <a:solidFill>
             <a:schemeClr val="accent6">
@@ -7996,15 +6387,6 @@
           </a:bodyPr>
           <a:lstStyle>
             <a:lvl1pPr>
-              <a:lnSpc>
-                <a:spcPct val="110000"/>
-              </a:lnSpc>
-              <a:spcBef>
-                <a:spcPts val="0"/>
-              </a:spcBef>
-              <a:spcAft>
-                <a:spcPts val="0"/>
-              </a:spcAft>
               <a:buNone/>
               <a:defRPr lang="en-US" sz="2800" b="1" smtClean="0">
                 <a:latin typeface="Consolas" pitchFamily="49" charset="0"/>
@@ -8099,8 +6481,8 @@
         </p:nvSpPr>
         <p:spPr>
           <a:xfrm>
-            <a:off x="190406" y="100750"/>
-            <a:ext cx="9715594" cy="882654"/>
+            <a:off x="190405" y="100750"/>
+            <a:ext cx="10239658" cy="882654"/>
           </a:xfrm>
         </p:spPr>
         <p:txBody>
@@ -8122,6 +6504,42 @@
           </a:p>
         </p:txBody>
       </p:sp>
+      <p:pic>
+        <p:nvPicPr>
+          <p:cNvPr id="3" name="Picture 2">
+            <a:extLst>
+              <a:ext uri="{FF2B5EF4-FFF2-40B4-BE49-F238E27FC236}">
+                <a16:creationId xmlns:a16="http://schemas.microsoft.com/office/drawing/2014/main" id="{4B69A4E8-9221-8F79-65B4-BF9AA7F87DD7}"/>
+              </a:ext>
+            </a:extLst>
+          </p:cNvPr>
+          <p:cNvPicPr>
+            <a:picLocks noChangeAspect="1"/>
+          </p:cNvPicPr>
+          <p:nvPr userDrawn="1"/>
+        </p:nvPicPr>
+        <p:blipFill>
+          <a:blip r:embed="rId2" cstate="print">
+            <a:extLst>
+              <a:ext uri="{28A0092B-C50C-407E-A947-70E740481C1C}">
+                <a14:useLocalDpi xmlns:a14="http://schemas.microsoft.com/office/drawing/2010/main" val="0"/>
+              </a:ext>
+            </a:extLst>
+          </a:blip>
+          <a:stretch>
+            <a:fillRect/>
+          </a:stretch>
+        </p:blipFill>
+        <p:spPr>
+          <a:xfrm>
+            <a:off x="10553573" y="368999"/>
+            <a:ext cx="1443361" cy="360001"/>
+          </a:xfrm>
+          <a:prstGeom prst="rect">
+            <a:avLst/>
+          </a:prstGeom>
+        </p:spPr>
+      </p:pic>
     </p:spTree>
     <p:extLst>
       <p:ext uri="{BB962C8B-B14F-4D97-AF65-F5344CB8AC3E}">
@@ -8143,7 +6561,7 @@
 </p:sldLayout>
 </file>
 
-<file path=ppt/slideLayouts/slideLayout9.xml><?xml version="1.0" encoding="utf-8"?>
+<file path=ppt/slideLayouts/slideLayout8.xml><?xml version="1.0" encoding="utf-8"?>
 <p:sldLayout xmlns:a="http://schemas.openxmlformats.org/drawingml/2006/main" xmlns:r="http://schemas.openxmlformats.org/officeDocument/2006/relationships" xmlns:p="http://schemas.openxmlformats.org/presentationml/2006/main" preserve="1">
   <p:cSld name="Demo Slide">
     <p:spTree>
@@ -8220,7 +6638,7 @@
               <a:tabLst/>
               <a:defRPr/>
             </a:pPr>
-            <a:endParaRPr kumimoji="0" lang="en-US" altLang="ko-KR" sz="2398" b="0" i="0" u="none" strike="noStrike" kern="1200" cap="none" spc="0" normalizeH="0" baseline="0" noProof="0" dirty="0">
+            <a:endParaRPr kumimoji="0" lang="en-US" altLang="ko-KR" sz="2398" b="0" i="0" u="none" strike="noStrike" kern="1200" cap="none" spc="0" normalizeH="0" baseline="0" noProof="0">
               <a:ln>
                 <a:noFill/>
               </a:ln>
@@ -8330,6 +6748,335 @@
     <p:extLst>
       <p:ext uri="{BB962C8B-B14F-4D97-AF65-F5344CB8AC3E}">
         <p14:creationId xmlns:p14="http://schemas.microsoft.com/office/powerpoint/2010/main" val="2423919747"/>
+      </p:ext>
+    </p:extLst>
+  </p:cSld>
+  <p:clrMapOvr>
+    <a:masterClrMapping/>
+  </p:clrMapOvr>
+  <mc:AlternateContent xmlns:mc="http://schemas.openxmlformats.org/markup-compatibility/2006" xmlns:p14="http://schemas.microsoft.com/office/powerpoint/2010/main">
+    <mc:Choice Requires="p14">
+      <p:transition spd="slow" p14:dur="2000" advClick="0" advTm="5000"/>
+    </mc:Choice>
+    <mc:Fallback xmlns="">
+      <p:transition spd="slow" advClick="0" advTm="5000"/>
+    </mc:Fallback>
+  </mc:AlternateContent>
+</p:sldLayout>
+</file>
+
+<file path=ppt/slideLayouts/slideLayout9.xml><?xml version="1.0" encoding="utf-8"?>
+<p:sldLayout xmlns:a="http://schemas.openxmlformats.org/drawingml/2006/main" xmlns:r="http://schemas.openxmlformats.org/officeDocument/2006/relationships" xmlns:p="http://schemas.openxmlformats.org/presentationml/2006/main" preserve="1" userDrawn="1">
+  <p:cSld name="Table of Contents">
+    <p:spTree>
+      <p:nvGrpSpPr>
+        <p:cNvPr id="1" name=""/>
+        <p:cNvGrpSpPr/>
+        <p:nvPr/>
+      </p:nvGrpSpPr>
+      <p:grpSpPr>
+        <a:xfrm>
+          <a:off x="0" y="0"/>
+          <a:ext cx="0" cy="0"/>
+          <a:chOff x="0" y="0"/>
+          <a:chExt cx="0" cy="0"/>
+        </a:xfrm>
+      </p:grpSpPr>
+      <p:sp>
+        <p:nvSpPr>
+          <p:cNvPr id="10" name="Slide Number">
+            <a:extLst>
+              <a:ext uri="{FF2B5EF4-FFF2-40B4-BE49-F238E27FC236}">
+                <a16:creationId xmlns:a16="http://schemas.microsoft.com/office/drawing/2014/main" id="{39DDE17E-5472-41F3-AF5F-54DFF10DC63C}"/>
+              </a:ext>
+            </a:extLst>
+          </p:cNvPr>
+          <p:cNvSpPr>
+            <a:spLocks noGrp="1"/>
+          </p:cNvSpPr>
+          <p:nvPr>
+            <p:ph type="sldNum" sz="quarter" idx="4"/>
+          </p:nvPr>
+        </p:nvSpPr>
+        <p:spPr>
+          <a:xfrm>
+            <a:off x="11753030" y="6507000"/>
+            <a:ext cx="367414" cy="297000"/>
+          </a:xfrm>
+          <a:prstGeom prst="rect">
+            <a:avLst/>
+          </a:prstGeom>
+        </p:spPr>
+        <p:txBody>
+          <a:bodyPr vert="horz" lIns="91440" tIns="45720" rIns="91440" bIns="45720" rtlCol="0" anchor="b"/>
+          <a:lstStyle>
+            <a:lvl1pPr algn="r">
+              <a:defRPr sz="1000"/>
+            </a:lvl1pPr>
+          </a:lstStyle>
+          <a:p>
+            <a:fld id="{2BF067CD-8E6B-4360-9AA8-C5DF2A48A6D1}" type="slidenum">
+              <a:rPr lang="en-US" noProof="0" smtClean="0"/>
+              <a:pPr/>
+              <a:t>‹#›</a:t>
+            </a:fld>
+            <a:endParaRPr lang="en-US" noProof="0"/>
+          </a:p>
+        </p:txBody>
+      </p:sp>
+      <p:sp>
+        <p:nvSpPr>
+          <p:cNvPr id="23" name="Slide Body Text">
+            <a:extLst>
+              <a:ext uri="{FF2B5EF4-FFF2-40B4-BE49-F238E27FC236}">
+                <a16:creationId xmlns:a16="http://schemas.microsoft.com/office/drawing/2014/main" id="{889D93F4-ABFA-46BF-8E5D-FE6562ACB20F}"/>
+              </a:ext>
+            </a:extLst>
+          </p:cNvPr>
+          <p:cNvSpPr>
+            <a:spLocks noGrp="1"/>
+          </p:cNvSpPr>
+          <p:nvPr>
+            <p:ph type="body" sz="quarter" idx="13" hasCustomPrompt="1"/>
+          </p:nvPr>
+        </p:nvSpPr>
+        <p:spPr>
+          <a:xfrm>
+            <a:off x="196766" y="1371604"/>
+            <a:ext cx="11781606" cy="5207396"/>
+          </a:xfrm>
+        </p:spPr>
+        <p:txBody>
+          <a:bodyPr>
+            <a:normAutofit/>
+          </a:bodyPr>
+          <a:lstStyle>
+            <a:lvl1pPr marL="514042" indent="-514042" latinLnBrk="0">
+              <a:buFont typeface="+mj-lt"/>
+              <a:buAutoNum type="arabicPeriod"/>
+              <a:defRPr sz="3600">
+                <a:solidFill>
+                  <a:schemeClr val="tx1"/>
+                </a:solidFill>
+              </a:defRPr>
+            </a:lvl1pPr>
+            <a:lvl2pPr>
+              <a:defRPr sz="3400"/>
+            </a:lvl2pPr>
+          </a:lstStyle>
+          <a:p>
+            <a:pPr lvl="0"/>
+            <a:r>
+              <a:rPr lang="en-US" noProof="0" dirty="0"/>
+              <a:t>…</a:t>
+            </a:r>
+          </a:p>
+          <a:p>
+            <a:pPr lvl="1"/>
+            <a:r>
+              <a:rPr lang="en-US" noProof="0" dirty="0"/>
+              <a:t>…</a:t>
+            </a:r>
+          </a:p>
+          <a:p>
+            <a:pPr lvl="1"/>
+            <a:r>
+              <a:rPr lang="en-US" noProof="0" dirty="0"/>
+              <a:t>…</a:t>
+            </a:r>
+          </a:p>
+          <a:p>
+            <a:pPr lvl="0"/>
+            <a:r>
+              <a:rPr lang="en-US" noProof="0" dirty="0"/>
+              <a:t>…</a:t>
+            </a:r>
+          </a:p>
+          <a:p>
+            <a:pPr lvl="1"/>
+            <a:r>
+              <a:rPr lang="en-US" noProof="0" dirty="0"/>
+              <a:t>…</a:t>
+            </a:r>
+          </a:p>
+          <a:p>
+            <a:pPr lvl="1"/>
+            <a:r>
+              <a:rPr lang="en-US" noProof="0" dirty="0"/>
+              <a:t>…</a:t>
+            </a:r>
+          </a:p>
+          <a:p>
+            <a:pPr lvl="0"/>
+            <a:r>
+              <a:rPr lang="en-US" noProof="0" dirty="0"/>
+              <a:t>…</a:t>
+            </a:r>
+          </a:p>
+        </p:txBody>
+      </p:sp>
+      <p:sp>
+        <p:nvSpPr>
+          <p:cNvPr id="8" name="Rectangle Top">
+            <a:extLst>
+              <a:ext uri="{FF2B5EF4-FFF2-40B4-BE49-F238E27FC236}">
+                <a16:creationId xmlns:a16="http://schemas.microsoft.com/office/drawing/2014/main" id="{930E0800-9260-4369-8330-8264DD33C5CE}"/>
+              </a:ext>
+            </a:extLst>
+          </p:cNvPr>
+          <p:cNvSpPr/>
+          <p:nvPr userDrawn="1"/>
+        </p:nvSpPr>
+        <p:spPr>
+          <a:xfrm>
+            <a:off x="0" y="0"/>
+            <a:ext cx="12196800" cy="1095376"/>
+          </a:xfrm>
+          <a:prstGeom prst="rect">
+            <a:avLst/>
+          </a:prstGeom>
+          <a:solidFill>
+            <a:schemeClr val="tx2"/>
+          </a:solidFill>
+          <a:ln>
+            <a:noFill/>
+          </a:ln>
+        </p:spPr>
+        <p:style>
+          <a:lnRef idx="2">
+            <a:schemeClr val="accent1">
+              <a:shade val="50000"/>
+            </a:schemeClr>
+          </a:lnRef>
+          <a:fillRef idx="1">
+            <a:schemeClr val="accent1"/>
+          </a:fillRef>
+          <a:effectRef idx="0">
+            <a:schemeClr val="accent1"/>
+          </a:effectRef>
+          <a:fontRef idx="minor">
+            <a:schemeClr val="lt1"/>
+          </a:fontRef>
+        </p:style>
+        <p:txBody>
+          <a:bodyPr rtlCol="0" anchor="ctr"/>
+          <a:lstStyle/>
+          <a:p>
+            <a:pPr marL="0" marR="0" lvl="0" indent="0" algn="ctr" defTabSz="913852" rtl="0" eaLnBrk="1" fontAlgn="auto" latinLnBrk="0" hangingPunct="1">
+              <a:lnSpc>
+                <a:spcPct val="100000"/>
+              </a:lnSpc>
+              <a:spcBef>
+                <a:spcPts val="0"/>
+              </a:spcBef>
+              <a:spcAft>
+                <a:spcPts val="0"/>
+              </a:spcAft>
+              <a:buClrTx/>
+              <a:buSzTx/>
+              <a:buFontTx/>
+              <a:buNone/>
+              <a:tabLst/>
+              <a:defRPr/>
+            </a:pPr>
+            <a:endParaRPr kumimoji="0" lang="en-US" altLang="ko-KR" sz="2398" b="0" i="0" u="none" strike="noStrike" kern="1200" cap="none" spc="0" normalizeH="0" baseline="0" noProof="0">
+              <a:ln>
+                <a:noFill/>
+              </a:ln>
+              <a:solidFill>
+                <a:srgbClr val="F7C86D"/>
+              </a:solidFill>
+              <a:effectLst/>
+              <a:uLnTx/>
+              <a:uFillTx/>
+              <a:latin typeface="Calibri" panose="020F0502020204030204"/>
+              <a:ea typeface="맑은 고딕" panose="020B0503020000020004" pitchFamily="34" charset="-127"/>
+              <a:cs typeface="+mn-cs"/>
+            </a:endParaRPr>
+          </a:p>
+        </p:txBody>
+      </p:sp>
+      <p:sp>
+        <p:nvSpPr>
+          <p:cNvPr id="13" name="Slide Title">
+            <a:extLst>
+              <a:ext uri="{FF2B5EF4-FFF2-40B4-BE49-F238E27FC236}">
+                <a16:creationId xmlns:a16="http://schemas.microsoft.com/office/drawing/2014/main" id="{357D7BE1-6358-42CC-94F3-7BCDD91DCB6D}"/>
+              </a:ext>
+            </a:extLst>
+          </p:cNvPr>
+          <p:cNvSpPr>
+            <a:spLocks noGrp="1"/>
+          </p:cNvSpPr>
+          <p:nvPr>
+            <p:ph type="title" hasCustomPrompt="1"/>
+          </p:nvPr>
+        </p:nvSpPr>
+        <p:spPr>
+          <a:xfrm>
+            <a:off x="190406" y="100750"/>
+            <a:ext cx="10270594" cy="882654"/>
+          </a:xfrm>
+        </p:spPr>
+        <p:txBody>
+          <a:bodyPr/>
+          <a:lstStyle>
+            <a:lvl1pPr latinLnBrk="0">
+              <a:defRPr>
+                <a:solidFill>
+                  <a:schemeClr val="bg2"/>
+                </a:solidFill>
+              </a:defRPr>
+            </a:lvl1pPr>
+          </a:lstStyle>
+          <a:p>
+            <a:r>
+              <a:rPr lang="en-US" noProof="0" dirty="0"/>
+              <a:t>Table of Contents</a:t>
+            </a:r>
+          </a:p>
+        </p:txBody>
+      </p:sp>
+      <p:pic>
+        <p:nvPicPr>
+          <p:cNvPr id="3" name="Picture 2">
+            <a:extLst>
+              <a:ext uri="{FF2B5EF4-FFF2-40B4-BE49-F238E27FC236}">
+                <a16:creationId xmlns:a16="http://schemas.microsoft.com/office/drawing/2014/main" id="{4FD808AB-EC49-1578-0005-D58D2A365AA1}"/>
+              </a:ext>
+            </a:extLst>
+          </p:cNvPr>
+          <p:cNvPicPr>
+            <a:picLocks noChangeAspect="1"/>
+          </p:cNvPicPr>
+          <p:nvPr userDrawn="1"/>
+        </p:nvPicPr>
+        <p:blipFill>
+          <a:blip r:embed="rId2" cstate="print">
+            <a:extLst>
+              <a:ext uri="{28A0092B-C50C-407E-A947-70E740481C1C}">
+                <a14:useLocalDpi xmlns:a14="http://schemas.microsoft.com/office/drawing/2010/main" val="0"/>
+              </a:ext>
+            </a:extLst>
+          </a:blip>
+          <a:stretch>
+            <a:fillRect/>
+          </a:stretch>
+        </p:blipFill>
+        <p:spPr>
+          <a:xfrm>
+            <a:off x="10553573" y="368999"/>
+            <a:ext cx="1443361" cy="360001"/>
+          </a:xfrm>
+          <a:prstGeom prst="rect">
+            <a:avLst/>
+          </a:prstGeom>
+        </p:spPr>
+      </p:pic>
+    </p:spTree>
+    <p:extLst>
+      <p:ext uri="{BB962C8B-B14F-4D97-AF65-F5344CB8AC3E}">
+        <p14:creationId xmlns:p14="http://schemas.microsoft.com/office/powerpoint/2010/main" val="1028724482"/>
       </p:ext>
     </p:extLst>
   </p:cSld>
@@ -8372,35 +7119,6 @@
           <a:chExt cx="0" cy="0"/>
         </a:xfrm>
       </p:grpSpPr>
-      <p:pic>
-        <p:nvPicPr>
-          <p:cNvPr id="4" name="Picture Background" descr="SoftUni Background">
-            <a:extLst>
-              <a:ext uri="{FF2B5EF4-FFF2-40B4-BE49-F238E27FC236}">
-                <a16:creationId xmlns:a16="http://schemas.microsoft.com/office/drawing/2014/main" id="{5BE90A63-DDD9-4B3B-A234-DF69B9BC812F}"/>
-              </a:ext>
-            </a:extLst>
-          </p:cNvPr>
-          <p:cNvPicPr>
-            <a:picLocks noChangeAspect="1"/>
-          </p:cNvPicPr>
-          <p:nvPr userDrawn="1"/>
-        </p:nvPicPr>
-        <p:blipFill rotWithShape="1">
-          <a:blip r:embed="rId15"/>
-          <a:srcRect b="1672"/>
-          <a:stretch/>
-        </p:blipFill>
-        <p:spPr>
-          <a:xfrm>
-            <a:off x="0" y="1"/>
-            <a:ext cx="12192000" cy="6857999"/>
-          </a:xfrm>
-          <a:prstGeom prst="rect">
-            <a:avLst/>
-          </a:prstGeom>
-        </p:spPr>
-      </p:pic>
       <p:sp>
         <p:nvSpPr>
           <p:cNvPr id="11" name="Slide Body Text">
@@ -8517,19 +7235,18 @@
   </p:cSld>
   <p:clrMap bg1="lt1" tx1="dk1" bg2="lt2" tx2="dk2" accent1="accent1" accent2="accent2" accent3="accent3" accent4="accent4" accent5="accent5" accent6="accent6" hlink="hlink" folHlink="folHlink"/>
   <p:sldLayoutIdLst>
-    <p:sldLayoutId id="2147483676" r:id="rId1"/>
+    <p:sldLayoutId id="2147483691" r:id="rId1"/>
     <p:sldLayoutId id="2147483689" r:id="rId2"/>
     <p:sldLayoutId id="2147483681" r:id="rId3"/>
-    <p:sldLayoutId id="2147483677" r:id="rId4"/>
-    <p:sldLayoutId id="2147483679" r:id="rId5"/>
-    <p:sldLayoutId id="2147483680" r:id="rId6"/>
-    <p:sldLayoutId id="2147483688" r:id="rId7"/>
-    <p:sldLayoutId id="2147483684" r:id="rId8"/>
-    <p:sldLayoutId id="2147483690" r:id="rId9"/>
+    <p:sldLayoutId id="2147483679" r:id="rId4"/>
+    <p:sldLayoutId id="2147483680" r:id="rId5"/>
+    <p:sldLayoutId id="2147483688" r:id="rId6"/>
+    <p:sldLayoutId id="2147483684" r:id="rId7"/>
+    <p:sldLayoutId id="2147483690" r:id="rId8"/>
+    <p:sldLayoutId id="2147483677" r:id="rId9"/>
     <p:sldLayoutId id="2147483683" r:id="rId10"/>
     <p:sldLayoutId id="2147483685" r:id="rId11"/>
     <p:sldLayoutId id="2147483686" r:id="rId12"/>
-    <p:sldLayoutId id="2147483687" r:id="rId13"/>
   </p:sldLayoutIdLst>
   <mc:AlternateContent xmlns:mc="http://schemas.openxmlformats.org/markup-compatibility/2006" xmlns:p14="http://schemas.microsoft.com/office/powerpoint/2010/main">
     <mc:Choice Requires="p14">
@@ -8858,6 +7575,149 @@
       </p:grpSpPr>
       <p:sp>
         <p:nvSpPr>
+          <p:cNvPr id="12" name="Text Placeholder 11"/>
+          <p:cNvSpPr>
+            <a:spLocks noGrp="1"/>
+          </p:cNvSpPr>
+          <p:nvPr>
+            <p:ph type="body" sz="quarter" idx="22"/>
+          </p:nvPr>
+        </p:nvSpPr>
+        <p:spPr>
+          <a:xfrm>
+            <a:off x="6390120" y="5949000"/>
+            <a:ext cx="5248260" cy="341313"/>
+          </a:xfrm>
+        </p:spPr>
+        <p:txBody>
+          <a:bodyPr/>
+          <a:lstStyle/>
+          <a:p>
+            <a:r>
+              <a:rPr lang="bg-BG" sz="2350" dirty="0"/>
+              <a:t>Софтуерни и хардуерни науки</a:t>
+            </a:r>
+            <a:endParaRPr lang="bg-BG" sz="2400" dirty="0"/>
+          </a:p>
+        </p:txBody>
+      </p:sp>
+      <p:sp>
+        <p:nvSpPr>
+          <p:cNvPr id="11" name="Text Placeholder 10"/>
+          <p:cNvSpPr>
+            <a:spLocks noGrp="1"/>
+          </p:cNvSpPr>
+          <p:nvPr>
+            <p:ph type="body" sz="quarter" idx="21"/>
+          </p:nvPr>
+        </p:nvSpPr>
+        <p:spPr>
+          <a:xfrm>
+            <a:off x="6390122" y="5544000"/>
+            <a:ext cx="5248260" cy="374236"/>
+          </a:xfrm>
+        </p:spPr>
+        <p:txBody>
+          <a:bodyPr>
+            <a:normAutofit fontScale="85000" lnSpcReduction="20000"/>
+          </a:bodyPr>
+          <a:lstStyle/>
+          <a:p>
+            <a:r>
+              <a:rPr lang="bg-BG" sz="2750" dirty="0">
+                <a:solidFill>
+                  <a:srgbClr val="234465"/>
+                </a:solidFill>
+              </a:rPr>
+              <a:t>Курс "</a:t>
+            </a:r>
+            <a:r>
+              <a:rPr lang="ru-RU" sz="2750" dirty="0">
+                <a:solidFill>
+                  <a:srgbClr val="234465"/>
+                </a:solidFill>
+              </a:rPr>
+              <a:t>Структури от данни и алгоритми</a:t>
+            </a:r>
+            <a:r>
+              <a:rPr lang="bg-BG" sz="2750" dirty="0">
+                <a:solidFill>
+                  <a:srgbClr val="234465"/>
+                </a:solidFill>
+              </a:rPr>
+              <a:t>"</a:t>
+            </a:r>
+            <a:endParaRPr lang="bg-BG" sz="2800" dirty="0">
+              <a:solidFill>
+                <a:srgbClr val="234465"/>
+              </a:solidFill>
+            </a:endParaRPr>
+          </a:p>
+        </p:txBody>
+      </p:sp>
+      <p:sp>
+        <p:nvSpPr>
+          <p:cNvPr id="8" name="Text Placeholder 7"/>
+          <p:cNvSpPr>
+            <a:spLocks noGrp="1"/>
+          </p:cNvSpPr>
+          <p:nvPr>
+            <p:ph type="body" sz="quarter" idx="18"/>
+          </p:nvPr>
+        </p:nvSpPr>
+        <p:spPr>
+          <a:xfrm>
+            <a:off x="534045" y="5877444"/>
+            <a:ext cx="4751953" cy="341556"/>
+          </a:xfrm>
+        </p:spPr>
+        <p:txBody>
+          <a:bodyPr/>
+          <a:lstStyle/>
+          <a:p>
+            <a:r>
+              <a:rPr lang="en-US" dirty="0">
+                <a:hlinkClick r:id="rId3"/>
+              </a:rPr>
+              <a:t>https://github.com/BG-IT-Edu</a:t>
+            </a:r>
+            <a:endParaRPr lang="bg-BG" dirty="0"/>
+          </a:p>
+        </p:txBody>
+      </p:sp>
+      <p:sp>
+        <p:nvSpPr>
+          <p:cNvPr id="7" name="Text Placeholder 6"/>
+          <p:cNvSpPr>
+            <a:spLocks noGrp="1"/>
+          </p:cNvSpPr>
+          <p:nvPr>
+            <p:ph type="body" sz="quarter" idx="17"/>
+          </p:nvPr>
+        </p:nvSpPr>
+        <p:spPr>
+          <a:xfrm>
+            <a:off x="534046" y="5251106"/>
+            <a:ext cx="6056954" cy="724904"/>
+          </a:xfrm>
+        </p:spPr>
+        <p:txBody>
+          <a:bodyPr/>
+          <a:lstStyle/>
+          <a:p>
+            <a:r>
+              <a:rPr lang="bg-BG" sz="1950" dirty="0">
+                <a:solidFill>
+                  <a:srgbClr val="234465"/>
+                </a:solidFill>
+              </a:rPr>
+              <a:t>Проект "Отворено учебно съдържание по програмиране и ИТ", СофтУни Фондация</a:t>
+            </a:r>
+          </a:p>
+        </p:txBody>
+      </p:sp>
+      <p:sp>
+        <p:nvSpPr>
           <p:cNvPr id="6" name="Subtitle 5"/>
           <p:cNvSpPr>
             <a:spLocks noGrp="1"/>
@@ -8909,123 +7769,6 @@
           </a:p>
         </p:txBody>
       </p:sp>
-      <p:sp>
-        <p:nvSpPr>
-          <p:cNvPr id="7" name="Text Placeholder 6"/>
-          <p:cNvSpPr>
-            <a:spLocks noGrp="1"/>
-          </p:cNvSpPr>
-          <p:nvPr>
-            <p:ph type="body" sz="quarter" idx="17"/>
-          </p:nvPr>
-        </p:nvSpPr>
-        <p:spPr/>
-        <p:txBody>
-          <a:bodyPr/>
-          <a:lstStyle/>
-          <a:p>
-            <a:r>
-              <a:rPr lang="en-US" sz="1950" dirty="0">
-                <a:ea typeface="+mn-lt"/>
-                <a:cs typeface="+mn-lt"/>
-              </a:rPr>
-              <a:t>Софтуерен университет</a:t>
-            </a:r>
-            <a:endParaRPr lang="en-US" sz="1950" b="0" dirty="0">
-              <a:ea typeface="+mn-lt"/>
-              <a:cs typeface="+mn-lt"/>
-            </a:endParaRPr>
-          </a:p>
-        </p:txBody>
-      </p:sp>
-      <p:sp>
-        <p:nvSpPr>
-          <p:cNvPr id="8" name="Text Placeholder 7"/>
-          <p:cNvSpPr>
-            <a:spLocks noGrp="1"/>
-          </p:cNvSpPr>
-          <p:nvPr>
-            <p:ph type="body" sz="quarter" idx="18"/>
-          </p:nvPr>
-        </p:nvSpPr>
-        <p:spPr/>
-        <p:txBody>
-          <a:bodyPr/>
-          <a:lstStyle/>
-          <a:p>
-            <a:r>
-              <a:rPr lang="en-US" dirty="0">
-                <a:hlinkClick r:id="rId3"/>
-              </a:rPr>
-              <a:t>https://about.softuni.bg/</a:t>
-            </a:r>
-            <a:endParaRPr lang="en-US" dirty="0"/>
-          </a:p>
-        </p:txBody>
-      </p:sp>
-      <p:sp>
-        <p:nvSpPr>
-          <p:cNvPr id="11" name="Text Placeholder 10"/>
-          <p:cNvSpPr>
-            <a:spLocks noGrp="1"/>
-          </p:cNvSpPr>
-          <p:nvPr>
-            <p:ph type="body" sz="quarter" idx="19"/>
-          </p:nvPr>
-        </p:nvSpPr>
-        <p:spPr/>
-        <p:txBody>
-          <a:bodyPr/>
-          <a:lstStyle/>
-          <a:p>
-            <a:r>
-              <a:rPr lang="en-US" sz="2750" dirty="0">
-                <a:ea typeface="+mn-lt"/>
-                <a:cs typeface="+mn-lt"/>
-              </a:rPr>
-              <a:t>СофтУни</a:t>
-            </a:r>
-            <a:endParaRPr lang="en-US" sz="2750" b="0" dirty="0">
-              <a:ea typeface="+mn-lt"/>
-              <a:cs typeface="+mn-lt"/>
-            </a:endParaRPr>
-          </a:p>
-        </p:txBody>
-      </p:sp>
-      <p:sp>
-        <p:nvSpPr>
-          <p:cNvPr id="12" name="Text Placeholder 11"/>
-          <p:cNvSpPr>
-            <a:spLocks noGrp="1"/>
-          </p:cNvSpPr>
-          <p:nvPr>
-            <p:ph type="body" sz="quarter" idx="20"/>
-          </p:nvPr>
-        </p:nvSpPr>
-        <p:spPr>
-          <a:xfrm>
-            <a:off x="554525" y="5347472"/>
-            <a:ext cx="3252062" cy="437098"/>
-          </a:xfrm>
-        </p:spPr>
-        <p:txBody>
-          <a:bodyPr/>
-          <a:lstStyle/>
-          <a:p>
-            <a:r>
-              <a:rPr lang="en-US" sz="2350" dirty="0">
-                <a:ea typeface="+mn-lt"/>
-                <a:cs typeface="+mn-lt"/>
-              </a:rPr>
-              <a:t>Преподавателски екип</a:t>
-            </a:r>
-            <a:endParaRPr lang="en-US" sz="2350" b="0" dirty="0">
-              <a:ea typeface="+mn-lt"/>
-              <a:cs typeface="+mn-lt"/>
-            </a:endParaRPr>
-          </a:p>
-        </p:txBody>
-      </p:sp>
       <p:grpSp>
         <p:nvGrpSpPr>
           <p:cNvPr id="4" name="Group 3">
@@ -9040,7 +7783,7 @@
         </p:nvGrpSpPr>
         <p:grpSpPr>
           <a:xfrm>
-            <a:off x="3329919" y="2204864"/>
+            <a:off x="6906000" y="2406501"/>
             <a:ext cx="5532165" cy="2044998"/>
             <a:chOff x="3503612" y="2606207"/>
             <a:chExt cx="3810000" cy="1408389"/>
@@ -9764,7 +8507,7 @@
     </p:spTree>
     <p:extLst>
       <p:ext uri="{BB962C8B-B14F-4D97-AF65-F5344CB8AC3E}">
-        <p14:creationId xmlns:p14="http://schemas.microsoft.com/office/powerpoint/2010/main" val="2486467892"/>
+        <p14:creationId xmlns:p14="http://schemas.microsoft.com/office/powerpoint/2010/main" val="3283324725"/>
       </p:ext>
     </p:extLst>
   </p:cSld>
@@ -10876,10 +9619,10 @@
       </p:sp>
       <p:sp>
         <p:nvSpPr>
-          <p:cNvPr id="20" name="Slide Number">
+          <p:cNvPr id="2" name="Slide Number">
             <a:extLst>
               <a:ext uri="{FF2B5EF4-FFF2-40B4-BE49-F238E27FC236}">
-                <a16:creationId xmlns:a16="http://schemas.microsoft.com/office/drawing/2014/main" id="{DF59AFE2-54DA-4877-A3D4-FFD1E114D08B}"/>
+                <a16:creationId xmlns:a16="http://schemas.microsoft.com/office/drawing/2014/main" id="{A6EEBCB3-C16E-EB5E-A1FE-A58D3ECF2DD9}"/>
               </a:ext>
             </a:extLst>
           </p:cNvPr>
@@ -10919,7 +9662,7 @@
     </p:spTree>
     <p:extLst>
       <p:ext uri="{BB962C8B-B14F-4D97-AF65-F5344CB8AC3E}">
-        <p14:creationId xmlns:p14="http://schemas.microsoft.com/office/powerpoint/2010/main" val="2174276472"/>
+        <p14:creationId xmlns:p14="http://schemas.microsoft.com/office/powerpoint/2010/main" val="1910107431"/>
       </p:ext>
     </p:extLst>
   </p:cSld>
@@ -12415,10 +11158,10 @@
       </p:sp>
       <p:sp>
         <p:nvSpPr>
-          <p:cNvPr id="16" name="Slide Number">
+          <p:cNvPr id="2" name="Slide Number">
             <a:extLst>
               <a:ext uri="{FF2B5EF4-FFF2-40B4-BE49-F238E27FC236}">
-                <a16:creationId xmlns:a16="http://schemas.microsoft.com/office/drawing/2014/main" id="{04335CA4-3C7A-4687-9878-35A24B89CA09}"/>
+                <a16:creationId xmlns:a16="http://schemas.microsoft.com/office/drawing/2014/main" id="{BADCCF4D-4F76-C646-D065-A0F37807C073}"/>
               </a:ext>
             </a:extLst>
           </p:cNvPr>
@@ -12458,7 +11201,7 @@
     </p:spTree>
     <p:extLst>
       <p:ext uri="{BB962C8B-B14F-4D97-AF65-F5344CB8AC3E}">
-        <p14:creationId xmlns:p14="http://schemas.microsoft.com/office/powerpoint/2010/main" val="3221885093"/>
+        <p14:creationId xmlns:p14="http://schemas.microsoft.com/office/powerpoint/2010/main" val="4098567443"/>
       </p:ext>
     </p:extLst>
   </p:cSld>
@@ -13575,10 +12318,10 @@
       </p:sp>
       <p:sp>
         <p:nvSpPr>
-          <p:cNvPr id="11" name="Slide Number">
+          <p:cNvPr id="2" name="Slide Number">
             <a:extLst>
               <a:ext uri="{FF2B5EF4-FFF2-40B4-BE49-F238E27FC236}">
-                <a16:creationId xmlns:a16="http://schemas.microsoft.com/office/drawing/2014/main" id="{D6CBCF53-F163-434C-8115-BEC7523DE3C8}"/>
+                <a16:creationId xmlns:a16="http://schemas.microsoft.com/office/drawing/2014/main" id="{E043D925-9CF8-E63A-DF55-5B3B3F0AFF1F}"/>
               </a:ext>
             </a:extLst>
           </p:cNvPr>
@@ -13618,7 +12361,7 @@
     </p:spTree>
     <p:extLst>
       <p:ext uri="{BB962C8B-B14F-4D97-AF65-F5344CB8AC3E}">
-        <p14:creationId xmlns:p14="http://schemas.microsoft.com/office/powerpoint/2010/main" val="3539376086"/>
+        <p14:creationId xmlns:p14="http://schemas.microsoft.com/office/powerpoint/2010/main" val="551363719"/>
       </p:ext>
     </p:extLst>
   </p:cSld>
@@ -14299,10 +13042,10 @@
       </p:sp>
       <p:sp>
         <p:nvSpPr>
-          <p:cNvPr id="13" name="Slide Number">
+          <p:cNvPr id="2" name="Slide Number">
             <a:extLst>
               <a:ext uri="{FF2B5EF4-FFF2-40B4-BE49-F238E27FC236}">
-                <a16:creationId xmlns:a16="http://schemas.microsoft.com/office/drawing/2014/main" id="{1110B29F-F5D7-4220-9455-E92300069264}"/>
+                <a16:creationId xmlns:a16="http://schemas.microsoft.com/office/drawing/2014/main" id="{2D6E87C7-DF4B-E286-C886-492C172C0198}"/>
               </a:ext>
             </a:extLst>
           </p:cNvPr>
@@ -14342,7 +13085,7 @@
     </p:spTree>
     <p:extLst>
       <p:ext uri="{BB962C8B-B14F-4D97-AF65-F5344CB8AC3E}">
-        <p14:creationId xmlns:p14="http://schemas.microsoft.com/office/powerpoint/2010/main" val="383450922"/>
+        <p14:creationId xmlns:p14="http://schemas.microsoft.com/office/powerpoint/2010/main" val="1726577585"/>
       </p:ext>
     </p:extLst>
   </p:cSld>
@@ -15025,10 +13768,76 @@
       </p:sp>
       <p:sp>
         <p:nvSpPr>
-          <p:cNvPr id="5" name="Slide Number">
+          <p:cNvPr id="6" name="TextBox 5">
             <a:extLst>
               <a:ext uri="{FF2B5EF4-FFF2-40B4-BE49-F238E27FC236}">
-                <a16:creationId xmlns:a16="http://schemas.microsoft.com/office/drawing/2014/main" id="{20EC7E3C-5CAB-4F81-A1ED-6B77398ACE20}"/>
+                <a16:creationId xmlns:a16="http://schemas.microsoft.com/office/drawing/2014/main" id="{7D670098-61F6-4EC1-8CAA-24FCEF06A645}"/>
+              </a:ext>
+            </a:extLst>
+          </p:cNvPr>
+          <p:cNvSpPr txBox="1"/>
+          <p:nvPr/>
+        </p:nvSpPr>
+        <p:spPr>
+          <a:xfrm>
+            <a:off x="763389" y="6354000"/>
+            <a:ext cx="10589042" cy="369236"/>
+          </a:xfrm>
+          <a:prstGeom prst="rect">
+            <a:avLst/>
+          </a:prstGeom>
+          <a:noFill/>
+        </p:spPr>
+        <p:txBody>
+          <a:bodyPr wrap="square" lIns="91440" tIns="45720" rIns="91440" bIns="45720" rtlCol="0" anchor="t">
+            <a:spAutoFit/>
+          </a:bodyPr>
+          <a:lstStyle/>
+          <a:p>
+            <a:pPr algn="ctr"/>
+            <a:r>
+              <a:rPr lang="en-US" sz="1750" dirty="0">
+                <a:ea typeface="+mn-lt"/>
+                <a:cs typeface="+mn-lt"/>
+              </a:rPr>
+              <a:t>Тествайте решението</a:t>
+            </a:r>
+            <a:r>
+              <a:rPr lang="bg-BG" sz="1750" dirty="0">
+                <a:ea typeface="+mn-lt"/>
+                <a:cs typeface="+mn-lt"/>
+              </a:rPr>
+              <a:t> си</a:t>
+            </a:r>
+            <a:r>
+              <a:rPr lang="en-US" sz="1750" dirty="0">
+                <a:ea typeface="+mn-lt"/>
+                <a:cs typeface="+mn-lt"/>
+              </a:rPr>
+              <a:t> в Judge</a:t>
+            </a:r>
+            <a:r>
+              <a:rPr lang="en-US" sz="1750" dirty="0"/>
+              <a:t>: </a:t>
+            </a:r>
+            <a:r>
+              <a:rPr lang="en-US" sz="1750" u="sng" dirty="0">
+                <a:hlinkClick r:id="rId2"/>
+              </a:rPr>
+              <a:t>https://judge.softuni.org/Contests/Practice/Index/4153#0</a:t>
+            </a:r>
+            <a:endParaRPr lang="en-US" sz="1750" dirty="0">
+              <a:cs typeface="Calibri"/>
+            </a:endParaRPr>
+          </a:p>
+        </p:txBody>
+      </p:sp>
+      <p:sp>
+        <p:nvSpPr>
+          <p:cNvPr id="2" name="Slide Number">
+            <a:extLst>
+              <a:ext uri="{FF2B5EF4-FFF2-40B4-BE49-F238E27FC236}">
+                <a16:creationId xmlns:a16="http://schemas.microsoft.com/office/drawing/2014/main" id="{772B94E6-4AC0-E1D0-5142-9AEA90A4EB03}"/>
               </a:ext>
             </a:extLst>
           </p:cNvPr>
@@ -15065,76 +13874,10 @@
           </a:p>
         </p:txBody>
       </p:sp>
-      <p:sp>
-        <p:nvSpPr>
-          <p:cNvPr id="6" name="TextBox 5">
-            <a:extLst>
-              <a:ext uri="{FF2B5EF4-FFF2-40B4-BE49-F238E27FC236}">
-                <a16:creationId xmlns:a16="http://schemas.microsoft.com/office/drawing/2014/main" id="{7D670098-61F6-4EC1-8CAA-24FCEF06A645}"/>
-              </a:ext>
-            </a:extLst>
-          </p:cNvPr>
-          <p:cNvSpPr txBox="1"/>
-          <p:nvPr/>
-        </p:nvSpPr>
-        <p:spPr>
-          <a:xfrm>
-            <a:off x="763389" y="6354000"/>
-            <a:ext cx="10589042" cy="369236"/>
-          </a:xfrm>
-          <a:prstGeom prst="rect">
-            <a:avLst/>
-          </a:prstGeom>
-          <a:noFill/>
-        </p:spPr>
-        <p:txBody>
-          <a:bodyPr wrap="square" lIns="91440" tIns="45720" rIns="91440" bIns="45720" rtlCol="0" anchor="t">
-            <a:spAutoFit/>
-          </a:bodyPr>
-          <a:lstStyle/>
-          <a:p>
-            <a:pPr algn="ctr"/>
-            <a:r>
-              <a:rPr lang="en-US" sz="1750" dirty="0">
-                <a:ea typeface="+mn-lt"/>
-                <a:cs typeface="+mn-lt"/>
-              </a:rPr>
-              <a:t>Тествайте решението</a:t>
-            </a:r>
-            <a:r>
-              <a:rPr lang="bg-BG" sz="1750" dirty="0">
-                <a:ea typeface="+mn-lt"/>
-                <a:cs typeface="+mn-lt"/>
-              </a:rPr>
-              <a:t> си</a:t>
-            </a:r>
-            <a:r>
-              <a:rPr lang="en-US" sz="1750" dirty="0">
-                <a:ea typeface="+mn-lt"/>
-                <a:cs typeface="+mn-lt"/>
-              </a:rPr>
-              <a:t> в Judge</a:t>
-            </a:r>
-            <a:r>
-              <a:rPr lang="en-US" sz="1750" dirty="0"/>
-              <a:t>: </a:t>
-            </a:r>
-            <a:r>
-              <a:rPr lang="en-US" sz="1750" u="sng" dirty="0">
-                <a:hlinkClick r:id="rId2"/>
-              </a:rPr>
-              <a:t>https://judge.softuni.org/Contests/Practice/Index/4153#0</a:t>
-            </a:r>
-            <a:endParaRPr lang="en-US" sz="1750" dirty="0">
-              <a:cs typeface="Calibri"/>
-            </a:endParaRPr>
-          </a:p>
-        </p:txBody>
-      </p:sp>
     </p:spTree>
     <p:extLst>
       <p:ext uri="{BB962C8B-B14F-4D97-AF65-F5344CB8AC3E}">
-        <p14:creationId xmlns:p14="http://schemas.microsoft.com/office/powerpoint/2010/main" val="1960136256"/>
+        <p14:creationId xmlns:p14="http://schemas.microsoft.com/office/powerpoint/2010/main" val="2388390231"/>
       </p:ext>
     </p:extLst>
   </p:cSld>
@@ -16204,48 +14947,6 @@
       </p:sp>
       <p:sp>
         <p:nvSpPr>
-          <p:cNvPr id="8" name="Slide Number">
-            <a:extLst>
-              <a:ext uri="{FF2B5EF4-FFF2-40B4-BE49-F238E27FC236}">
-                <a16:creationId xmlns:a16="http://schemas.microsoft.com/office/drawing/2014/main" id="{A577FC83-3A27-48B7-BCD1-8638315935F8}"/>
-              </a:ext>
-            </a:extLst>
-          </p:cNvPr>
-          <p:cNvSpPr>
-            <a:spLocks noGrp="1"/>
-          </p:cNvSpPr>
-          <p:nvPr>
-            <p:ph type="sldNum" sz="quarter" idx="5"/>
-          </p:nvPr>
-        </p:nvSpPr>
-        <p:spPr>
-          <a:xfrm>
-            <a:off x="11753030" y="6507000"/>
-            <a:ext cx="367414" cy="297000"/>
-          </a:xfrm>
-          <a:prstGeom prst="rect">
-            <a:avLst/>
-          </a:prstGeom>
-        </p:spPr>
-        <p:txBody>
-          <a:bodyPr vert="horz" lIns="91440" tIns="45720" rIns="91440" bIns="45720" rtlCol="0" anchor="b"/>
-          <a:lstStyle>
-            <a:lvl1pPr algn="r">
-              <a:defRPr sz="1000"/>
-            </a:lvl1pPr>
-          </a:lstStyle>
-          <a:p>
-            <a:fld id="{2BF067CD-8E6B-4360-9AA8-C5DF2A48A6D1}" type="slidenum">
-              <a:rPr lang="en-US" noProof="0" smtClean="0"/>
-              <a:pPr/>
-              <a:t>15</a:t>
-            </a:fld>
-            <a:endParaRPr lang="en-US" noProof="0" dirty="0"/>
-          </a:p>
-        </p:txBody>
-      </p:sp>
-      <p:sp>
-        <p:nvSpPr>
           <p:cNvPr id="2" name="AutoShape 6">
             <a:extLst>
               <a:ext uri="{FF2B5EF4-FFF2-40B4-BE49-F238E27FC236}">
@@ -16449,10 +15150,52 @@
           </a:p>
         </p:txBody>
       </p:sp>
+      <p:sp>
+        <p:nvSpPr>
+          <p:cNvPr id="5" name="Slide Number">
+            <a:extLst>
+              <a:ext uri="{FF2B5EF4-FFF2-40B4-BE49-F238E27FC236}">
+                <a16:creationId xmlns:a16="http://schemas.microsoft.com/office/drawing/2014/main" id="{722EBEC3-515D-ED25-DA0E-EF483763EA8C}"/>
+              </a:ext>
+            </a:extLst>
+          </p:cNvPr>
+          <p:cNvSpPr>
+            <a:spLocks noGrp="1"/>
+          </p:cNvSpPr>
+          <p:nvPr>
+            <p:ph type="sldNum" sz="quarter" idx="5"/>
+          </p:nvPr>
+        </p:nvSpPr>
+        <p:spPr>
+          <a:xfrm>
+            <a:off x="11753030" y="6507000"/>
+            <a:ext cx="367414" cy="297000"/>
+          </a:xfrm>
+          <a:prstGeom prst="rect">
+            <a:avLst/>
+          </a:prstGeom>
+        </p:spPr>
+        <p:txBody>
+          <a:bodyPr vert="horz" lIns="91440" tIns="45720" rIns="91440" bIns="45720" rtlCol="0" anchor="b"/>
+          <a:lstStyle>
+            <a:lvl1pPr algn="r">
+              <a:defRPr sz="1000"/>
+            </a:lvl1pPr>
+          </a:lstStyle>
+          <a:p>
+            <a:fld id="{2BF067CD-8E6B-4360-9AA8-C5DF2A48A6D1}" type="slidenum">
+              <a:rPr lang="en-US" noProof="0" smtClean="0"/>
+              <a:pPr/>
+              <a:t>15</a:t>
+            </a:fld>
+            <a:endParaRPr lang="en-US" noProof="0" dirty="0"/>
+          </a:p>
+        </p:txBody>
+      </p:sp>
     </p:spTree>
     <p:extLst>
       <p:ext uri="{BB962C8B-B14F-4D97-AF65-F5344CB8AC3E}">
-        <p14:creationId xmlns:p14="http://schemas.microsoft.com/office/powerpoint/2010/main" val="2999321302"/>
+        <p14:creationId xmlns:p14="http://schemas.microsoft.com/office/powerpoint/2010/main" val="2472431283"/>
       </p:ext>
     </p:extLst>
   </p:cSld>
@@ -17557,10 +16300,10 @@
       </p:sp>
       <p:sp>
         <p:nvSpPr>
-          <p:cNvPr id="13" name="Slide Number">
+          <p:cNvPr id="2" name="Slide Number">
             <a:extLst>
               <a:ext uri="{FF2B5EF4-FFF2-40B4-BE49-F238E27FC236}">
-                <a16:creationId xmlns:a16="http://schemas.microsoft.com/office/drawing/2014/main" id="{5460AF3F-98BF-499F-B53A-D780FE1ED158}"/>
+                <a16:creationId xmlns:a16="http://schemas.microsoft.com/office/drawing/2014/main" id="{987B2597-28D2-45B9-A900-88119207102F}"/>
               </a:ext>
             </a:extLst>
           </p:cNvPr>
@@ -17600,7 +16343,7 @@
     </p:spTree>
     <p:extLst>
       <p:ext uri="{BB962C8B-B14F-4D97-AF65-F5344CB8AC3E}">
-        <p14:creationId xmlns:p14="http://schemas.microsoft.com/office/powerpoint/2010/main" val="842719501"/>
+        <p14:creationId xmlns:p14="http://schemas.microsoft.com/office/powerpoint/2010/main" val="2496846206"/>
       </p:ext>
     </p:extLst>
   </p:cSld>
@@ -18298,10 +17041,10 @@
       </p:sp>
       <p:sp>
         <p:nvSpPr>
-          <p:cNvPr id="5" name="Slide Number">
+          <p:cNvPr id="2" name="Slide Number">
             <a:extLst>
               <a:ext uri="{FF2B5EF4-FFF2-40B4-BE49-F238E27FC236}">
-                <a16:creationId xmlns:a16="http://schemas.microsoft.com/office/drawing/2014/main" id="{32491C20-42DA-41D3-B42B-0D9F5A706FA7}"/>
+                <a16:creationId xmlns:a16="http://schemas.microsoft.com/office/drawing/2014/main" id="{F82FCC83-5545-D6BC-24D5-72998B849A4B}"/>
               </a:ext>
             </a:extLst>
           </p:cNvPr>
@@ -18341,7 +17084,7 @@
     </p:spTree>
     <p:extLst>
       <p:ext uri="{BB962C8B-B14F-4D97-AF65-F5344CB8AC3E}">
-        <p14:creationId xmlns:p14="http://schemas.microsoft.com/office/powerpoint/2010/main" val="3116008875"/>
+        <p14:creationId xmlns:p14="http://schemas.microsoft.com/office/powerpoint/2010/main" val="2618950485"/>
       </p:ext>
     </p:extLst>
   </p:cSld>
@@ -18549,33 +17292,15 @@
                                   </p:childTnLst>
                                 </p:cTn>
                               </p:par>
-                            </p:childTnLst>
-                          </p:cTn>
-                        </p:par>
-                      </p:childTnLst>
-                    </p:cTn>
-                  </p:par>
-                  <p:par>
-                    <p:cTn id="17" fill="hold">
-                      <p:stCondLst>
-                        <p:cond delay="indefinite"/>
-                      </p:stCondLst>
-                      <p:childTnLst>
-                        <p:par>
-                          <p:cTn id="18" fill="hold">
-                            <p:stCondLst>
-                              <p:cond delay="0"/>
-                            </p:stCondLst>
-                            <p:childTnLst>
                               <p:par>
-                                <p:cTn id="19" presetID="1" presetClass="entr" presetSubtype="0" fill="hold" nodeType="clickEffect">
+                                <p:cTn id="17" presetID="1" presetClass="entr" presetSubtype="0" fill="hold" nodeType="withEffect">
                                   <p:stCondLst>
                                     <p:cond delay="0"/>
                                   </p:stCondLst>
                                   <p:childTnLst>
                                     <p:set>
                                       <p:cBhvr>
-                                        <p:cTn id="20" dur="1" fill="hold">
+                                        <p:cTn id="18" dur="1" fill="hold">
                                           <p:stCondLst>
                                             <p:cond delay="0"/>
                                           </p:stCondLst>
@@ -18605,26 +17330,26 @@
                     </p:cTn>
                   </p:par>
                   <p:par>
-                    <p:cTn id="21" fill="hold">
+                    <p:cTn id="19" fill="hold">
                       <p:stCondLst>
                         <p:cond delay="indefinite"/>
                       </p:stCondLst>
                       <p:childTnLst>
                         <p:par>
-                          <p:cTn id="22" fill="hold">
+                          <p:cTn id="20" fill="hold">
                             <p:stCondLst>
                               <p:cond delay="0"/>
                             </p:stCondLst>
                             <p:childTnLst>
                               <p:par>
-                                <p:cTn id="23" presetID="1" presetClass="entr" presetSubtype="0" fill="hold" nodeType="clickEffect">
+                                <p:cTn id="21" presetID="1" presetClass="entr" presetSubtype="0" fill="hold" nodeType="clickEffect">
                                   <p:stCondLst>
                                     <p:cond delay="0"/>
                                   </p:stCondLst>
                                   <p:childTnLst>
                                     <p:set>
                                       <p:cBhvr>
-                                        <p:cTn id="24" dur="1" fill="hold">
+                                        <p:cTn id="22" dur="1" fill="hold">
                                           <p:stCondLst>
                                             <p:cond delay="0"/>
                                           </p:stCondLst>
@@ -19016,10 +17741,72 @@
       </p:sp>
       <p:sp>
         <p:nvSpPr>
-          <p:cNvPr id="5" name="Slide Number">
+          <p:cNvPr id="6" name="TextBox 5">
             <a:extLst>
               <a:ext uri="{FF2B5EF4-FFF2-40B4-BE49-F238E27FC236}">
-                <a16:creationId xmlns:a16="http://schemas.microsoft.com/office/drawing/2014/main" id="{268EAAB3-F170-4F50-BE18-CD52CB7BBB27}"/>
+                <a16:creationId xmlns:a16="http://schemas.microsoft.com/office/drawing/2014/main" id="{B9D9AC15-802F-4F4F-A1B9-C62F084FA079}"/>
+              </a:ext>
+            </a:extLst>
+          </p:cNvPr>
+          <p:cNvSpPr txBox="1"/>
+          <p:nvPr/>
+        </p:nvSpPr>
+        <p:spPr>
+          <a:xfrm>
+            <a:off x="763389" y="6344764"/>
+            <a:ext cx="10589042" cy="369236"/>
+          </a:xfrm>
+          <a:prstGeom prst="rect">
+            <a:avLst/>
+          </a:prstGeom>
+          <a:noFill/>
+        </p:spPr>
+        <p:txBody>
+          <a:bodyPr wrap="square" lIns="91440" tIns="45720" rIns="91440" bIns="45720" rtlCol="0" anchor="t">
+            <a:spAutoFit/>
+          </a:bodyPr>
+          <a:lstStyle/>
+          <a:p>
+            <a:pPr algn="ctr"/>
+            <a:r>
+              <a:rPr lang="en-US" sz="1750" dirty="0">
+                <a:ea typeface="+mn-lt"/>
+                <a:cs typeface="+mn-lt"/>
+              </a:rPr>
+              <a:t>Тествайте решението</a:t>
+            </a:r>
+            <a:r>
+              <a:rPr lang="bg-BG" sz="1750" dirty="0">
+                <a:ea typeface="+mn-lt"/>
+                <a:cs typeface="+mn-lt"/>
+              </a:rPr>
+              <a:t> си</a:t>
+            </a:r>
+            <a:r>
+              <a:rPr lang="en-US" sz="1750" dirty="0">
+                <a:ea typeface="+mn-lt"/>
+                <a:cs typeface="+mn-lt"/>
+              </a:rPr>
+              <a:t> в Judge: </a:t>
+            </a:r>
+            <a:r>
+              <a:rPr lang="en-US" sz="1750" u="sng" dirty="0">
+                <a:hlinkClick r:id="rId2"/>
+              </a:rPr>
+              <a:t>https://judge.softuni.org/Contests/Practice/Index/4153#1</a:t>
+            </a:r>
+            <a:endParaRPr lang="en-US" sz="1750" dirty="0">
+              <a:cs typeface="Calibri"/>
+            </a:endParaRPr>
+          </a:p>
+        </p:txBody>
+      </p:sp>
+      <p:sp>
+        <p:nvSpPr>
+          <p:cNvPr id="2" name="Slide Number">
+            <a:extLst>
+              <a:ext uri="{FF2B5EF4-FFF2-40B4-BE49-F238E27FC236}">
+                <a16:creationId xmlns:a16="http://schemas.microsoft.com/office/drawing/2014/main" id="{9D183E85-F0EF-050B-EA14-A02E161BF11A}"/>
               </a:ext>
             </a:extLst>
           </p:cNvPr>
@@ -19056,72 +17843,10 @@
           </a:p>
         </p:txBody>
       </p:sp>
-      <p:sp>
-        <p:nvSpPr>
-          <p:cNvPr id="6" name="TextBox 5">
-            <a:extLst>
-              <a:ext uri="{FF2B5EF4-FFF2-40B4-BE49-F238E27FC236}">
-                <a16:creationId xmlns:a16="http://schemas.microsoft.com/office/drawing/2014/main" id="{B9D9AC15-802F-4F4F-A1B9-C62F084FA079}"/>
-              </a:ext>
-            </a:extLst>
-          </p:cNvPr>
-          <p:cNvSpPr txBox="1"/>
-          <p:nvPr/>
-        </p:nvSpPr>
-        <p:spPr>
-          <a:xfrm>
-            <a:off x="763389" y="6344764"/>
-            <a:ext cx="10589042" cy="369236"/>
-          </a:xfrm>
-          <a:prstGeom prst="rect">
-            <a:avLst/>
-          </a:prstGeom>
-          <a:noFill/>
-        </p:spPr>
-        <p:txBody>
-          <a:bodyPr wrap="square" lIns="91440" tIns="45720" rIns="91440" bIns="45720" rtlCol="0" anchor="t">
-            <a:spAutoFit/>
-          </a:bodyPr>
-          <a:lstStyle/>
-          <a:p>
-            <a:pPr algn="ctr"/>
-            <a:r>
-              <a:rPr lang="en-US" sz="1750" dirty="0">
-                <a:ea typeface="+mn-lt"/>
-                <a:cs typeface="+mn-lt"/>
-              </a:rPr>
-              <a:t>Тествайте решението</a:t>
-            </a:r>
-            <a:r>
-              <a:rPr lang="bg-BG" sz="1750" dirty="0">
-                <a:ea typeface="+mn-lt"/>
-                <a:cs typeface="+mn-lt"/>
-              </a:rPr>
-              <a:t> си</a:t>
-            </a:r>
-            <a:r>
-              <a:rPr lang="en-US" sz="1750" dirty="0">
-                <a:ea typeface="+mn-lt"/>
-                <a:cs typeface="+mn-lt"/>
-              </a:rPr>
-              <a:t> в Judge: </a:t>
-            </a:r>
-            <a:r>
-              <a:rPr lang="en-US" sz="1750" u="sng" dirty="0">
-                <a:hlinkClick r:id="rId2"/>
-              </a:rPr>
-              <a:t>https://judge.softuni.org/Contests/Practice/Index/4153#1</a:t>
-            </a:r>
-            <a:endParaRPr lang="en-US" sz="1750" dirty="0">
-              <a:cs typeface="Calibri"/>
-            </a:endParaRPr>
-          </a:p>
-        </p:txBody>
-      </p:sp>
     </p:spTree>
     <p:extLst>
       <p:ext uri="{BB962C8B-B14F-4D97-AF65-F5344CB8AC3E}">
-        <p14:creationId xmlns:p14="http://schemas.microsoft.com/office/powerpoint/2010/main" val="1003686094"/>
+        <p14:creationId xmlns:p14="http://schemas.microsoft.com/office/powerpoint/2010/main" val="3804618255"/>
       </p:ext>
     </p:extLst>
   </p:cSld>
@@ -20450,10 +19175,10 @@
       </p:sp>
       <p:sp>
         <p:nvSpPr>
-          <p:cNvPr id="19" name="Slide Number">
+          <p:cNvPr id="2" name="Slide Number">
             <a:extLst>
               <a:ext uri="{FF2B5EF4-FFF2-40B4-BE49-F238E27FC236}">
-                <a16:creationId xmlns:a16="http://schemas.microsoft.com/office/drawing/2014/main" id="{E2EBBE7D-72FC-4F65-B2B9-8ABD464175FD}"/>
+                <a16:creationId xmlns:a16="http://schemas.microsoft.com/office/drawing/2014/main" id="{4A85D1B7-C690-A26C-573E-811A7D0CA542}"/>
               </a:ext>
             </a:extLst>
           </p:cNvPr>
@@ -20493,7 +19218,7 @@
     </p:spTree>
     <p:extLst>
       <p:ext uri="{BB962C8B-B14F-4D97-AF65-F5344CB8AC3E}">
-        <p14:creationId xmlns:p14="http://schemas.microsoft.com/office/powerpoint/2010/main" val="2990093592"/>
+        <p14:creationId xmlns:p14="http://schemas.microsoft.com/office/powerpoint/2010/main" val="683073396"/>
       </p:ext>
     </p:extLst>
   </p:cSld>
@@ -20542,7 +19267,7 @@
                                           </p:stCondLst>
                                         </p:cTn>
                                         <p:tgtEl>
-                                          <p:spTgt spid="36"/>
+                                          <p:spTgt spid="29"/>
                                         </p:tgtEl>
                                         <p:attrNameLst>
                                           <p:attrName>style.visibility</p:attrName>
@@ -20569,7 +19294,7 @@
                                           </p:stCondLst>
                                         </p:cTn>
                                         <p:tgtEl>
-                                          <p:spTgt spid="38"/>
+                                          <p:spTgt spid="35"/>
                                         </p:tgtEl>
                                         <p:attrNameLst>
                                           <p:attrName>style.visibility</p:attrName>
@@ -20596,7 +19321,7 @@
                                           </p:stCondLst>
                                         </p:cTn>
                                         <p:tgtEl>
-                                          <p:spTgt spid="37"/>
+                                          <p:spTgt spid="34"/>
                                         </p:tgtEl>
                                         <p:attrNameLst>
                                           <p:attrName>style.visibility</p:attrName>
@@ -20641,7 +19366,7 @@
                                           </p:stCondLst>
                                         </p:cTn>
                                         <p:tgtEl>
-                                          <p:spTgt spid="13"/>
+                                          <p:spTgt spid="36"/>
                                         </p:tgtEl>
                                         <p:attrNameLst>
                                           <p:attrName>style.visibility</p:attrName>
@@ -20668,7 +19393,7 @@
                                           </p:stCondLst>
                                         </p:cTn>
                                         <p:tgtEl>
-                                          <p:spTgt spid="15"/>
+                                          <p:spTgt spid="38"/>
                                         </p:tgtEl>
                                         <p:attrNameLst>
                                           <p:attrName>style.visibility</p:attrName>
@@ -20695,7 +19420,7 @@
                                           </p:stCondLst>
                                         </p:cTn>
                                         <p:tgtEl>
-                                          <p:spTgt spid="14"/>
+                                          <p:spTgt spid="37"/>
                                         </p:tgtEl>
                                         <p:attrNameLst>
                                           <p:attrName>style.visibility</p:attrName>
@@ -20740,7 +19465,7 @@
                                           </p:stCondLst>
                                         </p:cTn>
                                         <p:tgtEl>
-                                          <p:spTgt spid="16"/>
+                                          <p:spTgt spid="13"/>
                                         </p:tgtEl>
                                         <p:attrNameLst>
                                           <p:attrName>style.visibility</p:attrName>
@@ -20767,7 +19492,7 @@
                                           </p:stCondLst>
                                         </p:cTn>
                                         <p:tgtEl>
-                                          <p:spTgt spid="18"/>
+                                          <p:spTgt spid="15"/>
                                         </p:tgtEl>
                                         <p:attrNameLst>
                                           <p:attrName>style.visibility</p:attrName>
@@ -20789,6 +19514,105 @@
                                     <p:set>
                                       <p:cBhvr>
                                         <p:cTn id="26" dur="1" fill="hold">
+                                          <p:stCondLst>
+                                            <p:cond delay="0"/>
+                                          </p:stCondLst>
+                                        </p:cTn>
+                                        <p:tgtEl>
+                                          <p:spTgt spid="14"/>
+                                        </p:tgtEl>
+                                        <p:attrNameLst>
+                                          <p:attrName>style.visibility</p:attrName>
+                                        </p:attrNameLst>
+                                      </p:cBhvr>
+                                      <p:to>
+                                        <p:strVal val="visible"/>
+                                      </p:to>
+                                    </p:set>
+                                  </p:childTnLst>
+                                </p:cTn>
+                              </p:par>
+                            </p:childTnLst>
+                          </p:cTn>
+                        </p:par>
+                      </p:childTnLst>
+                    </p:cTn>
+                  </p:par>
+                  <p:par>
+                    <p:cTn id="27" fill="hold">
+                      <p:stCondLst>
+                        <p:cond delay="indefinite"/>
+                      </p:stCondLst>
+                      <p:childTnLst>
+                        <p:par>
+                          <p:cTn id="28" fill="hold">
+                            <p:stCondLst>
+                              <p:cond delay="0"/>
+                            </p:stCondLst>
+                            <p:childTnLst>
+                              <p:par>
+                                <p:cTn id="29" presetID="1" presetClass="entr" presetSubtype="0" fill="hold" grpId="0" nodeType="clickEffect">
+                                  <p:stCondLst>
+                                    <p:cond delay="0"/>
+                                  </p:stCondLst>
+                                  <p:childTnLst>
+                                    <p:set>
+                                      <p:cBhvr>
+                                        <p:cTn id="30" dur="1" fill="hold">
+                                          <p:stCondLst>
+                                            <p:cond delay="0"/>
+                                          </p:stCondLst>
+                                        </p:cTn>
+                                        <p:tgtEl>
+                                          <p:spTgt spid="16"/>
+                                        </p:tgtEl>
+                                        <p:attrNameLst>
+                                          <p:attrName>style.visibility</p:attrName>
+                                        </p:attrNameLst>
+                                      </p:cBhvr>
+                                      <p:to>
+                                        <p:strVal val="visible"/>
+                                      </p:to>
+                                    </p:set>
+                                  </p:childTnLst>
+                                </p:cTn>
+                              </p:par>
+                              <p:par>
+                                <p:cTn id="31" presetID="1" presetClass="entr" presetSubtype="0" fill="hold" grpId="0" nodeType="withEffect">
+                                  <p:stCondLst>
+                                    <p:cond delay="0"/>
+                                  </p:stCondLst>
+                                  <p:childTnLst>
+                                    <p:set>
+                                      <p:cBhvr>
+                                        <p:cTn id="32" dur="1" fill="hold">
+                                          <p:stCondLst>
+                                            <p:cond delay="0"/>
+                                          </p:stCondLst>
+                                        </p:cTn>
+                                        <p:tgtEl>
+                                          <p:spTgt spid="18"/>
+                                        </p:tgtEl>
+                                        <p:attrNameLst>
+                                          <p:attrName>style.visibility</p:attrName>
+                                        </p:attrNameLst>
+                                      </p:cBhvr>
+                                      <p:to>
+                                        <p:strVal val="visible"/>
+                                      </p:to>
+                                    </p:set>
+                                  </p:childTnLst>
+                                </p:cTn>
+                              </p:par>
+                              <p:par>
+                                <p:cTn id="33" presetID="1" presetClass="entr" presetSubtype="0" fill="hold" grpId="0" nodeType="withEffect">
+                                  <p:stCondLst>
+                                    <p:cond delay="0"/>
+                                  </p:stCondLst>
+                                  <p:childTnLst>
+                                    <p:set>
+                                      <p:cBhvr>
+                                        <p:cTn id="34" dur="1" fill="hold">
                                           <p:stCondLst>
                                             <p:cond delay="0"/>
                                           </p:stCondLst>
@@ -20835,6 +19659,9 @@
       </p:par>
     </p:tnLst>
     <p:bldLst>
+      <p:bldP spid="29" grpId="0" animBg="1"/>
+      <p:bldP spid="34" grpId="0" animBg="1"/>
+      <p:bldP spid="35" grpId="0" animBg="1"/>
       <p:bldP spid="36" grpId="0" animBg="1"/>
       <p:bldP spid="37" grpId="0" animBg="1"/>
       <p:bldP spid="38" grpId="0" animBg="1"/>
@@ -21110,10 +19937,10 @@
       </p:sp>
       <p:sp>
         <p:nvSpPr>
-          <p:cNvPr id="5" name="Slide Number">
+          <p:cNvPr id="2" name="Slide Number">
             <a:extLst>
               <a:ext uri="{FF2B5EF4-FFF2-40B4-BE49-F238E27FC236}">
-                <a16:creationId xmlns:a16="http://schemas.microsoft.com/office/drawing/2014/main" id="{384FE958-9B33-4FFB-8D94-A761BB679C70}"/>
+                <a16:creationId xmlns:a16="http://schemas.microsoft.com/office/drawing/2014/main" id="{604F55B1-97CC-79FE-1527-9122A3E5A505}"/>
               </a:ext>
             </a:extLst>
           </p:cNvPr>
@@ -21241,7 +20068,7 @@
     </p:spTree>
     <p:extLst>
       <p:ext uri="{BB962C8B-B14F-4D97-AF65-F5344CB8AC3E}">
-        <p14:creationId xmlns:p14="http://schemas.microsoft.com/office/powerpoint/2010/main" val="4234064619"/>
+        <p14:creationId xmlns:p14="http://schemas.microsoft.com/office/powerpoint/2010/main" val="3165894062"/>
       </p:ext>
     </p:extLst>
   </p:cSld>
@@ -21900,10 +20727,10 @@
       </p:sp>
       <p:sp>
         <p:nvSpPr>
-          <p:cNvPr id="5" name="Slide Number">
+          <p:cNvPr id="2" name="Slide Number">
             <a:extLst>
               <a:ext uri="{FF2B5EF4-FFF2-40B4-BE49-F238E27FC236}">
-                <a16:creationId xmlns:a16="http://schemas.microsoft.com/office/drawing/2014/main" id="{30939AE1-F98E-4A70-AC69-B72755E9257C}"/>
+                <a16:creationId xmlns:a16="http://schemas.microsoft.com/office/drawing/2014/main" id="{996BB3CB-077B-99BA-4016-57D1F2C65C1C}"/>
               </a:ext>
             </a:extLst>
           </p:cNvPr>
@@ -21943,7 +20770,7 @@
     </p:spTree>
     <p:extLst>
       <p:ext uri="{BB962C8B-B14F-4D97-AF65-F5344CB8AC3E}">
-        <p14:creationId xmlns:p14="http://schemas.microsoft.com/office/powerpoint/2010/main" val="4019523373"/>
+        <p14:creationId xmlns:p14="http://schemas.microsoft.com/office/powerpoint/2010/main" val="224699937"/>
       </p:ext>
     </p:extLst>
   </p:cSld>
@@ -22167,7 +20994,7 @@
                                         <p:tgtEl>
                                           <p:spTgt spid="20">
                                             <p:txEl>
-                                              <p:pRg st="8" end="8"/>
+                                              <p:pRg st="9" end="9"/>
                                             </p:txEl>
                                           </p:spTgt>
                                         </p:tgtEl>
@@ -22198,7 +21025,7 @@
                                         <p:tgtEl>
                                           <p:spTgt spid="20">
                                             <p:txEl>
-                                              <p:pRg st="9" end="9"/>
+                                              <p:pRg st="8" end="8"/>
                                             </p:txEl>
                                           </p:spTgt>
                                         </p:tgtEl>
@@ -22633,10 +21460,79 @@
       </p:sp>
       <p:sp>
         <p:nvSpPr>
-          <p:cNvPr id="5" name="Slide Number">
+          <p:cNvPr id="6" name="TextBox 5">
             <a:extLst>
               <a:ext uri="{FF2B5EF4-FFF2-40B4-BE49-F238E27FC236}">
-                <a16:creationId xmlns:a16="http://schemas.microsoft.com/office/drawing/2014/main" id="{D079CAF6-6357-4E16-BECD-527839587624}"/>
+                <a16:creationId xmlns:a16="http://schemas.microsoft.com/office/drawing/2014/main" id="{9C5590E3-1AF6-4F25-BA19-0B4FCF4BAB71}"/>
+              </a:ext>
+            </a:extLst>
+          </p:cNvPr>
+          <p:cNvSpPr txBox="1"/>
+          <p:nvPr/>
+        </p:nvSpPr>
+        <p:spPr>
+          <a:xfrm>
+            <a:off x="763389" y="6314900"/>
+            <a:ext cx="10589042" cy="369236"/>
+          </a:xfrm>
+          <a:prstGeom prst="rect">
+            <a:avLst/>
+          </a:prstGeom>
+          <a:noFill/>
+        </p:spPr>
+        <p:txBody>
+          <a:bodyPr wrap="square" lIns="91440" tIns="45720" rIns="91440" bIns="45720" rtlCol="0" anchor="t">
+            <a:spAutoFit/>
+          </a:bodyPr>
+          <a:lstStyle/>
+          <a:p>
+            <a:pPr algn="ctr"/>
+            <a:r>
+              <a:rPr lang="en-US" sz="1750" dirty="0">
+                <a:ea typeface="+mn-lt"/>
+                <a:cs typeface="+mn-lt"/>
+              </a:rPr>
+              <a:t>Тествайте решението</a:t>
+            </a:r>
+            <a:r>
+              <a:rPr lang="bg-BG" sz="1750" dirty="0">
+                <a:ea typeface="+mn-lt"/>
+                <a:cs typeface="+mn-lt"/>
+              </a:rPr>
+              <a:t> си</a:t>
+            </a:r>
+            <a:r>
+              <a:rPr lang="en-US" sz="1750" dirty="0">
+                <a:ea typeface="+mn-lt"/>
+                <a:cs typeface="+mn-lt"/>
+              </a:rPr>
+              <a:t> в Judge:</a:t>
+            </a:r>
+            <a:r>
+              <a:rPr lang="bg-BG" sz="1750" dirty="0">
+                <a:ea typeface="+mn-lt"/>
+                <a:cs typeface="+mn-lt"/>
+              </a:rPr>
+              <a:t> </a:t>
+            </a:r>
+            <a:r>
+              <a:rPr lang="en-US" sz="1750" u="sng" dirty="0">
+                <a:hlinkClick r:id="rId2"/>
+              </a:rPr>
+              <a:t>https://judge.softuni.org/Contests/Practice/Index/4153#2</a:t>
+            </a:r>
+            <a:endParaRPr lang="en-US" sz="1750" dirty="0">
+              <a:cs typeface="Calibri"/>
+            </a:endParaRPr>
+          </a:p>
+        </p:txBody>
+      </p:sp>
+      <p:sp>
+        <p:nvSpPr>
+          <p:cNvPr id="2" name="Slide Number">
+            <a:extLst>
+              <a:ext uri="{FF2B5EF4-FFF2-40B4-BE49-F238E27FC236}">
+                <a16:creationId xmlns:a16="http://schemas.microsoft.com/office/drawing/2014/main" id="{C269A0B4-531F-39E7-B654-1A9CFD50CC0A}"/>
               </a:ext>
             </a:extLst>
           </p:cNvPr>
@@ -22673,79 +21569,10 @@
           </a:p>
         </p:txBody>
       </p:sp>
-      <p:sp>
-        <p:nvSpPr>
-          <p:cNvPr id="6" name="TextBox 5">
-            <a:extLst>
-              <a:ext uri="{FF2B5EF4-FFF2-40B4-BE49-F238E27FC236}">
-                <a16:creationId xmlns:a16="http://schemas.microsoft.com/office/drawing/2014/main" id="{9C5590E3-1AF6-4F25-BA19-0B4FCF4BAB71}"/>
-              </a:ext>
-            </a:extLst>
-          </p:cNvPr>
-          <p:cNvSpPr txBox="1"/>
-          <p:nvPr/>
-        </p:nvSpPr>
-        <p:spPr>
-          <a:xfrm>
-            <a:off x="763389" y="6314900"/>
-            <a:ext cx="10589042" cy="369236"/>
-          </a:xfrm>
-          <a:prstGeom prst="rect">
-            <a:avLst/>
-          </a:prstGeom>
-          <a:noFill/>
-        </p:spPr>
-        <p:txBody>
-          <a:bodyPr wrap="square" lIns="91440" tIns="45720" rIns="91440" bIns="45720" rtlCol="0" anchor="t">
-            <a:spAutoFit/>
-          </a:bodyPr>
-          <a:lstStyle/>
-          <a:p>
-            <a:pPr algn="ctr"/>
-            <a:r>
-              <a:rPr lang="en-US" sz="1750" dirty="0">
-                <a:ea typeface="+mn-lt"/>
-                <a:cs typeface="+mn-lt"/>
-              </a:rPr>
-              <a:t>Тествайте решението</a:t>
-            </a:r>
-            <a:r>
-              <a:rPr lang="bg-BG" sz="1750" dirty="0">
-                <a:ea typeface="+mn-lt"/>
-                <a:cs typeface="+mn-lt"/>
-              </a:rPr>
-              <a:t> си</a:t>
-            </a:r>
-            <a:r>
-              <a:rPr lang="en-US" sz="1750" dirty="0">
-                <a:ea typeface="+mn-lt"/>
-                <a:cs typeface="+mn-lt"/>
-              </a:rPr>
-              <a:t> в Judge:</a:t>
-            </a:r>
-            <a:r>
-              <a:rPr lang="bg-BG" sz="1750" dirty="0">
-                <a:ea typeface="+mn-lt"/>
-                <a:cs typeface="+mn-lt"/>
-              </a:rPr>
-              <a:t> </a:t>
-            </a:r>
-            <a:r>
-              <a:rPr lang="en-US" sz="1750" u="sng" dirty="0">
-                <a:hlinkClick r:id="rId2"/>
-              </a:rPr>
-              <a:t>https://judge.softuni.org/Contests/Practice/Index/4153#2</a:t>
-            </a:r>
-            <a:endParaRPr lang="en-US" sz="1750" dirty="0">
-              <a:cs typeface="Calibri"/>
-            </a:endParaRPr>
-          </a:p>
-        </p:txBody>
-      </p:sp>
     </p:spTree>
     <p:extLst>
       <p:ext uri="{BB962C8B-B14F-4D97-AF65-F5344CB8AC3E}">
-        <p14:creationId xmlns:p14="http://schemas.microsoft.com/office/powerpoint/2010/main" val="81977002"/>
+        <p14:creationId xmlns:p14="http://schemas.microsoft.com/office/powerpoint/2010/main" val="2038653635"/>
       </p:ext>
     </p:extLst>
   </p:cSld>
@@ -23436,10 +22263,10 @@
       </p:sp>
       <p:sp>
         <p:nvSpPr>
-          <p:cNvPr id="10" name="Slide Number">
+          <p:cNvPr id="2" name="Slide Number">
             <a:extLst>
               <a:ext uri="{FF2B5EF4-FFF2-40B4-BE49-F238E27FC236}">
-                <a16:creationId xmlns:a16="http://schemas.microsoft.com/office/drawing/2014/main" id="{2F0CD6D2-DDAD-480F-8D14-DA20B2911B2E}"/>
+                <a16:creationId xmlns:a16="http://schemas.microsoft.com/office/drawing/2014/main" id="{74854104-A918-A967-F119-210BFA903667}"/>
               </a:ext>
             </a:extLst>
           </p:cNvPr>
@@ -23479,7 +22306,7 @@
     </p:spTree>
     <p:extLst>
       <p:ext uri="{BB962C8B-B14F-4D97-AF65-F5344CB8AC3E}">
-        <p14:creationId xmlns:p14="http://schemas.microsoft.com/office/powerpoint/2010/main" val="3190687009"/>
+        <p14:creationId xmlns:p14="http://schemas.microsoft.com/office/powerpoint/2010/main" val="3871728979"/>
       </p:ext>
     </p:extLst>
   </p:cSld>
@@ -23980,10 +22807,72 @@
       </p:sp>
       <p:sp>
         <p:nvSpPr>
-          <p:cNvPr id="7" name="Slide Number">
+          <p:cNvPr id="6" name="TextBox 5">
             <a:extLst>
               <a:ext uri="{FF2B5EF4-FFF2-40B4-BE49-F238E27FC236}">
-                <a16:creationId xmlns:a16="http://schemas.microsoft.com/office/drawing/2014/main" id="{72A2F94B-7D44-4E93-948C-84B369E54EB8}"/>
+                <a16:creationId xmlns:a16="http://schemas.microsoft.com/office/drawing/2014/main" id="{6FD637FD-5440-49C6-B321-DDF8C5CF4BC3}"/>
+              </a:ext>
+            </a:extLst>
+          </p:cNvPr>
+          <p:cNvSpPr txBox="1"/>
+          <p:nvPr/>
+        </p:nvSpPr>
+        <p:spPr>
+          <a:xfrm>
+            <a:off x="763389" y="6344764"/>
+            <a:ext cx="10589042" cy="369236"/>
+          </a:xfrm>
+          <a:prstGeom prst="rect">
+            <a:avLst/>
+          </a:prstGeom>
+          <a:noFill/>
+        </p:spPr>
+        <p:txBody>
+          <a:bodyPr wrap="square" lIns="91440" tIns="45720" rIns="91440" bIns="45720" rtlCol="0" anchor="t">
+            <a:spAutoFit/>
+          </a:bodyPr>
+          <a:lstStyle/>
+          <a:p>
+            <a:pPr algn="ctr"/>
+            <a:r>
+              <a:rPr lang="en-US" sz="1750" dirty="0">
+                <a:ea typeface="+mn-lt"/>
+                <a:cs typeface="+mn-lt"/>
+              </a:rPr>
+              <a:t>Тествайте решението </a:t>
+            </a:r>
+            <a:r>
+              <a:rPr lang="bg-BG" sz="1750" dirty="0">
+                <a:ea typeface="+mn-lt"/>
+                <a:cs typeface="+mn-lt"/>
+              </a:rPr>
+              <a:t>си </a:t>
+            </a:r>
+            <a:r>
+              <a:rPr lang="en-US" sz="1750" dirty="0">
+                <a:ea typeface="+mn-lt"/>
+                <a:cs typeface="+mn-lt"/>
+              </a:rPr>
+              <a:t>в Judge: </a:t>
+            </a:r>
+            <a:r>
+              <a:rPr lang="en-US" sz="1750" u="sng" dirty="0">
+                <a:hlinkClick r:id="rId2"/>
+              </a:rPr>
+              <a:t>https://judge.softuni.org/Contests/Practice/Index/4153#3</a:t>
+            </a:r>
+            <a:endParaRPr lang="en-US" sz="1750" dirty="0">
+              <a:cs typeface="Calibri"/>
+            </a:endParaRPr>
+          </a:p>
+        </p:txBody>
+      </p:sp>
+      <p:sp>
+        <p:nvSpPr>
+          <p:cNvPr id="2" name="Slide Number">
+            <a:extLst>
+              <a:ext uri="{FF2B5EF4-FFF2-40B4-BE49-F238E27FC236}">
+                <a16:creationId xmlns:a16="http://schemas.microsoft.com/office/drawing/2014/main" id="{70192F19-01E2-70BA-65C8-D0D9D3D63A82}"/>
               </a:ext>
             </a:extLst>
           </p:cNvPr>
@@ -24020,72 +22909,10 @@
           </a:p>
         </p:txBody>
       </p:sp>
-      <p:sp>
-        <p:nvSpPr>
-          <p:cNvPr id="6" name="TextBox 5">
-            <a:extLst>
-              <a:ext uri="{FF2B5EF4-FFF2-40B4-BE49-F238E27FC236}">
-                <a16:creationId xmlns:a16="http://schemas.microsoft.com/office/drawing/2014/main" id="{6FD637FD-5440-49C6-B321-DDF8C5CF4BC3}"/>
-              </a:ext>
-            </a:extLst>
-          </p:cNvPr>
-          <p:cNvSpPr txBox="1"/>
-          <p:nvPr/>
-        </p:nvSpPr>
-        <p:spPr>
-          <a:xfrm>
-            <a:off x="763389" y="6344764"/>
-            <a:ext cx="10589042" cy="369236"/>
-          </a:xfrm>
-          <a:prstGeom prst="rect">
-            <a:avLst/>
-          </a:prstGeom>
-          <a:noFill/>
-        </p:spPr>
-        <p:txBody>
-          <a:bodyPr wrap="square" lIns="91440" tIns="45720" rIns="91440" bIns="45720" rtlCol="0" anchor="t">
-            <a:spAutoFit/>
-          </a:bodyPr>
-          <a:lstStyle/>
-          <a:p>
-            <a:pPr algn="ctr"/>
-            <a:r>
-              <a:rPr lang="en-US" sz="1750" dirty="0">
-                <a:ea typeface="+mn-lt"/>
-                <a:cs typeface="+mn-lt"/>
-              </a:rPr>
-              <a:t>Тествайте решението </a:t>
-            </a:r>
-            <a:r>
-              <a:rPr lang="bg-BG" sz="1750" dirty="0">
-                <a:ea typeface="+mn-lt"/>
-                <a:cs typeface="+mn-lt"/>
-              </a:rPr>
-              <a:t>си </a:t>
-            </a:r>
-            <a:r>
-              <a:rPr lang="en-US" sz="1750" dirty="0">
-                <a:ea typeface="+mn-lt"/>
-                <a:cs typeface="+mn-lt"/>
-              </a:rPr>
-              <a:t>в Judge: </a:t>
-            </a:r>
-            <a:r>
-              <a:rPr lang="en-US" sz="1750" u="sng" dirty="0">
-                <a:hlinkClick r:id="rId2"/>
-              </a:rPr>
-              <a:t>https://judge.softuni.org/Contests/Practice/Index/4153#3</a:t>
-            </a:r>
-            <a:endParaRPr lang="en-US" sz="1750" dirty="0">
-              <a:cs typeface="Calibri"/>
-            </a:endParaRPr>
-          </a:p>
-        </p:txBody>
-      </p:sp>
     </p:spTree>
     <p:extLst>
       <p:ext uri="{BB962C8B-B14F-4D97-AF65-F5344CB8AC3E}">
-        <p14:creationId xmlns:p14="http://schemas.microsoft.com/office/powerpoint/2010/main" val="3032271092"/>
+        <p14:creationId xmlns:p14="http://schemas.microsoft.com/office/powerpoint/2010/main" val="2601337375"/>
       </p:ext>
     </p:extLst>
   </p:cSld>
@@ -24575,10 +23402,10 @@
       </p:pic>
       <p:sp>
         <p:nvSpPr>
-          <p:cNvPr id="5" name="Subtitle 4">
+          <p:cNvPr id="3" name="Подзаглавие 2">
             <a:extLst>
               <a:ext uri="{FF2B5EF4-FFF2-40B4-BE49-F238E27FC236}">
-                <a16:creationId xmlns:a16="http://schemas.microsoft.com/office/drawing/2014/main" id="{96674A86-12B0-8CE9-E016-E34C1CBBFAD1}"/>
+                <a16:creationId xmlns:a16="http://schemas.microsoft.com/office/drawing/2014/main" id="{53E3D2DD-95FC-1A3F-C316-E29D54B1BE9D}"/>
               </a:ext>
             </a:extLst>
           </p:cNvPr>
@@ -24595,66 +23422,23 @@
           <a:lstStyle/>
           <a:p>
             <a:r>
-              <a:rPr lang="en-US" sz="3600" dirty="0">
-                <a:latin typeface="Consolas"/>
-                <a:cs typeface="Calibri"/>
-              </a:rPr>
-              <a:t>Enqueue()</a:t>
-            </a:r>
-            <a:r>
-              <a:rPr lang="bg-BG" sz="3600" dirty="0">
-                <a:latin typeface="Calibri" panose="020F0502020204030204" pitchFamily="34" charset="0"/>
-                <a:cs typeface="Calibri" panose="020F0502020204030204" pitchFamily="34" charset="0"/>
-              </a:rPr>
-              <a:t>,</a:t>
-            </a:r>
-            <a:r>
-              <a:rPr lang="bg-BG" sz="3600" dirty="0">
-                <a:latin typeface="Consolas"/>
-                <a:cs typeface="Calibri"/>
-              </a:rPr>
-              <a:t> </a:t>
-            </a:r>
-            <a:r>
-              <a:rPr lang="en-US" sz="3600" dirty="0">
-                <a:latin typeface="Consolas"/>
-                <a:cs typeface="Calibri"/>
-              </a:rPr>
-              <a:t>Dequeue()</a:t>
-            </a:r>
-            <a:r>
-              <a:rPr lang="bg-BG" sz="3600" dirty="0">
-                <a:latin typeface="Calibri" panose="020F0502020204030204" pitchFamily="34" charset="0"/>
-                <a:cs typeface="Calibri" panose="020F0502020204030204" pitchFamily="34" charset="0"/>
-              </a:rPr>
-              <a:t>,</a:t>
-            </a:r>
-            <a:r>
-              <a:rPr lang="bg-BG" sz="3600" dirty="0">
-                <a:latin typeface="Consolas"/>
-                <a:cs typeface="Calibri"/>
-              </a:rPr>
-              <a:t> </a:t>
-            </a:r>
-            <a:r>
-              <a:rPr lang="en-US" sz="3600" dirty="0">
-                <a:latin typeface="Consolas"/>
-                <a:cs typeface="Calibri"/>
-              </a:rPr>
-              <a:t>Peek()</a:t>
-            </a:r>
-            <a:endParaRPr lang="en-US" sz="3600" dirty="0">
-              <a:latin typeface="Consolas"/>
-            </a:endParaRPr>
+              <a:rPr lang="bg-BG"/>
+              <a:t>Опашка (</a:t>
+            </a:r>
+            <a:r>
+              <a:rPr lang="en-US"/>
+              <a:t>Queue)</a:t>
+            </a:r>
+            <a:endParaRPr lang="bg-BG"/>
           </a:p>
         </p:txBody>
       </p:sp>
       <p:sp>
         <p:nvSpPr>
-          <p:cNvPr id="4" name="Title 3">
+          <p:cNvPr id="7" name="Заглавие 6">
             <a:extLst>
               <a:ext uri="{FF2B5EF4-FFF2-40B4-BE49-F238E27FC236}">
-                <a16:creationId xmlns:a16="http://schemas.microsoft.com/office/drawing/2014/main" id="{6F5F6A9C-EAC0-4563-9081-F9A20BC2F0C7}"/>
+                <a16:creationId xmlns:a16="http://schemas.microsoft.com/office/drawing/2014/main" id="{466F4278-5871-B7D9-4C42-7ADB95974B74}"/>
               </a:ext>
             </a:extLst>
           </p:cNvPr>
@@ -24671,21 +23455,17 @@
           <a:lstStyle/>
           <a:p>
             <a:r>
-              <a:rPr lang="bg-BG" dirty="0"/>
-              <a:t>Опашка (</a:t>
-            </a:r>
-            <a:r>
-              <a:rPr lang="en-US" dirty="0"/>
-              <a:t>Queue)</a:t>
-            </a:r>
-            <a:endParaRPr lang="en-GB" dirty="0"/>
+              <a:rPr lang="en-US"/>
+              <a:t>Enqueue(), Dequeue(), Peek()</a:t>
+            </a:r>
+            <a:endParaRPr lang="bg-BG"/>
           </a:p>
         </p:txBody>
       </p:sp>
     </p:spTree>
     <p:extLst>
       <p:ext uri="{BB962C8B-B14F-4D97-AF65-F5344CB8AC3E}">
-        <p14:creationId xmlns:p14="http://schemas.microsoft.com/office/powerpoint/2010/main" val="2250332612"/>
+        <p14:creationId xmlns:p14="http://schemas.microsoft.com/office/powerpoint/2010/main" val="4234882277"/>
       </p:ext>
     </p:extLst>
   </p:cSld>
@@ -27197,17 +25977,19 @@
       </p:grpSp>
       <p:sp>
         <p:nvSpPr>
-          <p:cNvPr id="29" name="Slide Number">
+          <p:cNvPr id="2" name="Slide Number">
             <a:extLst>
               <a:ext uri="{FF2B5EF4-FFF2-40B4-BE49-F238E27FC236}">
-                <a16:creationId xmlns:a16="http://schemas.microsoft.com/office/drawing/2014/main" id="{3A3800C1-0FC4-4A6A-B7AC-2C8ABCBC8AB6}"/>
+                <a16:creationId xmlns:a16="http://schemas.microsoft.com/office/drawing/2014/main" id="{545F67E9-BCD5-2925-AFD6-07A13C0ED8E7}"/>
               </a:ext>
             </a:extLst>
           </p:cNvPr>
-          <p:cNvSpPr txBox="1">
-            <a:spLocks/>
+          <p:cNvSpPr>
+            <a:spLocks noGrp="1"/>
           </p:cNvSpPr>
-          <p:nvPr/>
+          <p:nvPr>
+            <p:ph type="sldNum" sz="quarter" idx="5"/>
+          </p:nvPr>
         </p:nvSpPr>
         <p:spPr>
           <a:xfrm>
@@ -27221,114 +26003,24 @@
         <p:txBody>
           <a:bodyPr vert="horz" lIns="91440" tIns="45720" rIns="91440" bIns="45720" rtlCol="0" anchor="b"/>
           <a:lstStyle>
-            <a:defPPr>
-              <a:defRPr lang="en-US"/>
-            </a:defPPr>
-            <a:lvl1pPr marL="0" algn="r" defTabSz="914400" rtl="0" eaLnBrk="1" latinLnBrk="0" hangingPunct="1">
-              <a:defRPr sz="1000" kern="1200">
-                <a:solidFill>
-                  <a:schemeClr val="tx1"/>
-                </a:solidFill>
-                <a:latin typeface="+mn-lt"/>
-                <a:ea typeface="+mn-ea"/>
-                <a:cs typeface="+mn-cs"/>
-              </a:defRPr>
+            <a:lvl1pPr algn="r">
+              <a:defRPr sz="1000"/>
             </a:lvl1pPr>
-            <a:lvl2pPr marL="457200" algn="l" defTabSz="914400" rtl="0" eaLnBrk="1" latinLnBrk="0" hangingPunct="1">
-              <a:defRPr sz="1800" kern="1200">
-                <a:solidFill>
-                  <a:schemeClr val="tx1"/>
-                </a:solidFill>
-                <a:latin typeface="+mn-lt"/>
-                <a:ea typeface="+mn-ea"/>
-                <a:cs typeface="+mn-cs"/>
-              </a:defRPr>
-            </a:lvl2pPr>
-            <a:lvl3pPr marL="914400" algn="l" defTabSz="914400" rtl="0" eaLnBrk="1" latinLnBrk="0" hangingPunct="1">
-              <a:defRPr sz="1800" kern="1200">
-                <a:solidFill>
-                  <a:schemeClr val="tx1"/>
-                </a:solidFill>
-                <a:latin typeface="+mn-lt"/>
-                <a:ea typeface="+mn-ea"/>
-                <a:cs typeface="+mn-cs"/>
-              </a:defRPr>
-            </a:lvl3pPr>
-            <a:lvl4pPr marL="1371600" algn="l" defTabSz="914400" rtl="0" eaLnBrk="1" latinLnBrk="0" hangingPunct="1">
-              <a:defRPr sz="1800" kern="1200">
-                <a:solidFill>
-                  <a:schemeClr val="tx1"/>
-                </a:solidFill>
-                <a:latin typeface="+mn-lt"/>
-                <a:ea typeface="+mn-ea"/>
-                <a:cs typeface="+mn-cs"/>
-              </a:defRPr>
-            </a:lvl4pPr>
-            <a:lvl5pPr marL="1828800" algn="l" defTabSz="914400" rtl="0" eaLnBrk="1" latinLnBrk="0" hangingPunct="1">
-              <a:defRPr sz="1800" kern="1200">
-                <a:solidFill>
-                  <a:schemeClr val="tx1"/>
-                </a:solidFill>
-                <a:latin typeface="+mn-lt"/>
-                <a:ea typeface="+mn-ea"/>
-                <a:cs typeface="+mn-cs"/>
-              </a:defRPr>
-            </a:lvl5pPr>
-            <a:lvl6pPr marL="2286000" algn="l" defTabSz="914400" rtl="0" eaLnBrk="1" latinLnBrk="0" hangingPunct="1">
-              <a:defRPr sz="1800" kern="1200">
-                <a:solidFill>
-                  <a:schemeClr val="tx1"/>
-                </a:solidFill>
-                <a:latin typeface="+mn-lt"/>
-                <a:ea typeface="+mn-ea"/>
-                <a:cs typeface="+mn-cs"/>
-              </a:defRPr>
-            </a:lvl6pPr>
-            <a:lvl7pPr marL="2743200" algn="l" defTabSz="914400" rtl="0" eaLnBrk="1" latinLnBrk="0" hangingPunct="1">
-              <a:defRPr sz="1800" kern="1200">
-                <a:solidFill>
-                  <a:schemeClr val="tx1"/>
-                </a:solidFill>
-                <a:latin typeface="+mn-lt"/>
-                <a:ea typeface="+mn-ea"/>
-                <a:cs typeface="+mn-cs"/>
-              </a:defRPr>
-            </a:lvl7pPr>
-            <a:lvl8pPr marL="3200400" algn="l" defTabSz="914400" rtl="0" eaLnBrk="1" latinLnBrk="0" hangingPunct="1">
-              <a:defRPr sz="1800" kern="1200">
-                <a:solidFill>
-                  <a:schemeClr val="tx1"/>
-                </a:solidFill>
-                <a:latin typeface="+mn-lt"/>
-                <a:ea typeface="+mn-ea"/>
-                <a:cs typeface="+mn-cs"/>
-              </a:defRPr>
-            </a:lvl8pPr>
-            <a:lvl9pPr marL="3657600" algn="l" defTabSz="914400" rtl="0" eaLnBrk="1" latinLnBrk="0" hangingPunct="1">
-              <a:defRPr sz="1800" kern="1200">
-                <a:solidFill>
-                  <a:schemeClr val="tx1"/>
-                </a:solidFill>
-                <a:latin typeface="+mn-lt"/>
-                <a:ea typeface="+mn-ea"/>
-                <a:cs typeface="+mn-cs"/>
-              </a:defRPr>
-            </a:lvl9pPr>
           </a:lstStyle>
           <a:p>
             <a:fld id="{2BF067CD-8E6B-4360-9AA8-C5DF2A48A6D1}" type="slidenum">
-              <a:rPr lang="en-US" smtClean="0"/>
+              <a:rPr lang="en-US" noProof="0" smtClean="0"/>
               <a:pPr/>
               <a:t>25</a:t>
             </a:fld>
-            <a:endParaRPr lang="en-US" dirty="0"/>
+            <a:endParaRPr lang="en-US" noProof="0" dirty="0"/>
           </a:p>
         </p:txBody>
       </p:sp>
     </p:spTree>
     <p:extLst>
       <p:ext uri="{BB962C8B-B14F-4D97-AF65-F5344CB8AC3E}">
-        <p14:creationId xmlns:p14="http://schemas.microsoft.com/office/powerpoint/2010/main" val="1678546759"/>
+        <p14:creationId xmlns:p14="http://schemas.microsoft.com/office/powerpoint/2010/main" val="1107044064"/>
       </p:ext>
     </p:extLst>
   </p:cSld>
@@ -28837,10 +27529,10 @@
       </p:sp>
       <p:sp>
         <p:nvSpPr>
-          <p:cNvPr id="30" name="Slide Number">
+          <p:cNvPr id="2" name="Slide Number">
             <a:extLst>
               <a:ext uri="{FF2B5EF4-FFF2-40B4-BE49-F238E27FC236}">
-                <a16:creationId xmlns:a16="http://schemas.microsoft.com/office/drawing/2014/main" id="{8274BC36-5296-45B1-895F-0321E0249F58}"/>
+                <a16:creationId xmlns:a16="http://schemas.microsoft.com/office/drawing/2014/main" id="{282F71B8-0E95-AF03-3C54-6FC6E9BBCA41}"/>
               </a:ext>
             </a:extLst>
           </p:cNvPr>
@@ -28880,7 +27572,7 @@
     </p:spTree>
     <p:extLst>
       <p:ext uri="{BB962C8B-B14F-4D97-AF65-F5344CB8AC3E}">
-        <p14:creationId xmlns:p14="http://schemas.microsoft.com/office/powerpoint/2010/main" val="470566387"/>
+        <p14:creationId xmlns:p14="http://schemas.microsoft.com/office/powerpoint/2010/main" val="3541402927"/>
       </p:ext>
     </p:extLst>
   </p:cSld>
@@ -30660,10 +29352,10 @@
       </p:sp>
       <p:sp>
         <p:nvSpPr>
-          <p:cNvPr id="15" name="Slide Number">
+          <p:cNvPr id="2" name="Slide Number">
             <a:extLst>
               <a:ext uri="{FF2B5EF4-FFF2-40B4-BE49-F238E27FC236}">
-                <a16:creationId xmlns:a16="http://schemas.microsoft.com/office/drawing/2014/main" id="{8C9EBD0A-F1CE-427C-A2F7-553F06C7989A}"/>
+                <a16:creationId xmlns:a16="http://schemas.microsoft.com/office/drawing/2014/main" id="{16518D40-28FA-55A8-0EA3-BE79690A461A}"/>
               </a:ext>
             </a:extLst>
           </p:cNvPr>
@@ -30703,7 +29395,7 @@
     </p:spTree>
     <p:extLst>
       <p:ext uri="{BB962C8B-B14F-4D97-AF65-F5344CB8AC3E}">
-        <p14:creationId xmlns:p14="http://schemas.microsoft.com/office/powerpoint/2010/main" val="3480584572"/>
+        <p14:creationId xmlns:p14="http://schemas.microsoft.com/office/powerpoint/2010/main" val="3889308221"/>
       </p:ext>
     </p:extLst>
   </p:cSld>
@@ -32058,10 +30750,10 @@
       </p:sp>
       <p:sp>
         <p:nvSpPr>
-          <p:cNvPr id="12" name="Slide Number">
+          <p:cNvPr id="2" name="Slide Number">
             <a:extLst>
               <a:ext uri="{FF2B5EF4-FFF2-40B4-BE49-F238E27FC236}">
-                <a16:creationId xmlns:a16="http://schemas.microsoft.com/office/drawing/2014/main" id="{6D9810F2-BCBE-4CDF-9DF6-22E4C8DE1810}"/>
+                <a16:creationId xmlns:a16="http://schemas.microsoft.com/office/drawing/2014/main" id="{9B997BB0-53B4-3203-BF02-9D17D9FCB8FC}"/>
               </a:ext>
             </a:extLst>
           </p:cNvPr>
@@ -32101,7 +30793,7 @@
     </p:spTree>
     <p:extLst>
       <p:ext uri="{BB962C8B-B14F-4D97-AF65-F5344CB8AC3E}">
-        <p14:creationId xmlns:p14="http://schemas.microsoft.com/office/powerpoint/2010/main" val="3583309263"/>
+        <p14:creationId xmlns:p14="http://schemas.microsoft.com/office/powerpoint/2010/main" val="878430616"/>
       </p:ext>
     </p:extLst>
   </p:cSld>
@@ -32792,10 +31484,10 @@
       </p:sp>
       <p:sp>
         <p:nvSpPr>
-          <p:cNvPr id="12" name="Slide Number">
+          <p:cNvPr id="2" name="Slide Number">
             <a:extLst>
               <a:ext uri="{FF2B5EF4-FFF2-40B4-BE49-F238E27FC236}">
-                <a16:creationId xmlns:a16="http://schemas.microsoft.com/office/drawing/2014/main" id="{821F89DB-0D9A-42EE-B4F6-7E1B41A4520E}"/>
+                <a16:creationId xmlns:a16="http://schemas.microsoft.com/office/drawing/2014/main" id="{AF9B49F8-7E86-E291-7519-2A09A2FC3253}"/>
               </a:ext>
             </a:extLst>
           </p:cNvPr>
@@ -32835,7 +31527,7 @@
     </p:spTree>
     <p:extLst>
       <p:ext uri="{BB962C8B-B14F-4D97-AF65-F5344CB8AC3E}">
-        <p14:creationId xmlns:p14="http://schemas.microsoft.com/office/powerpoint/2010/main" val="3751569922"/>
+        <p14:creationId xmlns:p14="http://schemas.microsoft.com/office/powerpoint/2010/main" val="3742710798"/>
       </p:ext>
     </p:extLst>
   </p:cSld>
@@ -33183,10 +31875,38 @@
       </p:pic>
       <p:sp>
         <p:nvSpPr>
-          <p:cNvPr id="5" name="Title 4">
+          <p:cNvPr id="4" name="Subtitle 3">
             <a:extLst>
               <a:ext uri="{FF2B5EF4-FFF2-40B4-BE49-F238E27FC236}">
-                <a16:creationId xmlns:a16="http://schemas.microsoft.com/office/drawing/2014/main" id="{4950C048-9B49-47F7-BE38-95F9528C3BB0}"/>
+                <a16:creationId xmlns:a16="http://schemas.microsoft.com/office/drawing/2014/main" id="{19CC7BA0-E540-7B16-EEA8-0F6145FFCCFD}"/>
+              </a:ext>
+            </a:extLst>
+          </p:cNvPr>
+          <p:cNvSpPr>
+            <a:spLocks noGrp="1"/>
+          </p:cNvSpPr>
+          <p:nvPr>
+            <p:ph type="subTitle" sz="quarter" idx="11"/>
+          </p:nvPr>
+        </p:nvSpPr>
+        <p:spPr/>
+        <p:txBody>
+          <a:bodyPr/>
+          <a:lstStyle/>
+          <a:p>
+            <a:r>
+              <a:rPr lang="bg-BG" dirty="0"/>
+              <a:t>Същност и видове</a:t>
+            </a:r>
+          </a:p>
+        </p:txBody>
+      </p:sp>
+      <p:sp>
+        <p:nvSpPr>
+          <p:cNvPr id="3" name="Заглавие 2">
+            <a:extLst>
+              <a:ext uri="{FF2B5EF4-FFF2-40B4-BE49-F238E27FC236}">
+                <a16:creationId xmlns:a16="http://schemas.microsoft.com/office/drawing/2014/main" id="{588F163F-47A9-1541-76F6-FE022BCF10B1}"/>
               </a:ext>
             </a:extLst>
           </p:cNvPr>
@@ -33197,13 +31917,18 @@
             <p:ph type="title" sz="quarter" idx="10"/>
           </p:nvPr>
         </p:nvSpPr>
-        <p:spPr/>
+        <p:spPr>
+          <a:xfrm>
+            <a:off x="615109" y="4704825"/>
+            <a:ext cx="10961783" cy="768084"/>
+          </a:xfrm>
+        </p:spPr>
         <p:txBody>
           <a:bodyPr/>
           <a:lstStyle/>
           <a:p>
             <a:r>
-              <a:rPr lang="bg-BG" dirty="0"/>
+              <a:rPr lang="bg-BG"/>
               <a:t>Структури от данни</a:t>
             </a:r>
           </a:p>
@@ -33212,7 +31937,7 @@
     </p:spTree>
     <p:extLst>
       <p:ext uri="{BB962C8B-B14F-4D97-AF65-F5344CB8AC3E}">
-        <p14:creationId xmlns:p14="http://schemas.microsoft.com/office/powerpoint/2010/main" val="1195035838"/>
+        <p14:creationId xmlns:p14="http://schemas.microsoft.com/office/powerpoint/2010/main" val="908688221"/>
       </p:ext>
     </p:extLst>
   </p:cSld>
@@ -33751,10 +32476,74 @@
       </p:sp>
       <p:sp>
         <p:nvSpPr>
-          <p:cNvPr id="7" name="Slide Number">
+          <p:cNvPr id="8" name="TextBox 7">
             <a:extLst>
               <a:ext uri="{FF2B5EF4-FFF2-40B4-BE49-F238E27FC236}">
-                <a16:creationId xmlns:a16="http://schemas.microsoft.com/office/drawing/2014/main" id="{DC57B0F8-2E0E-44A4-BC37-19A2182E89CD}"/>
+                <a16:creationId xmlns:a16="http://schemas.microsoft.com/office/drawing/2014/main" id="{02942895-6D47-4235-80B9-2CF5425019EE}"/>
+              </a:ext>
+            </a:extLst>
+          </p:cNvPr>
+          <p:cNvSpPr txBox="1"/>
+          <p:nvPr/>
+        </p:nvSpPr>
+        <p:spPr>
+          <a:xfrm>
+            <a:off x="763389" y="6434764"/>
+            <a:ext cx="10589042" cy="369236"/>
+          </a:xfrm>
+          <a:prstGeom prst="rect">
+            <a:avLst/>
+          </a:prstGeom>
+          <a:noFill/>
+        </p:spPr>
+        <p:txBody>
+          <a:bodyPr wrap="square" rtlCol="0">
+            <a:spAutoFit/>
+          </a:bodyPr>
+          <a:lstStyle/>
+          <a:p>
+            <a:pPr algn="ctr"/>
+            <a:r>
+              <a:rPr lang="en-US" sz="1800" dirty="0">
+                <a:ea typeface="+mn-lt"/>
+                <a:cs typeface="+mn-lt"/>
+              </a:rPr>
+              <a:t>Тествайте решението</a:t>
+            </a:r>
+            <a:r>
+              <a:rPr lang="bg-BG" sz="1800" dirty="0">
+                <a:ea typeface="+mn-lt"/>
+                <a:cs typeface="+mn-lt"/>
+              </a:rPr>
+              <a:t> си</a:t>
+            </a:r>
+            <a:r>
+              <a:rPr lang="en-US" sz="1800" dirty="0">
+                <a:ea typeface="+mn-lt"/>
+                <a:cs typeface="+mn-lt"/>
+              </a:rPr>
+              <a:t> в Judge </a:t>
+            </a:r>
+            <a:r>
+              <a:rPr lang="en-US" sz="1799" dirty="0"/>
+              <a:t>: </a:t>
+            </a:r>
+            <a:r>
+              <a:rPr lang="en-US" sz="1799" u="sng" dirty="0">
+                <a:hlinkClick r:id="rId2"/>
+              </a:rPr>
+              <a:t>https://judge.softuni.org/Contests/Practice/Index/4153#4</a:t>
+            </a:r>
+            <a:endParaRPr lang="en-US" sz="1799" dirty="0"/>
+          </a:p>
+        </p:txBody>
+      </p:sp>
+      <p:sp>
+        <p:nvSpPr>
+          <p:cNvPr id="2" name="Slide Number">
+            <a:extLst>
+              <a:ext uri="{FF2B5EF4-FFF2-40B4-BE49-F238E27FC236}">
+                <a16:creationId xmlns:a16="http://schemas.microsoft.com/office/drawing/2014/main" id="{33F97E7A-35D9-A571-9CB1-F2A7AD1F76EC}"/>
               </a:ext>
             </a:extLst>
           </p:cNvPr>
@@ -33791,74 +32580,10 @@
           </a:p>
         </p:txBody>
       </p:sp>
-      <p:sp>
-        <p:nvSpPr>
-          <p:cNvPr id="8" name="TextBox 7">
-            <a:extLst>
-              <a:ext uri="{FF2B5EF4-FFF2-40B4-BE49-F238E27FC236}">
-                <a16:creationId xmlns:a16="http://schemas.microsoft.com/office/drawing/2014/main" id="{02942895-6D47-4235-80B9-2CF5425019EE}"/>
-              </a:ext>
-            </a:extLst>
-          </p:cNvPr>
-          <p:cNvSpPr txBox="1"/>
-          <p:nvPr/>
-        </p:nvSpPr>
-        <p:spPr>
-          <a:xfrm>
-            <a:off x="763389" y="6434764"/>
-            <a:ext cx="10589042" cy="369236"/>
-          </a:xfrm>
-          <a:prstGeom prst="rect">
-            <a:avLst/>
-          </a:prstGeom>
-          <a:noFill/>
-        </p:spPr>
-        <p:txBody>
-          <a:bodyPr wrap="square" rtlCol="0">
-            <a:spAutoFit/>
-          </a:bodyPr>
-          <a:lstStyle/>
-          <a:p>
-            <a:pPr algn="ctr"/>
-            <a:r>
-              <a:rPr lang="en-US" sz="1800" dirty="0">
-                <a:ea typeface="+mn-lt"/>
-                <a:cs typeface="+mn-lt"/>
-              </a:rPr>
-              <a:t>Тествайте решението</a:t>
-            </a:r>
-            <a:r>
-              <a:rPr lang="bg-BG" sz="1800" dirty="0">
-                <a:ea typeface="+mn-lt"/>
-                <a:cs typeface="+mn-lt"/>
-              </a:rPr>
-              <a:t> си</a:t>
-            </a:r>
-            <a:r>
-              <a:rPr lang="en-US" sz="1800" dirty="0">
-                <a:ea typeface="+mn-lt"/>
-                <a:cs typeface="+mn-lt"/>
-              </a:rPr>
-              <a:t> в Judge </a:t>
-            </a:r>
-            <a:r>
-              <a:rPr lang="en-US" sz="1799" dirty="0"/>
-              <a:t>: </a:t>
-            </a:r>
-            <a:r>
-              <a:rPr lang="en-US" sz="1799" u="sng" dirty="0">
-                <a:hlinkClick r:id="rId2"/>
-              </a:rPr>
-              <a:t>https://judge.softuni.org/Contests/Practice/Index/4153#4</a:t>
-            </a:r>
-            <a:endParaRPr lang="en-US" sz="1799" dirty="0"/>
-          </a:p>
-        </p:txBody>
-      </p:sp>
     </p:spTree>
     <p:extLst>
       <p:ext uri="{BB962C8B-B14F-4D97-AF65-F5344CB8AC3E}">
-        <p14:creationId xmlns:p14="http://schemas.microsoft.com/office/powerpoint/2010/main" val="993592969"/>
+        <p14:creationId xmlns:p14="http://schemas.microsoft.com/office/powerpoint/2010/main" val="1420487878"/>
       </p:ext>
     </p:extLst>
   </p:cSld>
@@ -34786,13 +33511,13 @@
         </p:nvSpPr>
         <p:spPr bwMode="auto">
           <a:xfrm>
-            <a:off x="0" y="5785765"/>
+            <a:off x="164131" y="5769000"/>
             <a:ext cx="2556869" cy="1018235"/>
           </a:xfrm>
           <a:prstGeom prst="wedgeRoundRectCallout">
             <a:avLst>
-              <a:gd name="adj1" fmla="val 39545"/>
-              <a:gd name="adj2" fmla="val -120658"/>
+              <a:gd name="adj1" fmla="val 33585"/>
+              <a:gd name="adj2" fmla="val -111036"/>
               <a:gd name="adj3" fmla="val 16667"/>
             </a:avLst>
           </a:prstGeom>
@@ -34982,48 +33707,6 @@
       </p:sp>
       <p:sp>
         <p:nvSpPr>
-          <p:cNvPr id="11" name="Slide Number">
-            <a:extLst>
-              <a:ext uri="{FF2B5EF4-FFF2-40B4-BE49-F238E27FC236}">
-                <a16:creationId xmlns:a16="http://schemas.microsoft.com/office/drawing/2014/main" id="{C1666F04-8A05-4EFF-9945-A4A42CFEDC46}"/>
-              </a:ext>
-            </a:extLst>
-          </p:cNvPr>
-          <p:cNvSpPr>
-            <a:spLocks noGrp="1"/>
-          </p:cNvSpPr>
-          <p:nvPr>
-            <p:ph type="sldNum" sz="quarter" idx="5"/>
-          </p:nvPr>
-        </p:nvSpPr>
-        <p:spPr>
-          <a:xfrm>
-            <a:off x="11753030" y="6507000"/>
-            <a:ext cx="367414" cy="297000"/>
-          </a:xfrm>
-          <a:prstGeom prst="rect">
-            <a:avLst/>
-          </a:prstGeom>
-        </p:spPr>
-        <p:txBody>
-          <a:bodyPr vert="horz" lIns="91440" tIns="45720" rIns="91440" bIns="45720" rtlCol="0" anchor="b"/>
-          <a:lstStyle>
-            <a:lvl1pPr algn="r">
-              <a:defRPr sz="1000"/>
-            </a:lvl1pPr>
-          </a:lstStyle>
-          <a:p>
-            <a:fld id="{2BF067CD-8E6B-4360-9AA8-C5DF2A48A6D1}" type="slidenum">
-              <a:rPr lang="en-US" noProof="0" smtClean="0"/>
-              <a:pPr/>
-              <a:t>31</a:t>
-            </a:fld>
-            <a:endParaRPr lang="en-US" noProof="0" dirty="0"/>
-          </a:p>
-        </p:txBody>
-      </p:sp>
-      <p:sp>
-        <p:nvSpPr>
           <p:cNvPr id="2" name="AutoShape 6">
             <a:extLst>
               <a:ext uri="{FF2B5EF4-FFF2-40B4-BE49-F238E27FC236}">
@@ -35124,8 +33807,8 @@
         </p:nvSpPr>
         <p:spPr bwMode="auto">
           <a:xfrm>
-            <a:off x="8391000" y="2619000"/>
-            <a:ext cx="3711000" cy="860036"/>
+            <a:off x="8391000" y="2456222"/>
+            <a:ext cx="3711000" cy="1022814"/>
           </a:xfrm>
           <a:prstGeom prst="wedgeRoundRectCallout">
             <a:avLst>
@@ -35194,10 +33877,52 @@
           </a:p>
         </p:txBody>
       </p:sp>
+      <p:sp>
+        <p:nvSpPr>
+          <p:cNvPr id="3" name="Slide Number">
+            <a:extLst>
+              <a:ext uri="{FF2B5EF4-FFF2-40B4-BE49-F238E27FC236}">
+                <a16:creationId xmlns:a16="http://schemas.microsoft.com/office/drawing/2014/main" id="{86259CF7-66CA-2568-D9FA-1AD9729C8B21}"/>
+              </a:ext>
+            </a:extLst>
+          </p:cNvPr>
+          <p:cNvSpPr>
+            <a:spLocks noGrp="1"/>
+          </p:cNvSpPr>
+          <p:nvPr>
+            <p:ph type="sldNum" sz="quarter" idx="5"/>
+          </p:nvPr>
+        </p:nvSpPr>
+        <p:spPr>
+          <a:xfrm>
+            <a:off x="11753030" y="6507000"/>
+            <a:ext cx="367414" cy="297000"/>
+          </a:xfrm>
+          <a:prstGeom prst="rect">
+            <a:avLst/>
+          </a:prstGeom>
+        </p:spPr>
+        <p:txBody>
+          <a:bodyPr vert="horz" lIns="91440" tIns="45720" rIns="91440" bIns="45720" rtlCol="0" anchor="b"/>
+          <a:lstStyle>
+            <a:lvl1pPr algn="r">
+              <a:defRPr sz="1000"/>
+            </a:lvl1pPr>
+          </a:lstStyle>
+          <a:p>
+            <a:fld id="{2BF067CD-8E6B-4360-9AA8-C5DF2A48A6D1}" type="slidenum">
+              <a:rPr lang="en-US" noProof="0" smtClean="0"/>
+              <a:pPr/>
+              <a:t>31</a:t>
+            </a:fld>
+            <a:endParaRPr lang="en-US" noProof="0" dirty="0"/>
+          </a:p>
+        </p:txBody>
+      </p:sp>
     </p:spTree>
     <p:extLst>
       <p:ext uri="{BB962C8B-B14F-4D97-AF65-F5344CB8AC3E}">
-        <p14:creationId xmlns:p14="http://schemas.microsoft.com/office/powerpoint/2010/main" val="1379456476"/>
+        <p14:creationId xmlns:p14="http://schemas.microsoft.com/office/powerpoint/2010/main" val="178844343"/>
       </p:ext>
     </p:extLst>
   </p:cSld>
@@ -36199,10 +34924,10 @@
       </p:sp>
       <p:sp>
         <p:nvSpPr>
-          <p:cNvPr id="12" name="Slide Number">
+          <p:cNvPr id="2" name="Slide Number">
             <a:extLst>
               <a:ext uri="{FF2B5EF4-FFF2-40B4-BE49-F238E27FC236}">
-                <a16:creationId xmlns:a16="http://schemas.microsoft.com/office/drawing/2014/main" id="{E7E97E41-0C94-4A6A-A5F6-72562641C7F7}"/>
+                <a16:creationId xmlns:a16="http://schemas.microsoft.com/office/drawing/2014/main" id="{13B6F551-3D74-EFDF-6794-28D608E02624}"/>
               </a:ext>
             </a:extLst>
           </p:cNvPr>
@@ -36242,7 +34967,7 @@
     </p:spTree>
     <p:extLst>
       <p:ext uri="{BB962C8B-B14F-4D97-AF65-F5344CB8AC3E}">
-        <p14:creationId xmlns:p14="http://schemas.microsoft.com/office/powerpoint/2010/main" val="810640190"/>
+        <p14:creationId xmlns:p14="http://schemas.microsoft.com/office/powerpoint/2010/main" val="877864912"/>
       </p:ext>
     </p:extLst>
   </p:cSld>
@@ -36895,10 +35620,72 @@
       </p:sp>
       <p:sp>
         <p:nvSpPr>
-          <p:cNvPr id="5" name="Slide Number">
+          <p:cNvPr id="6" name="TextBox 5">
             <a:extLst>
               <a:ext uri="{FF2B5EF4-FFF2-40B4-BE49-F238E27FC236}">
-                <a16:creationId xmlns:a16="http://schemas.microsoft.com/office/drawing/2014/main" id="{F21734D4-66F8-4D99-AF62-4CF06DA6B48D}"/>
+                <a16:creationId xmlns:a16="http://schemas.microsoft.com/office/drawing/2014/main" id="{6EA1A4CF-A10C-4FFD-81E7-9542DF8C2902}"/>
+              </a:ext>
+            </a:extLst>
+          </p:cNvPr>
+          <p:cNvSpPr txBox="1"/>
+          <p:nvPr/>
+        </p:nvSpPr>
+        <p:spPr>
+          <a:xfrm>
+            <a:off x="763389" y="6389764"/>
+            <a:ext cx="10589042" cy="369236"/>
+          </a:xfrm>
+          <a:prstGeom prst="rect">
+            <a:avLst/>
+          </a:prstGeom>
+          <a:noFill/>
+        </p:spPr>
+        <p:txBody>
+          <a:bodyPr wrap="square" lIns="91440" tIns="45720" rIns="91440" bIns="45720" rtlCol="0" anchor="t">
+            <a:spAutoFit/>
+          </a:bodyPr>
+          <a:lstStyle/>
+          <a:p>
+            <a:pPr algn="ctr"/>
+            <a:r>
+              <a:rPr lang="en-US" sz="1750" dirty="0">
+                <a:ea typeface="+mn-lt"/>
+                <a:cs typeface="+mn-lt"/>
+              </a:rPr>
+              <a:t>Тествайте решението</a:t>
+            </a:r>
+            <a:r>
+              <a:rPr lang="bg-BG" sz="1750" dirty="0">
+                <a:ea typeface="+mn-lt"/>
+                <a:cs typeface="+mn-lt"/>
+              </a:rPr>
+              <a:t> си</a:t>
+            </a:r>
+            <a:r>
+              <a:rPr lang="en-US" sz="1750" dirty="0">
+                <a:ea typeface="+mn-lt"/>
+                <a:cs typeface="+mn-lt"/>
+              </a:rPr>
+              <a:t> в Judge: </a:t>
+            </a:r>
+            <a:r>
+              <a:rPr lang="en-US" sz="1750" u="sng" dirty="0">
+                <a:hlinkClick r:id="rId3"/>
+              </a:rPr>
+              <a:t>https://judge.softuni.org/Contests/Practice/Index/4153#5</a:t>
+            </a:r>
+            <a:endParaRPr lang="en-US" sz="1750" dirty="0">
+              <a:cs typeface="Calibri"/>
+            </a:endParaRPr>
+          </a:p>
+        </p:txBody>
+      </p:sp>
+      <p:sp>
+        <p:nvSpPr>
+          <p:cNvPr id="2" name="Slide Number">
+            <a:extLst>
+              <a:ext uri="{FF2B5EF4-FFF2-40B4-BE49-F238E27FC236}">
+                <a16:creationId xmlns:a16="http://schemas.microsoft.com/office/drawing/2014/main" id="{E62CA08E-B30F-94AC-85A8-7CBD97228D36}"/>
               </a:ext>
             </a:extLst>
           </p:cNvPr>
@@ -36935,79 +35722,10 @@
           </a:p>
         </p:txBody>
       </p:sp>
-      <p:sp>
-        <p:nvSpPr>
-          <p:cNvPr id="6" name="TextBox 5">
-            <a:extLst>
-              <a:ext uri="{FF2B5EF4-FFF2-40B4-BE49-F238E27FC236}">
-                <a16:creationId xmlns:a16="http://schemas.microsoft.com/office/drawing/2014/main" id="{6EA1A4CF-A10C-4FFD-81E7-9542DF8C2902}"/>
-              </a:ext>
-            </a:extLst>
-          </p:cNvPr>
-          <p:cNvSpPr txBox="1"/>
-          <p:nvPr/>
-        </p:nvSpPr>
-        <p:spPr>
-          <a:xfrm>
-            <a:off x="763389" y="6389764"/>
-            <a:ext cx="10589042" cy="369236"/>
-          </a:xfrm>
-          <a:prstGeom prst="rect">
-            <a:avLst/>
-          </a:prstGeom>
-          <a:noFill/>
-        </p:spPr>
-        <p:txBody>
-          <a:bodyPr wrap="square" lIns="91440" tIns="45720" rIns="91440" bIns="45720" rtlCol="0" anchor="t">
-            <a:spAutoFit/>
-          </a:bodyPr>
-          <a:lstStyle/>
-          <a:p>
-            <a:pPr algn="ctr"/>
-            <a:r>
-              <a:rPr lang="en-US" sz="1750" dirty="0">
-                <a:ea typeface="+mn-lt"/>
-                <a:cs typeface="+mn-lt"/>
-              </a:rPr>
-              <a:t>Тествайте решението</a:t>
-            </a:r>
-            <a:r>
-              <a:rPr lang="bg-BG" sz="1750" dirty="0">
-                <a:ea typeface="+mn-lt"/>
-                <a:cs typeface="+mn-lt"/>
-              </a:rPr>
-              <a:t> си</a:t>
-            </a:r>
-            <a:r>
-              <a:rPr lang="en-US" sz="1750" dirty="0">
-                <a:ea typeface="+mn-lt"/>
-                <a:cs typeface="+mn-lt"/>
-              </a:rPr>
-              <a:t> в Judge</a:t>
-            </a:r>
-            <a:r>
-              <a:rPr lang="en-US" sz="1750">
-                <a:ea typeface="+mn-lt"/>
-                <a:cs typeface="+mn-lt"/>
-              </a:rPr>
-              <a:t>: </a:t>
-            </a:r>
-            <a:r>
-              <a:rPr lang="en-US" sz="1750" u="sng">
-                <a:hlinkClick r:id="rId2"/>
-              </a:rPr>
-              <a:t>https://judge.softuni.org/Contests/Practice/Index/4153#0</a:t>
-            </a:r>
-            <a:endParaRPr lang="en-US" sz="1750" dirty="0">
-              <a:cs typeface="Calibri"/>
-            </a:endParaRPr>
-          </a:p>
-        </p:txBody>
-      </p:sp>
     </p:spTree>
     <p:extLst>
       <p:ext uri="{BB962C8B-B14F-4D97-AF65-F5344CB8AC3E}">
-        <p14:creationId xmlns:p14="http://schemas.microsoft.com/office/powerpoint/2010/main" val="1788263585"/>
+        <p14:creationId xmlns:p14="http://schemas.microsoft.com/office/powerpoint/2010/main" val="4024058760"/>
       </p:ext>
     </p:extLst>
   </p:cSld>
@@ -37215,15 +35933,33 @@
                                   </p:childTnLst>
                                 </p:cTn>
                               </p:par>
+                            </p:childTnLst>
+                          </p:cTn>
+                        </p:par>
+                      </p:childTnLst>
+                    </p:cTn>
+                  </p:par>
+                  <p:par>
+                    <p:cTn id="17" fill="hold">
+                      <p:stCondLst>
+                        <p:cond delay="indefinite"/>
+                      </p:stCondLst>
+                      <p:childTnLst>
+                        <p:par>
+                          <p:cTn id="18" fill="hold">
+                            <p:stCondLst>
+                              <p:cond delay="0"/>
+                            </p:stCondLst>
+                            <p:childTnLst>
                               <p:par>
-                                <p:cTn id="17" presetID="1" presetClass="entr" presetSubtype="0" fill="hold" nodeType="withEffect">
+                                <p:cTn id="19" presetID="1" presetClass="entr" presetSubtype="0" fill="hold" nodeType="clickEffect">
                                   <p:stCondLst>
                                     <p:cond delay="0"/>
                                   </p:stCondLst>
                                   <p:childTnLst>
                                     <p:set>
                                       <p:cBhvr>
-                                        <p:cTn id="18" dur="1" fill="hold">
+                                        <p:cTn id="20" dur="1" fill="hold">
                                           <p:stCondLst>
                                             <p:cond delay="0"/>
                                           </p:stCondLst>
@@ -37247,14 +35983,14 @@
                                 </p:cTn>
                               </p:par>
                               <p:par>
-                                <p:cTn id="19" presetID="1" presetClass="entr" presetSubtype="0" fill="hold" nodeType="withEffect">
+                                <p:cTn id="21" presetID="1" presetClass="entr" presetSubtype="0" fill="hold" nodeType="withEffect">
                                   <p:stCondLst>
                                     <p:cond delay="0"/>
                                   </p:stCondLst>
                                   <p:childTnLst>
                                     <p:set>
                                       <p:cBhvr>
-                                        <p:cTn id="20" dur="1" fill="hold">
+                                        <p:cTn id="22" dur="1" fill="hold">
                                           <p:stCondLst>
                                             <p:cond delay="0"/>
                                           </p:stCondLst>
@@ -37284,26 +36020,26 @@
                     </p:cTn>
                   </p:par>
                   <p:par>
-                    <p:cTn id="21" fill="hold">
+                    <p:cTn id="23" fill="hold">
                       <p:stCondLst>
                         <p:cond delay="indefinite"/>
                       </p:stCondLst>
                       <p:childTnLst>
                         <p:par>
-                          <p:cTn id="22" fill="hold">
+                          <p:cTn id="24" fill="hold">
                             <p:stCondLst>
                               <p:cond delay="0"/>
                             </p:stCondLst>
                             <p:childTnLst>
                               <p:par>
-                                <p:cTn id="23" presetID="1" presetClass="entr" presetSubtype="0" fill="hold" nodeType="clickEffect">
+                                <p:cTn id="25" presetID="1" presetClass="entr" presetSubtype="0" fill="hold" nodeType="clickEffect">
                                   <p:stCondLst>
                                     <p:cond delay="0"/>
                                   </p:stCondLst>
                                   <p:childTnLst>
                                     <p:set>
                                       <p:cBhvr>
-                                        <p:cTn id="24" dur="1" fill="hold">
+                                        <p:cTn id="26" dur="1" fill="hold">
                                           <p:stCondLst>
                                             <p:cond delay="0"/>
                                           </p:stCondLst>
@@ -38036,10 +36772,10 @@
       </p:sp>
       <p:sp>
         <p:nvSpPr>
-          <p:cNvPr id="13" name="Slide Number">
+          <p:cNvPr id="2" name="Slide Number">
             <a:extLst>
               <a:ext uri="{FF2B5EF4-FFF2-40B4-BE49-F238E27FC236}">
-                <a16:creationId xmlns:a16="http://schemas.microsoft.com/office/drawing/2014/main" id="{8D1D2A20-4FAB-41BC-BE72-78C981393AFC}"/>
+                <a16:creationId xmlns:a16="http://schemas.microsoft.com/office/drawing/2014/main" id="{07A69C8D-CDB4-0FE3-6B4F-0438EFE4C5AB}"/>
               </a:ext>
             </a:extLst>
           </p:cNvPr>
@@ -38079,7 +36815,7 @@
     </p:spTree>
     <p:extLst>
       <p:ext uri="{BB962C8B-B14F-4D97-AF65-F5344CB8AC3E}">
-        <p14:creationId xmlns:p14="http://schemas.microsoft.com/office/powerpoint/2010/main" val="87049387"/>
+        <p14:creationId xmlns:p14="http://schemas.microsoft.com/office/powerpoint/2010/main" val="2610945354"/>
       </p:ext>
     </p:extLst>
   </p:cSld>
@@ -38264,21 +37000,140 @@
           <a:lstStyle/>
           <a:p>
             <a:r>
-              <a:rPr lang="en-US" sz="8800" dirty="0">
-                <a:solidFill>
-                  <a:srgbClr val="234465"/>
-                </a:solidFill>
-              </a:rPr>
-              <a:t>Въпроси?</a:t>
-            </a:r>
-            <a:endParaRPr lang="en-US" sz="8800" dirty="0"/>
+              <a:rPr lang="bg-BG" dirty="0"/>
+              <a:t>Въпроси</a:t>
+            </a:r>
+            <a:r>
+              <a:rPr lang="en-US" dirty="0"/>
+              <a:t>?</a:t>
+            </a:r>
+          </a:p>
+        </p:txBody>
+      </p:sp>
+      <p:sp>
+        <p:nvSpPr>
+          <p:cNvPr id="2" name="Rectangle Bottom Copyright">
+            <a:extLst>
+              <a:ext uri="{FF2B5EF4-FFF2-40B4-BE49-F238E27FC236}">
+                <a16:creationId xmlns:a16="http://schemas.microsoft.com/office/drawing/2014/main" id="{664812A4-2991-44D1-BFE9-32E55AADF8A5}"/>
+              </a:ext>
+            </a:extLst>
+          </p:cNvPr>
+          <p:cNvSpPr/>
+          <p:nvPr/>
+        </p:nvSpPr>
+        <p:spPr>
+          <a:xfrm>
+            <a:off x="111000" y="6454758"/>
+            <a:ext cx="11970000" cy="304242"/>
+          </a:xfrm>
+          <a:prstGeom prst="rect">
+            <a:avLst/>
+          </a:prstGeom>
+        </p:spPr>
+        <p:txBody>
+          <a:bodyPr wrap="square">
+            <a:noAutofit/>
+          </a:bodyPr>
+          <a:lstStyle/>
+          <a:p>
+            <a:pPr algn="ctr">
+              <a:lnSpc>
+                <a:spcPct val="100000"/>
+              </a:lnSpc>
+              <a:spcBef>
+                <a:spcPts val="0"/>
+              </a:spcBef>
+              <a:spcAft>
+                <a:spcPts val="0"/>
+              </a:spcAft>
+            </a:pPr>
+            <a:r>
+              <a:rPr lang="bg-BG" sz="1600" dirty="0">
+                <a:solidFill>
+                  <a:schemeClr val="bg2"/>
+                </a:solidFill>
+                <a:effectLst/>
+                <a:latin typeface="Calibri" panose="020F0502020204030204" pitchFamily="34" charset="0"/>
+                <a:ea typeface="Calibri" panose="020F0502020204030204" pitchFamily="34" charset="0"/>
+                <a:cs typeface="Arial" panose="020B0604020202020204" pitchFamily="34" charset="0"/>
+              </a:rPr>
+              <a:t>Проект "</a:t>
+            </a:r>
+            <a:r>
+              <a:rPr lang="bg-BG" sz="1600" dirty="0">
+                <a:solidFill>
+                  <a:schemeClr val="bg1">
+                    <a:lumMod val="20000"/>
+                    <a:lumOff val="80000"/>
+                  </a:schemeClr>
+                </a:solidFill>
+                <a:effectLst/>
+                <a:latin typeface="Calibri" panose="020F0502020204030204" pitchFamily="34" charset="0"/>
+                <a:ea typeface="Calibri" panose="020F0502020204030204" pitchFamily="34" charset="0"/>
+                <a:cs typeface="Arial" panose="020B0604020202020204" pitchFamily="34" charset="0"/>
+                <a:hlinkClick r:id="rId3">
+                  <a:extLst>
+                    <a:ext uri="{A12FA001-AC4F-418D-AE19-62706E023703}">
+                      <ahyp:hlinkClr xmlns:ahyp="http://schemas.microsoft.com/office/drawing/2018/hyperlinkcolor" val="tx"/>
+                    </a:ext>
+                  </a:extLst>
+                </a:hlinkClick>
+              </a:rPr>
+              <a:t>Отворено учебно съдържание по програмиране и ИТ</a:t>
+            </a:r>
+            <a:r>
+              <a:rPr lang="bg-BG" sz="1600" dirty="0">
+                <a:solidFill>
+                  <a:schemeClr val="bg2"/>
+                </a:solidFill>
+                <a:effectLst/>
+                <a:latin typeface="Calibri" panose="020F0502020204030204" pitchFamily="34" charset="0"/>
+                <a:ea typeface="Calibri" panose="020F0502020204030204" pitchFamily="34" charset="0"/>
+                <a:cs typeface="Arial" panose="020B0604020202020204" pitchFamily="34" charset="0"/>
+              </a:rPr>
+              <a:t>", СофтУни Фондация (лиценз </a:t>
+            </a:r>
+            <a:r>
+              <a:rPr lang="en-US" sz="1600" dirty="0">
+                <a:solidFill>
+                  <a:schemeClr val="bg2"/>
+                </a:solidFill>
+                <a:effectLst/>
+                <a:latin typeface="Calibri" panose="020F0502020204030204" pitchFamily="34" charset="0"/>
+                <a:ea typeface="Calibri" panose="020F0502020204030204" pitchFamily="34" charset="0"/>
+                <a:cs typeface="Arial" panose="020B0604020202020204" pitchFamily="34" charset="0"/>
+              </a:rPr>
+              <a:t>CC-BY-NC-SA</a:t>
+            </a:r>
+            <a:r>
+              <a:rPr lang="bg-BG" sz="1600" dirty="0">
+                <a:solidFill>
+                  <a:schemeClr val="bg2"/>
+                </a:solidFill>
+                <a:effectLst/>
+                <a:latin typeface="Calibri" panose="020F0502020204030204" pitchFamily="34" charset="0"/>
+                <a:ea typeface="Calibri" panose="020F0502020204030204" pitchFamily="34" charset="0"/>
+                <a:cs typeface="Arial" panose="020B0604020202020204" pitchFamily="34" charset="0"/>
+              </a:rPr>
+              <a:t>)</a:t>
+            </a:r>
+            <a:endParaRPr lang="bg-BG" sz="2400" dirty="0">
+              <a:solidFill>
+                <a:schemeClr val="bg2"/>
+              </a:solidFill>
+              <a:effectLst/>
+              <a:latin typeface="Calibri" panose="020F0502020204030204" pitchFamily="34" charset="0"/>
+              <a:ea typeface="Calibri" panose="020F0502020204030204" pitchFamily="34" charset="0"/>
+              <a:cs typeface="Arial" panose="020B0604020202020204" pitchFamily="34" charset="0"/>
+            </a:endParaRPr>
           </a:p>
         </p:txBody>
       </p:sp>
     </p:spTree>
     <p:extLst>
       <p:ext uri="{BB962C8B-B14F-4D97-AF65-F5344CB8AC3E}">
-        <p14:creationId xmlns:p14="http://schemas.microsoft.com/office/powerpoint/2010/main" val="696795037"/>
+        <p14:creationId xmlns:p14="http://schemas.microsoft.com/office/powerpoint/2010/main" val="1573263622"/>
       </p:ext>
     </p:extLst>
   </p:cSld>
@@ -38332,11 +37187,13 @@
         <p:spPr>
           <a:xfrm>
             <a:off x="190402" y="1269001"/>
-            <a:ext cx="11818096" cy="5455890"/>
+            <a:ext cx="9865598" cy="2474999"/>
           </a:xfrm>
         </p:spPr>
         <p:txBody>
-          <a:bodyPr/>
+          <a:bodyPr>
+            <a:normAutofit/>
+          </a:bodyPr>
           <a:lstStyle/>
           <a:p>
             <a:pPr>
@@ -38345,113 +37202,42 @@
               </a:lnSpc>
             </a:pPr>
             <a:r>
-              <a:rPr lang="bg-BG" dirty="0"/>
+              <a:rPr lang="bg-BG" sz="3200" dirty="0"/>
               <a:t>Този курс</a:t>
             </a:r>
             <a:r>
-              <a:rPr lang="en-US" dirty="0"/>
+              <a:rPr lang="en-US" sz="3200" dirty="0"/>
               <a:t> (</a:t>
             </a:r>
             <a:r>
-              <a:rPr lang="bg-BG" dirty="0"/>
+              <a:rPr lang="bg-BG" sz="3200" dirty="0"/>
               <a:t>презентации, примери, демонстрационен код, упражнения, домашни, видео и други активи</a:t>
             </a:r>
             <a:r>
-              <a:rPr lang="en-US" dirty="0"/>
+              <a:rPr lang="en-US" sz="3200" dirty="0"/>
               <a:t>) </a:t>
             </a:r>
             <a:r>
-              <a:rPr lang="bg-BG" dirty="0"/>
+              <a:rPr lang="bg-BG" sz="3200" dirty="0"/>
               <a:t>представлява</a:t>
             </a:r>
             <a:r>
-              <a:rPr lang="en-US" dirty="0"/>
+              <a:rPr lang="en-US" sz="3200" dirty="0"/>
               <a:t> </a:t>
             </a:r>
             <a:r>
-              <a:rPr lang="bg-BG" b="1" dirty="0"/>
-              <a:t>защитено авторско съдържание</a:t>
-            </a:r>
-            <a:endParaRPr lang="en-US" dirty="0"/>
-          </a:p>
-          <a:p>
-            <a:pPr>
-              <a:lnSpc>
-                <a:spcPct val="120000"/>
-              </a:lnSpc>
-            </a:pPr>
-            <a:r>
-              <a:rPr lang="bg-BG" dirty="0"/>
-              <a:t>Нерегламентирано копиране</a:t>
-            </a:r>
-            <a:r>
-              <a:rPr lang="en-US" dirty="0"/>
-              <a:t>,</a:t>
-            </a:r>
-            <a:r>
-              <a:rPr lang="bg-BG" dirty="0"/>
-              <a:t> разпространение или използване е незаконно</a:t>
-            </a:r>
-          </a:p>
-          <a:p>
-            <a:pPr>
-              <a:lnSpc>
-                <a:spcPct val="120000"/>
-              </a:lnSpc>
-            </a:pPr>
-            <a:r>
-              <a:rPr lang="en-US" dirty="0"/>
-              <a:t>© </a:t>
-            </a:r>
-            <a:r>
-              <a:rPr lang="bg-BG" dirty="0"/>
-              <a:t>СофтУни</a:t>
-            </a:r>
-            <a:r>
-              <a:rPr lang="en-US" dirty="0"/>
-              <a:t> – </a:t>
-            </a:r>
-            <a:r>
-              <a:rPr lang="en-US" dirty="0">
-                <a:hlinkClick r:id="rId3"/>
-              </a:rPr>
-              <a:t>https://softuni.org</a:t>
-            </a:r>
-            <a:endParaRPr lang="en-US" dirty="0"/>
-          </a:p>
-          <a:p>
-            <a:pPr>
-              <a:lnSpc>
-                <a:spcPct val="120000"/>
-              </a:lnSpc>
-            </a:pPr>
-            <a:r>
-              <a:rPr lang="en-US" dirty="0"/>
-              <a:t>© </a:t>
-            </a:r>
-            <a:r>
-              <a:rPr lang="bg-BG" dirty="0"/>
-              <a:t>Софтуерен университет</a:t>
-            </a:r>
-            <a:r>
-              <a:rPr lang="en-US" dirty="0"/>
-              <a:t> – </a:t>
-            </a:r>
-            <a:r>
-              <a:rPr lang="en-US" dirty="0">
-                <a:hlinkClick r:id="rId4"/>
-              </a:rPr>
-              <a:t>https://softuni.bg</a:t>
-            </a:r>
-            <a:endParaRPr lang="bg-BG" dirty="0"/>
-          </a:p>
-          <a:p>
-            <a:pPr>
-              <a:lnSpc>
-                <a:spcPct val="120000"/>
-              </a:lnSpc>
-            </a:pPr>
-            <a:endParaRPr lang="bg-BG" dirty="0"/>
+              <a:rPr lang="bg-BG" sz="3200" b="1" dirty="0"/>
+              <a:t>свободно учебно съдържание </a:t>
+            </a:r>
+            <a:r>
+              <a:rPr lang="bg-BG" sz="3200" dirty="0"/>
+              <a:t>и се разпространява под свободен лиценз </a:t>
+            </a:r>
+            <a:r>
+              <a:rPr lang="en-US" sz="3200" b="1" dirty="0"/>
+              <a:t>CC-BY-NC-SA</a:t>
+            </a:r>
+            <a:endParaRPr lang="bg-BG" sz="3200" dirty="0"/>
           </a:p>
         </p:txBody>
       </p:sp>
@@ -38470,7 +37256,7 @@
           <p:nvPr/>
         </p:nvPicPr>
         <p:blipFill>
-          <a:blip r:embed="rId5">
+          <a:blip r:embed="rId3">
             <a:clrChange>
               <a:clrFrom>
                 <a:srgbClr val="FFFFFF"/>
@@ -38488,8 +37274,8 @@
         </p:blipFill>
         <p:spPr>
           <a:xfrm>
-            <a:off x="9745023" y="4445455"/>
-            <a:ext cx="1930977" cy="2043545"/>
+            <a:off x="10226175" y="1440120"/>
+            <a:ext cx="1198986" cy="1268880"/>
           </a:xfrm>
           <a:prstGeom prst="rect">
             <a:avLst/>
@@ -38526,10 +37312,171 @@
       </p:sp>
       <p:sp>
         <p:nvSpPr>
-          <p:cNvPr id="7" name="Slide Number">
+          <p:cNvPr id="11" name="TextBox 10">
             <a:extLst>
               <a:ext uri="{FF2B5EF4-FFF2-40B4-BE49-F238E27FC236}">
-                <a16:creationId xmlns:a16="http://schemas.microsoft.com/office/drawing/2014/main" id="{986F1241-4467-4A33-8F42-658BD1961EF6}"/>
+                <a16:creationId xmlns:a16="http://schemas.microsoft.com/office/drawing/2014/main" id="{0C18DF19-B750-4C88-975B-661A6BF61F5E}"/>
+              </a:ext>
+            </a:extLst>
+          </p:cNvPr>
+          <p:cNvSpPr txBox="1"/>
+          <p:nvPr/>
+        </p:nvSpPr>
+        <p:spPr>
+          <a:xfrm>
+            <a:off x="190401" y="3927519"/>
+            <a:ext cx="11710599" cy="1979644"/>
+          </a:xfrm>
+          <a:prstGeom prst="rect">
+            <a:avLst/>
+          </a:prstGeom>
+          <a:noFill/>
+          <a:ln w="12700">
+            <a:noFill/>
+          </a:ln>
+        </p:spPr>
+        <p:txBody>
+          <a:bodyPr wrap="square">
+            <a:spAutoFit/>
+          </a:bodyPr>
+          <a:lstStyle/>
+          <a:p>
+            <a:pPr marL="360363" indent="-360363" defTabSz="1218438">
+              <a:lnSpc>
+                <a:spcPct val="120000"/>
+              </a:lnSpc>
+              <a:spcBef>
+                <a:spcPts val="600"/>
+              </a:spcBef>
+              <a:spcAft>
+                <a:spcPts val="600"/>
+              </a:spcAft>
+              <a:buFont typeface="Wingdings" panose="05000000000000000000" pitchFamily="2" charset="2"/>
+              <a:buChar char="§"/>
+              <a:defRPr/>
+            </a:pPr>
+            <a:r>
+              <a:rPr lang="bg-BG" sz="3200" dirty="0"/>
+              <a:t>Проект "</a:t>
+            </a:r>
+            <a:r>
+              <a:rPr lang="bg-BG" sz="3200" b="1" dirty="0"/>
+              <a:t>Отворено учебно съдържание по програмиране и ИТ</a:t>
+            </a:r>
+            <a:r>
+              <a:rPr lang="bg-BG" sz="3200" dirty="0"/>
+              <a:t>" към Фондация "Софтуерен университет"</a:t>
+            </a:r>
+            <a:r>
+              <a:rPr lang="en-US" sz="3200" dirty="0"/>
+              <a:t>:</a:t>
+            </a:r>
+            <a:endParaRPr lang="bg-BG" sz="3200" dirty="0"/>
+          </a:p>
+          <a:p>
+            <a:pPr marL="817563" lvl="1" indent="-360363" defTabSz="1218438">
+              <a:lnSpc>
+                <a:spcPct val="120000"/>
+              </a:lnSpc>
+              <a:spcBef>
+                <a:spcPts val="600"/>
+              </a:spcBef>
+              <a:spcAft>
+                <a:spcPts val="600"/>
+              </a:spcAft>
+              <a:buFont typeface="Wingdings" panose="05000000000000000000" pitchFamily="2" charset="2"/>
+              <a:buChar char="§"/>
+              <a:defRPr/>
+            </a:pPr>
+            <a:r>
+              <a:rPr kumimoji="0" lang="en-US" sz="3200" b="0" i="0" u="none" strike="noStrike" kern="1200" cap="none" spc="0" normalizeH="0" baseline="0" noProof="0" dirty="0">
+                <a:ln>
+                  <a:noFill/>
+                </a:ln>
+                <a:solidFill>
+                  <a:srgbClr val="234465"/>
+                </a:solidFill>
+                <a:effectLst/>
+                <a:uLnTx/>
+                <a:uFillTx/>
+                <a:latin typeface="Calibri"/>
+                <a:ea typeface="+mn-ea"/>
+                <a:cs typeface="+mn-cs"/>
+                <a:hlinkClick r:id="rId4"/>
+              </a:rPr>
+              <a:t>https://github.com/BG-IT-Edu</a:t>
+            </a:r>
+            <a:endParaRPr kumimoji="0" lang="bg-BG" sz="3200" b="0" i="0" u="none" strike="noStrike" kern="1200" cap="none" spc="0" normalizeH="0" baseline="0" noProof="0" dirty="0">
+              <a:ln>
+                <a:noFill/>
+              </a:ln>
+              <a:solidFill>
+                <a:srgbClr val="234465"/>
+              </a:solidFill>
+              <a:effectLst/>
+              <a:uLnTx/>
+              <a:uFillTx/>
+              <a:latin typeface="Calibri"/>
+              <a:ea typeface="+mn-ea"/>
+              <a:cs typeface="+mn-cs"/>
+            </a:endParaRPr>
+          </a:p>
+        </p:txBody>
+      </p:sp>
+      <p:pic>
+        <p:nvPicPr>
+          <p:cNvPr id="7" name="Picture 6" title="CC-BY-NC-SA License">
+            <a:hlinkClick r:id="rId5" tooltip="This work is licensed under the &quot;Creative Commons Attribution-NonCommercial-ShareAlike 4.0 International&quot; license"/>
+            <a:extLst>
+              <a:ext uri="{FF2B5EF4-FFF2-40B4-BE49-F238E27FC236}">
+                <a16:creationId xmlns:a16="http://schemas.microsoft.com/office/drawing/2014/main" id="{F6C77C47-F7D8-A176-5C69-7FDE5C7E8003}"/>
+              </a:ext>
+            </a:extLst>
+          </p:cNvPr>
+          <p:cNvPicPr>
+            <a:picLocks noChangeAspect="1" noChangeArrowheads="1"/>
+          </p:cNvPicPr>
+          <p:nvPr/>
+        </p:nvPicPr>
+        <p:blipFill>
+          <a:blip r:embed="rId6">
+            <a:extLst>
+              <a:ext uri="{28A0092B-C50C-407E-A947-70E740481C1C}">
+                <a14:useLocalDpi xmlns:a14="http://schemas.microsoft.com/office/drawing/2010/main"/>
+              </a:ext>
+            </a:extLst>
+          </a:blip>
+          <a:srcRect/>
+          <a:stretch>
+            <a:fillRect/>
+          </a:stretch>
+        </p:blipFill>
+        <p:spPr bwMode="auto">
+          <a:xfrm>
+            <a:off x="9831000" y="2908593"/>
+            <a:ext cx="1989336" cy="696022"/>
+          </a:xfrm>
+          <a:prstGeom prst="roundRect">
+            <a:avLst>
+              <a:gd name="adj" fmla="val 3940"/>
+            </a:avLst>
+          </a:prstGeom>
+          <a:solidFill>
+            <a:srgbClr val="231F20">
+              <a:alpha val="50000"/>
+            </a:srgbClr>
+          </a:solidFill>
+          <a:ln>
+            <a:noFill/>
+          </a:ln>
+        </p:spPr>
+      </p:pic>
+      <p:sp>
+        <p:nvSpPr>
+          <p:cNvPr id="4" name="Slide Number">
+            <a:extLst>
+              <a:ext uri="{FF2B5EF4-FFF2-40B4-BE49-F238E27FC236}">
+                <a16:creationId xmlns:a16="http://schemas.microsoft.com/office/drawing/2014/main" id="{6C5B4196-92E0-ECEC-3415-E9B04E1DBC60}"/>
               </a:ext>
             </a:extLst>
           </p:cNvPr>
@@ -38569,7 +37516,7 @@
     </p:spTree>
     <p:extLst>
       <p:ext uri="{BB962C8B-B14F-4D97-AF65-F5344CB8AC3E}">
-        <p14:creationId xmlns:p14="http://schemas.microsoft.com/office/powerpoint/2010/main" val="2996672731"/>
+        <p14:creationId xmlns:p14="http://schemas.microsoft.com/office/powerpoint/2010/main" val="159343840"/>
       </p:ext>
     </p:extLst>
   </p:cSld>
@@ -38949,10 +37896,10 @@
       </p:sp>
       <p:sp>
         <p:nvSpPr>
-          <p:cNvPr id="25" name="Slide Number">
+          <p:cNvPr id="2" name="Slide Number">
             <a:extLst>
               <a:ext uri="{FF2B5EF4-FFF2-40B4-BE49-F238E27FC236}">
-                <a16:creationId xmlns:a16="http://schemas.microsoft.com/office/drawing/2014/main" id="{3BEB2CEC-07BD-4A12-A8E5-5CDE13A3067C}"/>
+                <a16:creationId xmlns:a16="http://schemas.microsoft.com/office/drawing/2014/main" id="{B8E669EB-708F-4272-8CB7-F2ACE24E0A58}"/>
               </a:ext>
             </a:extLst>
           </p:cNvPr>
@@ -38992,7 +37939,7 @@
     </p:spTree>
     <p:extLst>
       <p:ext uri="{BB962C8B-B14F-4D97-AF65-F5344CB8AC3E}">
-        <p14:creationId xmlns:p14="http://schemas.microsoft.com/office/powerpoint/2010/main" val="2496297320"/>
+        <p14:creationId xmlns:p14="http://schemas.microsoft.com/office/powerpoint/2010/main" val="1405008594"/>
       </p:ext>
     </p:extLst>
   </p:cSld>
@@ -39669,10 +38616,10 @@
       </p:sp>
       <p:sp>
         <p:nvSpPr>
-          <p:cNvPr id="5" name="Slide Number">
+          <p:cNvPr id="2" name="Slide Number">
             <a:extLst>
               <a:ext uri="{FF2B5EF4-FFF2-40B4-BE49-F238E27FC236}">
-                <a16:creationId xmlns:a16="http://schemas.microsoft.com/office/drawing/2014/main" id="{F31D3C6A-590D-4441-8EF7-0AD2F9C4FD85}"/>
+                <a16:creationId xmlns:a16="http://schemas.microsoft.com/office/drawing/2014/main" id="{8AD4D7C1-14CC-12FA-3E6D-4EEB91C3A93E}"/>
               </a:ext>
             </a:extLst>
           </p:cNvPr>
@@ -39712,7 +38659,7 @@
     </p:spTree>
     <p:extLst>
       <p:ext uri="{BB962C8B-B14F-4D97-AF65-F5344CB8AC3E}">
-        <p14:creationId xmlns:p14="http://schemas.microsoft.com/office/powerpoint/2010/main" val="2635119141"/>
+        <p14:creationId xmlns:p14="http://schemas.microsoft.com/office/powerpoint/2010/main" val="623861606"/>
       </p:ext>
     </p:extLst>
   </p:cSld>
@@ -39763,7 +38710,7 @@
                                         <p:tgtEl>
                                           <p:spTgt spid="7">
                                             <p:txEl>
-                                              <p:pRg st="0" end="0"/>
+                                              <p:pRg st="1" end="1"/>
                                             </p:txEl>
                                           </p:spTgt>
                                         </p:tgtEl>
@@ -39812,37 +38759,6 @@
                                         <p:tgtEl>
                                           <p:spTgt spid="7">
                                             <p:txEl>
-                                              <p:pRg st="1" end="1"/>
-                                            </p:txEl>
-                                          </p:spTgt>
-                                        </p:tgtEl>
-                                        <p:attrNameLst>
-                                          <p:attrName>style.visibility</p:attrName>
-                                        </p:attrNameLst>
-                                      </p:cBhvr>
-                                      <p:to>
-                                        <p:strVal val="visible"/>
-                                      </p:to>
-                                    </p:set>
-                                  </p:childTnLst>
-                                </p:cTn>
-                              </p:par>
-                              <p:par>
-                                <p:cTn id="11" presetID="1" presetClass="entr" presetSubtype="0" fill="hold" nodeType="withEffect">
-                                  <p:stCondLst>
-                                    <p:cond delay="0"/>
-                                  </p:stCondLst>
-                                  <p:childTnLst>
-                                    <p:set>
-                                      <p:cBhvr>
-                                        <p:cTn id="12" dur="1" fill="hold">
-                                          <p:stCondLst>
-                                            <p:cond delay="0"/>
-                                          </p:stCondLst>
-                                        </p:cTn>
-                                        <p:tgtEl>
-                                          <p:spTgt spid="7">
-                                            <p:txEl>
                                               <p:pRg st="2" end="2"/>
                                             </p:txEl>
                                           </p:spTgt>
@@ -39865,26 +38781,26 @@
                     </p:cTn>
                   </p:par>
                   <p:par>
-                    <p:cTn id="13" fill="hold">
+                    <p:cTn id="11" fill="hold">
                       <p:stCondLst>
                         <p:cond delay="indefinite"/>
                       </p:stCondLst>
                       <p:childTnLst>
                         <p:par>
-                          <p:cTn id="14" fill="hold">
+                          <p:cTn id="12" fill="hold">
                             <p:stCondLst>
                               <p:cond delay="0"/>
                             </p:stCondLst>
                             <p:childTnLst>
                               <p:par>
-                                <p:cTn id="15" presetID="1" presetClass="entr" presetSubtype="0" fill="hold" nodeType="clickEffect">
+                                <p:cTn id="13" presetID="1" presetClass="entr" presetSubtype="0" fill="hold" nodeType="clickEffect">
                                   <p:stCondLst>
                                     <p:cond delay="0"/>
                                   </p:stCondLst>
                                   <p:childTnLst>
                                     <p:set>
                                       <p:cBhvr>
-                                        <p:cTn id="16" dur="1" fill="hold">
+                                        <p:cTn id="14" dur="1" fill="hold">
                                           <p:stCondLst>
                                             <p:cond delay="0"/>
                                           </p:stCondLst>
@@ -39955,36 +38871,6 @@
           <a:chExt cx="0" cy="0"/>
         </a:xfrm>
       </p:grpSpPr>
-      <p:sp>
-        <p:nvSpPr>
-          <p:cNvPr id="2" name="Slide Number Placeholder 1">
-            <a:extLst>
-              <a:ext uri="{FF2B5EF4-FFF2-40B4-BE49-F238E27FC236}">
-                <a16:creationId xmlns:a16="http://schemas.microsoft.com/office/drawing/2014/main" id="{4CA1AE6C-DE06-D1C7-FA3F-50BF01426A5E}"/>
-              </a:ext>
-            </a:extLst>
-          </p:cNvPr>
-          <p:cNvSpPr>
-            <a:spLocks noGrp="1"/>
-          </p:cNvSpPr>
-          <p:nvPr>
-            <p:ph type="sldNum" sz="quarter" idx="5"/>
-          </p:nvPr>
-        </p:nvSpPr>
-        <p:spPr/>
-        <p:txBody>
-          <a:bodyPr/>
-          <a:lstStyle/>
-          <a:p>
-            <a:fld id="{2BF067CD-8E6B-4360-9AA8-C5DF2A48A6D1}" type="slidenum">
-              <a:rPr lang="en-US" noProof="0" smtClean="0"/>
-              <a:pPr/>
-              <a:t>6</a:t>
-            </a:fld>
-            <a:endParaRPr lang="en-US" noProof="0" dirty="0"/>
-          </a:p>
-        </p:txBody>
-      </p:sp>
       <p:sp>
         <p:nvSpPr>
           <p:cNvPr id="3" name="Text Placeholder 2">
@@ -41156,10 +40042,52 @@
           </p:txBody>
         </p:sp>
       </p:grpSp>
+      <p:sp>
+        <p:nvSpPr>
+          <p:cNvPr id="5" name="Slide Number">
+            <a:extLst>
+              <a:ext uri="{FF2B5EF4-FFF2-40B4-BE49-F238E27FC236}">
+                <a16:creationId xmlns:a16="http://schemas.microsoft.com/office/drawing/2014/main" id="{3833A6DF-B73E-6B04-2330-282CA31864CE}"/>
+              </a:ext>
+            </a:extLst>
+          </p:cNvPr>
+          <p:cNvSpPr>
+            <a:spLocks noGrp="1"/>
+          </p:cNvSpPr>
+          <p:nvPr>
+            <p:ph type="sldNum" sz="quarter" idx="5"/>
+          </p:nvPr>
+        </p:nvSpPr>
+        <p:spPr>
+          <a:xfrm>
+            <a:off x="11753030" y="6507000"/>
+            <a:ext cx="367414" cy="297000"/>
+          </a:xfrm>
+          <a:prstGeom prst="rect">
+            <a:avLst/>
+          </a:prstGeom>
+        </p:spPr>
+        <p:txBody>
+          <a:bodyPr vert="horz" lIns="91440" tIns="45720" rIns="91440" bIns="45720" rtlCol="0" anchor="b"/>
+          <a:lstStyle>
+            <a:lvl1pPr algn="r">
+              <a:defRPr sz="1000"/>
+            </a:lvl1pPr>
+          </a:lstStyle>
+          <a:p>
+            <a:fld id="{2BF067CD-8E6B-4360-9AA8-C5DF2A48A6D1}" type="slidenum">
+              <a:rPr lang="en-US" noProof="0" smtClean="0"/>
+              <a:pPr/>
+              <a:t>6</a:t>
+            </a:fld>
+            <a:endParaRPr lang="en-US" noProof="0" dirty="0"/>
+          </a:p>
+        </p:txBody>
+      </p:sp>
     </p:spTree>
     <p:extLst>
       <p:ext uri="{BB962C8B-B14F-4D97-AF65-F5344CB8AC3E}">
-        <p14:creationId xmlns:p14="http://schemas.microsoft.com/office/powerpoint/2010/main" val="3140046874"/>
+        <p14:creationId xmlns:p14="http://schemas.microsoft.com/office/powerpoint/2010/main" val="3459062226"/>
       </p:ext>
     </p:extLst>
   </p:cSld>
@@ -41601,11 +40529,7 @@
             </a:r>
             <a:r>
               <a:rPr lang="bg-BG" sz="3950" dirty="0"/>
-              <a:t>п</a:t>
-            </a:r>
-            <a:r>
-              <a:rPr lang="en-US" sz="3950" dirty="0"/>
-              <a:t>ример</a:t>
+              <a:t>Пример</a:t>
             </a:r>
             <a:endParaRPr lang="bg-BG" dirty="0"/>
           </a:p>
@@ -43597,10 +42521,10 @@
       </p:sp>
       <p:sp>
         <p:nvSpPr>
-          <p:cNvPr id="16" name="Slide Number">
+          <p:cNvPr id="2" name="Slide Number">
             <a:extLst>
               <a:ext uri="{FF2B5EF4-FFF2-40B4-BE49-F238E27FC236}">
-                <a16:creationId xmlns:a16="http://schemas.microsoft.com/office/drawing/2014/main" id="{BDBDF40B-E5FA-4855-8260-DF9618C1A382}"/>
+                <a16:creationId xmlns:a16="http://schemas.microsoft.com/office/drawing/2014/main" id="{18C5D601-E81D-1591-783A-669F2B66E240}"/>
               </a:ext>
             </a:extLst>
           </p:cNvPr>
@@ -43640,7 +42564,7 @@
     </p:spTree>
     <p:extLst>
       <p:ext uri="{BB962C8B-B14F-4D97-AF65-F5344CB8AC3E}">
-        <p14:creationId xmlns:p14="http://schemas.microsoft.com/office/powerpoint/2010/main" val="1785651045"/>
+        <p14:creationId xmlns:p14="http://schemas.microsoft.com/office/powerpoint/2010/main" val="3602004264"/>
       </p:ext>
     </p:extLst>
   </p:cSld>
@@ -44017,10 +42941,10 @@
       </p:pic>
       <p:sp>
         <p:nvSpPr>
-          <p:cNvPr id="14" name="Subtitle 13">
+          <p:cNvPr id="3" name="Подзаглавие 2">
             <a:extLst>
               <a:ext uri="{FF2B5EF4-FFF2-40B4-BE49-F238E27FC236}">
-                <a16:creationId xmlns:a16="http://schemas.microsoft.com/office/drawing/2014/main" id="{A2E72B97-4A89-9338-8F14-D17FADFCEE2A}"/>
+                <a16:creationId xmlns:a16="http://schemas.microsoft.com/office/drawing/2014/main" id="{59464E36-48C2-616A-1039-2DCA8F42B047}"/>
               </a:ext>
             </a:extLst>
           </p:cNvPr>
@@ -44037,28 +42961,23 @@
           <a:lstStyle/>
           <a:p>
             <a:r>
-              <a:rPr lang="bg-BG" sz="3600" b="1" dirty="0">
-                <a:latin typeface="Calibri" panose="020F0502020204030204" pitchFamily="34" charset="0"/>
-                <a:cs typeface="Calibri" panose="020F0502020204030204" pitchFamily="34" charset="0"/>
-              </a:rPr>
-              <a:t>Push</a:t>
-            </a:r>
-            <a:r>
-              <a:rPr lang="bg-BG" sz="3600" b="1" dirty="0">
-                <a:latin typeface="Consolas"/>
-                <a:cs typeface="Calibri"/>
-              </a:rPr>
-              <a:t>(), Peek(), Pop()</a:t>
-            </a:r>
+              <a:rPr lang="bg-BG"/>
+              <a:t>Стек (</a:t>
+            </a:r>
+            <a:r>
+              <a:rPr lang="en-US"/>
+              <a:t>Stack)</a:t>
+            </a:r>
+            <a:endParaRPr lang="bg-BG"/>
           </a:p>
         </p:txBody>
       </p:sp>
       <p:sp>
         <p:nvSpPr>
-          <p:cNvPr id="4" name="Title 3">
+          <p:cNvPr id="7" name="Заглавие 6">
             <a:extLst>
               <a:ext uri="{FF2B5EF4-FFF2-40B4-BE49-F238E27FC236}">
-                <a16:creationId xmlns:a16="http://schemas.microsoft.com/office/drawing/2014/main" id="{0AFF2FD3-2080-4545-8A28-36F73B9684BD}"/>
+                <a16:creationId xmlns:a16="http://schemas.microsoft.com/office/drawing/2014/main" id="{56F8EE37-5B95-E14F-0924-E6B93B1221C6}"/>
               </a:ext>
             </a:extLst>
           </p:cNvPr>
@@ -44075,21 +42994,17 @@
           <a:lstStyle/>
           <a:p>
             <a:r>
-              <a:rPr lang="bg-BG" dirty="0"/>
-              <a:t>Стек (</a:t>
-            </a:r>
-            <a:r>
-              <a:rPr lang="en-US" dirty="0"/>
-              <a:t>Stack)</a:t>
-            </a:r>
-            <a:endParaRPr lang="bg-BG" dirty="0"/>
+              <a:rPr lang="en-US"/>
+              <a:t>Push(), Peek(), Pop()</a:t>
+            </a:r>
+            <a:endParaRPr lang="bg-BG"/>
           </a:p>
         </p:txBody>
       </p:sp>
     </p:spTree>
     <p:extLst>
       <p:ext uri="{BB962C8B-B14F-4D97-AF65-F5344CB8AC3E}">
-        <p14:creationId xmlns:p14="http://schemas.microsoft.com/office/powerpoint/2010/main" val="2886547241"/>
+        <p14:creationId xmlns:p14="http://schemas.microsoft.com/office/powerpoint/2010/main" val="4119007199"/>
       </p:ext>
     </p:extLst>
   </p:cSld>
@@ -46556,17 +45471,19 @@
       </p:grpSp>
       <p:sp>
         <p:nvSpPr>
-          <p:cNvPr id="31" name="Slide Number">
+          <p:cNvPr id="2" name="Slide Number">
             <a:extLst>
               <a:ext uri="{FF2B5EF4-FFF2-40B4-BE49-F238E27FC236}">
-                <a16:creationId xmlns:a16="http://schemas.microsoft.com/office/drawing/2014/main" id="{5802771A-E0E9-41A4-A2F1-99E11ECAAF96}"/>
+                <a16:creationId xmlns:a16="http://schemas.microsoft.com/office/drawing/2014/main" id="{C21D25E7-FCB0-6826-AE68-C76165DF2D26}"/>
               </a:ext>
             </a:extLst>
           </p:cNvPr>
-          <p:cNvSpPr txBox="1">
-            <a:spLocks/>
+          <p:cNvSpPr>
+            <a:spLocks noGrp="1"/>
           </p:cNvSpPr>
-          <p:nvPr/>
+          <p:nvPr>
+            <p:ph type="sldNum" sz="quarter" idx="5"/>
+          </p:nvPr>
         </p:nvSpPr>
         <p:spPr>
           <a:xfrm>
@@ -46580,114 +45497,24 @@
         <p:txBody>
           <a:bodyPr vert="horz" lIns="91440" tIns="45720" rIns="91440" bIns="45720" rtlCol="0" anchor="b"/>
           <a:lstStyle>
-            <a:defPPr>
-              <a:defRPr lang="en-US"/>
-            </a:defPPr>
-            <a:lvl1pPr marL="0" algn="r" defTabSz="914400" rtl="0" eaLnBrk="1" latinLnBrk="0" hangingPunct="1">
-              <a:defRPr sz="1000" kern="1200">
-                <a:solidFill>
-                  <a:schemeClr val="tx1"/>
-                </a:solidFill>
-                <a:latin typeface="+mn-lt"/>
-                <a:ea typeface="+mn-ea"/>
-                <a:cs typeface="+mn-cs"/>
-              </a:defRPr>
+            <a:lvl1pPr algn="r">
+              <a:defRPr sz="1000"/>
             </a:lvl1pPr>
-            <a:lvl2pPr marL="457200" algn="l" defTabSz="914400" rtl="0" eaLnBrk="1" latinLnBrk="0" hangingPunct="1">
-              <a:defRPr sz="1800" kern="1200">
-                <a:solidFill>
-                  <a:schemeClr val="tx1"/>
-                </a:solidFill>
-                <a:latin typeface="+mn-lt"/>
-                <a:ea typeface="+mn-ea"/>
-                <a:cs typeface="+mn-cs"/>
-              </a:defRPr>
-            </a:lvl2pPr>
-            <a:lvl3pPr marL="914400" algn="l" defTabSz="914400" rtl="0" eaLnBrk="1" latinLnBrk="0" hangingPunct="1">
-              <a:defRPr sz="1800" kern="1200">
-                <a:solidFill>
-                  <a:schemeClr val="tx1"/>
-                </a:solidFill>
-                <a:latin typeface="+mn-lt"/>
-                <a:ea typeface="+mn-ea"/>
-                <a:cs typeface="+mn-cs"/>
-              </a:defRPr>
-            </a:lvl3pPr>
-            <a:lvl4pPr marL="1371600" algn="l" defTabSz="914400" rtl="0" eaLnBrk="1" latinLnBrk="0" hangingPunct="1">
-              <a:defRPr sz="1800" kern="1200">
-                <a:solidFill>
-                  <a:schemeClr val="tx1"/>
-                </a:solidFill>
-                <a:latin typeface="+mn-lt"/>
-                <a:ea typeface="+mn-ea"/>
-                <a:cs typeface="+mn-cs"/>
-              </a:defRPr>
-            </a:lvl4pPr>
-            <a:lvl5pPr marL="1828800" algn="l" defTabSz="914400" rtl="0" eaLnBrk="1" latinLnBrk="0" hangingPunct="1">
-              <a:defRPr sz="1800" kern="1200">
-                <a:solidFill>
-                  <a:schemeClr val="tx1"/>
-                </a:solidFill>
-                <a:latin typeface="+mn-lt"/>
-                <a:ea typeface="+mn-ea"/>
-                <a:cs typeface="+mn-cs"/>
-              </a:defRPr>
-            </a:lvl5pPr>
-            <a:lvl6pPr marL="2286000" algn="l" defTabSz="914400" rtl="0" eaLnBrk="1" latinLnBrk="0" hangingPunct="1">
-              <a:defRPr sz="1800" kern="1200">
-                <a:solidFill>
-                  <a:schemeClr val="tx1"/>
-                </a:solidFill>
-                <a:latin typeface="+mn-lt"/>
-                <a:ea typeface="+mn-ea"/>
-                <a:cs typeface="+mn-cs"/>
-              </a:defRPr>
-            </a:lvl6pPr>
-            <a:lvl7pPr marL="2743200" algn="l" defTabSz="914400" rtl="0" eaLnBrk="1" latinLnBrk="0" hangingPunct="1">
-              <a:defRPr sz="1800" kern="1200">
-                <a:solidFill>
-                  <a:schemeClr val="tx1"/>
-                </a:solidFill>
-                <a:latin typeface="+mn-lt"/>
-                <a:ea typeface="+mn-ea"/>
-                <a:cs typeface="+mn-cs"/>
-              </a:defRPr>
-            </a:lvl7pPr>
-            <a:lvl8pPr marL="3200400" algn="l" defTabSz="914400" rtl="0" eaLnBrk="1" latinLnBrk="0" hangingPunct="1">
-              <a:defRPr sz="1800" kern="1200">
-                <a:solidFill>
-                  <a:schemeClr val="tx1"/>
-                </a:solidFill>
-                <a:latin typeface="+mn-lt"/>
-                <a:ea typeface="+mn-ea"/>
-                <a:cs typeface="+mn-cs"/>
-              </a:defRPr>
-            </a:lvl8pPr>
-            <a:lvl9pPr marL="3657600" algn="l" defTabSz="914400" rtl="0" eaLnBrk="1" latinLnBrk="0" hangingPunct="1">
-              <a:defRPr sz="1800" kern="1200">
-                <a:solidFill>
-                  <a:schemeClr val="tx1"/>
-                </a:solidFill>
-                <a:latin typeface="+mn-lt"/>
-                <a:ea typeface="+mn-ea"/>
-                <a:cs typeface="+mn-cs"/>
-              </a:defRPr>
-            </a:lvl9pPr>
           </a:lstStyle>
           <a:p>
             <a:fld id="{2BF067CD-8E6B-4360-9AA8-C5DF2A48A6D1}" type="slidenum">
-              <a:rPr lang="en-US" smtClean="0"/>
+              <a:rPr lang="en-US" noProof="0" smtClean="0"/>
               <a:pPr/>
               <a:t>9</a:t>
             </a:fld>
-            <a:endParaRPr lang="en-US" dirty="0"/>
+            <a:endParaRPr lang="en-US" noProof="0" dirty="0"/>
           </a:p>
         </p:txBody>
       </p:sp>
     </p:spTree>
     <p:extLst>
       <p:ext uri="{BB962C8B-B14F-4D97-AF65-F5344CB8AC3E}">
-        <p14:creationId xmlns:p14="http://schemas.microsoft.com/office/powerpoint/2010/main" val="2654697360"/>
+        <p14:creationId xmlns:p14="http://schemas.microsoft.com/office/powerpoint/2010/main" val="599204788"/>
       </p:ext>
     </p:extLst>
   </p:cSld>
@@ -46938,12 +45765,12 @@
 <file path=ppt/theme/theme1.xml><?xml version="1.0" encoding="utf-8"?>
 <a:theme xmlns:a="http://schemas.openxmlformats.org/drawingml/2006/main" name="SoftUni">
   <a:themeElements>
-    <a:clrScheme name="Custom 28">
+    <a:clrScheme name="Custom 2">
       <a:dk1>
         <a:srgbClr val="234465"/>
       </a:dk1>
       <a:lt1>
-        <a:srgbClr val="FFA000"/>
+        <a:srgbClr val="BF7800"/>
       </a:lt1>
       <a:dk2>
         <a:srgbClr val="234465"/>
@@ -46952,7 +45779,7 @@
         <a:srgbClr val="FFFFFF"/>
       </a:lt2>
       <a:accent1>
-        <a:srgbClr val="F29600"/>
+        <a:srgbClr val="FFA000"/>
       </a:accent1>
       <a:accent2>
         <a:srgbClr val="00B050"/>
@@ -46970,10 +45797,10 @@
         <a:srgbClr val="F4F5F7"/>
       </a:accent6>
       <a:hlink>
-        <a:srgbClr val="F2AC44"/>
+        <a:srgbClr val="BF7800"/>
       </a:hlink>
       <a:folHlink>
-        <a:srgbClr val="F6C781"/>
+        <a:srgbClr val="EF9511"/>
       </a:folHlink>
     </a:clrScheme>
     <a:fontScheme name="SoftUni">

--- a/Courses/Software-Sciences/Module-2-DS-and-Algo/03.1-Stack-and-Queue-Basics/03.1-Stack-and-Queue-Basics.pptx
+++ b/Courses/Software-Sciences/Module-2-DS-and-Algo/03.1-Stack-and-Queue-Basics/03.1-Stack-and-Queue-Basics.pptx
@@ -321,7 +321,7 @@
           <a:p>
             <a:fld id="{4E087215-0C8F-4762-A664-737A353EC9A4}" type="datetimeFigureOut">
               <a:rPr lang="bg-BG" smtClean="0"/>
-              <a:t>17.9.2023 г.</a:t>
+              <a:t>25.06.24 г.</a:t>
             </a:fld>
             <a:endParaRPr lang="bg-BG"/>
           </a:p>
@@ -517,7 +517,7 @@
           <a:p>
             <a:fld id="{72D84649-876A-46C9-8472-14CB09C070D8}" type="datetimeFigureOut">
               <a:rPr lang="en-US" smtClean="0"/>
-              <a:t>9/17/2023</a:t>
+              <a:t>6/25/24</a:t>
             </a:fld>
             <a:endParaRPr lang="en-US"/>
           </a:p>
@@ -23422,14 +23422,10 @@
           <a:lstStyle/>
           <a:p>
             <a:r>
-              <a:rPr lang="bg-BG"/>
-              <a:t>Опашка (</a:t>
-            </a:r>
-            <a:r>
-              <a:rPr lang="en-US"/>
-              <a:t>Queue)</a:t>
-            </a:r>
-            <a:endParaRPr lang="bg-BG"/>
+              <a:rPr lang="en-US" dirty="0"/>
+              <a:t>Enqueue(), Dequeue(), Peek()</a:t>
+            </a:r>
+            <a:endParaRPr lang="bg-BG" dirty="0"/>
           </a:p>
         </p:txBody>
       </p:sp>
@@ -23455,10 +23451,14 @@
           <a:lstStyle/>
           <a:p>
             <a:r>
-              <a:rPr lang="en-US"/>
-              <a:t>Enqueue(), Dequeue(), Peek()</a:t>
-            </a:r>
-            <a:endParaRPr lang="bg-BG"/>
+              <a:rPr lang="bg-BG" dirty="0"/>
+              <a:t>Опашка (</a:t>
+            </a:r>
+            <a:r>
+              <a:rPr lang="en-US" dirty="0"/>
+              <a:t>Queue)</a:t>
+            </a:r>
+            <a:endParaRPr lang="bg-BG" dirty="0"/>
           </a:p>
         </p:txBody>
       </p:sp>
@@ -31244,7 +31244,7 @@
         </p:nvSpPr>
         <p:spPr bwMode="auto">
           <a:xfrm>
-            <a:off x="577664" y="5303823"/>
+            <a:off x="1775000" y="5255986"/>
             <a:ext cx="4225919" cy="1076937"/>
           </a:xfrm>
           <a:prstGeom prst="rect">
@@ -31323,7 +31323,7 @@
         </p:nvSpPr>
         <p:spPr bwMode="auto">
           <a:xfrm>
-            <a:off x="6023664" y="5231837"/>
+            <a:off x="7221000" y="5184000"/>
             <a:ext cx="3620629" cy="1569251"/>
           </a:xfrm>
           <a:prstGeom prst="rect">
@@ -31420,7 +31420,7 @@
         </p:nvSpPr>
         <p:spPr>
           <a:xfrm>
-            <a:off x="5052636" y="5669768"/>
+            <a:off x="6374090" y="5634397"/>
             <a:ext cx="473738" cy="346142"/>
           </a:xfrm>
           <a:prstGeom prst="rightArrow">
@@ -37152,7 +37152,7 @@
 </file>
 
 <file path=ppt/slides/slide36.xml><?xml version="1.0" encoding="utf-8"?>
-<p:sld xmlns:a="http://schemas.openxmlformats.org/drawingml/2006/main" xmlns:r="http://schemas.openxmlformats.org/officeDocument/2006/relationships" xmlns:p="http://schemas.openxmlformats.org/presentationml/2006/main">
+<p:sld xmlns:a="http://schemas.openxmlformats.org/drawingml/2006/main" xmlns:r="http://schemas.openxmlformats.org/officeDocument/2006/relationships" xmlns:p="http://schemas.openxmlformats.org/presentationml/2006/main" show="0">
   <p:cSld>
     <p:spTree>
       <p:nvGrpSpPr>
@@ -37523,11 +37523,11 @@
   <p:clrMapOvr>
     <a:masterClrMapping/>
   </p:clrMapOvr>
-  <mc:AlternateContent xmlns:mc="http://schemas.openxmlformats.org/markup-compatibility/2006" xmlns:p14="http://schemas.microsoft.com/office/powerpoint/2010/main">
-    <mc:Choice Requires="p14">
+  <mc:AlternateContent xmlns:mc="http://schemas.openxmlformats.org/markup-compatibility/2006">
+    <mc:Choice xmlns:p14="http://schemas.microsoft.com/office/powerpoint/2010/main" Requires="p14">
       <p:transition spd="slow" p14:dur="2000" advClick="0" advTm="5000"/>
     </mc:Choice>
-    <mc:Fallback xmlns="">
+    <mc:Fallback>
       <p:transition spd="slow" advClick="0" advTm="5000"/>
     </mc:Fallback>
   </mc:AlternateContent>
@@ -42961,14 +42961,10 @@
           <a:lstStyle/>
           <a:p>
             <a:r>
-              <a:rPr lang="bg-BG"/>
-              <a:t>Стек (</a:t>
-            </a:r>
-            <a:r>
-              <a:rPr lang="en-US"/>
-              <a:t>Stack)</a:t>
-            </a:r>
-            <a:endParaRPr lang="bg-BG"/>
+              <a:rPr lang="en-US" dirty="0"/>
+              <a:t>Push(), Peek(), Pop()</a:t>
+            </a:r>
+            <a:endParaRPr lang="bg-BG" dirty="0"/>
           </a:p>
         </p:txBody>
       </p:sp>
@@ -42994,10 +42990,14 @@
           <a:lstStyle/>
           <a:p>
             <a:r>
-              <a:rPr lang="en-US"/>
-              <a:t>Push(), Peek(), Pop()</a:t>
-            </a:r>
-            <a:endParaRPr lang="bg-BG"/>
+              <a:rPr lang="bg-BG" dirty="0"/>
+              <a:t>Стек (</a:t>
+            </a:r>
+            <a:r>
+              <a:rPr lang="en-US" dirty="0"/>
+              <a:t>Stack)</a:t>
+            </a:r>
+            <a:endParaRPr lang="bg-BG" dirty="0"/>
           </a:p>
         </p:txBody>
       </p:sp>
